--- a/Lecture Slides/02 Open Project.pptx
+++ b/Lecture Slides/02 Open Project.pptx
@@ -23,11 +23,13 @@
     <p:sldId id="271" r:id="rId17"/>
     <p:sldId id="265" r:id="rId18"/>
     <p:sldId id="264" r:id="rId19"/>
-    <p:sldId id="262" r:id="rId20"/>
-    <p:sldId id="263" r:id="rId21"/>
-    <p:sldId id="272" r:id="rId22"/>
-    <p:sldId id="273" r:id="rId23"/>
-    <p:sldId id="280" r:id="rId24"/>
+    <p:sldId id="281" r:id="rId20"/>
+    <p:sldId id="262" r:id="rId21"/>
+    <p:sldId id="263" r:id="rId22"/>
+    <p:sldId id="272" r:id="rId23"/>
+    <p:sldId id="273" r:id="rId24"/>
+    <p:sldId id="282" r:id="rId25"/>
+    <p:sldId id="280" r:id="rId26"/>
   </p:sldIdLst>
   <p:sldSz cx="9144000" cy="6858000" type="screen4x3"/>
   <p:notesSz cx="7559675" cy="10691813"/>
@@ -263,7 +265,7 @@
           <a:p>
             <a:fld id="{5896A8B8-A7CB-914F-A9DE-93D0CA668D65}" type="datetimeFigureOut">
               <a:rPr lang="en-US" smtClean="0"/>
-              <a:t>9/25/2018</a:t>
+              <a:t>9/26/2018</a:t>
             </a:fld>
             <a:endParaRPr lang="en-US"/>
           </a:p>
@@ -426,7 +428,7 @@
           <a:p>
             <a:fld id="{5896A8B8-A7CB-914F-A9DE-93D0CA668D65}" type="datetimeFigureOut">
               <a:rPr lang="en-US" smtClean="0"/>
-              <a:t>9/25/2018</a:t>
+              <a:t>9/26/2018</a:t>
             </a:fld>
             <a:endParaRPr lang="en-US"/>
           </a:p>
@@ -599,7 +601,7 @@
           <a:p>
             <a:fld id="{5896A8B8-A7CB-914F-A9DE-93D0CA668D65}" type="datetimeFigureOut">
               <a:rPr lang="en-US" smtClean="0"/>
-              <a:t>9/25/2018</a:t>
+              <a:t>9/26/2018</a:t>
             </a:fld>
             <a:endParaRPr lang="en-US"/>
           </a:p>
@@ -810,7 +812,7 @@
           <a:p>
             <a:fld id="{5896A8B8-A7CB-914F-A9DE-93D0CA668D65}" type="datetimeFigureOut">
               <a:rPr lang="en-US" smtClean="0"/>
-              <a:t>9/25/2018</a:t>
+              <a:t>9/26/2018</a:t>
             </a:fld>
             <a:endParaRPr lang="en-US"/>
           </a:p>
@@ -1050,7 +1052,7 @@
           <a:p>
             <a:fld id="{5896A8B8-A7CB-914F-A9DE-93D0CA668D65}" type="datetimeFigureOut">
               <a:rPr lang="en-US" smtClean="0"/>
-              <a:t>9/25/2018</a:t>
+              <a:t>9/26/2018</a:t>
             </a:fld>
             <a:endParaRPr lang="en-US"/>
           </a:p>
@@ -1274,7 +1276,7 @@
           <a:p>
             <a:fld id="{5896A8B8-A7CB-914F-A9DE-93D0CA668D65}" type="datetimeFigureOut">
               <a:rPr lang="en-US" smtClean="0"/>
-              <a:t>9/25/2018</a:t>
+              <a:t>9/26/2018</a:t>
             </a:fld>
             <a:endParaRPr lang="en-US"/>
           </a:p>
@@ -1633,7 +1635,7 @@
           <a:p>
             <a:fld id="{5896A8B8-A7CB-914F-A9DE-93D0CA668D65}" type="datetimeFigureOut">
               <a:rPr lang="en-US" smtClean="0"/>
-              <a:t>9/25/2018</a:t>
+              <a:t>9/26/2018</a:t>
             </a:fld>
             <a:endParaRPr lang="en-US"/>
           </a:p>
@@ -1745,7 +1747,7 @@
           <a:p>
             <a:fld id="{5896A8B8-A7CB-914F-A9DE-93D0CA668D65}" type="datetimeFigureOut">
               <a:rPr lang="en-US" smtClean="0"/>
-              <a:t>9/25/2018</a:t>
+              <a:t>9/26/2018</a:t>
             </a:fld>
             <a:endParaRPr lang="en-US"/>
           </a:p>
@@ -1835,7 +1837,7 @@
           <a:p>
             <a:fld id="{5896A8B8-A7CB-914F-A9DE-93D0CA668D65}" type="datetimeFigureOut">
               <a:rPr lang="en-US" smtClean="0"/>
-              <a:t>9/25/2018</a:t>
+              <a:t>9/26/2018</a:t>
             </a:fld>
             <a:endParaRPr lang="en-US"/>
           </a:p>
@@ -2105,7 +2107,7 @@
           <a:p>
             <a:fld id="{5896A8B8-A7CB-914F-A9DE-93D0CA668D65}" type="datetimeFigureOut">
               <a:rPr lang="en-US" smtClean="0"/>
-              <a:t>9/25/2018</a:t>
+              <a:t>9/26/2018</a:t>
             </a:fld>
             <a:endParaRPr lang="en-US"/>
           </a:p>
@@ -2352,7 +2354,7 @@
           <a:p>
             <a:fld id="{5896A8B8-A7CB-914F-A9DE-93D0CA668D65}" type="datetimeFigureOut">
               <a:rPr lang="en-US" smtClean="0"/>
-              <a:t>9/25/2018</a:t>
+              <a:t>9/26/2018</a:t>
             </a:fld>
             <a:endParaRPr lang="en-US"/>
           </a:p>
@@ -2560,7 +2562,7 @@
             <a:fld id="{5896A8B8-A7CB-914F-A9DE-93D0CA668D65}" type="datetimeFigureOut">
               <a:rPr lang="en-US" smtClean="0"/>
               <a:pPr/>
-              <a:t>9/25/2018</a:t>
+              <a:t>9/26/2018</a:t>
             </a:fld>
             <a:endParaRPr lang="en-US"/>
           </a:p>
@@ -3308,14 +3310,14 @@
             <a:pPr lvl="0"/>
             <a:r>
               <a:rPr lang="en-GB" dirty="0"/>
-              <a:t>Agenda – A very brief overview of what the meeting should be about</a:t>
+              <a:t>Agenda – A very brief overview of what the meeting is intended to be about</a:t>
             </a:r>
           </a:p>
           <a:p>
             <a:pPr lvl="0"/>
             <a:r>
               <a:rPr lang="en-GB" dirty="0"/>
-              <a:t>Minutes – Any major decisions or actions arising from the meeting</a:t>
+              <a:t>Minutes – Any major decisions or actions arising from the meeting (a bullet-point list is fine !)</a:t>
             </a:r>
           </a:p>
         </p:txBody>
@@ -3811,7 +3813,7 @@
           <a:p>
             <a:r>
               <a:rPr lang="en-GB" dirty="0"/>
-              <a:t>Don’t expect you to predict everything at the start</a:t>
+              <a:t>We don’t expect you to predict it all in week 1</a:t>
             </a:r>
           </a:p>
           <a:p>
@@ -3824,6 +3826,12 @@
             <a:r>
               <a:rPr lang="en-GB" dirty="0"/>
               <a:t>Whole team should agree on significant changes</a:t>
+            </a:r>
+          </a:p>
+          <a:p>
+            <a:r>
+              <a:rPr lang="en-GB" dirty="0"/>
+              <a:t>Don’t just go in and hike up your effort hours !</a:t>
             </a:r>
           </a:p>
         </p:txBody>
@@ -4033,7 +4041,7 @@
           <a:p>
             <a:r>
               <a:rPr lang="en-GB" dirty="0"/>
-              <a:t>No need to use all work package types</a:t>
+              <a:t>Don’t feel you need to use all work package types</a:t>
             </a:r>
           </a:p>
           <a:p>
@@ -4076,10 +4084,10 @@
       </p:grpSpPr>
       <p:sp>
         <p:nvSpPr>
-          <p:cNvPr id="2" name="Title 1">
+          <p:cNvPr id="4" name="Title 3">
             <a:extLst>
               <a:ext uri="{FF2B5EF4-FFF2-40B4-BE49-F238E27FC236}">
-                <a16:creationId xmlns:a16="http://schemas.microsoft.com/office/drawing/2014/main" id="{28B4DDE3-84C6-4C3B-9755-3D6487B2A7E4}"/>
+                <a16:creationId xmlns:a16="http://schemas.microsoft.com/office/drawing/2014/main" id="{7CDE2FF9-0E7A-43DC-A61F-BB8863025C54}"/>
               </a:ext>
             </a:extLst>
           </p:cNvPr>
@@ -4095,90 +4103,22 @@
           <a:bodyPr/>
           <a:lstStyle/>
           <a:p>
-            <a:r>
-              <a:rPr lang="en-GB" dirty="0"/>
-              <a:t>Monitoring</a:t>
-            </a:r>
-          </a:p>
-        </p:txBody>
-      </p:sp>
-      <p:sp>
-        <p:nvSpPr>
-          <p:cNvPr id="3" name="Content Placeholder 2">
-            <a:extLst>
-              <a:ext uri="{FF2B5EF4-FFF2-40B4-BE49-F238E27FC236}">
-                <a16:creationId xmlns:a16="http://schemas.microsoft.com/office/drawing/2014/main" id="{4588F19C-498A-4DB4-98A7-F96A3EA73515}"/>
-              </a:ext>
-            </a:extLst>
-          </p:cNvPr>
-          <p:cNvSpPr>
-            <a:spLocks noGrp="1"/>
-          </p:cNvSpPr>
-          <p:nvPr>
-            <p:ph idx="1"/>
-          </p:nvPr>
-        </p:nvSpPr>
-        <p:spPr/>
-        <p:txBody>
-          <a:bodyPr/>
-          <a:lstStyle/>
-          <a:p>
-            <a:r>
-              <a:rPr lang="en-GB" dirty="0"/>
-              <a:t>OP provides us with project transparency</a:t>
-            </a:r>
-          </a:p>
-          <a:p>
-            <a:r>
-              <a:rPr lang="en-GB" dirty="0"/>
-              <a:t>We’ll be able to see what you are up to !</a:t>
-            </a:r>
-          </a:p>
-          <a:p>
-            <a:r>
-              <a:rPr lang="en-GB" dirty="0"/>
-              <a:t>This has a number of “benefits”…</a:t>
-            </a:r>
-          </a:p>
-          <a:p>
+            <a:pPr algn="ctr"/>
+            <a:r>
+              <a:rPr lang="en-GB" dirty="0"/>
+              <a:t>The BIG payoff ?</a:t>
+            </a:r>
+            <a:br>
+              <a:rPr lang="en-GB" dirty="0"/>
+            </a:br>
             <a:endParaRPr lang="en-GB" dirty="0"/>
-          </a:p>
-          <a:p>
-            <a:r>
-              <a:rPr lang="en-GB" dirty="0"/>
-              <a:t>We can monitor the patterns and flow of work</a:t>
-            </a:r>
-          </a:p>
-          <a:p>
-            <a:r>
-              <a:rPr lang="en-GB" dirty="0"/>
-              <a:t>We can spot problems early on</a:t>
-            </a:r>
-          </a:p>
-          <a:p>
-            <a:r>
-              <a:rPr lang="en-GB" dirty="0"/>
-              <a:t>We can “encourage” when work is falling behind</a:t>
-            </a:r>
-          </a:p>
-          <a:p>
-            <a:r>
-              <a:rPr lang="en-GB" dirty="0"/>
-              <a:t>We can tell if people aren’t pulling their weight</a:t>
-            </a:r>
-          </a:p>
-          <a:p>
-            <a:r>
-              <a:rPr lang="en-GB" dirty="0"/>
-              <a:t>We can mark teams on process, as well as product</a:t>
-            </a:r>
           </a:p>
         </p:txBody>
       </p:sp>
     </p:spTree>
     <p:extLst>
       <p:ext uri="{BB962C8B-B14F-4D97-AF65-F5344CB8AC3E}">
-        <p14:creationId xmlns:p14="http://schemas.microsoft.com/office/powerpoint/2010/main" val="1574101972"/>
+        <p14:creationId xmlns:p14="http://schemas.microsoft.com/office/powerpoint/2010/main" val="2568298180"/>
       </p:ext>
     </p:extLst>
   </p:cSld>
@@ -4274,6 +4214,12 @@
           </a:p>
           <a:p>
             <a:endParaRPr lang="en-GB" dirty="0"/>
+          </a:p>
+          <a:p>
+            <a:r>
+              <a:rPr lang="en-GB" dirty="0"/>
+              <a:t>We have it installed on our development server</a:t>
+            </a:r>
           </a:p>
           <a:p>
             <a:r>
@@ -4324,7 +4270,7 @@
           <p:cNvPr id="2" name="Title 1">
             <a:extLst>
               <a:ext uri="{FF2B5EF4-FFF2-40B4-BE49-F238E27FC236}">
-                <a16:creationId xmlns:a16="http://schemas.microsoft.com/office/drawing/2014/main" id="{F35733BB-C782-4634-A539-8D44F26FC7A3}"/>
+                <a16:creationId xmlns:a16="http://schemas.microsoft.com/office/drawing/2014/main" id="{28B4DDE3-84C6-4C3B-9755-3D6487B2A7E4}"/>
               </a:ext>
             </a:extLst>
           </p:cNvPr>
@@ -4342,7 +4288,7 @@
           <a:p>
             <a:r>
               <a:rPr lang="en-GB" dirty="0"/>
-              <a:t>Specific things we will be looking for</a:t>
+              <a:t>Monitoring</a:t>
             </a:r>
           </a:p>
         </p:txBody>
@@ -4352,7 +4298,7 @@
           <p:cNvPr id="3" name="Content Placeholder 2">
             <a:extLst>
               <a:ext uri="{FF2B5EF4-FFF2-40B4-BE49-F238E27FC236}">
-                <a16:creationId xmlns:a16="http://schemas.microsoft.com/office/drawing/2014/main" id="{9E1EE52C-534F-4676-84E9-980717139303}"/>
+                <a16:creationId xmlns:a16="http://schemas.microsoft.com/office/drawing/2014/main" id="{4588F19C-498A-4DB4-98A7-F96A3EA73515}"/>
               </a:ext>
             </a:extLst>
           </p:cNvPr>
@@ -4370,31 +4316,52 @@
           <a:p>
             <a:r>
               <a:rPr lang="en-GB" dirty="0"/>
-              <a:t>Detailed and realistic project plans</a:t>
-            </a:r>
-          </a:p>
-          <a:p>
-            <a:r>
-              <a:rPr lang="en-GB" dirty="0"/>
-              <a:t>Team and Individual engagement with OP</a:t>
-            </a:r>
-          </a:p>
-          <a:p>
-            <a:r>
-              <a:rPr lang="en-GB" dirty="0"/>
-              <a:t>Individual contribution to work packages</a:t>
-            </a:r>
-          </a:p>
-          <a:p>
-            <a:r>
-              <a:rPr lang="en-GB" dirty="0"/>
-              <a:t>Individual attendance at project meetings</a:t>
-            </a:r>
-          </a:p>
-          <a:p>
-            <a:r>
-              <a:rPr lang="en-GB" dirty="0"/>
-              <a:t>Keeping to due-dates, milestones and deadlines</a:t>
+              <a:t>OP provides us with PROJECT TRANSPARENCY</a:t>
+            </a:r>
+          </a:p>
+          <a:p>
+            <a:r>
+              <a:rPr lang="en-GB" dirty="0"/>
+              <a:t>We can see WHAT you are up to and WHEN</a:t>
+            </a:r>
+          </a:p>
+          <a:p>
+            <a:r>
+              <a:rPr lang="en-GB" dirty="0"/>
+              <a:t>This has a number of “benefits”…</a:t>
+            </a:r>
+          </a:p>
+          <a:p>
+            <a:endParaRPr lang="en-GB" dirty="0"/>
+          </a:p>
+          <a:p>
+            <a:r>
+              <a:rPr lang="en-GB" dirty="0"/>
+              <a:t>We can monitor the patterns and flow of work</a:t>
+            </a:r>
+          </a:p>
+          <a:p>
+            <a:r>
+              <a:rPr lang="en-GB" dirty="0"/>
+              <a:t>We can spot problems early on</a:t>
+            </a:r>
+          </a:p>
+          <a:p>
+            <a:r>
+              <a:rPr lang="en-GB" dirty="0"/>
+              <a:t>We can “encourage” when work is falling behind</a:t>
+            </a:r>
+          </a:p>
+          <a:p>
+            <a:r>
+              <a:rPr lang="en-GB" dirty="0"/>
+              <a:t>We can tell if people aren’t pulling their weight</a:t>
+            </a:r>
+          </a:p>
+          <a:p>
+            <a:r>
+              <a:rPr lang="en-GB" dirty="0"/>
+              <a:t>We can mark teams on process, as well as product</a:t>
             </a:r>
           </a:p>
         </p:txBody>
@@ -4402,7 +4369,7 @@
     </p:spTree>
     <p:extLst>
       <p:ext uri="{BB962C8B-B14F-4D97-AF65-F5344CB8AC3E}">
-        <p14:creationId xmlns:p14="http://schemas.microsoft.com/office/powerpoint/2010/main" val="1530531459"/>
+        <p14:creationId xmlns:p14="http://schemas.microsoft.com/office/powerpoint/2010/main" val="1574101972"/>
       </p:ext>
     </p:extLst>
   </p:cSld>
@@ -4434,7 +4401,7 @@
           <p:cNvPr id="2" name="Title 1">
             <a:extLst>
               <a:ext uri="{FF2B5EF4-FFF2-40B4-BE49-F238E27FC236}">
-                <a16:creationId xmlns:a16="http://schemas.microsoft.com/office/drawing/2014/main" id="{A10943E5-00F9-44CE-A3EF-B6F2580361D8}"/>
+                <a16:creationId xmlns:a16="http://schemas.microsoft.com/office/drawing/2014/main" id="{F35733BB-C782-4634-A539-8D44F26FC7A3}"/>
               </a:ext>
             </a:extLst>
           </p:cNvPr>
@@ -4452,7 +4419,7 @@
           <a:p>
             <a:r>
               <a:rPr lang="en-GB" dirty="0"/>
-              <a:t>Warning</a:t>
+              <a:t>Specific things we will be looking for</a:t>
             </a:r>
           </a:p>
         </p:txBody>
@@ -4462,7 +4429,7 @@
           <p:cNvPr id="3" name="Content Placeholder 2">
             <a:extLst>
               <a:ext uri="{FF2B5EF4-FFF2-40B4-BE49-F238E27FC236}">
-                <a16:creationId xmlns:a16="http://schemas.microsoft.com/office/drawing/2014/main" id="{85D63A4F-810B-40EF-B5E0-815BAC478468}"/>
+                <a16:creationId xmlns:a16="http://schemas.microsoft.com/office/drawing/2014/main" id="{9E1EE52C-534F-4676-84E9-980717139303}"/>
               </a:ext>
             </a:extLst>
           </p:cNvPr>
@@ -4475,49 +4442,36 @@
         </p:nvSpPr>
         <p:spPr/>
         <p:txBody>
-          <a:bodyPr>
-            <a:normAutofit/>
-          </a:bodyPr>
-          <a:lstStyle/>
-          <a:p>
-            <a:r>
-              <a:rPr lang="en-GB" dirty="0"/>
-              <a:t>You MUST use open-project to its full potential…</a:t>
-            </a:r>
-          </a:p>
-          <a:p>
-            <a:pPr lvl="0"/>
-            <a:r>
-              <a:rPr lang="en-GB" dirty="0"/>
-              <a:t>If there is work to be done, it must appear as a work package (with a realistic estimate of hours)</a:t>
-            </a:r>
-          </a:p>
-          <a:p>
-            <a:pPr lvl="0"/>
-            <a:r>
-              <a:rPr lang="en-GB" dirty="0"/>
-              <a:t>If you are doing that work, you must be recorded as the assignee</a:t>
-            </a:r>
-          </a:p>
-          <a:p>
-            <a:pPr lvl="0"/>
-            <a:r>
-              <a:rPr lang="en-GB" dirty="0"/>
-              <a:t>When work is progressing, you must update the progress % and status (so we can see !)</a:t>
-            </a:r>
-          </a:p>
-          <a:p>
-            <a:pPr lvl="0"/>
-            <a:r>
-              <a:rPr lang="en-GB" dirty="0"/>
-              <a:t>If there is a meeting, it must be entered</a:t>
-            </a:r>
-          </a:p>
-          <a:p>
-            <a:pPr lvl="0"/>
-            <a:r>
-              <a:rPr lang="en-GB" dirty="0"/>
-              <a:t>If someone missed a meeting, it must be recorded</a:t>
+          <a:bodyPr/>
+          <a:lstStyle/>
+          <a:p>
+            <a:r>
+              <a:rPr lang="en-GB" dirty="0"/>
+              <a:t>Detailed and realistic project plans</a:t>
+            </a:r>
+          </a:p>
+          <a:p>
+            <a:r>
+              <a:rPr lang="en-GB" dirty="0"/>
+              <a:t>Team and Individual engagement with OP</a:t>
+            </a:r>
+          </a:p>
+          <a:p>
+            <a:r>
+              <a:rPr lang="en-GB" dirty="0"/>
+              <a:t>Individual contribution to work packages</a:t>
+            </a:r>
+          </a:p>
+          <a:p>
+            <a:r>
+              <a:rPr lang="en-GB" dirty="0"/>
+              <a:t>Individual attendance at project meetings</a:t>
+            </a:r>
+          </a:p>
+          <a:p>
+            <a:r>
+              <a:rPr lang="en-GB" dirty="0"/>
+              <a:t>Keeping to due-dates, milestones and deadlines</a:t>
             </a:r>
           </a:p>
         </p:txBody>
@@ -4525,7 +4479,7 @@
     </p:spTree>
     <p:extLst>
       <p:ext uri="{BB962C8B-B14F-4D97-AF65-F5344CB8AC3E}">
-        <p14:creationId xmlns:p14="http://schemas.microsoft.com/office/powerpoint/2010/main" val="722418536"/>
+        <p14:creationId xmlns:p14="http://schemas.microsoft.com/office/powerpoint/2010/main" val="1530531459"/>
       </p:ext>
     </p:extLst>
   </p:cSld>
@@ -4557,6 +4511,129 @@
           <p:cNvPr id="2" name="Title 1">
             <a:extLst>
               <a:ext uri="{FF2B5EF4-FFF2-40B4-BE49-F238E27FC236}">
+                <a16:creationId xmlns:a16="http://schemas.microsoft.com/office/drawing/2014/main" id="{A10943E5-00F9-44CE-A3EF-B6F2580361D8}"/>
+              </a:ext>
+            </a:extLst>
+          </p:cNvPr>
+          <p:cNvSpPr>
+            <a:spLocks noGrp="1"/>
+          </p:cNvSpPr>
+          <p:nvPr>
+            <p:ph type="title"/>
+          </p:nvPr>
+        </p:nvSpPr>
+        <p:spPr/>
+        <p:txBody>
+          <a:bodyPr/>
+          <a:lstStyle/>
+          <a:p>
+            <a:r>
+              <a:rPr lang="en-GB" dirty="0"/>
+              <a:t>Warning: Capture Data !</a:t>
+            </a:r>
+          </a:p>
+        </p:txBody>
+      </p:sp>
+      <p:sp>
+        <p:nvSpPr>
+          <p:cNvPr id="3" name="Content Placeholder 2">
+            <a:extLst>
+              <a:ext uri="{FF2B5EF4-FFF2-40B4-BE49-F238E27FC236}">
+                <a16:creationId xmlns:a16="http://schemas.microsoft.com/office/drawing/2014/main" id="{85D63A4F-810B-40EF-B5E0-815BAC478468}"/>
+              </a:ext>
+            </a:extLst>
+          </p:cNvPr>
+          <p:cNvSpPr>
+            <a:spLocks noGrp="1"/>
+          </p:cNvSpPr>
+          <p:nvPr>
+            <p:ph idx="1"/>
+          </p:nvPr>
+        </p:nvSpPr>
+        <p:spPr/>
+        <p:txBody>
+          <a:bodyPr>
+            <a:normAutofit/>
+          </a:bodyPr>
+          <a:lstStyle/>
+          <a:p>
+            <a:r>
+              <a:rPr lang="en-GB" dirty="0"/>
+              <a:t>You MUST use open-project to its full potential…</a:t>
+            </a:r>
+          </a:p>
+          <a:p>
+            <a:pPr lvl="0"/>
+            <a:r>
+              <a:rPr lang="en-GB" dirty="0"/>
+              <a:t>If there is work to be done, it must appear as a work package (with a realistic estimate of hours)</a:t>
+            </a:r>
+          </a:p>
+          <a:p>
+            <a:pPr lvl="0"/>
+            <a:r>
+              <a:rPr lang="en-GB" dirty="0"/>
+              <a:t>If you are doing that work, you must be recorded as the assignee</a:t>
+            </a:r>
+          </a:p>
+          <a:p>
+            <a:pPr lvl="0"/>
+            <a:r>
+              <a:rPr lang="en-GB" dirty="0"/>
+              <a:t>When work is progressing, you must update the progress % and status (so we can see !)</a:t>
+            </a:r>
+          </a:p>
+          <a:p>
+            <a:pPr lvl="0"/>
+            <a:r>
+              <a:rPr lang="en-GB" dirty="0"/>
+              <a:t>If there is a meeting, it must be entered</a:t>
+            </a:r>
+          </a:p>
+          <a:p>
+            <a:pPr lvl="0"/>
+            <a:r>
+              <a:rPr lang="en-GB" dirty="0"/>
+              <a:t>If someone missed a meeting, it must be recorded</a:t>
+            </a:r>
+          </a:p>
+        </p:txBody>
+      </p:sp>
+    </p:spTree>
+    <p:extLst>
+      <p:ext uri="{BB962C8B-B14F-4D97-AF65-F5344CB8AC3E}">
+        <p14:creationId xmlns:p14="http://schemas.microsoft.com/office/powerpoint/2010/main" val="722418536"/>
+      </p:ext>
+    </p:extLst>
+  </p:cSld>
+  <p:clrMapOvr>
+    <a:masterClrMapping/>
+  </p:clrMapOvr>
+</p:sld>
+</file>
+
+<file path=ppt/slides/slide23.xml><?xml version="1.0" encoding="utf-8"?>
+<p:sld xmlns:a="http://schemas.openxmlformats.org/drawingml/2006/main" xmlns:r="http://schemas.openxmlformats.org/officeDocument/2006/relationships" xmlns:p="http://schemas.openxmlformats.org/presentationml/2006/main">
+  <p:cSld>
+    <p:spTree>
+      <p:nvGrpSpPr>
+        <p:cNvPr id="1" name=""/>
+        <p:cNvGrpSpPr/>
+        <p:nvPr/>
+      </p:nvGrpSpPr>
+      <p:grpSpPr>
+        <a:xfrm>
+          <a:off x="0" y="0"/>
+          <a:ext cx="0" cy="0"/>
+          <a:chOff x="0" y="0"/>
+          <a:chExt cx="0" cy="0"/>
+        </a:xfrm>
+      </p:grpSpPr>
+      <p:sp>
+        <p:nvSpPr>
+          <p:cNvPr id="2" name="Title 1">
+            <a:extLst>
+              <a:ext uri="{FF2B5EF4-FFF2-40B4-BE49-F238E27FC236}">
                 <a16:creationId xmlns:a16="http://schemas.microsoft.com/office/drawing/2014/main" id="{1865A318-3592-45F2-A594-BA5036F16B26}"/>
               </a:ext>
             </a:extLst>
@@ -4607,8 +4684,23 @@
               <a:buNone/>
             </a:pPr>
             <a:r>
-              <a:rPr lang="en-GB" sz="3200" dirty="0"/>
-              <a:t>Recording information accurately is essential so that we can keep track of progress and identify “under engagement”. When we come to mark the coursework, these issues will impact the individual grades that students will be awarded.</a:t>
+              <a:rPr lang="en-GB" sz="2800" dirty="0"/>
+              <a:t>Recording information accurately is essential so that we can keep track of progress and identify “under engagement”.</a:t>
+            </a:r>
+          </a:p>
+          <a:p>
+            <a:pPr marL="0" indent="0" algn="ctr">
+              <a:buNone/>
+            </a:pPr>
+            <a:endParaRPr lang="en-GB" sz="2800" dirty="0"/>
+          </a:p>
+          <a:p>
+            <a:pPr marL="0" indent="0" algn="ctr">
+              <a:buNone/>
+            </a:pPr>
+            <a:r>
+              <a:rPr lang="en-GB" sz="2800" dirty="0"/>
+              <a:t>When we come to mark the projects at the end of the year, these issues will impact the individual grades students will be awarded.</a:t>
             </a:r>
           </a:p>
         </p:txBody>
@@ -4626,7 +4718,135 @@
 </p:sld>
 </file>
 
-<file path=ppt/slides/slide23.xml><?xml version="1.0" encoding="utf-8"?>
+<file path=ppt/slides/slide24.xml><?xml version="1.0" encoding="utf-8"?>
+<p:sld xmlns:a="http://schemas.openxmlformats.org/drawingml/2006/main" xmlns:r="http://schemas.openxmlformats.org/officeDocument/2006/relationships" xmlns:p="http://schemas.openxmlformats.org/presentationml/2006/main">
+  <p:cSld>
+    <p:spTree>
+      <p:nvGrpSpPr>
+        <p:cNvPr id="1" name=""/>
+        <p:cNvGrpSpPr/>
+        <p:nvPr/>
+      </p:nvGrpSpPr>
+      <p:grpSpPr>
+        <a:xfrm>
+          <a:off x="0" y="0"/>
+          <a:ext cx="0" cy="0"/>
+          <a:chOff x="0" y="0"/>
+          <a:chExt cx="0" cy="0"/>
+        </a:xfrm>
+      </p:grpSpPr>
+      <p:sp>
+        <p:nvSpPr>
+          <p:cNvPr id="2" name="Title 1">
+            <a:extLst>
+              <a:ext uri="{FF2B5EF4-FFF2-40B4-BE49-F238E27FC236}">
+                <a16:creationId xmlns:a16="http://schemas.microsoft.com/office/drawing/2014/main" id="{8C31094E-49AB-4594-BB34-42937658BA61}"/>
+              </a:ext>
+            </a:extLst>
+          </p:cNvPr>
+          <p:cNvSpPr>
+            <a:spLocks noGrp="1"/>
+          </p:cNvSpPr>
+          <p:nvPr>
+            <p:ph type="title"/>
+          </p:nvPr>
+        </p:nvSpPr>
+        <p:spPr/>
+        <p:txBody>
+          <a:bodyPr/>
+          <a:lstStyle/>
+          <a:p>
+            <a:r>
+              <a:rPr lang="en-GB" dirty="0"/>
+              <a:t>This is not a normal unit !</a:t>
+            </a:r>
+          </a:p>
+        </p:txBody>
+      </p:sp>
+      <p:sp>
+        <p:nvSpPr>
+          <p:cNvPr id="3" name="Content Placeholder 2">
+            <a:extLst>
+              <a:ext uri="{FF2B5EF4-FFF2-40B4-BE49-F238E27FC236}">
+                <a16:creationId xmlns:a16="http://schemas.microsoft.com/office/drawing/2014/main" id="{EB718C4B-6318-433D-B34B-B3400F49E898}"/>
+              </a:ext>
+            </a:extLst>
+          </p:cNvPr>
+          <p:cNvSpPr>
+            <a:spLocks noGrp="1"/>
+          </p:cNvSpPr>
+          <p:nvPr>
+            <p:ph idx="1"/>
+          </p:nvPr>
+        </p:nvSpPr>
+        <p:spPr/>
+        <p:txBody>
+          <a:bodyPr/>
+          <a:lstStyle/>
+          <a:p>
+            <a:r>
+              <a:rPr lang="en-GB" dirty="0"/>
+              <a:t>You can’t just attend passively</a:t>
+            </a:r>
+          </a:p>
+          <a:p>
+            <a:r>
+              <a:rPr lang="en-GB" dirty="0"/>
+              <a:t>Then work hard on assignment/exam at the end</a:t>
+            </a:r>
+          </a:p>
+          <a:p>
+            <a:endParaRPr lang="en-GB" dirty="0"/>
+          </a:p>
+          <a:p>
+            <a:r>
+              <a:rPr lang="en-GB" dirty="0"/>
+              <a:t>You need to proactivity engage and DO stuff</a:t>
+            </a:r>
+          </a:p>
+          <a:p>
+            <a:r>
+              <a:rPr lang="en-GB" dirty="0"/>
+              <a:t>Throughout the whole of the unit</a:t>
+            </a:r>
+          </a:p>
+          <a:p>
+            <a:r>
+              <a:rPr lang="en-GB" dirty="0"/>
+              <a:t>Fight for work – grab hold of tasks you excel at</a:t>
+            </a:r>
+          </a:p>
+          <a:p>
+            <a:endParaRPr lang="en-GB" dirty="0"/>
+          </a:p>
+          <a:p>
+            <a:r>
+              <a:rPr lang="en-GB" dirty="0"/>
+              <a:t>This may be an familiar behaviour for some</a:t>
+            </a:r>
+          </a:p>
+          <a:p>
+            <a:r>
+              <a:rPr lang="en-GB" dirty="0"/>
+              <a:t>Which is why we have introduced a prompt…</a:t>
+            </a:r>
+          </a:p>
+        </p:txBody>
+      </p:sp>
+    </p:spTree>
+    <p:extLst>
+      <p:ext uri="{BB962C8B-B14F-4D97-AF65-F5344CB8AC3E}">
+        <p14:creationId xmlns:p14="http://schemas.microsoft.com/office/powerpoint/2010/main" val="3568784488"/>
+      </p:ext>
+    </p:extLst>
+  </p:cSld>
+  <p:clrMapOvr>
+    <a:masterClrMapping/>
+  </p:clrMapOvr>
+</p:sld>
+</file>
+
+<file path=ppt/slides/slide25.xml><?xml version="1.0" encoding="utf-8"?>
 <p:sld xmlns:a="http://schemas.openxmlformats.org/drawingml/2006/main" xmlns:r="http://schemas.openxmlformats.org/officeDocument/2006/relationships" xmlns:p="http://schemas.openxmlformats.org/presentationml/2006/main">
   <p:cSld>
     <p:spTree>
@@ -4980,7 +5200,7 @@
           <a:p>
             <a:r>
               <a:rPr lang="en-GB" dirty="0"/>
-              <a:t>We have set up a hosted OP instance:</a:t>
+              <a:t>You can access Open Project at this URL:</a:t>
             </a:r>
           </a:p>
           <a:p>
@@ -5001,19 +5221,19 @@
           <a:p>
             <a:r>
               <a:rPr lang="en-GB" dirty="0"/>
-              <a:t>Each team will have a project already created</a:t>
-            </a:r>
-          </a:p>
-          <a:p>
-            <a:r>
-              <a:rPr lang="en-GB" dirty="0"/>
-              <a:t>You will be send an invite to join OP</a:t>
-            </a:r>
-          </a:p>
-          <a:p>
-            <a:r>
-              <a:rPr lang="en-GB" dirty="0"/>
-              <a:t>You should already be added to your project</a:t>
+              <a:t>Each team will have a project created for them</a:t>
+            </a:r>
+          </a:p>
+          <a:p>
+            <a:r>
+              <a:rPr lang="en-GB" dirty="0"/>
+              <a:t>You will be sent an invite to join OP</a:t>
+            </a:r>
+          </a:p>
+          <a:p>
+            <a:r>
+              <a:rPr lang="en-GB" dirty="0"/>
+              <a:t>You should already be added to your project !</a:t>
             </a:r>
           </a:p>
         </p:txBody>
@@ -5071,7 +5291,7 @@
           <a:p>
             <a:r>
               <a:rPr lang="en-GB" dirty="0"/>
-              <a:t>Getting Started with OP</a:t>
+              <a:t>“Getting started” within OP</a:t>
             </a:r>
           </a:p>
         </p:txBody>
@@ -5125,13 +5345,13 @@
           <a:p>
             <a:r>
               <a:rPr lang="en-GB" dirty="0"/>
+              <a:t>Create an activity timeline</a:t>
+            </a:r>
+          </a:p>
+          <a:p>
+            <a:r>
+              <a:rPr lang="en-GB" dirty="0"/>
               <a:t>Add work package dependencies</a:t>
-            </a:r>
-          </a:p>
-          <a:p>
-            <a:r>
-              <a:rPr lang="en-GB" dirty="0"/>
-              <a:t>Create an activity timeline</a:t>
             </a:r>
           </a:p>
           <a:p>
@@ -5232,7 +5452,7 @@
             </a:pPr>
             <a:r>
               <a:rPr lang="en-GB" dirty="0"/>
-              <a:t>A project in OP is based around work packages</a:t>
+              <a:t>A project in OP is based around “work packages”</a:t>
             </a:r>
           </a:p>
           <a:p>
@@ -5487,7 +5707,7 @@
         </p:blipFill>
         <p:spPr>
           <a:xfrm>
-            <a:off x="0" y="897993"/>
+            <a:off x="0" y="1676926"/>
             <a:ext cx="9119478" cy="4565827"/>
           </a:xfrm>
           <a:prstGeom prst="rect">
@@ -5495,6 +5715,43 @@
           </a:prstGeom>
         </p:spPr>
       </p:pic>
+      <p:sp>
+        <p:nvSpPr>
+          <p:cNvPr id="3" name="Title 1">
+            <a:extLst>
+              <a:ext uri="{FF2B5EF4-FFF2-40B4-BE49-F238E27FC236}">
+                <a16:creationId xmlns:a16="http://schemas.microsoft.com/office/drawing/2014/main" id="{84CF5B99-A024-4B0B-9B1C-889B241E986C}"/>
+              </a:ext>
+            </a:extLst>
+          </p:cNvPr>
+          <p:cNvSpPr>
+            <a:spLocks noGrp="1"/>
+          </p:cNvSpPr>
+          <p:nvPr>
+            <p:ph type="title"/>
+          </p:nvPr>
+        </p:nvSpPr>
+        <p:spPr>
+          <a:xfrm>
+            <a:off x="628650" y="365126"/>
+            <a:ext cx="7886700" cy="1325563"/>
+          </a:xfrm>
+        </p:spPr>
+        <p:txBody>
+          <a:bodyPr/>
+          <a:lstStyle/>
+          <a:p>
+            <a:r>
+              <a:rPr lang="en-GB" dirty="0">
+                <a:solidFill>
+                  <a:schemeClr val="tx1"/>
+                </a:solidFill>
+              </a:rPr>
+              <a:t>Activity Timeline (Gantt chart)</a:t>
+            </a:r>
+          </a:p>
+        </p:txBody>
+      </p:sp>
     </p:spTree>
     <p:extLst>
       <p:ext uri="{BB962C8B-B14F-4D97-AF65-F5344CB8AC3E}">

--- a/Lecture Slides/02 Open Project.pptx
+++ b/Lecture Slides/02 Open Project.pptx
@@ -30,6 +30,9 @@
     <p:sldId id="273" r:id="rId24"/>
     <p:sldId id="282" r:id="rId25"/>
     <p:sldId id="280" r:id="rId26"/>
+    <p:sldId id="285" r:id="rId27"/>
+    <p:sldId id="283" r:id="rId28"/>
+    <p:sldId id="284" r:id="rId29"/>
   </p:sldIdLst>
   <p:sldSz cx="9144000" cy="6858000" type="screen4x3"/>
   <p:notesSz cx="7559675" cy="10691813"/>
@@ -265,7 +268,7 @@
           <a:p>
             <a:fld id="{5896A8B8-A7CB-914F-A9DE-93D0CA668D65}" type="datetimeFigureOut">
               <a:rPr lang="en-US" smtClean="0"/>
-              <a:t>9/26/2018</a:t>
+              <a:t>10/1/2018</a:t>
             </a:fld>
             <a:endParaRPr lang="en-US"/>
           </a:p>
@@ -428,7 +431,7 @@
           <a:p>
             <a:fld id="{5896A8B8-A7CB-914F-A9DE-93D0CA668D65}" type="datetimeFigureOut">
               <a:rPr lang="en-US" smtClean="0"/>
-              <a:t>9/26/2018</a:t>
+              <a:t>10/1/2018</a:t>
             </a:fld>
             <a:endParaRPr lang="en-US"/>
           </a:p>
@@ -601,7 +604,7 @@
           <a:p>
             <a:fld id="{5896A8B8-A7CB-914F-A9DE-93D0CA668D65}" type="datetimeFigureOut">
               <a:rPr lang="en-US" smtClean="0"/>
-              <a:t>9/26/2018</a:t>
+              <a:t>10/1/2018</a:t>
             </a:fld>
             <a:endParaRPr lang="en-US"/>
           </a:p>
@@ -812,7 +815,7 @@
           <a:p>
             <a:fld id="{5896A8B8-A7CB-914F-A9DE-93D0CA668D65}" type="datetimeFigureOut">
               <a:rPr lang="en-US" smtClean="0"/>
-              <a:t>9/26/2018</a:t>
+              <a:t>10/1/2018</a:t>
             </a:fld>
             <a:endParaRPr lang="en-US"/>
           </a:p>
@@ -1052,7 +1055,7 @@
           <a:p>
             <a:fld id="{5896A8B8-A7CB-914F-A9DE-93D0CA668D65}" type="datetimeFigureOut">
               <a:rPr lang="en-US" smtClean="0"/>
-              <a:t>9/26/2018</a:t>
+              <a:t>10/1/2018</a:t>
             </a:fld>
             <a:endParaRPr lang="en-US"/>
           </a:p>
@@ -1276,7 +1279,7 @@
           <a:p>
             <a:fld id="{5896A8B8-A7CB-914F-A9DE-93D0CA668D65}" type="datetimeFigureOut">
               <a:rPr lang="en-US" smtClean="0"/>
-              <a:t>9/26/2018</a:t>
+              <a:t>10/1/2018</a:t>
             </a:fld>
             <a:endParaRPr lang="en-US"/>
           </a:p>
@@ -1635,7 +1638,7 @@
           <a:p>
             <a:fld id="{5896A8B8-A7CB-914F-A9DE-93D0CA668D65}" type="datetimeFigureOut">
               <a:rPr lang="en-US" smtClean="0"/>
-              <a:t>9/26/2018</a:t>
+              <a:t>10/1/2018</a:t>
             </a:fld>
             <a:endParaRPr lang="en-US"/>
           </a:p>
@@ -1747,7 +1750,7 @@
           <a:p>
             <a:fld id="{5896A8B8-A7CB-914F-A9DE-93D0CA668D65}" type="datetimeFigureOut">
               <a:rPr lang="en-US" smtClean="0"/>
-              <a:t>9/26/2018</a:t>
+              <a:t>10/1/2018</a:t>
             </a:fld>
             <a:endParaRPr lang="en-US"/>
           </a:p>
@@ -1837,7 +1840,7 @@
           <a:p>
             <a:fld id="{5896A8B8-A7CB-914F-A9DE-93D0CA668D65}" type="datetimeFigureOut">
               <a:rPr lang="en-US" smtClean="0"/>
-              <a:t>9/26/2018</a:t>
+              <a:t>10/1/2018</a:t>
             </a:fld>
             <a:endParaRPr lang="en-US"/>
           </a:p>
@@ -2107,7 +2110,7 @@
           <a:p>
             <a:fld id="{5896A8B8-A7CB-914F-A9DE-93D0CA668D65}" type="datetimeFigureOut">
               <a:rPr lang="en-US" smtClean="0"/>
-              <a:t>9/26/2018</a:t>
+              <a:t>10/1/2018</a:t>
             </a:fld>
             <a:endParaRPr lang="en-US"/>
           </a:p>
@@ -2354,7 +2357,7 @@
           <a:p>
             <a:fld id="{5896A8B8-A7CB-914F-A9DE-93D0CA668D65}" type="datetimeFigureOut">
               <a:rPr lang="en-US" smtClean="0"/>
-              <a:t>9/26/2018</a:t>
+              <a:t>10/1/2018</a:t>
             </a:fld>
             <a:endParaRPr lang="en-US"/>
           </a:p>
@@ -2562,7 +2565,7 @@
             <a:fld id="{5896A8B8-A7CB-914F-A9DE-93D0CA668D65}" type="datetimeFigureOut">
               <a:rPr lang="en-US" smtClean="0"/>
               <a:pPr/>
-              <a:t>9/26/2018</a:t>
+              <a:t>10/1/2018</a:t>
             </a:fld>
             <a:endParaRPr lang="en-US"/>
           </a:p>
@@ -4983,6 +4986,659 @@
 </p:sld>
 </file>
 
+<file path=ppt/slides/slide26.xml><?xml version="1.0" encoding="utf-8"?>
+<p:sld xmlns:a="http://schemas.openxmlformats.org/drawingml/2006/main" xmlns:r="http://schemas.openxmlformats.org/officeDocument/2006/relationships" xmlns:p="http://schemas.openxmlformats.org/presentationml/2006/main">
+  <p:cSld>
+    <p:spTree>
+      <p:nvGrpSpPr>
+        <p:cNvPr id="1" name=""/>
+        <p:cNvGrpSpPr/>
+        <p:nvPr/>
+      </p:nvGrpSpPr>
+      <p:grpSpPr>
+        <a:xfrm>
+          <a:off x="0" y="0"/>
+          <a:ext cx="0" cy="0"/>
+          <a:chOff x="0" y="0"/>
+          <a:chExt cx="0" cy="0"/>
+        </a:xfrm>
+      </p:grpSpPr>
+      <p:sp>
+        <p:nvSpPr>
+          <p:cNvPr id="4" name="Title 3">
+            <a:extLst>
+              <a:ext uri="{FF2B5EF4-FFF2-40B4-BE49-F238E27FC236}">
+                <a16:creationId xmlns:a16="http://schemas.microsoft.com/office/drawing/2014/main" id="{0BAD0073-1AA0-4CE0-B3C4-6870718C2810}"/>
+              </a:ext>
+            </a:extLst>
+          </p:cNvPr>
+          <p:cNvSpPr>
+            <a:spLocks noGrp="1"/>
+          </p:cNvSpPr>
+          <p:nvPr>
+            <p:ph type="title"/>
+          </p:nvPr>
+        </p:nvSpPr>
+        <p:spPr/>
+        <p:txBody>
+          <a:bodyPr/>
+          <a:lstStyle/>
+          <a:p>
+            <a:r>
+              <a:rPr lang="en-GB" dirty="0"/>
+              <a:t>Example Activity Timeline ?</a:t>
+            </a:r>
+          </a:p>
+        </p:txBody>
+      </p:sp>
+      <p:sp>
+        <p:nvSpPr>
+          <p:cNvPr id="5" name="Text Placeholder 4">
+            <a:extLst>
+              <a:ext uri="{FF2B5EF4-FFF2-40B4-BE49-F238E27FC236}">
+                <a16:creationId xmlns:a16="http://schemas.microsoft.com/office/drawing/2014/main" id="{0DBBDBC0-4D3C-4CD3-8C80-BB73B8B409EE}"/>
+              </a:ext>
+            </a:extLst>
+          </p:cNvPr>
+          <p:cNvSpPr>
+            <a:spLocks noGrp="1"/>
+          </p:cNvSpPr>
+          <p:nvPr>
+            <p:ph type="body" idx="1"/>
+          </p:nvPr>
+        </p:nvSpPr>
+        <p:spPr/>
+        <p:txBody>
+          <a:bodyPr/>
+          <a:lstStyle/>
+          <a:p>
+            <a:endParaRPr lang="en-GB"/>
+          </a:p>
+        </p:txBody>
+      </p:sp>
+    </p:spTree>
+    <p:extLst>
+      <p:ext uri="{BB962C8B-B14F-4D97-AF65-F5344CB8AC3E}">
+        <p14:creationId xmlns:p14="http://schemas.microsoft.com/office/powerpoint/2010/main" val="1019443653"/>
+      </p:ext>
+    </p:extLst>
+  </p:cSld>
+  <p:clrMapOvr>
+    <a:masterClrMapping/>
+  </p:clrMapOvr>
+</p:sld>
+</file>
+
+<file path=ppt/slides/slide27.xml><?xml version="1.0" encoding="utf-8"?>
+<p:sld xmlns:a="http://schemas.openxmlformats.org/drawingml/2006/main" xmlns:r="http://schemas.openxmlformats.org/officeDocument/2006/relationships" xmlns:p="http://schemas.openxmlformats.org/presentationml/2006/main">
+  <p:cSld>
+    <p:spTree>
+      <p:nvGrpSpPr>
+        <p:cNvPr id="1" name=""/>
+        <p:cNvGrpSpPr/>
+        <p:nvPr/>
+      </p:nvGrpSpPr>
+      <p:grpSpPr>
+        <a:xfrm>
+          <a:off x="0" y="0"/>
+          <a:ext cx="0" cy="0"/>
+          <a:chOff x="0" y="0"/>
+          <a:chExt cx="0" cy="0"/>
+        </a:xfrm>
+      </p:grpSpPr>
+      <p:sp>
+        <p:nvSpPr>
+          <p:cNvPr id="8" name="Rectangle 7">
+            <a:extLst>
+              <a:ext uri="{FF2B5EF4-FFF2-40B4-BE49-F238E27FC236}">
+                <a16:creationId xmlns:a16="http://schemas.microsoft.com/office/drawing/2014/main" id="{08E22B6B-5186-4A8E-826B-AF9C74C66616}"/>
+              </a:ext>
+            </a:extLst>
+          </p:cNvPr>
+          <p:cNvSpPr/>
+          <p:nvPr/>
+        </p:nvSpPr>
+        <p:spPr>
+          <a:xfrm>
+            <a:off x="0" y="0"/>
+            <a:ext cx="9144000" cy="6858000"/>
+          </a:xfrm>
+          <a:prstGeom prst="rect">
+            <a:avLst/>
+          </a:prstGeom>
+          <a:solidFill>
+            <a:srgbClr val="FFFFFF"/>
+          </a:solidFill>
+          <a:ln>
+            <a:noFill/>
+          </a:ln>
+        </p:spPr>
+        <p:style>
+          <a:lnRef idx="2">
+            <a:schemeClr val="accent1">
+              <a:shade val="50000"/>
+            </a:schemeClr>
+          </a:lnRef>
+          <a:fillRef idx="1">
+            <a:schemeClr val="accent1"/>
+          </a:fillRef>
+          <a:effectRef idx="0">
+            <a:schemeClr val="accent1"/>
+          </a:effectRef>
+          <a:fontRef idx="minor">
+            <a:schemeClr val="lt1"/>
+          </a:fontRef>
+        </p:style>
+        <p:txBody>
+          <a:bodyPr rtlCol="0" anchor="ctr"/>
+          <a:lstStyle/>
+          <a:p>
+            <a:pPr algn="ctr"/>
+            <a:endParaRPr lang="en-GB"/>
+          </a:p>
+        </p:txBody>
+      </p:sp>
+      <p:pic>
+        <p:nvPicPr>
+          <p:cNvPr id="5" name="Picture 4">
+            <a:extLst>
+              <a:ext uri="{FF2B5EF4-FFF2-40B4-BE49-F238E27FC236}">
+                <a16:creationId xmlns:a16="http://schemas.microsoft.com/office/drawing/2014/main" id="{F0008D37-2E5B-4A5D-98CC-1B84E881F206}"/>
+              </a:ext>
+            </a:extLst>
+          </p:cNvPr>
+          <p:cNvPicPr>
+            <a:picLocks noChangeAspect="1"/>
+          </p:cNvPicPr>
+          <p:nvPr/>
+        </p:nvPicPr>
+        <p:blipFill>
+          <a:blip r:embed="rId2">
+            <a:extLst>
+              <a:ext uri="{28A0092B-C50C-407E-A947-70E740481C1C}">
+                <a14:useLocalDpi xmlns:a14="http://schemas.microsoft.com/office/drawing/2010/main" val="0"/>
+              </a:ext>
+            </a:extLst>
+          </a:blip>
+          <a:stretch>
+            <a:fillRect/>
+          </a:stretch>
+        </p:blipFill>
+        <p:spPr>
+          <a:xfrm>
+            <a:off x="1361551" y="22578"/>
+            <a:ext cx="6354366" cy="3429000"/>
+          </a:xfrm>
+          <a:prstGeom prst="rect">
+            <a:avLst/>
+          </a:prstGeom>
+        </p:spPr>
+      </p:pic>
+      <p:pic>
+        <p:nvPicPr>
+          <p:cNvPr id="7" name="Picture 6">
+            <a:extLst>
+              <a:ext uri="{FF2B5EF4-FFF2-40B4-BE49-F238E27FC236}">
+                <a16:creationId xmlns:a16="http://schemas.microsoft.com/office/drawing/2014/main" id="{A1EEBA6E-F51D-4665-86C8-96E00045A6BC}"/>
+              </a:ext>
+            </a:extLst>
+          </p:cNvPr>
+          <p:cNvPicPr>
+            <a:picLocks noChangeAspect="1"/>
+          </p:cNvPicPr>
+          <p:nvPr/>
+        </p:nvPicPr>
+        <p:blipFill rotWithShape="1">
+          <a:blip r:embed="rId3">
+            <a:extLst>
+              <a:ext uri="{28A0092B-C50C-407E-A947-70E740481C1C}">
+                <a14:useLocalDpi xmlns:a14="http://schemas.microsoft.com/office/drawing/2010/main" val="0"/>
+              </a:ext>
+            </a:extLst>
+          </a:blip>
+          <a:srcRect l="6608" r="908"/>
+          <a:stretch/>
+        </p:blipFill>
+        <p:spPr>
+          <a:xfrm>
+            <a:off x="1361551" y="3409638"/>
+            <a:ext cx="6354366" cy="3430060"/>
+          </a:xfrm>
+          <a:prstGeom prst="rect">
+            <a:avLst/>
+          </a:prstGeom>
+        </p:spPr>
+      </p:pic>
+    </p:spTree>
+    <p:extLst>
+      <p:ext uri="{BB962C8B-B14F-4D97-AF65-F5344CB8AC3E}">
+        <p14:creationId xmlns:p14="http://schemas.microsoft.com/office/powerpoint/2010/main" val="1502517465"/>
+      </p:ext>
+    </p:extLst>
+  </p:cSld>
+  <p:clrMapOvr>
+    <a:masterClrMapping/>
+  </p:clrMapOvr>
+</p:sld>
+</file>
+
+<file path=ppt/slides/slide28.xml><?xml version="1.0" encoding="utf-8"?>
+<p:sld xmlns:a="http://schemas.openxmlformats.org/drawingml/2006/main" xmlns:r="http://schemas.openxmlformats.org/officeDocument/2006/relationships" xmlns:p="http://schemas.openxmlformats.org/presentationml/2006/main">
+  <p:cSld>
+    <p:spTree>
+      <p:nvGrpSpPr>
+        <p:cNvPr id="1" name=""/>
+        <p:cNvGrpSpPr/>
+        <p:nvPr/>
+      </p:nvGrpSpPr>
+      <p:grpSpPr>
+        <a:xfrm>
+          <a:off x="0" y="0"/>
+          <a:ext cx="0" cy="0"/>
+          <a:chOff x="0" y="0"/>
+          <a:chExt cx="0" cy="0"/>
+        </a:xfrm>
+      </p:grpSpPr>
+      <p:sp>
+        <p:nvSpPr>
+          <p:cNvPr id="9" name="Rectangle 8">
+            <a:extLst>
+              <a:ext uri="{FF2B5EF4-FFF2-40B4-BE49-F238E27FC236}">
+                <a16:creationId xmlns:a16="http://schemas.microsoft.com/office/drawing/2014/main" id="{F8FC36A5-E3F0-477D-8FCB-322F7C690CEA}"/>
+              </a:ext>
+            </a:extLst>
+          </p:cNvPr>
+          <p:cNvSpPr/>
+          <p:nvPr/>
+        </p:nvSpPr>
+        <p:spPr>
+          <a:xfrm>
+            <a:off x="0" y="0"/>
+            <a:ext cx="9144000" cy="6858000"/>
+          </a:xfrm>
+          <a:prstGeom prst="rect">
+            <a:avLst/>
+          </a:prstGeom>
+          <a:solidFill>
+            <a:srgbClr val="FFFFFF"/>
+          </a:solidFill>
+          <a:ln>
+            <a:noFill/>
+          </a:ln>
+        </p:spPr>
+        <p:style>
+          <a:lnRef idx="2">
+            <a:schemeClr val="accent1">
+              <a:shade val="50000"/>
+            </a:schemeClr>
+          </a:lnRef>
+          <a:fillRef idx="1">
+            <a:schemeClr val="accent1"/>
+          </a:fillRef>
+          <a:effectRef idx="0">
+            <a:schemeClr val="accent1"/>
+          </a:effectRef>
+          <a:fontRef idx="minor">
+            <a:schemeClr val="lt1"/>
+          </a:fontRef>
+        </p:style>
+        <p:txBody>
+          <a:bodyPr rtlCol="0" anchor="ctr"/>
+          <a:lstStyle/>
+          <a:p>
+            <a:pPr algn="ctr"/>
+            <a:endParaRPr lang="en-GB"/>
+          </a:p>
+        </p:txBody>
+      </p:sp>
+      <p:grpSp>
+        <p:nvGrpSpPr>
+          <p:cNvPr id="2" name="Group 1">
+            <a:extLst>
+              <a:ext uri="{FF2B5EF4-FFF2-40B4-BE49-F238E27FC236}">
+                <a16:creationId xmlns:a16="http://schemas.microsoft.com/office/drawing/2014/main" id="{D26461D4-BE28-4156-93F2-CB67E0998D73}"/>
+              </a:ext>
+            </a:extLst>
+          </p:cNvPr>
+          <p:cNvGrpSpPr/>
+          <p:nvPr/>
+        </p:nvGrpSpPr>
+        <p:grpSpPr>
+          <a:xfrm>
+            <a:off x="587022" y="-3879"/>
+            <a:ext cx="7969956" cy="6861879"/>
+            <a:chOff x="587022" y="-3879"/>
+            <a:chExt cx="7969956" cy="6861879"/>
+          </a:xfrm>
+        </p:grpSpPr>
+        <p:pic>
+          <p:nvPicPr>
+            <p:cNvPr id="6" name="Picture 5">
+              <a:extLst>
+                <a:ext uri="{FF2B5EF4-FFF2-40B4-BE49-F238E27FC236}">
+                  <a16:creationId xmlns:a16="http://schemas.microsoft.com/office/drawing/2014/main" id="{550EC95E-DE0B-48CC-8351-0C8C787B0097}"/>
+                </a:ext>
+              </a:extLst>
+            </p:cNvPr>
+            <p:cNvPicPr>
+              <a:picLocks noChangeAspect="1"/>
+            </p:cNvPicPr>
+            <p:nvPr/>
+          </p:nvPicPr>
+          <p:blipFill rotWithShape="1">
+            <a:blip r:embed="rId2">
+              <a:extLst>
+                <a:ext uri="{28A0092B-C50C-407E-A947-70E740481C1C}">
+                  <a14:useLocalDpi xmlns:a14="http://schemas.microsoft.com/office/drawing/2010/main" val="0"/>
+                </a:ext>
+              </a:extLst>
+            </a:blip>
+            <a:srcRect l="42819" t="2950" r="908"/>
+            <a:stretch/>
+          </p:blipFill>
+          <p:spPr>
+            <a:xfrm>
+              <a:off x="587022" y="-3879"/>
+              <a:ext cx="7969956" cy="6861879"/>
+            </a:xfrm>
+            <a:prstGeom prst="rect">
+              <a:avLst/>
+            </a:prstGeom>
+          </p:spPr>
+        </p:pic>
+        <p:pic>
+          <p:nvPicPr>
+            <p:cNvPr id="10" name="Picture 9">
+              <a:extLst>
+                <a:ext uri="{FF2B5EF4-FFF2-40B4-BE49-F238E27FC236}">
+                  <a16:creationId xmlns:a16="http://schemas.microsoft.com/office/drawing/2014/main" id="{3B7C6597-CAA5-4A7C-A1EC-D9C8083F5FAB}"/>
+                </a:ext>
+              </a:extLst>
+            </p:cNvPr>
+            <p:cNvPicPr>
+              <a:picLocks noChangeAspect="1"/>
+            </p:cNvPicPr>
+            <p:nvPr/>
+          </p:nvPicPr>
+          <p:blipFill rotWithShape="1">
+            <a:blip r:embed="rId2">
+              <a:extLst>
+                <a:ext uri="{28A0092B-C50C-407E-A947-70E740481C1C}">
+                  <a14:useLocalDpi xmlns:a14="http://schemas.microsoft.com/office/drawing/2010/main" val="0"/>
+                </a:ext>
+              </a:extLst>
+            </a:blip>
+            <a:srcRect l="53939" t="32883" r="45264" b="61529"/>
+            <a:stretch/>
+          </p:blipFill>
+          <p:spPr>
+            <a:xfrm>
+              <a:off x="2166937" y="2461088"/>
+              <a:ext cx="112890" cy="395111"/>
+            </a:xfrm>
+            <a:prstGeom prst="rect">
+              <a:avLst/>
+            </a:prstGeom>
+          </p:spPr>
+        </p:pic>
+      </p:grpSp>
+      <p:sp>
+        <p:nvSpPr>
+          <p:cNvPr id="3" name="Rectangle: Rounded Corners 2">
+            <a:extLst>
+              <a:ext uri="{FF2B5EF4-FFF2-40B4-BE49-F238E27FC236}">
+                <a16:creationId xmlns:a16="http://schemas.microsoft.com/office/drawing/2014/main" id="{FED85171-94B3-4DB4-AD62-C9A5D4912A5F}"/>
+              </a:ext>
+            </a:extLst>
+          </p:cNvPr>
+          <p:cNvSpPr/>
+          <p:nvPr/>
+        </p:nvSpPr>
+        <p:spPr>
+          <a:xfrm>
+            <a:off x="1207382" y="2359377"/>
+            <a:ext cx="1230489" cy="598311"/>
+          </a:xfrm>
+          <a:prstGeom prst="roundRect">
+            <a:avLst/>
+          </a:prstGeom>
+          <a:noFill/>
+          <a:ln w="76200">
+            <a:solidFill>
+              <a:srgbClr val="FF0000"/>
+            </a:solidFill>
+          </a:ln>
+        </p:spPr>
+        <p:style>
+          <a:lnRef idx="2">
+            <a:schemeClr val="accent1">
+              <a:shade val="50000"/>
+            </a:schemeClr>
+          </a:lnRef>
+          <a:fillRef idx="1">
+            <a:schemeClr val="accent1"/>
+          </a:fillRef>
+          <a:effectRef idx="0">
+            <a:schemeClr val="accent1"/>
+          </a:effectRef>
+          <a:fontRef idx="minor">
+            <a:schemeClr val="lt1"/>
+          </a:fontRef>
+        </p:style>
+        <p:txBody>
+          <a:bodyPr rtlCol="0" anchor="ctr"/>
+          <a:lstStyle/>
+          <a:p>
+            <a:pPr algn="ctr"/>
+            <a:endParaRPr lang="en-GB"/>
+          </a:p>
+        </p:txBody>
+      </p:sp>
+      <p:sp>
+        <p:nvSpPr>
+          <p:cNvPr id="11" name="Rectangle: Rounded Corners 10">
+            <a:extLst>
+              <a:ext uri="{FF2B5EF4-FFF2-40B4-BE49-F238E27FC236}">
+                <a16:creationId xmlns:a16="http://schemas.microsoft.com/office/drawing/2014/main" id="{CDA81A01-3F4F-4E00-A287-6DBF2D551446}"/>
+              </a:ext>
+            </a:extLst>
+          </p:cNvPr>
+          <p:cNvSpPr/>
+          <p:nvPr/>
+        </p:nvSpPr>
+        <p:spPr>
+          <a:xfrm>
+            <a:off x="3696582" y="1236133"/>
+            <a:ext cx="1230489" cy="598311"/>
+          </a:xfrm>
+          <a:prstGeom prst="roundRect">
+            <a:avLst/>
+          </a:prstGeom>
+          <a:noFill/>
+          <a:ln w="76200">
+            <a:solidFill>
+              <a:srgbClr val="FF0000"/>
+            </a:solidFill>
+          </a:ln>
+        </p:spPr>
+        <p:style>
+          <a:lnRef idx="2">
+            <a:schemeClr val="accent1">
+              <a:shade val="50000"/>
+            </a:schemeClr>
+          </a:lnRef>
+          <a:fillRef idx="1">
+            <a:schemeClr val="accent1"/>
+          </a:fillRef>
+          <a:effectRef idx="0">
+            <a:schemeClr val="accent1"/>
+          </a:effectRef>
+          <a:fontRef idx="minor">
+            <a:schemeClr val="lt1"/>
+          </a:fontRef>
+        </p:style>
+        <p:txBody>
+          <a:bodyPr rtlCol="0" anchor="ctr"/>
+          <a:lstStyle/>
+          <a:p>
+            <a:pPr algn="ctr"/>
+            <a:endParaRPr lang="en-GB"/>
+          </a:p>
+        </p:txBody>
+      </p:sp>
+    </p:spTree>
+    <p:extLst>
+      <p:ext uri="{BB962C8B-B14F-4D97-AF65-F5344CB8AC3E}">
+        <p14:creationId xmlns:p14="http://schemas.microsoft.com/office/powerpoint/2010/main" val="2930698846"/>
+      </p:ext>
+    </p:extLst>
+  </p:cSld>
+  <p:clrMapOvr>
+    <a:masterClrMapping/>
+  </p:clrMapOvr>
+  <p:timing>
+    <p:tnLst>
+      <p:par>
+        <p:cTn id="1" dur="indefinite" restart="never" nodeType="tmRoot">
+          <p:childTnLst>
+            <p:seq concurrent="1" nextAc="seek">
+              <p:cTn id="2" dur="indefinite" nodeType="mainSeq">
+                <p:childTnLst>
+                  <p:par>
+                    <p:cTn id="3" fill="hold">
+                      <p:stCondLst>
+                        <p:cond delay="indefinite"/>
+                      </p:stCondLst>
+                      <p:childTnLst>
+                        <p:par>
+                          <p:cTn id="4" fill="hold">
+                            <p:stCondLst>
+                              <p:cond delay="0"/>
+                            </p:stCondLst>
+                            <p:childTnLst>
+                              <p:par>
+                                <p:cTn id="5" presetID="10" presetClass="entr" presetSubtype="0" fill="hold" grpId="0" nodeType="clickEffect">
+                                  <p:stCondLst>
+                                    <p:cond delay="0"/>
+                                  </p:stCondLst>
+                                  <p:childTnLst>
+                                    <p:set>
+                                      <p:cBhvr>
+                                        <p:cTn id="6" dur="1" fill="hold">
+                                          <p:stCondLst>
+                                            <p:cond delay="0"/>
+                                          </p:stCondLst>
+                                        </p:cTn>
+                                        <p:tgtEl>
+                                          <p:spTgt spid="3"/>
+                                        </p:tgtEl>
+                                        <p:attrNameLst>
+                                          <p:attrName>style.visibility</p:attrName>
+                                        </p:attrNameLst>
+                                      </p:cBhvr>
+                                      <p:to>
+                                        <p:strVal val="visible"/>
+                                      </p:to>
+                                    </p:set>
+                                    <p:animEffect transition="in" filter="fade">
+                                      <p:cBhvr>
+                                        <p:cTn id="7" dur="500"/>
+                                        <p:tgtEl>
+                                          <p:spTgt spid="3"/>
+                                        </p:tgtEl>
+                                      </p:cBhvr>
+                                    </p:animEffect>
+                                  </p:childTnLst>
+                                </p:cTn>
+                              </p:par>
+                            </p:childTnLst>
+                          </p:cTn>
+                        </p:par>
+                      </p:childTnLst>
+                    </p:cTn>
+                  </p:par>
+                  <p:par>
+                    <p:cTn id="8" fill="hold">
+                      <p:stCondLst>
+                        <p:cond delay="indefinite"/>
+                      </p:stCondLst>
+                      <p:childTnLst>
+                        <p:par>
+                          <p:cTn id="9" fill="hold">
+                            <p:stCondLst>
+                              <p:cond delay="0"/>
+                            </p:stCondLst>
+                            <p:childTnLst>
+                              <p:par>
+                                <p:cTn id="10" presetID="10" presetClass="entr" presetSubtype="0" fill="hold" grpId="0" nodeType="clickEffect">
+                                  <p:stCondLst>
+                                    <p:cond delay="0"/>
+                                  </p:stCondLst>
+                                  <p:childTnLst>
+                                    <p:set>
+                                      <p:cBhvr>
+                                        <p:cTn id="11" dur="1" fill="hold">
+                                          <p:stCondLst>
+                                            <p:cond delay="0"/>
+                                          </p:stCondLst>
+                                        </p:cTn>
+                                        <p:tgtEl>
+                                          <p:spTgt spid="11"/>
+                                        </p:tgtEl>
+                                        <p:attrNameLst>
+                                          <p:attrName>style.visibility</p:attrName>
+                                        </p:attrNameLst>
+                                      </p:cBhvr>
+                                      <p:to>
+                                        <p:strVal val="visible"/>
+                                      </p:to>
+                                    </p:set>
+                                    <p:animEffect transition="in" filter="fade">
+                                      <p:cBhvr>
+                                        <p:cTn id="12" dur="500"/>
+                                        <p:tgtEl>
+                                          <p:spTgt spid="11"/>
+                                        </p:tgtEl>
+                                      </p:cBhvr>
+                                    </p:animEffect>
+                                  </p:childTnLst>
+                                </p:cTn>
+                              </p:par>
+                            </p:childTnLst>
+                          </p:cTn>
+                        </p:par>
+                      </p:childTnLst>
+                    </p:cTn>
+                  </p:par>
+                </p:childTnLst>
+              </p:cTn>
+              <p:prevCondLst>
+                <p:cond evt="onPrev" delay="0">
+                  <p:tgtEl>
+                    <p:sldTgt/>
+                  </p:tgtEl>
+                </p:cond>
+              </p:prevCondLst>
+              <p:nextCondLst>
+                <p:cond evt="onNext" delay="0">
+                  <p:tgtEl>
+                    <p:sldTgt/>
+                  </p:tgtEl>
+                </p:cond>
+              </p:nextCondLst>
+            </p:seq>
+          </p:childTnLst>
+        </p:cTn>
+      </p:par>
+    </p:tnLst>
+    <p:bldLst>
+      <p:bldP spid="3" grpId="0" animBg="1"/>
+      <p:bldP spid="11" grpId="0" animBg="1"/>
+    </p:bldLst>
+  </p:timing>
+</p:sld>
+</file>
+
 <file path=ppt/slides/slide3.xml><?xml version="1.0" encoding="utf-8"?>
 <p:sld xmlns:a="http://schemas.openxmlformats.org/drawingml/2006/main" xmlns:r="http://schemas.openxmlformats.org/officeDocument/2006/relationships" xmlns:p="http://schemas.openxmlformats.org/presentationml/2006/main">
   <p:cSld>

--- a/Lecture Slides/02 Open Project.pptx
+++ b/Lecture Slides/02 Open Project.pptx
@@ -14,25 +14,25 @@
     <p:sldId id="266" r:id="rId8"/>
     <p:sldId id="269" r:id="rId9"/>
     <p:sldId id="275" r:id="rId10"/>
-    <p:sldId id="267" r:id="rId11"/>
-    <p:sldId id="270" r:id="rId12"/>
-    <p:sldId id="276" r:id="rId13"/>
-    <p:sldId id="278" r:id="rId14"/>
-    <p:sldId id="268" r:id="rId15"/>
-    <p:sldId id="277" r:id="rId16"/>
-    <p:sldId id="271" r:id="rId17"/>
-    <p:sldId id="265" r:id="rId18"/>
-    <p:sldId id="264" r:id="rId19"/>
-    <p:sldId id="281" r:id="rId20"/>
-    <p:sldId id="262" r:id="rId21"/>
-    <p:sldId id="263" r:id="rId22"/>
-    <p:sldId id="272" r:id="rId23"/>
-    <p:sldId id="273" r:id="rId24"/>
-    <p:sldId id="282" r:id="rId25"/>
-    <p:sldId id="280" r:id="rId26"/>
-    <p:sldId id="285" r:id="rId27"/>
-    <p:sldId id="283" r:id="rId28"/>
-    <p:sldId id="284" r:id="rId29"/>
+    <p:sldId id="286" r:id="rId11"/>
+    <p:sldId id="283" r:id="rId12"/>
+    <p:sldId id="284" r:id="rId13"/>
+    <p:sldId id="267" r:id="rId14"/>
+    <p:sldId id="270" r:id="rId15"/>
+    <p:sldId id="276" r:id="rId16"/>
+    <p:sldId id="278" r:id="rId17"/>
+    <p:sldId id="268" r:id="rId18"/>
+    <p:sldId id="277" r:id="rId19"/>
+    <p:sldId id="271" r:id="rId20"/>
+    <p:sldId id="265" r:id="rId21"/>
+    <p:sldId id="264" r:id="rId22"/>
+    <p:sldId id="281" r:id="rId23"/>
+    <p:sldId id="262" r:id="rId24"/>
+    <p:sldId id="263" r:id="rId25"/>
+    <p:sldId id="272" r:id="rId26"/>
+    <p:sldId id="273" r:id="rId27"/>
+    <p:sldId id="282" r:id="rId28"/>
+    <p:sldId id="280" r:id="rId29"/>
   </p:sldIdLst>
   <p:sldSz cx="9144000" cy="6858000" type="screen4x3"/>
   <p:notesSz cx="7559675" cy="10691813"/>
@@ -3111,467 +3111,6 @@
 <file path=ppt/slides/slide10.xml><?xml version="1.0" encoding="utf-8"?>
 <p:sld xmlns:a="http://schemas.openxmlformats.org/drawingml/2006/main" xmlns:r="http://schemas.openxmlformats.org/officeDocument/2006/relationships" xmlns:p="http://schemas.openxmlformats.org/presentationml/2006/main">
   <p:cSld>
-    <p:spTree>
-      <p:nvGrpSpPr>
-        <p:cNvPr id="1" name=""/>
-        <p:cNvGrpSpPr/>
-        <p:nvPr/>
-      </p:nvGrpSpPr>
-      <p:grpSpPr>
-        <a:xfrm>
-          <a:off x="0" y="0"/>
-          <a:ext cx="0" cy="0"/>
-          <a:chOff x="0" y="0"/>
-          <a:chExt cx="0" cy="0"/>
-        </a:xfrm>
-      </p:grpSpPr>
-      <p:sp>
-        <p:nvSpPr>
-          <p:cNvPr id="2" name="Title 1">
-            <a:extLst>
-              <a:ext uri="{FF2B5EF4-FFF2-40B4-BE49-F238E27FC236}">
-                <a16:creationId xmlns:a16="http://schemas.microsoft.com/office/drawing/2014/main" id="{7451973F-008B-4E81-8256-FE8684C4F4CD}"/>
-              </a:ext>
-            </a:extLst>
-          </p:cNvPr>
-          <p:cNvSpPr>
-            <a:spLocks noGrp="1"/>
-          </p:cNvSpPr>
-          <p:nvPr>
-            <p:ph type="title"/>
-          </p:nvPr>
-        </p:nvSpPr>
-        <p:spPr/>
-        <p:txBody>
-          <a:bodyPr/>
-          <a:lstStyle/>
-          <a:p>
-            <a:r>
-              <a:rPr lang="en-GB" dirty="0"/>
-              <a:t>Timeline Caution !</a:t>
-            </a:r>
-          </a:p>
-        </p:txBody>
-      </p:sp>
-      <p:sp>
-        <p:nvSpPr>
-          <p:cNvPr id="3" name="Content Placeholder 2">
-            <a:extLst>
-              <a:ext uri="{FF2B5EF4-FFF2-40B4-BE49-F238E27FC236}">
-                <a16:creationId xmlns:a16="http://schemas.microsoft.com/office/drawing/2014/main" id="{BC4D1F94-396E-4C69-A540-9959D1BEACBE}"/>
-              </a:ext>
-            </a:extLst>
-          </p:cNvPr>
-          <p:cNvSpPr>
-            <a:spLocks noGrp="1"/>
-          </p:cNvSpPr>
-          <p:nvPr>
-            <p:ph idx="1"/>
-          </p:nvPr>
-        </p:nvSpPr>
-        <p:spPr/>
-        <p:txBody>
-          <a:bodyPr/>
-          <a:lstStyle/>
-          <a:p>
-            <a:r>
-              <a:rPr lang="en-GB" dirty="0"/>
-              <a:t>Be careful when viewing the project timeline…</a:t>
-            </a:r>
-          </a:p>
-          <a:p>
-            <a:r>
-              <a:rPr lang="en-GB" dirty="0"/>
-              <a:t>It’s really easy to accidently drag activities around</a:t>
-            </a:r>
-          </a:p>
-          <a:p>
-            <a:r>
-              <a:rPr lang="en-GB" dirty="0"/>
-              <a:t>It’s wise to screenshot your timeline occasionally</a:t>
-            </a:r>
-          </a:p>
-          <a:p>
-            <a:pPr marL="0" indent="0">
-              <a:buNone/>
-            </a:pPr>
-            <a:r>
-              <a:rPr lang="en-GB" dirty="0"/>
-              <a:t>  (in case you mess it up, or something goes wrong)</a:t>
-            </a:r>
-          </a:p>
-          <a:p>
-            <a:endParaRPr lang="en-GB" dirty="0"/>
-          </a:p>
-        </p:txBody>
-      </p:sp>
-    </p:spTree>
-    <p:extLst>
-      <p:ext uri="{BB962C8B-B14F-4D97-AF65-F5344CB8AC3E}">
-        <p14:creationId xmlns:p14="http://schemas.microsoft.com/office/powerpoint/2010/main" val="3442110644"/>
-      </p:ext>
-    </p:extLst>
-  </p:cSld>
-  <p:clrMapOvr>
-    <a:masterClrMapping/>
-  </p:clrMapOvr>
-</p:sld>
-</file>
-
-<file path=ppt/slides/slide11.xml><?xml version="1.0" encoding="utf-8"?>
-<p:sld xmlns:a="http://schemas.openxmlformats.org/drawingml/2006/main" xmlns:r="http://schemas.openxmlformats.org/officeDocument/2006/relationships" xmlns:p="http://schemas.openxmlformats.org/presentationml/2006/main">
-  <p:cSld>
-    <p:spTree>
-      <p:nvGrpSpPr>
-        <p:cNvPr id="1" name=""/>
-        <p:cNvGrpSpPr/>
-        <p:nvPr/>
-      </p:nvGrpSpPr>
-      <p:grpSpPr>
-        <a:xfrm>
-          <a:off x="0" y="0"/>
-          <a:ext cx="0" cy="0"/>
-          <a:chOff x="0" y="0"/>
-          <a:chExt cx="0" cy="0"/>
-        </a:xfrm>
-      </p:grpSpPr>
-      <p:sp>
-        <p:nvSpPr>
-          <p:cNvPr id="2" name="Title 1">
-            <a:extLst>
-              <a:ext uri="{FF2B5EF4-FFF2-40B4-BE49-F238E27FC236}">
-                <a16:creationId xmlns:a16="http://schemas.microsoft.com/office/drawing/2014/main" id="{C298B2E8-9411-4B03-8BC9-D68C9E19A63A}"/>
-              </a:ext>
-            </a:extLst>
-          </p:cNvPr>
-          <p:cNvSpPr>
-            <a:spLocks noGrp="1"/>
-          </p:cNvSpPr>
-          <p:nvPr>
-            <p:ph type="title"/>
-          </p:nvPr>
-        </p:nvSpPr>
-        <p:spPr/>
-        <p:txBody>
-          <a:bodyPr/>
-          <a:lstStyle/>
-          <a:p>
-            <a:r>
-              <a:rPr lang="en-GB" dirty="0"/>
-              <a:t>Recording Meetings</a:t>
-            </a:r>
-          </a:p>
-        </p:txBody>
-      </p:sp>
-      <p:sp>
-        <p:nvSpPr>
-          <p:cNvPr id="3" name="Content Placeholder 2">
-            <a:extLst>
-              <a:ext uri="{FF2B5EF4-FFF2-40B4-BE49-F238E27FC236}">
-                <a16:creationId xmlns:a16="http://schemas.microsoft.com/office/drawing/2014/main" id="{2014EBEE-E562-4A1D-A222-5A73CAB546F9}"/>
-              </a:ext>
-            </a:extLst>
-          </p:cNvPr>
-          <p:cNvSpPr>
-            <a:spLocks noGrp="1"/>
-          </p:cNvSpPr>
-          <p:nvPr>
-            <p:ph idx="1"/>
-          </p:nvPr>
-        </p:nvSpPr>
-        <p:spPr/>
-        <p:txBody>
-          <a:bodyPr/>
-          <a:lstStyle/>
-          <a:p>
-            <a:r>
-              <a:rPr lang="en-GB" dirty="0"/>
-              <a:t>You should record all meetings (both internal group meetings and external client meetings).</a:t>
-            </a:r>
-          </a:p>
-          <a:p>
-            <a:r>
-              <a:rPr lang="en-GB" dirty="0"/>
-              <a:t>Be sure to capture the following information:</a:t>
-            </a:r>
-          </a:p>
-          <a:p>
-            <a:pPr lvl="0"/>
-            <a:r>
-              <a:rPr lang="en-GB" dirty="0"/>
-              <a:t>Invitees – Who was supposed to attend meeting (from the development team)</a:t>
-            </a:r>
-          </a:p>
-          <a:p>
-            <a:pPr lvl="0"/>
-            <a:r>
-              <a:rPr lang="en-GB" dirty="0"/>
-              <a:t>Attendees – Who did actually attend the meeting</a:t>
-            </a:r>
-          </a:p>
-          <a:p>
-            <a:pPr lvl="0"/>
-            <a:r>
-              <a:rPr lang="en-GB" dirty="0"/>
-              <a:t>Agenda – A very brief overview of what the meeting is intended to be about</a:t>
-            </a:r>
-          </a:p>
-          <a:p>
-            <a:pPr lvl="0"/>
-            <a:r>
-              <a:rPr lang="en-GB" dirty="0"/>
-              <a:t>Minutes – Any major decisions or actions arising from the meeting (a bullet-point list is fine !)</a:t>
-            </a:r>
-          </a:p>
-        </p:txBody>
-      </p:sp>
-    </p:spTree>
-    <p:extLst>
-      <p:ext uri="{BB962C8B-B14F-4D97-AF65-F5344CB8AC3E}">
-        <p14:creationId xmlns:p14="http://schemas.microsoft.com/office/powerpoint/2010/main" val="3416618182"/>
-      </p:ext>
-    </p:extLst>
-  </p:cSld>
-  <p:clrMapOvr>
-    <a:masterClrMapping/>
-  </p:clrMapOvr>
-</p:sld>
-</file>
-
-<file path=ppt/slides/slide12.xml><?xml version="1.0" encoding="utf-8"?>
-<p:sld xmlns:a="http://schemas.openxmlformats.org/drawingml/2006/main" xmlns:r="http://schemas.openxmlformats.org/officeDocument/2006/relationships" xmlns:p="http://schemas.openxmlformats.org/presentationml/2006/main">
-  <p:cSld>
-    <p:spTree>
-      <p:nvGrpSpPr>
-        <p:cNvPr id="1" name=""/>
-        <p:cNvGrpSpPr/>
-        <p:nvPr/>
-      </p:nvGrpSpPr>
-      <p:grpSpPr>
-        <a:xfrm>
-          <a:off x="0" y="0"/>
-          <a:ext cx="0" cy="0"/>
-          <a:chOff x="0" y="0"/>
-          <a:chExt cx="0" cy="0"/>
-        </a:xfrm>
-      </p:grpSpPr>
-      <p:sp>
-        <p:nvSpPr>
-          <p:cNvPr id="2" name="Title 1">
-            <a:extLst>
-              <a:ext uri="{FF2B5EF4-FFF2-40B4-BE49-F238E27FC236}">
-                <a16:creationId xmlns:a16="http://schemas.microsoft.com/office/drawing/2014/main" id="{D0078592-9349-4E27-833F-43323C164ABD}"/>
-              </a:ext>
-            </a:extLst>
-          </p:cNvPr>
-          <p:cNvSpPr>
-            <a:spLocks noGrp="1"/>
-          </p:cNvSpPr>
-          <p:nvPr>
-            <p:ph type="title"/>
-          </p:nvPr>
-        </p:nvSpPr>
-        <p:spPr/>
-        <p:txBody>
-          <a:bodyPr/>
-          <a:lstStyle/>
-          <a:p>
-            <a:endParaRPr lang="en-GB"/>
-          </a:p>
-        </p:txBody>
-      </p:sp>
-      <p:pic>
-        <p:nvPicPr>
-          <p:cNvPr id="7" name="Content Placeholder 6">
-            <a:extLst>
-              <a:ext uri="{FF2B5EF4-FFF2-40B4-BE49-F238E27FC236}">
-                <a16:creationId xmlns:a16="http://schemas.microsoft.com/office/drawing/2014/main" id="{B7132E55-B684-4A9E-96BE-D29AE4434CF5}"/>
-              </a:ext>
-            </a:extLst>
-          </p:cNvPr>
-          <p:cNvPicPr>
-            <a:picLocks noGrp="1" noChangeAspect="1"/>
-          </p:cNvPicPr>
-          <p:nvPr>
-            <p:ph idx="1"/>
-          </p:nvPr>
-        </p:nvPicPr>
-        <p:blipFill rotWithShape="1">
-          <a:blip r:embed="rId2">
-            <a:extLst>
-              <a:ext uri="{28A0092B-C50C-407E-A947-70E740481C1C}">
-                <a14:useLocalDpi xmlns:a14="http://schemas.microsoft.com/office/drawing/2010/main" val="0"/>
-              </a:ext>
-            </a:extLst>
-          </a:blip>
-          <a:srcRect r="2869"/>
-          <a:stretch/>
-        </p:blipFill>
-        <p:spPr>
-          <a:xfrm>
-            <a:off x="-4110" y="0"/>
-            <a:ext cx="9148110" cy="6858000"/>
-          </a:xfrm>
-        </p:spPr>
-      </p:pic>
-    </p:spTree>
-    <p:extLst>
-      <p:ext uri="{BB962C8B-B14F-4D97-AF65-F5344CB8AC3E}">
-        <p14:creationId xmlns:p14="http://schemas.microsoft.com/office/powerpoint/2010/main" val="2746443898"/>
-      </p:ext>
-    </p:extLst>
-  </p:cSld>
-  <p:clrMapOvr>
-    <a:masterClrMapping/>
-  </p:clrMapOvr>
-</p:sld>
-</file>
-
-<file path=ppt/slides/slide13.xml><?xml version="1.0" encoding="utf-8"?>
-<p:sld xmlns:a="http://schemas.openxmlformats.org/drawingml/2006/main" xmlns:r="http://schemas.openxmlformats.org/officeDocument/2006/relationships" xmlns:p="http://schemas.openxmlformats.org/presentationml/2006/main">
-  <p:cSld>
-    <p:spTree>
-      <p:nvGrpSpPr>
-        <p:cNvPr id="1" name=""/>
-        <p:cNvGrpSpPr/>
-        <p:nvPr/>
-      </p:nvGrpSpPr>
-      <p:grpSpPr>
-        <a:xfrm>
-          <a:off x="0" y="0"/>
-          <a:ext cx="0" cy="0"/>
-          <a:chOff x="0" y="0"/>
-          <a:chExt cx="0" cy="0"/>
-        </a:xfrm>
-      </p:grpSpPr>
-      <p:sp>
-        <p:nvSpPr>
-          <p:cNvPr id="2" name="Title 1">
-            <a:extLst>
-              <a:ext uri="{FF2B5EF4-FFF2-40B4-BE49-F238E27FC236}">
-                <a16:creationId xmlns:a16="http://schemas.microsoft.com/office/drawing/2014/main" id="{41285EF1-563E-4545-98BB-68ED52AAD729}"/>
-              </a:ext>
-            </a:extLst>
-          </p:cNvPr>
-          <p:cNvSpPr>
-            <a:spLocks noGrp="1"/>
-          </p:cNvSpPr>
-          <p:nvPr>
-            <p:ph type="title"/>
-          </p:nvPr>
-        </p:nvSpPr>
-        <p:spPr/>
-        <p:txBody>
-          <a:bodyPr/>
-          <a:lstStyle/>
-          <a:p>
-            <a:r>
-              <a:rPr lang="en-GB" dirty="0"/>
-              <a:t>Work Repository</a:t>
-            </a:r>
-          </a:p>
-        </p:txBody>
-      </p:sp>
-      <p:sp>
-        <p:nvSpPr>
-          <p:cNvPr id="3" name="Content Placeholder 2">
-            <a:extLst>
-              <a:ext uri="{FF2B5EF4-FFF2-40B4-BE49-F238E27FC236}">
-                <a16:creationId xmlns:a16="http://schemas.microsoft.com/office/drawing/2014/main" id="{C5347BC3-1FC3-413D-B9BA-6B27208C0394}"/>
-              </a:ext>
-            </a:extLst>
-          </p:cNvPr>
-          <p:cNvSpPr>
-            <a:spLocks noGrp="1"/>
-          </p:cNvSpPr>
-          <p:nvPr>
-            <p:ph idx="1"/>
-          </p:nvPr>
-        </p:nvSpPr>
-        <p:spPr/>
-        <p:txBody>
-          <a:bodyPr/>
-          <a:lstStyle/>
-          <a:p>
-            <a:r>
-              <a:rPr lang="en-GB" dirty="0"/>
-              <a:t>Outputs (code &amp; docs) must be version controlled</a:t>
-            </a:r>
-          </a:p>
-          <a:p>
-            <a:r>
-              <a:rPr lang="en-GB" dirty="0"/>
-              <a:t>This will support sharing and group collaboration</a:t>
-            </a:r>
-          </a:p>
-          <a:p>
-            <a:r>
-              <a:rPr lang="en-GB" dirty="0"/>
-              <a:t>Dan and I will also be able to track progress !</a:t>
-            </a:r>
-          </a:p>
-          <a:p>
-            <a:endParaRPr lang="en-GB" dirty="0"/>
-          </a:p>
-          <a:p>
-            <a:r>
-              <a:rPr lang="en-GB" dirty="0"/>
-              <a:t>Documents should be written in “Mark Down”</a:t>
-            </a:r>
-          </a:p>
-          <a:p>
-            <a:r>
-              <a:rPr lang="en-GB" dirty="0"/>
-              <a:t>Use a different file for each section of the doc</a:t>
-            </a:r>
-          </a:p>
-          <a:p>
-            <a:r>
-              <a:rPr lang="en-GB" dirty="0"/>
-              <a:t>This will help collaboration and change tracking</a:t>
-            </a:r>
-          </a:p>
-          <a:p>
-            <a:endParaRPr lang="en-GB" dirty="0"/>
-          </a:p>
-          <a:p>
-            <a:r>
-              <a:rPr lang="en-GB" dirty="0"/>
-              <a:t>Your </a:t>
-            </a:r>
-            <a:r>
-              <a:rPr lang="en-GB" dirty="0" err="1"/>
-              <a:t>choosen</a:t>
-            </a:r>
-            <a:r>
-              <a:rPr lang="en-GB" dirty="0"/>
-              <a:t> repo must support GIT or Subversion</a:t>
-            </a:r>
-          </a:p>
-          <a:p>
-            <a:r>
-              <a:rPr lang="en-GB" dirty="0"/>
-              <a:t>This allows it to be registered within OP…</a:t>
-            </a:r>
-          </a:p>
-        </p:txBody>
-      </p:sp>
-    </p:spTree>
-    <p:extLst>
-      <p:ext uri="{BB962C8B-B14F-4D97-AF65-F5344CB8AC3E}">
-        <p14:creationId xmlns:p14="http://schemas.microsoft.com/office/powerpoint/2010/main" val="3613881702"/>
-      </p:ext>
-    </p:extLst>
-  </p:cSld>
-  <p:clrMapOvr>
-    <a:masterClrMapping/>
-  </p:clrMapOvr>
-</p:sld>
-</file>
-
-<file path=ppt/slides/slide14.xml><?xml version="1.0" encoding="utf-8"?>
-<p:sld xmlns:a="http://schemas.openxmlformats.org/drawingml/2006/main" xmlns:r="http://schemas.openxmlformats.org/officeDocument/2006/relationships" xmlns:p="http://schemas.openxmlformats.org/presentationml/2006/main">
-  <p:cSld>
     <p:bg>
       <p:bgPr>
         <a:solidFill>
@@ -3599,7 +3138,7 @@
           <p:cNvPr id="2" name="Picture 1">
             <a:extLst>
               <a:ext uri="{FF2B5EF4-FFF2-40B4-BE49-F238E27FC236}">
-                <a16:creationId xmlns:a16="http://schemas.microsoft.com/office/drawing/2014/main" id="{4FEE0B04-C4A3-498E-AC25-EBA354062051}"/>
+                <a16:creationId xmlns:a16="http://schemas.microsoft.com/office/drawing/2014/main" id="{DFE5672E-DCCC-4E2C-88E4-2F4EA7F03739}"/>
               </a:ext>
             </a:extLst>
           </p:cNvPr>
@@ -3616,8 +3155,8 @@
         </p:blipFill>
         <p:spPr>
           <a:xfrm>
-            <a:off x="135996" y="328965"/>
-            <a:ext cx="8844542" cy="6004102"/>
+            <a:off x="150988" y="2210332"/>
+            <a:ext cx="8846257" cy="4096066"/>
           </a:xfrm>
           <a:prstGeom prst="rect">
             <a:avLst/>
@@ -3626,41 +3165,141 @@
       </p:pic>
       <p:sp>
         <p:nvSpPr>
-          <p:cNvPr id="3" name="TextBox 2">
+          <p:cNvPr id="7" name="Rectangle: Rounded Corners 6">
             <a:extLst>
               <a:ext uri="{FF2B5EF4-FFF2-40B4-BE49-F238E27FC236}">
-                <a16:creationId xmlns:a16="http://schemas.microsoft.com/office/drawing/2014/main" id="{89B2F125-D08B-446A-85FA-2F5E7AD41554}"/>
+                <a16:creationId xmlns:a16="http://schemas.microsoft.com/office/drawing/2014/main" id="{490562E0-A00B-4C22-8271-523D619F9BAD}"/>
               </a:ext>
             </a:extLst>
           </p:cNvPr>
-          <p:cNvSpPr txBox="1"/>
+          <p:cNvSpPr/>
           <p:nvPr/>
         </p:nvSpPr>
         <p:spPr>
           <a:xfrm>
-            <a:off x="4558267" y="3129801"/>
-            <a:ext cx="3379451" cy="830997"/>
+            <a:off x="394221" y="4258366"/>
+            <a:ext cx="3297246" cy="663592"/>
           </a:xfrm>
-          <a:prstGeom prst="rect">
+          <a:prstGeom prst="roundRect">
             <a:avLst/>
           </a:prstGeom>
           <a:noFill/>
+          <a:ln w="76200">
+            <a:solidFill>
+              <a:srgbClr val="FF0000"/>
+            </a:solidFill>
+          </a:ln>
         </p:spPr>
-        <p:txBody>
-          <a:bodyPr wrap="none" rtlCol="0">
-            <a:spAutoFit/>
-          </a:bodyPr>
-          <a:lstStyle/>
-          <a:p>
-            <a:r>
-              <a:rPr lang="en-GB" sz="2400" dirty="0"/>
-              <a:t>Git for public repos</a:t>
-            </a:r>
-          </a:p>
-          <a:p>
-            <a:r>
-              <a:rPr lang="en-GB" sz="2400" dirty="0"/>
-              <a:t>Subversion for private</a:t>
+        <p:style>
+          <a:lnRef idx="2">
+            <a:schemeClr val="accent1">
+              <a:shade val="50000"/>
+            </a:schemeClr>
+          </a:lnRef>
+          <a:fillRef idx="1">
+            <a:schemeClr val="accent1"/>
+          </a:fillRef>
+          <a:effectRef idx="0">
+            <a:schemeClr val="accent1"/>
+          </a:effectRef>
+          <a:fontRef idx="minor">
+            <a:schemeClr val="lt1"/>
+          </a:fontRef>
+        </p:style>
+        <p:txBody>
+          <a:bodyPr rtlCol="0" anchor="ctr"/>
+          <a:lstStyle/>
+          <a:p>
+            <a:pPr algn="ctr"/>
+            <a:endParaRPr lang="en-GB"/>
+          </a:p>
+        </p:txBody>
+      </p:sp>
+      <p:sp>
+        <p:nvSpPr>
+          <p:cNvPr id="5" name="Rectangle: Rounded Corners 4">
+            <a:extLst>
+              <a:ext uri="{FF2B5EF4-FFF2-40B4-BE49-F238E27FC236}">
+                <a16:creationId xmlns:a16="http://schemas.microsoft.com/office/drawing/2014/main" id="{2370FCF9-2FAE-44B5-AA78-C9BE65F283A8}"/>
+              </a:ext>
+            </a:extLst>
+          </p:cNvPr>
+          <p:cNvSpPr/>
+          <p:nvPr/>
+        </p:nvSpPr>
+        <p:spPr>
+          <a:xfrm>
+            <a:off x="4678355" y="5528366"/>
+            <a:ext cx="3297246" cy="663592"/>
+          </a:xfrm>
+          <a:prstGeom prst="roundRect">
+            <a:avLst/>
+          </a:prstGeom>
+          <a:noFill/>
+          <a:ln w="76200">
+            <a:solidFill>
+              <a:srgbClr val="FF0000"/>
+            </a:solidFill>
+          </a:ln>
+        </p:spPr>
+        <p:style>
+          <a:lnRef idx="2">
+            <a:schemeClr val="accent1">
+              <a:shade val="50000"/>
+            </a:schemeClr>
+          </a:lnRef>
+          <a:fillRef idx="1">
+            <a:schemeClr val="accent1"/>
+          </a:fillRef>
+          <a:effectRef idx="0">
+            <a:schemeClr val="accent1"/>
+          </a:effectRef>
+          <a:fontRef idx="minor">
+            <a:schemeClr val="lt1"/>
+          </a:fontRef>
+        </p:style>
+        <p:txBody>
+          <a:bodyPr rtlCol="0" anchor="ctr"/>
+          <a:lstStyle/>
+          <a:p>
+            <a:pPr algn="ctr"/>
+            <a:endParaRPr lang="en-GB"/>
+          </a:p>
+        </p:txBody>
+      </p:sp>
+      <p:sp>
+        <p:nvSpPr>
+          <p:cNvPr id="3" name="Title 2">
+            <a:extLst>
+              <a:ext uri="{FF2B5EF4-FFF2-40B4-BE49-F238E27FC236}">
+                <a16:creationId xmlns:a16="http://schemas.microsoft.com/office/drawing/2014/main" id="{43BB3F1E-4084-4B33-8DCE-E3BB26F4E999}"/>
+              </a:ext>
+            </a:extLst>
+          </p:cNvPr>
+          <p:cNvSpPr>
+            <a:spLocks noGrp="1"/>
+          </p:cNvSpPr>
+          <p:nvPr>
+            <p:ph type="title"/>
+          </p:nvPr>
+        </p:nvSpPr>
+        <p:spPr>
+          <a:xfrm>
+            <a:off x="628650" y="376416"/>
+            <a:ext cx="7886700" cy="910518"/>
+          </a:xfrm>
+        </p:spPr>
+        <p:txBody>
+          <a:bodyPr/>
+          <a:lstStyle/>
+          <a:p>
+            <a:r>
+              <a:rPr lang="en-GB" dirty="0">
+                <a:solidFill>
+                  <a:schemeClr val="tx1"/>
+                </a:solidFill>
+              </a:rPr>
+              <a:t>Adding parent/child relationships</a:t>
             </a:r>
           </a:p>
         </p:txBody>
@@ -3668,1408 +3307,157 @@
     </p:spTree>
     <p:extLst>
       <p:ext uri="{BB962C8B-B14F-4D97-AF65-F5344CB8AC3E}">
-        <p14:creationId xmlns:p14="http://schemas.microsoft.com/office/powerpoint/2010/main" val="3720553757"/>
+        <p14:creationId xmlns:p14="http://schemas.microsoft.com/office/powerpoint/2010/main" val="2845797360"/>
       </p:ext>
     </p:extLst>
   </p:cSld>
   <p:clrMapOvr>
     <a:masterClrMapping/>
   </p:clrMapOvr>
+  <p:timing>
+    <p:tnLst>
+      <p:par>
+        <p:cTn id="1" dur="indefinite" restart="never" nodeType="tmRoot">
+          <p:childTnLst>
+            <p:seq concurrent="1" nextAc="seek">
+              <p:cTn id="2" dur="indefinite" nodeType="mainSeq">
+                <p:childTnLst>
+                  <p:par>
+                    <p:cTn id="3" fill="hold">
+                      <p:stCondLst>
+                        <p:cond delay="indefinite"/>
+                      </p:stCondLst>
+                      <p:childTnLst>
+                        <p:par>
+                          <p:cTn id="4" fill="hold">
+                            <p:stCondLst>
+                              <p:cond delay="0"/>
+                            </p:stCondLst>
+                            <p:childTnLst>
+                              <p:par>
+                                <p:cTn id="5" presetID="10" presetClass="entr" presetSubtype="0" fill="hold" grpId="0" nodeType="clickEffect">
+                                  <p:stCondLst>
+                                    <p:cond delay="0"/>
+                                  </p:stCondLst>
+                                  <p:childTnLst>
+                                    <p:set>
+                                      <p:cBhvr>
+                                        <p:cTn id="6" dur="1" fill="hold">
+                                          <p:stCondLst>
+                                            <p:cond delay="0"/>
+                                          </p:stCondLst>
+                                        </p:cTn>
+                                        <p:tgtEl>
+                                          <p:spTgt spid="7"/>
+                                        </p:tgtEl>
+                                        <p:attrNameLst>
+                                          <p:attrName>style.visibility</p:attrName>
+                                        </p:attrNameLst>
+                                      </p:cBhvr>
+                                      <p:to>
+                                        <p:strVal val="visible"/>
+                                      </p:to>
+                                    </p:set>
+                                    <p:animEffect transition="in" filter="fade">
+                                      <p:cBhvr>
+                                        <p:cTn id="7" dur="500"/>
+                                        <p:tgtEl>
+                                          <p:spTgt spid="7"/>
+                                        </p:tgtEl>
+                                      </p:cBhvr>
+                                    </p:animEffect>
+                                  </p:childTnLst>
+                                </p:cTn>
+                              </p:par>
+                            </p:childTnLst>
+                          </p:cTn>
+                        </p:par>
+                      </p:childTnLst>
+                    </p:cTn>
+                  </p:par>
+                  <p:par>
+                    <p:cTn id="8" fill="hold">
+                      <p:stCondLst>
+                        <p:cond delay="indefinite"/>
+                      </p:stCondLst>
+                      <p:childTnLst>
+                        <p:par>
+                          <p:cTn id="9" fill="hold">
+                            <p:stCondLst>
+                              <p:cond delay="0"/>
+                            </p:stCondLst>
+                            <p:childTnLst>
+                              <p:par>
+                                <p:cTn id="10" presetID="10" presetClass="entr" presetSubtype="0" fill="hold" grpId="0" nodeType="clickEffect">
+                                  <p:stCondLst>
+                                    <p:cond delay="0"/>
+                                  </p:stCondLst>
+                                  <p:childTnLst>
+                                    <p:set>
+                                      <p:cBhvr>
+                                        <p:cTn id="11" dur="1" fill="hold">
+                                          <p:stCondLst>
+                                            <p:cond delay="0"/>
+                                          </p:stCondLst>
+                                        </p:cTn>
+                                        <p:tgtEl>
+                                          <p:spTgt spid="5"/>
+                                        </p:tgtEl>
+                                        <p:attrNameLst>
+                                          <p:attrName>style.visibility</p:attrName>
+                                        </p:attrNameLst>
+                                      </p:cBhvr>
+                                      <p:to>
+                                        <p:strVal val="visible"/>
+                                      </p:to>
+                                    </p:set>
+                                    <p:animEffect transition="in" filter="fade">
+                                      <p:cBhvr>
+                                        <p:cTn id="12" dur="500"/>
+                                        <p:tgtEl>
+                                          <p:spTgt spid="5"/>
+                                        </p:tgtEl>
+                                      </p:cBhvr>
+                                    </p:animEffect>
+                                  </p:childTnLst>
+                                </p:cTn>
+                              </p:par>
+                            </p:childTnLst>
+                          </p:cTn>
+                        </p:par>
+                      </p:childTnLst>
+                    </p:cTn>
+                  </p:par>
+                </p:childTnLst>
+              </p:cTn>
+              <p:prevCondLst>
+                <p:cond evt="onPrev" delay="0">
+                  <p:tgtEl>
+                    <p:sldTgt/>
+                  </p:tgtEl>
+                </p:cond>
+              </p:prevCondLst>
+              <p:nextCondLst>
+                <p:cond evt="onNext" delay="0">
+                  <p:tgtEl>
+                    <p:sldTgt/>
+                  </p:tgtEl>
+                </p:cond>
+              </p:nextCondLst>
+            </p:seq>
+          </p:childTnLst>
+        </p:cTn>
+      </p:par>
+    </p:tnLst>
+    <p:bldLst>
+      <p:bldP spid="7" grpId="0" animBg="1"/>
+      <p:bldP spid="5" grpId="0" animBg="1"/>
+    </p:bldLst>
+  </p:timing>
 </p:sld>
 </file>
 
-<file path=ppt/slides/slide15.xml><?xml version="1.0" encoding="utf-8"?>
-<p:sld xmlns:a="http://schemas.openxmlformats.org/drawingml/2006/main" xmlns:r="http://schemas.openxmlformats.org/officeDocument/2006/relationships" xmlns:p="http://schemas.openxmlformats.org/presentationml/2006/main">
-  <p:cSld>
-    <p:bg>
-      <p:bgPr>
-        <a:solidFill>
-          <a:schemeClr val="bg1"/>
-        </a:solidFill>
-        <a:effectLst/>
-      </p:bgPr>
-    </p:bg>
-    <p:spTree>
-      <p:nvGrpSpPr>
-        <p:cNvPr id="1" name=""/>
-        <p:cNvGrpSpPr/>
-        <p:nvPr/>
-      </p:nvGrpSpPr>
-      <p:grpSpPr>
-        <a:xfrm>
-          <a:off x="0" y="0"/>
-          <a:ext cx="0" cy="0"/>
-          <a:chOff x="0" y="0"/>
-          <a:chExt cx="0" cy="0"/>
-        </a:xfrm>
-      </p:grpSpPr>
-      <p:pic>
-        <p:nvPicPr>
-          <p:cNvPr id="4" name="Picture 3">
-            <a:extLst>
-              <a:ext uri="{FF2B5EF4-FFF2-40B4-BE49-F238E27FC236}">
-                <a16:creationId xmlns:a16="http://schemas.microsoft.com/office/drawing/2014/main" id="{EC136A67-13EB-41A7-B51E-093695C7D383}"/>
-              </a:ext>
-            </a:extLst>
-          </p:cNvPr>
-          <p:cNvPicPr>
-            <a:picLocks noChangeAspect="1"/>
-          </p:cNvPicPr>
-          <p:nvPr/>
-        </p:nvPicPr>
-        <p:blipFill>
-          <a:blip r:embed="rId2"/>
-          <a:stretch>
-            <a:fillRect/>
-          </a:stretch>
-        </p:blipFill>
-        <p:spPr>
-          <a:xfrm>
-            <a:off x="283281" y="770819"/>
-            <a:ext cx="8658998" cy="3868914"/>
-          </a:xfrm>
-          <a:prstGeom prst="rect">
-            <a:avLst/>
-          </a:prstGeom>
-        </p:spPr>
-      </p:pic>
-    </p:spTree>
-    <p:extLst>
-      <p:ext uri="{BB962C8B-B14F-4D97-AF65-F5344CB8AC3E}">
-        <p14:creationId xmlns:p14="http://schemas.microsoft.com/office/powerpoint/2010/main" val="3810921265"/>
-      </p:ext>
-    </p:extLst>
-  </p:cSld>
-  <p:clrMapOvr>
-    <a:masterClrMapping/>
-  </p:clrMapOvr>
-</p:sld>
-</file>
-
-<file path=ppt/slides/slide16.xml><?xml version="1.0" encoding="utf-8"?>
-<p:sld xmlns:a="http://schemas.openxmlformats.org/drawingml/2006/main" xmlns:r="http://schemas.openxmlformats.org/officeDocument/2006/relationships" xmlns:p="http://schemas.openxmlformats.org/presentationml/2006/main">
-  <p:cSld>
-    <p:spTree>
-      <p:nvGrpSpPr>
-        <p:cNvPr id="1" name=""/>
-        <p:cNvGrpSpPr/>
-        <p:nvPr/>
-      </p:nvGrpSpPr>
-      <p:grpSpPr>
-        <a:xfrm>
-          <a:off x="0" y="0"/>
-          <a:ext cx="0" cy="0"/>
-          <a:chOff x="0" y="0"/>
-          <a:chExt cx="0" cy="0"/>
-        </a:xfrm>
-      </p:grpSpPr>
-      <p:sp>
-        <p:nvSpPr>
-          <p:cNvPr id="2" name="Title 1">
-            <a:extLst>
-              <a:ext uri="{FF2B5EF4-FFF2-40B4-BE49-F238E27FC236}">
-                <a16:creationId xmlns:a16="http://schemas.microsoft.com/office/drawing/2014/main" id="{A3503B53-D2A8-4783-9DFE-112AE5CC0D33}"/>
-              </a:ext>
-            </a:extLst>
-          </p:cNvPr>
-          <p:cNvSpPr>
-            <a:spLocks noGrp="1"/>
-          </p:cNvSpPr>
-          <p:nvPr>
-            <p:ph type="title"/>
-          </p:nvPr>
-        </p:nvSpPr>
-        <p:spPr/>
-        <p:txBody>
-          <a:bodyPr/>
-          <a:lstStyle/>
-          <a:p>
-            <a:r>
-              <a:rPr lang="en-GB" dirty="0"/>
-              <a:t>Change</a:t>
-            </a:r>
-          </a:p>
-        </p:txBody>
-      </p:sp>
-      <p:sp>
-        <p:nvSpPr>
-          <p:cNvPr id="3" name="Content Placeholder 2">
-            <a:extLst>
-              <a:ext uri="{FF2B5EF4-FFF2-40B4-BE49-F238E27FC236}">
-                <a16:creationId xmlns:a16="http://schemas.microsoft.com/office/drawing/2014/main" id="{A4C1ED28-EF29-47AF-B864-F12C1741F34F}"/>
-              </a:ext>
-            </a:extLst>
-          </p:cNvPr>
-          <p:cNvSpPr>
-            <a:spLocks noGrp="1"/>
-          </p:cNvSpPr>
-          <p:nvPr>
-            <p:ph idx="1"/>
-          </p:nvPr>
-        </p:nvSpPr>
-        <p:spPr/>
-        <p:txBody>
-          <a:bodyPr>
-            <a:normAutofit/>
-          </a:bodyPr>
-          <a:lstStyle/>
-          <a:p>
-            <a:r>
-              <a:rPr lang="en-GB" dirty="0"/>
-              <a:t>We don’t expect you to predict it all in week 1</a:t>
-            </a:r>
-          </a:p>
-          <a:p>
-            <a:r>
-              <a:rPr lang="en-GB" dirty="0"/>
-              <a:t>We do however expect you to update things in OP when they do become apparent</a:t>
-            </a:r>
-          </a:p>
-          <a:p>
-            <a:r>
-              <a:rPr lang="en-GB" dirty="0"/>
-              <a:t>Whole team should agree on significant changes</a:t>
-            </a:r>
-          </a:p>
-          <a:p>
-            <a:r>
-              <a:rPr lang="en-GB" dirty="0"/>
-              <a:t>Don’t just go in and hike up your effort hours !</a:t>
-            </a:r>
-          </a:p>
-        </p:txBody>
-      </p:sp>
-    </p:spTree>
-    <p:extLst>
-      <p:ext uri="{BB962C8B-B14F-4D97-AF65-F5344CB8AC3E}">
-        <p14:creationId xmlns:p14="http://schemas.microsoft.com/office/powerpoint/2010/main" val="3058422310"/>
-      </p:ext>
-    </p:extLst>
-  </p:cSld>
-  <p:clrMapOvr>
-    <a:masterClrMapping/>
-  </p:clrMapOvr>
-</p:sld>
-</file>
-
-<file path=ppt/slides/slide17.xml><?xml version="1.0" encoding="utf-8"?>
-<p:sld xmlns:a="http://schemas.openxmlformats.org/drawingml/2006/main" xmlns:r="http://schemas.openxmlformats.org/officeDocument/2006/relationships" xmlns:p="http://schemas.openxmlformats.org/presentationml/2006/main">
-  <p:cSld>
-    <p:spTree>
-      <p:nvGrpSpPr>
-        <p:cNvPr id="1" name=""/>
-        <p:cNvGrpSpPr/>
-        <p:nvPr/>
-      </p:nvGrpSpPr>
-      <p:grpSpPr>
-        <a:xfrm>
-          <a:off x="0" y="0"/>
-          <a:ext cx="0" cy="0"/>
-          <a:chOff x="0" y="0"/>
-          <a:chExt cx="0" cy="0"/>
-        </a:xfrm>
-      </p:grpSpPr>
-      <p:sp>
-        <p:nvSpPr>
-          <p:cNvPr id="2" name="Title 1">
-            <a:extLst>
-              <a:ext uri="{FF2B5EF4-FFF2-40B4-BE49-F238E27FC236}">
-                <a16:creationId xmlns:a16="http://schemas.microsoft.com/office/drawing/2014/main" id="{A3503B53-D2A8-4783-9DFE-112AE5CC0D33}"/>
-              </a:ext>
-            </a:extLst>
-          </p:cNvPr>
-          <p:cNvSpPr>
-            <a:spLocks noGrp="1"/>
-          </p:cNvSpPr>
-          <p:nvPr>
-            <p:ph type="title"/>
-          </p:nvPr>
-        </p:nvSpPr>
-        <p:spPr/>
-        <p:txBody>
-          <a:bodyPr/>
-          <a:lstStyle/>
-          <a:p>
-            <a:r>
-              <a:rPr lang="en-GB" dirty="0"/>
-              <a:t>Essential data to continuously update</a:t>
-            </a:r>
-          </a:p>
-        </p:txBody>
-      </p:sp>
-      <p:sp>
-        <p:nvSpPr>
-          <p:cNvPr id="3" name="Content Placeholder 2">
-            <a:extLst>
-              <a:ext uri="{FF2B5EF4-FFF2-40B4-BE49-F238E27FC236}">
-                <a16:creationId xmlns:a16="http://schemas.microsoft.com/office/drawing/2014/main" id="{A4C1ED28-EF29-47AF-B864-F12C1741F34F}"/>
-              </a:ext>
-            </a:extLst>
-          </p:cNvPr>
-          <p:cNvSpPr>
-            <a:spLocks noGrp="1"/>
-          </p:cNvSpPr>
-          <p:nvPr>
-            <p:ph idx="1"/>
-          </p:nvPr>
-        </p:nvSpPr>
-        <p:spPr/>
-        <p:txBody>
-          <a:bodyPr>
-            <a:normAutofit/>
-          </a:bodyPr>
-          <a:lstStyle/>
-          <a:p>
-            <a:r>
-              <a:rPr lang="en-GB" dirty="0"/>
-              <a:t>WPs (how long they take, who is doing them)</a:t>
-            </a:r>
-          </a:p>
-          <a:p>
-            <a:r>
-              <a:rPr lang="en-GB" dirty="0"/>
-              <a:t>Meetings (their purpose and who attends them)</a:t>
-            </a:r>
-          </a:p>
-          <a:p>
-            <a:r>
-              <a:rPr lang="en-GB" dirty="0"/>
-              <a:t>Progress (percentage task completeness)</a:t>
-            </a:r>
-          </a:p>
-          <a:p>
-            <a:r>
-              <a:rPr lang="en-GB" dirty="0"/>
-              <a:t>Status (“New”, “In Progress”, “Closed” etc.)</a:t>
-            </a:r>
-          </a:p>
-          <a:p>
-            <a:r>
-              <a:rPr lang="en-GB" dirty="0"/>
-              <a:t>Releases (which WPs delivered in each release)</a:t>
-            </a:r>
-          </a:p>
-          <a:p>
-            <a:r>
-              <a:rPr lang="en-GB" dirty="0"/>
-              <a:t>Documents (everything hosted on Git)</a:t>
-            </a:r>
-          </a:p>
-        </p:txBody>
-      </p:sp>
-    </p:spTree>
-    <p:extLst>
-      <p:ext uri="{BB962C8B-B14F-4D97-AF65-F5344CB8AC3E}">
-        <p14:creationId xmlns:p14="http://schemas.microsoft.com/office/powerpoint/2010/main" val="3851105777"/>
-      </p:ext>
-    </p:extLst>
-  </p:cSld>
-  <p:clrMapOvr>
-    <a:masterClrMapping/>
-  </p:clrMapOvr>
-</p:sld>
-</file>
-
-<file path=ppt/slides/slide18.xml><?xml version="1.0" encoding="utf-8"?>
-<p:sld xmlns:a="http://schemas.openxmlformats.org/drawingml/2006/main" xmlns:r="http://schemas.openxmlformats.org/officeDocument/2006/relationships" xmlns:p="http://schemas.openxmlformats.org/presentationml/2006/main">
-  <p:cSld>
-    <p:spTree>
-      <p:nvGrpSpPr>
-        <p:cNvPr id="1" name=""/>
-        <p:cNvGrpSpPr/>
-        <p:nvPr/>
-      </p:nvGrpSpPr>
-      <p:grpSpPr>
-        <a:xfrm>
-          <a:off x="0" y="0"/>
-          <a:ext cx="0" cy="0"/>
-          <a:chOff x="0" y="0"/>
-          <a:chExt cx="0" cy="0"/>
-        </a:xfrm>
-      </p:grpSpPr>
-      <p:sp>
-        <p:nvSpPr>
-          <p:cNvPr id="2" name="Title 1">
-            <a:extLst>
-              <a:ext uri="{FF2B5EF4-FFF2-40B4-BE49-F238E27FC236}">
-                <a16:creationId xmlns:a16="http://schemas.microsoft.com/office/drawing/2014/main" id="{C85F2535-E76C-4629-B1EF-45A93985C486}"/>
-              </a:ext>
-            </a:extLst>
-          </p:cNvPr>
-          <p:cNvSpPr>
-            <a:spLocks noGrp="1"/>
-          </p:cNvSpPr>
-          <p:nvPr>
-            <p:ph type="title"/>
-          </p:nvPr>
-        </p:nvSpPr>
-        <p:spPr/>
-        <p:txBody>
-          <a:bodyPr/>
-          <a:lstStyle/>
-          <a:p>
-            <a:r>
-              <a:rPr lang="en-GB" dirty="0"/>
-              <a:t>Things not to worry too much about</a:t>
-            </a:r>
-          </a:p>
-        </p:txBody>
-      </p:sp>
-      <p:sp>
-        <p:nvSpPr>
-          <p:cNvPr id="3" name="Content Placeholder 2">
-            <a:extLst>
-              <a:ext uri="{FF2B5EF4-FFF2-40B4-BE49-F238E27FC236}">
-                <a16:creationId xmlns:a16="http://schemas.microsoft.com/office/drawing/2014/main" id="{23EE6D7C-DFF2-4380-80C0-71B952A482AE}"/>
-              </a:ext>
-            </a:extLst>
-          </p:cNvPr>
-          <p:cNvSpPr>
-            <a:spLocks noGrp="1"/>
-          </p:cNvSpPr>
-          <p:nvPr>
-            <p:ph idx="1"/>
-          </p:nvPr>
-        </p:nvSpPr>
-        <p:spPr/>
-        <p:txBody>
-          <a:bodyPr/>
-          <a:lstStyle/>
-          <a:p>
-            <a:r>
-              <a:rPr lang="en-GB" dirty="0"/>
-              <a:t>Costings and Budgets (there is no money anyway)</a:t>
-            </a:r>
-          </a:p>
-          <a:p>
-            <a:r>
-              <a:rPr lang="en-GB" dirty="0"/>
-              <a:t>Don’t feel you need to use all work package types</a:t>
-            </a:r>
-          </a:p>
-          <a:p>
-            <a:endParaRPr lang="en-GB" dirty="0"/>
-          </a:p>
-          <a:p>
-            <a:endParaRPr lang="en-GB" dirty="0"/>
-          </a:p>
-        </p:txBody>
-      </p:sp>
-    </p:spTree>
-    <p:extLst>
-      <p:ext uri="{BB962C8B-B14F-4D97-AF65-F5344CB8AC3E}">
-        <p14:creationId xmlns:p14="http://schemas.microsoft.com/office/powerpoint/2010/main" val="1528125622"/>
-      </p:ext>
-    </p:extLst>
-  </p:cSld>
-  <p:clrMapOvr>
-    <a:masterClrMapping/>
-  </p:clrMapOvr>
-</p:sld>
-</file>
-
-<file path=ppt/slides/slide19.xml><?xml version="1.0" encoding="utf-8"?>
-<p:sld xmlns:a="http://schemas.openxmlformats.org/drawingml/2006/main" xmlns:r="http://schemas.openxmlformats.org/officeDocument/2006/relationships" xmlns:p="http://schemas.openxmlformats.org/presentationml/2006/main">
-  <p:cSld>
-    <p:spTree>
-      <p:nvGrpSpPr>
-        <p:cNvPr id="1" name=""/>
-        <p:cNvGrpSpPr/>
-        <p:nvPr/>
-      </p:nvGrpSpPr>
-      <p:grpSpPr>
-        <a:xfrm>
-          <a:off x="0" y="0"/>
-          <a:ext cx="0" cy="0"/>
-          <a:chOff x="0" y="0"/>
-          <a:chExt cx="0" cy="0"/>
-        </a:xfrm>
-      </p:grpSpPr>
-      <p:sp>
-        <p:nvSpPr>
-          <p:cNvPr id="4" name="Title 3">
-            <a:extLst>
-              <a:ext uri="{FF2B5EF4-FFF2-40B4-BE49-F238E27FC236}">
-                <a16:creationId xmlns:a16="http://schemas.microsoft.com/office/drawing/2014/main" id="{7CDE2FF9-0E7A-43DC-A61F-BB8863025C54}"/>
-              </a:ext>
-            </a:extLst>
-          </p:cNvPr>
-          <p:cNvSpPr>
-            <a:spLocks noGrp="1"/>
-          </p:cNvSpPr>
-          <p:nvPr>
-            <p:ph type="title"/>
-          </p:nvPr>
-        </p:nvSpPr>
-        <p:spPr/>
-        <p:txBody>
-          <a:bodyPr/>
-          <a:lstStyle/>
-          <a:p>
-            <a:pPr algn="ctr"/>
-            <a:r>
-              <a:rPr lang="en-GB" dirty="0"/>
-              <a:t>The BIG payoff ?</a:t>
-            </a:r>
-            <a:br>
-              <a:rPr lang="en-GB" dirty="0"/>
-            </a:br>
-            <a:endParaRPr lang="en-GB" dirty="0"/>
-          </a:p>
-        </p:txBody>
-      </p:sp>
-    </p:spTree>
-    <p:extLst>
-      <p:ext uri="{BB962C8B-B14F-4D97-AF65-F5344CB8AC3E}">
-        <p14:creationId xmlns:p14="http://schemas.microsoft.com/office/powerpoint/2010/main" val="2568298180"/>
-      </p:ext>
-    </p:extLst>
-  </p:cSld>
-  <p:clrMapOvr>
-    <a:masterClrMapping/>
-  </p:clrMapOvr>
-</p:sld>
-</file>
-
-<file path=ppt/slides/slide2.xml><?xml version="1.0" encoding="utf-8"?>
-<p:sld xmlns:a="http://schemas.openxmlformats.org/drawingml/2006/main" xmlns:r="http://schemas.openxmlformats.org/officeDocument/2006/relationships" xmlns:p="http://schemas.openxmlformats.org/presentationml/2006/main">
-  <p:cSld>
-    <p:spTree>
-      <p:nvGrpSpPr>
-        <p:cNvPr id="1" name=""/>
-        <p:cNvGrpSpPr/>
-        <p:nvPr/>
-      </p:nvGrpSpPr>
-      <p:grpSpPr>
-        <a:xfrm>
-          <a:off x="0" y="0"/>
-          <a:ext cx="0" cy="0"/>
-          <a:chOff x="0" y="0"/>
-          <a:chExt cx="0" cy="0"/>
-        </a:xfrm>
-      </p:grpSpPr>
-      <p:sp>
-        <p:nvSpPr>
-          <p:cNvPr id="2" name="Title 1">
-            <a:extLst>
-              <a:ext uri="{FF2B5EF4-FFF2-40B4-BE49-F238E27FC236}">
-                <a16:creationId xmlns:a16="http://schemas.microsoft.com/office/drawing/2014/main" id="{0095FF0F-6F27-4357-A6FB-F497AA071807}"/>
-              </a:ext>
-            </a:extLst>
-          </p:cNvPr>
-          <p:cNvSpPr>
-            <a:spLocks noGrp="1"/>
-          </p:cNvSpPr>
-          <p:nvPr>
-            <p:ph type="title"/>
-          </p:nvPr>
-        </p:nvSpPr>
-        <p:spPr/>
-        <p:txBody>
-          <a:bodyPr/>
-          <a:lstStyle/>
-          <a:p>
-            <a:r>
-              <a:rPr lang="en-US" dirty="0"/>
-              <a:t>What is Open Project ?</a:t>
-            </a:r>
-            <a:endParaRPr lang="en-GB" dirty="0"/>
-          </a:p>
-        </p:txBody>
-      </p:sp>
-      <p:sp>
-        <p:nvSpPr>
-          <p:cNvPr id="3" name="Content Placeholder 2">
-            <a:extLst>
-              <a:ext uri="{FF2B5EF4-FFF2-40B4-BE49-F238E27FC236}">
-                <a16:creationId xmlns:a16="http://schemas.microsoft.com/office/drawing/2014/main" id="{5B4CA8EE-8925-47A2-AA96-A2DAE54AE761}"/>
-              </a:ext>
-            </a:extLst>
-          </p:cNvPr>
-          <p:cNvSpPr>
-            <a:spLocks noGrp="1"/>
-          </p:cNvSpPr>
-          <p:nvPr>
-            <p:ph idx="1"/>
-          </p:nvPr>
-        </p:nvSpPr>
-        <p:spPr/>
-        <p:txBody>
-          <a:bodyPr/>
-          <a:lstStyle/>
-          <a:p>
-            <a:r>
-              <a:rPr lang="en-GB" dirty="0"/>
-              <a:t>An online open-source project management tool</a:t>
-            </a:r>
-          </a:p>
-          <a:p>
-            <a:r>
-              <a:rPr lang="en-GB" dirty="0"/>
-              <a:t>Fairly basic set of functionality</a:t>
-            </a:r>
-          </a:p>
-          <a:p>
-            <a:r>
-              <a:rPr lang="en-GB" dirty="0"/>
-              <a:t>Provides all you need to plan and track projects</a:t>
-            </a:r>
-          </a:p>
-          <a:p>
-            <a:endParaRPr lang="en-GB" dirty="0"/>
-          </a:p>
-          <a:p>
-            <a:r>
-              <a:rPr lang="en-GB" dirty="0"/>
-              <a:t>We have it installed on our development server</a:t>
-            </a:r>
-          </a:p>
-          <a:p>
-            <a:r>
-              <a:rPr lang="en-GB" dirty="0"/>
-              <a:t>Currently under “active development”</a:t>
-            </a:r>
-          </a:p>
-          <a:p>
-            <a:r>
-              <a:rPr lang="en-GB" dirty="0"/>
-              <a:t>However stable enough to be used for SPE</a:t>
-            </a:r>
-          </a:p>
-        </p:txBody>
-      </p:sp>
-    </p:spTree>
-    <p:extLst>
-      <p:ext uri="{BB962C8B-B14F-4D97-AF65-F5344CB8AC3E}">
-        <p14:creationId xmlns:p14="http://schemas.microsoft.com/office/powerpoint/2010/main" val="2242585200"/>
-      </p:ext>
-    </p:extLst>
-  </p:cSld>
-  <p:clrMapOvr>
-    <a:masterClrMapping/>
-  </p:clrMapOvr>
-</p:sld>
-</file>
-
-<file path=ppt/slides/slide20.xml><?xml version="1.0" encoding="utf-8"?>
-<p:sld xmlns:a="http://schemas.openxmlformats.org/drawingml/2006/main" xmlns:r="http://schemas.openxmlformats.org/officeDocument/2006/relationships" xmlns:p="http://schemas.openxmlformats.org/presentationml/2006/main">
-  <p:cSld>
-    <p:spTree>
-      <p:nvGrpSpPr>
-        <p:cNvPr id="1" name=""/>
-        <p:cNvGrpSpPr/>
-        <p:nvPr/>
-      </p:nvGrpSpPr>
-      <p:grpSpPr>
-        <a:xfrm>
-          <a:off x="0" y="0"/>
-          <a:ext cx="0" cy="0"/>
-          <a:chOff x="0" y="0"/>
-          <a:chExt cx="0" cy="0"/>
-        </a:xfrm>
-      </p:grpSpPr>
-      <p:sp>
-        <p:nvSpPr>
-          <p:cNvPr id="2" name="Title 1">
-            <a:extLst>
-              <a:ext uri="{FF2B5EF4-FFF2-40B4-BE49-F238E27FC236}">
-                <a16:creationId xmlns:a16="http://schemas.microsoft.com/office/drawing/2014/main" id="{28B4DDE3-84C6-4C3B-9755-3D6487B2A7E4}"/>
-              </a:ext>
-            </a:extLst>
-          </p:cNvPr>
-          <p:cNvSpPr>
-            <a:spLocks noGrp="1"/>
-          </p:cNvSpPr>
-          <p:nvPr>
-            <p:ph type="title"/>
-          </p:nvPr>
-        </p:nvSpPr>
-        <p:spPr/>
-        <p:txBody>
-          <a:bodyPr/>
-          <a:lstStyle/>
-          <a:p>
-            <a:r>
-              <a:rPr lang="en-GB" dirty="0"/>
-              <a:t>Monitoring</a:t>
-            </a:r>
-          </a:p>
-        </p:txBody>
-      </p:sp>
-      <p:sp>
-        <p:nvSpPr>
-          <p:cNvPr id="3" name="Content Placeholder 2">
-            <a:extLst>
-              <a:ext uri="{FF2B5EF4-FFF2-40B4-BE49-F238E27FC236}">
-                <a16:creationId xmlns:a16="http://schemas.microsoft.com/office/drawing/2014/main" id="{4588F19C-498A-4DB4-98A7-F96A3EA73515}"/>
-              </a:ext>
-            </a:extLst>
-          </p:cNvPr>
-          <p:cNvSpPr>
-            <a:spLocks noGrp="1"/>
-          </p:cNvSpPr>
-          <p:nvPr>
-            <p:ph idx="1"/>
-          </p:nvPr>
-        </p:nvSpPr>
-        <p:spPr/>
-        <p:txBody>
-          <a:bodyPr/>
-          <a:lstStyle/>
-          <a:p>
-            <a:r>
-              <a:rPr lang="en-GB" dirty="0"/>
-              <a:t>OP provides us with PROJECT TRANSPARENCY</a:t>
-            </a:r>
-          </a:p>
-          <a:p>
-            <a:r>
-              <a:rPr lang="en-GB" dirty="0"/>
-              <a:t>We can see WHAT you are up to and WHEN</a:t>
-            </a:r>
-          </a:p>
-          <a:p>
-            <a:r>
-              <a:rPr lang="en-GB" dirty="0"/>
-              <a:t>This has a number of “benefits”…</a:t>
-            </a:r>
-          </a:p>
-          <a:p>
-            <a:endParaRPr lang="en-GB" dirty="0"/>
-          </a:p>
-          <a:p>
-            <a:r>
-              <a:rPr lang="en-GB" dirty="0"/>
-              <a:t>We can monitor the patterns and flow of work</a:t>
-            </a:r>
-          </a:p>
-          <a:p>
-            <a:r>
-              <a:rPr lang="en-GB" dirty="0"/>
-              <a:t>We can spot problems early on</a:t>
-            </a:r>
-          </a:p>
-          <a:p>
-            <a:r>
-              <a:rPr lang="en-GB" dirty="0"/>
-              <a:t>We can “encourage” when work is falling behind</a:t>
-            </a:r>
-          </a:p>
-          <a:p>
-            <a:r>
-              <a:rPr lang="en-GB" dirty="0"/>
-              <a:t>We can tell if people aren’t pulling their weight</a:t>
-            </a:r>
-          </a:p>
-          <a:p>
-            <a:r>
-              <a:rPr lang="en-GB" dirty="0"/>
-              <a:t>We can mark teams on process, as well as product</a:t>
-            </a:r>
-          </a:p>
-        </p:txBody>
-      </p:sp>
-    </p:spTree>
-    <p:extLst>
-      <p:ext uri="{BB962C8B-B14F-4D97-AF65-F5344CB8AC3E}">
-        <p14:creationId xmlns:p14="http://schemas.microsoft.com/office/powerpoint/2010/main" val="1574101972"/>
-      </p:ext>
-    </p:extLst>
-  </p:cSld>
-  <p:clrMapOvr>
-    <a:masterClrMapping/>
-  </p:clrMapOvr>
-</p:sld>
-</file>
-
-<file path=ppt/slides/slide21.xml><?xml version="1.0" encoding="utf-8"?>
-<p:sld xmlns:a="http://schemas.openxmlformats.org/drawingml/2006/main" xmlns:r="http://schemas.openxmlformats.org/officeDocument/2006/relationships" xmlns:p="http://schemas.openxmlformats.org/presentationml/2006/main">
-  <p:cSld>
-    <p:spTree>
-      <p:nvGrpSpPr>
-        <p:cNvPr id="1" name=""/>
-        <p:cNvGrpSpPr/>
-        <p:nvPr/>
-      </p:nvGrpSpPr>
-      <p:grpSpPr>
-        <a:xfrm>
-          <a:off x="0" y="0"/>
-          <a:ext cx="0" cy="0"/>
-          <a:chOff x="0" y="0"/>
-          <a:chExt cx="0" cy="0"/>
-        </a:xfrm>
-      </p:grpSpPr>
-      <p:sp>
-        <p:nvSpPr>
-          <p:cNvPr id="2" name="Title 1">
-            <a:extLst>
-              <a:ext uri="{FF2B5EF4-FFF2-40B4-BE49-F238E27FC236}">
-                <a16:creationId xmlns:a16="http://schemas.microsoft.com/office/drawing/2014/main" id="{F35733BB-C782-4634-A539-8D44F26FC7A3}"/>
-              </a:ext>
-            </a:extLst>
-          </p:cNvPr>
-          <p:cNvSpPr>
-            <a:spLocks noGrp="1"/>
-          </p:cNvSpPr>
-          <p:nvPr>
-            <p:ph type="title"/>
-          </p:nvPr>
-        </p:nvSpPr>
-        <p:spPr/>
-        <p:txBody>
-          <a:bodyPr/>
-          <a:lstStyle/>
-          <a:p>
-            <a:r>
-              <a:rPr lang="en-GB" dirty="0"/>
-              <a:t>Specific things we will be looking for</a:t>
-            </a:r>
-          </a:p>
-        </p:txBody>
-      </p:sp>
-      <p:sp>
-        <p:nvSpPr>
-          <p:cNvPr id="3" name="Content Placeholder 2">
-            <a:extLst>
-              <a:ext uri="{FF2B5EF4-FFF2-40B4-BE49-F238E27FC236}">
-                <a16:creationId xmlns:a16="http://schemas.microsoft.com/office/drawing/2014/main" id="{9E1EE52C-534F-4676-84E9-980717139303}"/>
-              </a:ext>
-            </a:extLst>
-          </p:cNvPr>
-          <p:cNvSpPr>
-            <a:spLocks noGrp="1"/>
-          </p:cNvSpPr>
-          <p:nvPr>
-            <p:ph idx="1"/>
-          </p:nvPr>
-        </p:nvSpPr>
-        <p:spPr/>
-        <p:txBody>
-          <a:bodyPr/>
-          <a:lstStyle/>
-          <a:p>
-            <a:r>
-              <a:rPr lang="en-GB" dirty="0"/>
-              <a:t>Detailed and realistic project plans</a:t>
-            </a:r>
-          </a:p>
-          <a:p>
-            <a:r>
-              <a:rPr lang="en-GB" dirty="0"/>
-              <a:t>Team and Individual engagement with OP</a:t>
-            </a:r>
-          </a:p>
-          <a:p>
-            <a:r>
-              <a:rPr lang="en-GB" dirty="0"/>
-              <a:t>Individual contribution to work packages</a:t>
-            </a:r>
-          </a:p>
-          <a:p>
-            <a:r>
-              <a:rPr lang="en-GB" dirty="0"/>
-              <a:t>Individual attendance at project meetings</a:t>
-            </a:r>
-          </a:p>
-          <a:p>
-            <a:r>
-              <a:rPr lang="en-GB" dirty="0"/>
-              <a:t>Keeping to due-dates, milestones and deadlines</a:t>
-            </a:r>
-          </a:p>
-        </p:txBody>
-      </p:sp>
-    </p:spTree>
-    <p:extLst>
-      <p:ext uri="{BB962C8B-B14F-4D97-AF65-F5344CB8AC3E}">
-        <p14:creationId xmlns:p14="http://schemas.microsoft.com/office/powerpoint/2010/main" val="1530531459"/>
-      </p:ext>
-    </p:extLst>
-  </p:cSld>
-  <p:clrMapOvr>
-    <a:masterClrMapping/>
-  </p:clrMapOvr>
-</p:sld>
-</file>
-
-<file path=ppt/slides/slide22.xml><?xml version="1.0" encoding="utf-8"?>
-<p:sld xmlns:a="http://schemas.openxmlformats.org/drawingml/2006/main" xmlns:r="http://schemas.openxmlformats.org/officeDocument/2006/relationships" xmlns:p="http://schemas.openxmlformats.org/presentationml/2006/main">
-  <p:cSld>
-    <p:spTree>
-      <p:nvGrpSpPr>
-        <p:cNvPr id="1" name=""/>
-        <p:cNvGrpSpPr/>
-        <p:nvPr/>
-      </p:nvGrpSpPr>
-      <p:grpSpPr>
-        <a:xfrm>
-          <a:off x="0" y="0"/>
-          <a:ext cx="0" cy="0"/>
-          <a:chOff x="0" y="0"/>
-          <a:chExt cx="0" cy="0"/>
-        </a:xfrm>
-      </p:grpSpPr>
-      <p:sp>
-        <p:nvSpPr>
-          <p:cNvPr id="2" name="Title 1">
-            <a:extLst>
-              <a:ext uri="{FF2B5EF4-FFF2-40B4-BE49-F238E27FC236}">
-                <a16:creationId xmlns:a16="http://schemas.microsoft.com/office/drawing/2014/main" id="{A10943E5-00F9-44CE-A3EF-B6F2580361D8}"/>
-              </a:ext>
-            </a:extLst>
-          </p:cNvPr>
-          <p:cNvSpPr>
-            <a:spLocks noGrp="1"/>
-          </p:cNvSpPr>
-          <p:nvPr>
-            <p:ph type="title"/>
-          </p:nvPr>
-        </p:nvSpPr>
-        <p:spPr/>
-        <p:txBody>
-          <a:bodyPr/>
-          <a:lstStyle/>
-          <a:p>
-            <a:r>
-              <a:rPr lang="en-GB" dirty="0"/>
-              <a:t>Warning: Capture Data !</a:t>
-            </a:r>
-          </a:p>
-        </p:txBody>
-      </p:sp>
-      <p:sp>
-        <p:nvSpPr>
-          <p:cNvPr id="3" name="Content Placeholder 2">
-            <a:extLst>
-              <a:ext uri="{FF2B5EF4-FFF2-40B4-BE49-F238E27FC236}">
-                <a16:creationId xmlns:a16="http://schemas.microsoft.com/office/drawing/2014/main" id="{85D63A4F-810B-40EF-B5E0-815BAC478468}"/>
-              </a:ext>
-            </a:extLst>
-          </p:cNvPr>
-          <p:cNvSpPr>
-            <a:spLocks noGrp="1"/>
-          </p:cNvSpPr>
-          <p:nvPr>
-            <p:ph idx="1"/>
-          </p:nvPr>
-        </p:nvSpPr>
-        <p:spPr/>
-        <p:txBody>
-          <a:bodyPr>
-            <a:normAutofit/>
-          </a:bodyPr>
-          <a:lstStyle/>
-          <a:p>
-            <a:r>
-              <a:rPr lang="en-GB" dirty="0"/>
-              <a:t>You MUST use open-project to its full potential…</a:t>
-            </a:r>
-          </a:p>
-          <a:p>
-            <a:pPr lvl="0"/>
-            <a:r>
-              <a:rPr lang="en-GB" dirty="0"/>
-              <a:t>If there is work to be done, it must appear as a work package (with a realistic estimate of hours)</a:t>
-            </a:r>
-          </a:p>
-          <a:p>
-            <a:pPr lvl="0"/>
-            <a:r>
-              <a:rPr lang="en-GB" dirty="0"/>
-              <a:t>If you are doing that work, you must be recorded as the assignee</a:t>
-            </a:r>
-          </a:p>
-          <a:p>
-            <a:pPr lvl="0"/>
-            <a:r>
-              <a:rPr lang="en-GB" dirty="0"/>
-              <a:t>When work is progressing, you must update the progress % and status (so we can see !)</a:t>
-            </a:r>
-          </a:p>
-          <a:p>
-            <a:pPr lvl="0"/>
-            <a:r>
-              <a:rPr lang="en-GB" dirty="0"/>
-              <a:t>If there is a meeting, it must be entered</a:t>
-            </a:r>
-          </a:p>
-          <a:p>
-            <a:pPr lvl="0"/>
-            <a:r>
-              <a:rPr lang="en-GB" dirty="0"/>
-              <a:t>If someone missed a meeting, it must be recorded</a:t>
-            </a:r>
-          </a:p>
-        </p:txBody>
-      </p:sp>
-    </p:spTree>
-    <p:extLst>
-      <p:ext uri="{BB962C8B-B14F-4D97-AF65-F5344CB8AC3E}">
-        <p14:creationId xmlns:p14="http://schemas.microsoft.com/office/powerpoint/2010/main" val="722418536"/>
-      </p:ext>
-    </p:extLst>
-  </p:cSld>
-  <p:clrMapOvr>
-    <a:masterClrMapping/>
-  </p:clrMapOvr>
-</p:sld>
-</file>
-
-<file path=ppt/slides/slide23.xml><?xml version="1.0" encoding="utf-8"?>
-<p:sld xmlns:a="http://schemas.openxmlformats.org/drawingml/2006/main" xmlns:r="http://schemas.openxmlformats.org/officeDocument/2006/relationships" xmlns:p="http://schemas.openxmlformats.org/presentationml/2006/main">
-  <p:cSld>
-    <p:spTree>
-      <p:nvGrpSpPr>
-        <p:cNvPr id="1" name=""/>
-        <p:cNvGrpSpPr/>
-        <p:nvPr/>
-      </p:nvGrpSpPr>
-      <p:grpSpPr>
-        <a:xfrm>
-          <a:off x="0" y="0"/>
-          <a:ext cx="0" cy="0"/>
-          <a:chOff x="0" y="0"/>
-          <a:chExt cx="0" cy="0"/>
-        </a:xfrm>
-      </p:grpSpPr>
-      <p:sp>
-        <p:nvSpPr>
-          <p:cNvPr id="2" name="Title 1">
-            <a:extLst>
-              <a:ext uri="{FF2B5EF4-FFF2-40B4-BE49-F238E27FC236}">
-                <a16:creationId xmlns:a16="http://schemas.microsoft.com/office/drawing/2014/main" id="{1865A318-3592-45F2-A594-BA5036F16B26}"/>
-              </a:ext>
-            </a:extLst>
-          </p:cNvPr>
-          <p:cNvSpPr>
-            <a:spLocks noGrp="1"/>
-          </p:cNvSpPr>
-          <p:nvPr>
-            <p:ph type="title"/>
-          </p:nvPr>
-        </p:nvSpPr>
-        <p:spPr/>
-        <p:txBody>
-          <a:bodyPr/>
-          <a:lstStyle/>
-          <a:p>
-            <a:r>
-              <a:rPr lang="en-GB" dirty="0"/>
-              <a:t>Individual Assessment</a:t>
-            </a:r>
-          </a:p>
-        </p:txBody>
-      </p:sp>
-      <p:sp>
-        <p:nvSpPr>
-          <p:cNvPr id="3" name="Content Placeholder 2">
-            <a:extLst>
-              <a:ext uri="{FF2B5EF4-FFF2-40B4-BE49-F238E27FC236}">
-                <a16:creationId xmlns:a16="http://schemas.microsoft.com/office/drawing/2014/main" id="{676867AE-DAC9-469B-A916-4E86AABEA110}"/>
-              </a:ext>
-            </a:extLst>
-          </p:cNvPr>
-          <p:cNvSpPr>
-            <a:spLocks noGrp="1"/>
-          </p:cNvSpPr>
-          <p:nvPr>
-            <p:ph idx="1"/>
-          </p:nvPr>
-        </p:nvSpPr>
-        <p:spPr/>
-        <p:txBody>
-          <a:bodyPr>
-            <a:normAutofit/>
-          </a:bodyPr>
-          <a:lstStyle/>
-          <a:p>
-            <a:pPr marL="0" indent="0" algn="ctr">
-              <a:buNone/>
-            </a:pPr>
-            <a:r>
-              <a:rPr lang="en-GB" sz="2800" dirty="0"/>
-              <a:t>Recording information accurately is essential so that we can keep track of progress and identify “under engagement”.</a:t>
-            </a:r>
-          </a:p>
-          <a:p>
-            <a:pPr marL="0" indent="0" algn="ctr">
-              <a:buNone/>
-            </a:pPr>
-            <a:endParaRPr lang="en-GB" sz="2800" dirty="0"/>
-          </a:p>
-          <a:p>
-            <a:pPr marL="0" indent="0" algn="ctr">
-              <a:buNone/>
-            </a:pPr>
-            <a:r>
-              <a:rPr lang="en-GB" sz="2800" dirty="0"/>
-              <a:t>When we come to mark the projects at the end of the year, these issues will impact the individual grades students will be awarded.</a:t>
-            </a:r>
-          </a:p>
-        </p:txBody>
-      </p:sp>
-    </p:spTree>
-    <p:extLst>
-      <p:ext uri="{BB962C8B-B14F-4D97-AF65-F5344CB8AC3E}">
-        <p14:creationId xmlns:p14="http://schemas.microsoft.com/office/powerpoint/2010/main" val="2132855452"/>
-      </p:ext>
-    </p:extLst>
-  </p:cSld>
-  <p:clrMapOvr>
-    <a:masterClrMapping/>
-  </p:clrMapOvr>
-</p:sld>
-</file>
-
-<file path=ppt/slides/slide24.xml><?xml version="1.0" encoding="utf-8"?>
-<p:sld xmlns:a="http://schemas.openxmlformats.org/drawingml/2006/main" xmlns:r="http://schemas.openxmlformats.org/officeDocument/2006/relationships" xmlns:p="http://schemas.openxmlformats.org/presentationml/2006/main">
-  <p:cSld>
-    <p:spTree>
-      <p:nvGrpSpPr>
-        <p:cNvPr id="1" name=""/>
-        <p:cNvGrpSpPr/>
-        <p:nvPr/>
-      </p:nvGrpSpPr>
-      <p:grpSpPr>
-        <a:xfrm>
-          <a:off x="0" y="0"/>
-          <a:ext cx="0" cy="0"/>
-          <a:chOff x="0" y="0"/>
-          <a:chExt cx="0" cy="0"/>
-        </a:xfrm>
-      </p:grpSpPr>
-      <p:sp>
-        <p:nvSpPr>
-          <p:cNvPr id="2" name="Title 1">
-            <a:extLst>
-              <a:ext uri="{FF2B5EF4-FFF2-40B4-BE49-F238E27FC236}">
-                <a16:creationId xmlns:a16="http://schemas.microsoft.com/office/drawing/2014/main" id="{8C31094E-49AB-4594-BB34-42937658BA61}"/>
-              </a:ext>
-            </a:extLst>
-          </p:cNvPr>
-          <p:cNvSpPr>
-            <a:spLocks noGrp="1"/>
-          </p:cNvSpPr>
-          <p:nvPr>
-            <p:ph type="title"/>
-          </p:nvPr>
-        </p:nvSpPr>
-        <p:spPr/>
-        <p:txBody>
-          <a:bodyPr/>
-          <a:lstStyle/>
-          <a:p>
-            <a:r>
-              <a:rPr lang="en-GB" dirty="0"/>
-              <a:t>This is not a normal unit !</a:t>
-            </a:r>
-          </a:p>
-        </p:txBody>
-      </p:sp>
-      <p:sp>
-        <p:nvSpPr>
-          <p:cNvPr id="3" name="Content Placeholder 2">
-            <a:extLst>
-              <a:ext uri="{FF2B5EF4-FFF2-40B4-BE49-F238E27FC236}">
-                <a16:creationId xmlns:a16="http://schemas.microsoft.com/office/drawing/2014/main" id="{EB718C4B-6318-433D-B34B-B3400F49E898}"/>
-              </a:ext>
-            </a:extLst>
-          </p:cNvPr>
-          <p:cNvSpPr>
-            <a:spLocks noGrp="1"/>
-          </p:cNvSpPr>
-          <p:nvPr>
-            <p:ph idx="1"/>
-          </p:nvPr>
-        </p:nvSpPr>
-        <p:spPr/>
-        <p:txBody>
-          <a:bodyPr/>
-          <a:lstStyle/>
-          <a:p>
-            <a:r>
-              <a:rPr lang="en-GB" dirty="0"/>
-              <a:t>You can’t just attend passively</a:t>
-            </a:r>
-          </a:p>
-          <a:p>
-            <a:r>
-              <a:rPr lang="en-GB" dirty="0"/>
-              <a:t>Then work hard on assignment/exam at the end</a:t>
-            </a:r>
-          </a:p>
-          <a:p>
-            <a:endParaRPr lang="en-GB" dirty="0"/>
-          </a:p>
-          <a:p>
-            <a:r>
-              <a:rPr lang="en-GB" dirty="0"/>
-              <a:t>You need to proactivity engage and DO stuff</a:t>
-            </a:r>
-          </a:p>
-          <a:p>
-            <a:r>
-              <a:rPr lang="en-GB" dirty="0"/>
-              <a:t>Throughout the whole of the unit</a:t>
-            </a:r>
-          </a:p>
-          <a:p>
-            <a:r>
-              <a:rPr lang="en-GB" dirty="0"/>
-              <a:t>Fight for work – grab hold of tasks you excel at</a:t>
-            </a:r>
-          </a:p>
-          <a:p>
-            <a:endParaRPr lang="en-GB" dirty="0"/>
-          </a:p>
-          <a:p>
-            <a:r>
-              <a:rPr lang="en-GB" dirty="0"/>
-              <a:t>This may be an familiar behaviour for some</a:t>
-            </a:r>
-          </a:p>
-          <a:p>
-            <a:r>
-              <a:rPr lang="en-GB" dirty="0"/>
-              <a:t>Which is why we have introduced a prompt…</a:t>
-            </a:r>
-          </a:p>
-        </p:txBody>
-      </p:sp>
-    </p:spTree>
-    <p:extLst>
-      <p:ext uri="{BB962C8B-B14F-4D97-AF65-F5344CB8AC3E}">
-        <p14:creationId xmlns:p14="http://schemas.microsoft.com/office/powerpoint/2010/main" val="3568784488"/>
-      </p:ext>
-    </p:extLst>
-  </p:cSld>
-  <p:clrMapOvr>
-    <a:masterClrMapping/>
-  </p:clrMapOvr>
-</p:sld>
-</file>
-
-<file path=ppt/slides/slide25.xml><?xml version="1.0" encoding="utf-8"?>
-<p:sld xmlns:a="http://schemas.openxmlformats.org/drawingml/2006/main" xmlns:r="http://schemas.openxmlformats.org/officeDocument/2006/relationships" xmlns:p="http://schemas.openxmlformats.org/presentationml/2006/main">
-  <p:cSld>
-    <p:spTree>
-      <p:nvGrpSpPr>
-        <p:cNvPr id="1" name=""/>
-        <p:cNvGrpSpPr/>
-        <p:nvPr/>
-      </p:nvGrpSpPr>
-      <p:grpSpPr>
-        <a:xfrm>
-          <a:off x="0" y="0"/>
-          <a:ext cx="0" cy="0"/>
-          <a:chOff x="0" y="0"/>
-          <a:chExt cx="0" cy="0"/>
-        </a:xfrm>
-      </p:grpSpPr>
-      <p:sp>
-        <p:nvSpPr>
-          <p:cNvPr id="2" name="Title 1">
-            <a:extLst>
-              <a:ext uri="{FF2B5EF4-FFF2-40B4-BE49-F238E27FC236}">
-                <a16:creationId xmlns:a16="http://schemas.microsoft.com/office/drawing/2014/main" id="{9E2EF2F2-3657-49D9-8998-F97C4B651C15}"/>
-              </a:ext>
-            </a:extLst>
-          </p:cNvPr>
-          <p:cNvSpPr>
-            <a:spLocks noGrp="1"/>
-          </p:cNvSpPr>
-          <p:nvPr>
-            <p:ph type="title"/>
-          </p:nvPr>
-        </p:nvSpPr>
-        <p:spPr/>
-        <p:txBody>
-          <a:bodyPr/>
-          <a:lstStyle/>
-          <a:p>
-            <a:r>
-              <a:rPr lang="en-GB" dirty="0"/>
-              <a:t>Tracking your own progress</a:t>
-            </a:r>
-          </a:p>
-        </p:txBody>
-      </p:sp>
-      <p:sp>
-        <p:nvSpPr>
-          <p:cNvPr id="3" name="Content Placeholder 2">
-            <a:extLst>
-              <a:ext uri="{FF2B5EF4-FFF2-40B4-BE49-F238E27FC236}">
-                <a16:creationId xmlns:a16="http://schemas.microsoft.com/office/drawing/2014/main" id="{8355E7CE-38DF-42C5-A430-4012E1429EB4}"/>
-              </a:ext>
-            </a:extLst>
-          </p:cNvPr>
-          <p:cNvSpPr>
-            <a:spLocks noGrp="1"/>
-          </p:cNvSpPr>
-          <p:nvPr>
-            <p:ph idx="1"/>
-          </p:nvPr>
-        </p:nvSpPr>
-        <p:spPr/>
-        <p:txBody>
-          <a:bodyPr/>
-          <a:lstStyle/>
-          <a:p>
-            <a:r>
-              <a:rPr lang="en-GB" dirty="0"/>
-              <a:t>It can be hard to grasp how well you are doing</a:t>
-            </a:r>
-          </a:p>
-          <a:p>
-            <a:r>
-              <a:rPr lang="en-GB" dirty="0"/>
-              <a:t>Have to compare your contribution against others</a:t>
-            </a:r>
-          </a:p>
-          <a:p>
-            <a:r>
-              <a:rPr lang="en-GB" dirty="0"/>
-              <a:t>Difficult to do without an overview of all work</a:t>
-            </a:r>
-          </a:p>
-          <a:p>
-            <a:endParaRPr lang="en-GB" dirty="0"/>
-          </a:p>
-          <a:p>
-            <a:r>
-              <a:rPr lang="en-GB" dirty="0"/>
-              <a:t>This is where monitoring data comes in !</a:t>
-            </a:r>
-          </a:p>
-          <a:p>
-            <a:r>
-              <a:rPr lang="en-GB" dirty="0"/>
-              <a:t>We will provide weekly analytics reports to mentors</a:t>
-            </a:r>
-          </a:p>
-          <a:p>
-            <a:r>
-              <a:rPr lang="en-GB" dirty="0"/>
-              <a:t>Teams will discuss these in mentoring sessions</a:t>
-            </a:r>
-          </a:p>
-          <a:p>
-            <a:r>
-              <a:rPr lang="en-GB" dirty="0"/>
-              <a:t>Derive ratings for each individual’s contribution</a:t>
-            </a:r>
-          </a:p>
-          <a:p>
-            <a:r>
-              <a:rPr lang="en-GB" dirty="0"/>
-              <a:t>These will be recorded in OP as your “hourly rate”</a:t>
-            </a:r>
-          </a:p>
-          <a:p>
-            <a:r>
-              <a:rPr lang="en-GB" dirty="0"/>
-              <a:t>This allows you to compare yourself with all others !</a:t>
-            </a:r>
-          </a:p>
-        </p:txBody>
-      </p:sp>
-    </p:spTree>
-    <p:extLst>
-      <p:ext uri="{BB962C8B-B14F-4D97-AF65-F5344CB8AC3E}">
-        <p14:creationId xmlns:p14="http://schemas.microsoft.com/office/powerpoint/2010/main" val="2489213316"/>
-      </p:ext>
-    </p:extLst>
-  </p:cSld>
-  <p:clrMapOvr>
-    <a:masterClrMapping/>
-  </p:clrMapOvr>
-</p:sld>
-</file>
-
-<file path=ppt/slides/slide26.xml><?xml version="1.0" encoding="utf-8"?>
-<p:sld xmlns:a="http://schemas.openxmlformats.org/drawingml/2006/main" xmlns:r="http://schemas.openxmlformats.org/officeDocument/2006/relationships" xmlns:p="http://schemas.openxmlformats.org/presentationml/2006/main">
-  <p:cSld>
-    <p:spTree>
-      <p:nvGrpSpPr>
-        <p:cNvPr id="1" name=""/>
-        <p:cNvGrpSpPr/>
-        <p:nvPr/>
-      </p:nvGrpSpPr>
-      <p:grpSpPr>
-        <a:xfrm>
-          <a:off x="0" y="0"/>
-          <a:ext cx="0" cy="0"/>
-          <a:chOff x="0" y="0"/>
-          <a:chExt cx="0" cy="0"/>
-        </a:xfrm>
-      </p:grpSpPr>
-      <p:sp>
-        <p:nvSpPr>
-          <p:cNvPr id="4" name="Title 3">
-            <a:extLst>
-              <a:ext uri="{FF2B5EF4-FFF2-40B4-BE49-F238E27FC236}">
-                <a16:creationId xmlns:a16="http://schemas.microsoft.com/office/drawing/2014/main" id="{0BAD0073-1AA0-4CE0-B3C4-6870718C2810}"/>
-              </a:ext>
-            </a:extLst>
-          </p:cNvPr>
-          <p:cNvSpPr>
-            <a:spLocks noGrp="1"/>
-          </p:cNvSpPr>
-          <p:nvPr>
-            <p:ph type="title"/>
-          </p:nvPr>
-        </p:nvSpPr>
-        <p:spPr/>
-        <p:txBody>
-          <a:bodyPr/>
-          <a:lstStyle/>
-          <a:p>
-            <a:r>
-              <a:rPr lang="en-GB" dirty="0"/>
-              <a:t>Example Activity Timeline ?</a:t>
-            </a:r>
-          </a:p>
-        </p:txBody>
-      </p:sp>
-      <p:sp>
-        <p:nvSpPr>
-          <p:cNvPr id="5" name="Text Placeholder 4">
-            <a:extLst>
-              <a:ext uri="{FF2B5EF4-FFF2-40B4-BE49-F238E27FC236}">
-                <a16:creationId xmlns:a16="http://schemas.microsoft.com/office/drawing/2014/main" id="{0DBBDBC0-4D3C-4CD3-8C80-BB73B8B409EE}"/>
-              </a:ext>
-            </a:extLst>
-          </p:cNvPr>
-          <p:cNvSpPr>
-            <a:spLocks noGrp="1"/>
-          </p:cNvSpPr>
-          <p:nvPr>
-            <p:ph type="body" idx="1"/>
-          </p:nvPr>
-        </p:nvSpPr>
-        <p:spPr/>
-        <p:txBody>
-          <a:bodyPr/>
-          <a:lstStyle/>
-          <a:p>
-            <a:endParaRPr lang="en-GB"/>
-          </a:p>
-        </p:txBody>
-      </p:sp>
-    </p:spTree>
-    <p:extLst>
-      <p:ext uri="{BB962C8B-B14F-4D97-AF65-F5344CB8AC3E}">
-        <p14:creationId xmlns:p14="http://schemas.microsoft.com/office/powerpoint/2010/main" val="1019443653"/>
-      </p:ext>
-    </p:extLst>
-  </p:cSld>
-  <p:clrMapOvr>
-    <a:masterClrMapping/>
-  </p:clrMapOvr>
-</p:sld>
-</file>
-
-<file path=ppt/slides/slide27.xml><?xml version="1.0" encoding="utf-8"?>
+<file path=ppt/slides/slide11.xml><?xml version="1.0" encoding="utf-8"?>
 <p:sld xmlns:a="http://schemas.openxmlformats.org/drawingml/2006/main" xmlns:r="http://schemas.openxmlformats.org/officeDocument/2006/relationships" xmlns:p="http://schemas.openxmlformats.org/presentationml/2006/main">
   <p:cSld>
     <p:spTree>
@@ -5134,7 +3522,7 @@
           <a:lstStyle/>
           <a:p>
             <a:pPr algn="ctr"/>
-            <a:endParaRPr lang="en-GB"/>
+            <a:endParaRPr lang="en-GB" dirty="0"/>
           </a:p>
         </p:txBody>
       </p:sp>
@@ -5209,6 +3597,44 @@
           </a:prstGeom>
         </p:spPr>
       </p:pic>
+      <p:sp>
+        <p:nvSpPr>
+          <p:cNvPr id="2" name="TextBox 1">
+            <a:extLst>
+              <a:ext uri="{FF2B5EF4-FFF2-40B4-BE49-F238E27FC236}">
+                <a16:creationId xmlns:a16="http://schemas.microsoft.com/office/drawing/2014/main" id="{9CD1D17B-456B-43C3-A775-F322ED4C70D1}"/>
+              </a:ext>
+            </a:extLst>
+          </p:cNvPr>
+          <p:cNvSpPr txBox="1"/>
+          <p:nvPr/>
+        </p:nvSpPr>
+        <p:spPr>
+          <a:xfrm rot="16200000">
+            <a:off x="-2121385" y="3128412"/>
+            <a:ext cx="5585183" cy="646331"/>
+          </a:xfrm>
+          <a:prstGeom prst="rect">
+            <a:avLst/>
+          </a:prstGeom>
+          <a:noFill/>
+          <a:ln>
+            <a:noFill/>
+          </a:ln>
+        </p:spPr>
+        <p:txBody>
+          <a:bodyPr wrap="none" rtlCol="0">
+            <a:spAutoFit/>
+          </a:bodyPr>
+          <a:lstStyle/>
+          <a:p>
+            <a:r>
+              <a:rPr lang="en-GB" sz="3600" dirty="0"/>
+              <a:t>Building your own house</a:t>
+            </a:r>
+          </a:p>
+        </p:txBody>
+      </p:sp>
     </p:spTree>
     <p:extLst>
       <p:ext uri="{BB962C8B-B14F-4D97-AF65-F5344CB8AC3E}">
@@ -5222,7 +3648,7 @@
 </p:sld>
 </file>
 
-<file path=ppt/slides/slide28.xml><?xml version="1.0" encoding="utf-8"?>
+<file path=ppt/slides/slide12.xml><?xml version="1.0" encoding="utf-8"?>
 <p:sld xmlns:a="http://schemas.openxmlformats.org/drawingml/2006/main" xmlns:r="http://schemas.openxmlformats.org/officeDocument/2006/relationships" xmlns:p="http://schemas.openxmlformats.org/presentationml/2006/main">
   <p:cSld>
     <p:spTree>
@@ -5636,6 +4062,1876 @@
       <p:bldP spid="11" grpId="0" animBg="1"/>
     </p:bldLst>
   </p:timing>
+</p:sld>
+</file>
+
+<file path=ppt/slides/slide13.xml><?xml version="1.0" encoding="utf-8"?>
+<p:sld xmlns:a="http://schemas.openxmlformats.org/drawingml/2006/main" xmlns:r="http://schemas.openxmlformats.org/officeDocument/2006/relationships" xmlns:p="http://schemas.openxmlformats.org/presentationml/2006/main">
+  <p:cSld>
+    <p:spTree>
+      <p:nvGrpSpPr>
+        <p:cNvPr id="1" name=""/>
+        <p:cNvGrpSpPr/>
+        <p:nvPr/>
+      </p:nvGrpSpPr>
+      <p:grpSpPr>
+        <a:xfrm>
+          <a:off x="0" y="0"/>
+          <a:ext cx="0" cy="0"/>
+          <a:chOff x="0" y="0"/>
+          <a:chExt cx="0" cy="0"/>
+        </a:xfrm>
+      </p:grpSpPr>
+      <p:sp>
+        <p:nvSpPr>
+          <p:cNvPr id="2" name="Title 1">
+            <a:extLst>
+              <a:ext uri="{FF2B5EF4-FFF2-40B4-BE49-F238E27FC236}">
+                <a16:creationId xmlns:a16="http://schemas.microsoft.com/office/drawing/2014/main" id="{7451973F-008B-4E81-8256-FE8684C4F4CD}"/>
+              </a:ext>
+            </a:extLst>
+          </p:cNvPr>
+          <p:cNvSpPr>
+            <a:spLocks noGrp="1"/>
+          </p:cNvSpPr>
+          <p:nvPr>
+            <p:ph type="title"/>
+          </p:nvPr>
+        </p:nvSpPr>
+        <p:spPr/>
+        <p:txBody>
+          <a:bodyPr/>
+          <a:lstStyle/>
+          <a:p>
+            <a:r>
+              <a:rPr lang="en-GB" dirty="0"/>
+              <a:t>Timeline Caution !</a:t>
+            </a:r>
+          </a:p>
+        </p:txBody>
+      </p:sp>
+      <p:sp>
+        <p:nvSpPr>
+          <p:cNvPr id="3" name="Content Placeholder 2">
+            <a:extLst>
+              <a:ext uri="{FF2B5EF4-FFF2-40B4-BE49-F238E27FC236}">
+                <a16:creationId xmlns:a16="http://schemas.microsoft.com/office/drawing/2014/main" id="{BC4D1F94-396E-4C69-A540-9959D1BEACBE}"/>
+              </a:ext>
+            </a:extLst>
+          </p:cNvPr>
+          <p:cNvSpPr>
+            <a:spLocks noGrp="1"/>
+          </p:cNvSpPr>
+          <p:nvPr>
+            <p:ph idx="1"/>
+          </p:nvPr>
+        </p:nvSpPr>
+        <p:spPr/>
+        <p:txBody>
+          <a:bodyPr/>
+          <a:lstStyle/>
+          <a:p>
+            <a:r>
+              <a:rPr lang="en-GB" dirty="0"/>
+              <a:t>Be careful when viewing the project timeline…</a:t>
+            </a:r>
+          </a:p>
+          <a:p>
+            <a:r>
+              <a:rPr lang="en-GB" dirty="0"/>
+              <a:t>It’s really easy to accidently drag activities around</a:t>
+            </a:r>
+          </a:p>
+          <a:p>
+            <a:r>
+              <a:rPr lang="en-GB" dirty="0"/>
+              <a:t>It’s wise to screenshot your timeline occasionally</a:t>
+            </a:r>
+          </a:p>
+          <a:p>
+            <a:pPr marL="0" indent="0">
+              <a:buNone/>
+            </a:pPr>
+            <a:r>
+              <a:rPr lang="en-GB" dirty="0"/>
+              <a:t>  (in case you mess it up, or something goes wrong)</a:t>
+            </a:r>
+          </a:p>
+          <a:p>
+            <a:endParaRPr lang="en-GB" dirty="0"/>
+          </a:p>
+        </p:txBody>
+      </p:sp>
+    </p:spTree>
+    <p:extLst>
+      <p:ext uri="{BB962C8B-B14F-4D97-AF65-F5344CB8AC3E}">
+        <p14:creationId xmlns:p14="http://schemas.microsoft.com/office/powerpoint/2010/main" val="3442110644"/>
+      </p:ext>
+    </p:extLst>
+  </p:cSld>
+  <p:clrMapOvr>
+    <a:masterClrMapping/>
+  </p:clrMapOvr>
+</p:sld>
+</file>
+
+<file path=ppt/slides/slide14.xml><?xml version="1.0" encoding="utf-8"?>
+<p:sld xmlns:a="http://schemas.openxmlformats.org/drawingml/2006/main" xmlns:r="http://schemas.openxmlformats.org/officeDocument/2006/relationships" xmlns:p="http://schemas.openxmlformats.org/presentationml/2006/main">
+  <p:cSld>
+    <p:spTree>
+      <p:nvGrpSpPr>
+        <p:cNvPr id="1" name=""/>
+        <p:cNvGrpSpPr/>
+        <p:nvPr/>
+      </p:nvGrpSpPr>
+      <p:grpSpPr>
+        <a:xfrm>
+          <a:off x="0" y="0"/>
+          <a:ext cx="0" cy="0"/>
+          <a:chOff x="0" y="0"/>
+          <a:chExt cx="0" cy="0"/>
+        </a:xfrm>
+      </p:grpSpPr>
+      <p:sp>
+        <p:nvSpPr>
+          <p:cNvPr id="2" name="Title 1">
+            <a:extLst>
+              <a:ext uri="{FF2B5EF4-FFF2-40B4-BE49-F238E27FC236}">
+                <a16:creationId xmlns:a16="http://schemas.microsoft.com/office/drawing/2014/main" id="{C298B2E8-9411-4B03-8BC9-D68C9E19A63A}"/>
+              </a:ext>
+            </a:extLst>
+          </p:cNvPr>
+          <p:cNvSpPr>
+            <a:spLocks noGrp="1"/>
+          </p:cNvSpPr>
+          <p:nvPr>
+            <p:ph type="title"/>
+          </p:nvPr>
+        </p:nvSpPr>
+        <p:spPr/>
+        <p:txBody>
+          <a:bodyPr/>
+          <a:lstStyle/>
+          <a:p>
+            <a:r>
+              <a:rPr lang="en-GB" dirty="0"/>
+              <a:t>Recording Meetings</a:t>
+            </a:r>
+          </a:p>
+        </p:txBody>
+      </p:sp>
+      <p:sp>
+        <p:nvSpPr>
+          <p:cNvPr id="3" name="Content Placeholder 2">
+            <a:extLst>
+              <a:ext uri="{FF2B5EF4-FFF2-40B4-BE49-F238E27FC236}">
+                <a16:creationId xmlns:a16="http://schemas.microsoft.com/office/drawing/2014/main" id="{2014EBEE-E562-4A1D-A222-5A73CAB546F9}"/>
+              </a:ext>
+            </a:extLst>
+          </p:cNvPr>
+          <p:cNvSpPr>
+            <a:spLocks noGrp="1"/>
+          </p:cNvSpPr>
+          <p:nvPr>
+            <p:ph idx="1"/>
+          </p:nvPr>
+        </p:nvSpPr>
+        <p:spPr/>
+        <p:txBody>
+          <a:bodyPr/>
+          <a:lstStyle/>
+          <a:p>
+            <a:r>
+              <a:rPr lang="en-GB" dirty="0"/>
+              <a:t>You should record all meetings (both internal group meetings and external client meetings).</a:t>
+            </a:r>
+          </a:p>
+          <a:p>
+            <a:r>
+              <a:rPr lang="en-GB" dirty="0"/>
+              <a:t>Be sure to capture the following information:</a:t>
+            </a:r>
+          </a:p>
+          <a:p>
+            <a:pPr lvl="0"/>
+            <a:r>
+              <a:rPr lang="en-GB" dirty="0"/>
+              <a:t>Invitees – Who was supposed to attend meeting (from the development team)</a:t>
+            </a:r>
+          </a:p>
+          <a:p>
+            <a:pPr lvl="0"/>
+            <a:r>
+              <a:rPr lang="en-GB" dirty="0"/>
+              <a:t>Attendees – Who did actually attend the meeting</a:t>
+            </a:r>
+          </a:p>
+          <a:p>
+            <a:pPr lvl="0"/>
+            <a:r>
+              <a:rPr lang="en-GB" dirty="0"/>
+              <a:t>Agenda – A very brief overview of what the meeting is intended to be about</a:t>
+            </a:r>
+          </a:p>
+          <a:p>
+            <a:pPr lvl="0"/>
+            <a:r>
+              <a:rPr lang="en-GB" dirty="0"/>
+              <a:t>Minutes – Any major decisions or actions arising from the meeting (a bullet-point list is fine !)</a:t>
+            </a:r>
+          </a:p>
+        </p:txBody>
+      </p:sp>
+    </p:spTree>
+    <p:extLst>
+      <p:ext uri="{BB962C8B-B14F-4D97-AF65-F5344CB8AC3E}">
+        <p14:creationId xmlns:p14="http://schemas.microsoft.com/office/powerpoint/2010/main" val="3416618182"/>
+      </p:ext>
+    </p:extLst>
+  </p:cSld>
+  <p:clrMapOvr>
+    <a:masterClrMapping/>
+  </p:clrMapOvr>
+</p:sld>
+</file>
+
+<file path=ppt/slides/slide15.xml><?xml version="1.0" encoding="utf-8"?>
+<p:sld xmlns:a="http://schemas.openxmlformats.org/drawingml/2006/main" xmlns:r="http://schemas.openxmlformats.org/officeDocument/2006/relationships" xmlns:p="http://schemas.openxmlformats.org/presentationml/2006/main">
+  <p:cSld>
+    <p:spTree>
+      <p:nvGrpSpPr>
+        <p:cNvPr id="1" name=""/>
+        <p:cNvGrpSpPr/>
+        <p:nvPr/>
+      </p:nvGrpSpPr>
+      <p:grpSpPr>
+        <a:xfrm>
+          <a:off x="0" y="0"/>
+          <a:ext cx="0" cy="0"/>
+          <a:chOff x="0" y="0"/>
+          <a:chExt cx="0" cy="0"/>
+        </a:xfrm>
+      </p:grpSpPr>
+      <p:sp>
+        <p:nvSpPr>
+          <p:cNvPr id="2" name="Title 1">
+            <a:extLst>
+              <a:ext uri="{FF2B5EF4-FFF2-40B4-BE49-F238E27FC236}">
+                <a16:creationId xmlns:a16="http://schemas.microsoft.com/office/drawing/2014/main" id="{D0078592-9349-4E27-833F-43323C164ABD}"/>
+              </a:ext>
+            </a:extLst>
+          </p:cNvPr>
+          <p:cNvSpPr>
+            <a:spLocks noGrp="1"/>
+          </p:cNvSpPr>
+          <p:nvPr>
+            <p:ph type="title"/>
+          </p:nvPr>
+        </p:nvSpPr>
+        <p:spPr/>
+        <p:txBody>
+          <a:bodyPr/>
+          <a:lstStyle/>
+          <a:p>
+            <a:endParaRPr lang="en-GB"/>
+          </a:p>
+        </p:txBody>
+      </p:sp>
+      <p:pic>
+        <p:nvPicPr>
+          <p:cNvPr id="7" name="Content Placeholder 6">
+            <a:extLst>
+              <a:ext uri="{FF2B5EF4-FFF2-40B4-BE49-F238E27FC236}">
+                <a16:creationId xmlns:a16="http://schemas.microsoft.com/office/drawing/2014/main" id="{B7132E55-B684-4A9E-96BE-D29AE4434CF5}"/>
+              </a:ext>
+            </a:extLst>
+          </p:cNvPr>
+          <p:cNvPicPr>
+            <a:picLocks noGrp="1" noChangeAspect="1"/>
+          </p:cNvPicPr>
+          <p:nvPr>
+            <p:ph idx="1"/>
+          </p:nvPr>
+        </p:nvPicPr>
+        <p:blipFill rotWithShape="1">
+          <a:blip r:embed="rId2">
+            <a:extLst>
+              <a:ext uri="{28A0092B-C50C-407E-A947-70E740481C1C}">
+                <a14:useLocalDpi xmlns:a14="http://schemas.microsoft.com/office/drawing/2010/main" val="0"/>
+              </a:ext>
+            </a:extLst>
+          </a:blip>
+          <a:srcRect r="2869"/>
+          <a:stretch/>
+        </p:blipFill>
+        <p:spPr>
+          <a:xfrm>
+            <a:off x="-4110" y="0"/>
+            <a:ext cx="9148110" cy="6858000"/>
+          </a:xfrm>
+        </p:spPr>
+      </p:pic>
+    </p:spTree>
+    <p:extLst>
+      <p:ext uri="{BB962C8B-B14F-4D97-AF65-F5344CB8AC3E}">
+        <p14:creationId xmlns:p14="http://schemas.microsoft.com/office/powerpoint/2010/main" val="2746443898"/>
+      </p:ext>
+    </p:extLst>
+  </p:cSld>
+  <p:clrMapOvr>
+    <a:masterClrMapping/>
+  </p:clrMapOvr>
+</p:sld>
+</file>
+
+<file path=ppt/slides/slide16.xml><?xml version="1.0" encoding="utf-8"?>
+<p:sld xmlns:a="http://schemas.openxmlformats.org/drawingml/2006/main" xmlns:r="http://schemas.openxmlformats.org/officeDocument/2006/relationships" xmlns:p="http://schemas.openxmlformats.org/presentationml/2006/main">
+  <p:cSld>
+    <p:spTree>
+      <p:nvGrpSpPr>
+        <p:cNvPr id="1" name=""/>
+        <p:cNvGrpSpPr/>
+        <p:nvPr/>
+      </p:nvGrpSpPr>
+      <p:grpSpPr>
+        <a:xfrm>
+          <a:off x="0" y="0"/>
+          <a:ext cx="0" cy="0"/>
+          <a:chOff x="0" y="0"/>
+          <a:chExt cx="0" cy="0"/>
+        </a:xfrm>
+      </p:grpSpPr>
+      <p:sp>
+        <p:nvSpPr>
+          <p:cNvPr id="2" name="Title 1">
+            <a:extLst>
+              <a:ext uri="{FF2B5EF4-FFF2-40B4-BE49-F238E27FC236}">
+                <a16:creationId xmlns:a16="http://schemas.microsoft.com/office/drawing/2014/main" id="{41285EF1-563E-4545-98BB-68ED52AAD729}"/>
+              </a:ext>
+            </a:extLst>
+          </p:cNvPr>
+          <p:cNvSpPr>
+            <a:spLocks noGrp="1"/>
+          </p:cNvSpPr>
+          <p:nvPr>
+            <p:ph type="title"/>
+          </p:nvPr>
+        </p:nvSpPr>
+        <p:spPr/>
+        <p:txBody>
+          <a:bodyPr/>
+          <a:lstStyle/>
+          <a:p>
+            <a:r>
+              <a:rPr lang="en-GB" dirty="0"/>
+              <a:t>Work Repository</a:t>
+            </a:r>
+          </a:p>
+        </p:txBody>
+      </p:sp>
+      <p:sp>
+        <p:nvSpPr>
+          <p:cNvPr id="3" name="Content Placeholder 2">
+            <a:extLst>
+              <a:ext uri="{FF2B5EF4-FFF2-40B4-BE49-F238E27FC236}">
+                <a16:creationId xmlns:a16="http://schemas.microsoft.com/office/drawing/2014/main" id="{C5347BC3-1FC3-413D-B9BA-6B27208C0394}"/>
+              </a:ext>
+            </a:extLst>
+          </p:cNvPr>
+          <p:cNvSpPr>
+            <a:spLocks noGrp="1"/>
+          </p:cNvSpPr>
+          <p:nvPr>
+            <p:ph idx="1"/>
+          </p:nvPr>
+        </p:nvSpPr>
+        <p:spPr/>
+        <p:txBody>
+          <a:bodyPr/>
+          <a:lstStyle/>
+          <a:p>
+            <a:r>
+              <a:rPr lang="en-GB" dirty="0"/>
+              <a:t>Outputs (code &amp; docs) must be version controlled</a:t>
+            </a:r>
+          </a:p>
+          <a:p>
+            <a:r>
+              <a:rPr lang="en-GB" dirty="0"/>
+              <a:t>This will support sharing and group collaboration</a:t>
+            </a:r>
+          </a:p>
+          <a:p>
+            <a:r>
+              <a:rPr lang="en-GB" dirty="0"/>
+              <a:t>Dan and I will also be able to track progress !</a:t>
+            </a:r>
+          </a:p>
+          <a:p>
+            <a:endParaRPr lang="en-GB" dirty="0"/>
+          </a:p>
+          <a:p>
+            <a:r>
+              <a:rPr lang="en-GB" dirty="0"/>
+              <a:t>Documents should be written in “Mark Down”</a:t>
+            </a:r>
+          </a:p>
+          <a:p>
+            <a:r>
+              <a:rPr lang="en-GB" dirty="0"/>
+              <a:t>Use a different file for each section of the doc</a:t>
+            </a:r>
+          </a:p>
+          <a:p>
+            <a:r>
+              <a:rPr lang="en-GB" dirty="0"/>
+              <a:t>This will help collaboration and change tracking</a:t>
+            </a:r>
+          </a:p>
+          <a:p>
+            <a:endParaRPr lang="en-GB" dirty="0"/>
+          </a:p>
+          <a:p>
+            <a:r>
+              <a:rPr lang="en-GB" dirty="0"/>
+              <a:t>Your chosen repo must support GIT or Subversion</a:t>
+            </a:r>
+          </a:p>
+          <a:p>
+            <a:r>
+              <a:rPr lang="en-GB" dirty="0"/>
+              <a:t>This allows it to be registered within OP…</a:t>
+            </a:r>
+          </a:p>
+        </p:txBody>
+      </p:sp>
+    </p:spTree>
+    <p:extLst>
+      <p:ext uri="{BB962C8B-B14F-4D97-AF65-F5344CB8AC3E}">
+        <p14:creationId xmlns:p14="http://schemas.microsoft.com/office/powerpoint/2010/main" val="3613881702"/>
+      </p:ext>
+    </p:extLst>
+  </p:cSld>
+  <p:clrMapOvr>
+    <a:masterClrMapping/>
+  </p:clrMapOvr>
+</p:sld>
+</file>
+
+<file path=ppt/slides/slide17.xml><?xml version="1.0" encoding="utf-8"?>
+<p:sld xmlns:a="http://schemas.openxmlformats.org/drawingml/2006/main" xmlns:r="http://schemas.openxmlformats.org/officeDocument/2006/relationships" xmlns:p="http://schemas.openxmlformats.org/presentationml/2006/main">
+  <p:cSld>
+    <p:bg>
+      <p:bgPr>
+        <a:solidFill>
+          <a:schemeClr val="bg1"/>
+        </a:solidFill>
+        <a:effectLst/>
+      </p:bgPr>
+    </p:bg>
+    <p:spTree>
+      <p:nvGrpSpPr>
+        <p:cNvPr id="1" name=""/>
+        <p:cNvGrpSpPr/>
+        <p:nvPr/>
+      </p:nvGrpSpPr>
+      <p:grpSpPr>
+        <a:xfrm>
+          <a:off x="0" y="0"/>
+          <a:ext cx="0" cy="0"/>
+          <a:chOff x="0" y="0"/>
+          <a:chExt cx="0" cy="0"/>
+        </a:xfrm>
+      </p:grpSpPr>
+      <p:pic>
+        <p:nvPicPr>
+          <p:cNvPr id="2" name="Picture 1">
+            <a:extLst>
+              <a:ext uri="{FF2B5EF4-FFF2-40B4-BE49-F238E27FC236}">
+                <a16:creationId xmlns:a16="http://schemas.microsoft.com/office/drawing/2014/main" id="{4FEE0B04-C4A3-498E-AC25-EBA354062051}"/>
+              </a:ext>
+            </a:extLst>
+          </p:cNvPr>
+          <p:cNvPicPr>
+            <a:picLocks noChangeAspect="1"/>
+          </p:cNvPicPr>
+          <p:nvPr/>
+        </p:nvPicPr>
+        <p:blipFill>
+          <a:blip r:embed="rId2"/>
+          <a:stretch>
+            <a:fillRect/>
+          </a:stretch>
+        </p:blipFill>
+        <p:spPr>
+          <a:xfrm>
+            <a:off x="135996" y="328965"/>
+            <a:ext cx="8844542" cy="6004102"/>
+          </a:xfrm>
+          <a:prstGeom prst="rect">
+            <a:avLst/>
+          </a:prstGeom>
+        </p:spPr>
+      </p:pic>
+      <p:sp>
+        <p:nvSpPr>
+          <p:cNvPr id="3" name="TextBox 2">
+            <a:extLst>
+              <a:ext uri="{FF2B5EF4-FFF2-40B4-BE49-F238E27FC236}">
+                <a16:creationId xmlns:a16="http://schemas.microsoft.com/office/drawing/2014/main" id="{89B2F125-D08B-446A-85FA-2F5E7AD41554}"/>
+              </a:ext>
+            </a:extLst>
+          </p:cNvPr>
+          <p:cNvSpPr txBox="1"/>
+          <p:nvPr/>
+        </p:nvSpPr>
+        <p:spPr>
+          <a:xfrm>
+            <a:off x="4558267" y="3129801"/>
+            <a:ext cx="3379451" cy="830997"/>
+          </a:xfrm>
+          <a:prstGeom prst="rect">
+            <a:avLst/>
+          </a:prstGeom>
+          <a:noFill/>
+        </p:spPr>
+        <p:txBody>
+          <a:bodyPr wrap="none" rtlCol="0">
+            <a:spAutoFit/>
+          </a:bodyPr>
+          <a:lstStyle/>
+          <a:p>
+            <a:r>
+              <a:rPr lang="en-GB" sz="2400" dirty="0"/>
+              <a:t>Git for public repos</a:t>
+            </a:r>
+          </a:p>
+          <a:p>
+            <a:r>
+              <a:rPr lang="en-GB" sz="2400" dirty="0"/>
+              <a:t>Subversion for private</a:t>
+            </a:r>
+          </a:p>
+        </p:txBody>
+      </p:sp>
+    </p:spTree>
+    <p:extLst>
+      <p:ext uri="{BB962C8B-B14F-4D97-AF65-F5344CB8AC3E}">
+        <p14:creationId xmlns:p14="http://schemas.microsoft.com/office/powerpoint/2010/main" val="3720553757"/>
+      </p:ext>
+    </p:extLst>
+  </p:cSld>
+  <p:clrMapOvr>
+    <a:masterClrMapping/>
+  </p:clrMapOvr>
+</p:sld>
+</file>
+
+<file path=ppt/slides/slide18.xml><?xml version="1.0" encoding="utf-8"?>
+<p:sld xmlns:a="http://schemas.openxmlformats.org/drawingml/2006/main" xmlns:r="http://schemas.openxmlformats.org/officeDocument/2006/relationships" xmlns:p="http://schemas.openxmlformats.org/presentationml/2006/main">
+  <p:cSld>
+    <p:bg>
+      <p:bgPr>
+        <a:solidFill>
+          <a:schemeClr val="bg1"/>
+        </a:solidFill>
+        <a:effectLst/>
+      </p:bgPr>
+    </p:bg>
+    <p:spTree>
+      <p:nvGrpSpPr>
+        <p:cNvPr id="1" name=""/>
+        <p:cNvGrpSpPr/>
+        <p:nvPr/>
+      </p:nvGrpSpPr>
+      <p:grpSpPr>
+        <a:xfrm>
+          <a:off x="0" y="0"/>
+          <a:ext cx="0" cy="0"/>
+          <a:chOff x="0" y="0"/>
+          <a:chExt cx="0" cy="0"/>
+        </a:xfrm>
+      </p:grpSpPr>
+      <p:pic>
+        <p:nvPicPr>
+          <p:cNvPr id="4" name="Picture 3">
+            <a:extLst>
+              <a:ext uri="{FF2B5EF4-FFF2-40B4-BE49-F238E27FC236}">
+                <a16:creationId xmlns:a16="http://schemas.microsoft.com/office/drawing/2014/main" id="{EC136A67-13EB-41A7-B51E-093695C7D383}"/>
+              </a:ext>
+            </a:extLst>
+          </p:cNvPr>
+          <p:cNvPicPr>
+            <a:picLocks noChangeAspect="1"/>
+          </p:cNvPicPr>
+          <p:nvPr/>
+        </p:nvPicPr>
+        <p:blipFill>
+          <a:blip r:embed="rId2"/>
+          <a:stretch>
+            <a:fillRect/>
+          </a:stretch>
+        </p:blipFill>
+        <p:spPr>
+          <a:xfrm>
+            <a:off x="283281" y="770819"/>
+            <a:ext cx="8658998" cy="3868914"/>
+          </a:xfrm>
+          <a:prstGeom prst="rect">
+            <a:avLst/>
+          </a:prstGeom>
+        </p:spPr>
+      </p:pic>
+    </p:spTree>
+    <p:extLst>
+      <p:ext uri="{BB962C8B-B14F-4D97-AF65-F5344CB8AC3E}">
+        <p14:creationId xmlns:p14="http://schemas.microsoft.com/office/powerpoint/2010/main" val="3810921265"/>
+      </p:ext>
+    </p:extLst>
+  </p:cSld>
+  <p:clrMapOvr>
+    <a:masterClrMapping/>
+  </p:clrMapOvr>
+</p:sld>
+</file>
+
+<file path=ppt/slides/slide19.xml><?xml version="1.0" encoding="utf-8"?>
+<p:sld xmlns:a="http://schemas.openxmlformats.org/drawingml/2006/main" xmlns:r="http://schemas.openxmlformats.org/officeDocument/2006/relationships" xmlns:p="http://schemas.openxmlformats.org/presentationml/2006/main">
+  <p:cSld>
+    <p:spTree>
+      <p:nvGrpSpPr>
+        <p:cNvPr id="1" name=""/>
+        <p:cNvGrpSpPr/>
+        <p:nvPr/>
+      </p:nvGrpSpPr>
+      <p:grpSpPr>
+        <a:xfrm>
+          <a:off x="0" y="0"/>
+          <a:ext cx="0" cy="0"/>
+          <a:chOff x="0" y="0"/>
+          <a:chExt cx="0" cy="0"/>
+        </a:xfrm>
+      </p:grpSpPr>
+      <p:sp>
+        <p:nvSpPr>
+          <p:cNvPr id="2" name="Title 1">
+            <a:extLst>
+              <a:ext uri="{FF2B5EF4-FFF2-40B4-BE49-F238E27FC236}">
+                <a16:creationId xmlns:a16="http://schemas.microsoft.com/office/drawing/2014/main" id="{A3503B53-D2A8-4783-9DFE-112AE5CC0D33}"/>
+              </a:ext>
+            </a:extLst>
+          </p:cNvPr>
+          <p:cNvSpPr>
+            <a:spLocks noGrp="1"/>
+          </p:cNvSpPr>
+          <p:nvPr>
+            <p:ph type="title"/>
+          </p:nvPr>
+        </p:nvSpPr>
+        <p:spPr/>
+        <p:txBody>
+          <a:bodyPr/>
+          <a:lstStyle/>
+          <a:p>
+            <a:r>
+              <a:rPr lang="en-GB" dirty="0"/>
+              <a:t>Change</a:t>
+            </a:r>
+          </a:p>
+        </p:txBody>
+      </p:sp>
+      <p:sp>
+        <p:nvSpPr>
+          <p:cNvPr id="3" name="Content Placeholder 2">
+            <a:extLst>
+              <a:ext uri="{FF2B5EF4-FFF2-40B4-BE49-F238E27FC236}">
+                <a16:creationId xmlns:a16="http://schemas.microsoft.com/office/drawing/2014/main" id="{A4C1ED28-EF29-47AF-B864-F12C1741F34F}"/>
+              </a:ext>
+            </a:extLst>
+          </p:cNvPr>
+          <p:cNvSpPr>
+            <a:spLocks noGrp="1"/>
+          </p:cNvSpPr>
+          <p:nvPr>
+            <p:ph idx="1"/>
+          </p:nvPr>
+        </p:nvSpPr>
+        <p:spPr/>
+        <p:txBody>
+          <a:bodyPr>
+            <a:normAutofit/>
+          </a:bodyPr>
+          <a:lstStyle/>
+          <a:p>
+            <a:r>
+              <a:rPr lang="en-GB" dirty="0"/>
+              <a:t>We don’t expect you to predict it all in week 1</a:t>
+            </a:r>
+          </a:p>
+          <a:p>
+            <a:r>
+              <a:rPr lang="en-GB" dirty="0"/>
+              <a:t>We do however expect you to update things in OP when they do become apparent</a:t>
+            </a:r>
+          </a:p>
+          <a:p>
+            <a:r>
+              <a:rPr lang="en-GB" dirty="0"/>
+              <a:t>Whole team should agree on significant changes</a:t>
+            </a:r>
+          </a:p>
+          <a:p>
+            <a:r>
+              <a:rPr lang="en-GB" dirty="0"/>
+              <a:t>Don’t just go in and hike up your effort hours !</a:t>
+            </a:r>
+          </a:p>
+        </p:txBody>
+      </p:sp>
+    </p:spTree>
+    <p:extLst>
+      <p:ext uri="{BB962C8B-B14F-4D97-AF65-F5344CB8AC3E}">
+        <p14:creationId xmlns:p14="http://schemas.microsoft.com/office/powerpoint/2010/main" val="3058422310"/>
+      </p:ext>
+    </p:extLst>
+  </p:cSld>
+  <p:clrMapOvr>
+    <a:masterClrMapping/>
+  </p:clrMapOvr>
+</p:sld>
+</file>
+
+<file path=ppt/slides/slide2.xml><?xml version="1.0" encoding="utf-8"?>
+<p:sld xmlns:a="http://schemas.openxmlformats.org/drawingml/2006/main" xmlns:r="http://schemas.openxmlformats.org/officeDocument/2006/relationships" xmlns:p="http://schemas.openxmlformats.org/presentationml/2006/main">
+  <p:cSld>
+    <p:spTree>
+      <p:nvGrpSpPr>
+        <p:cNvPr id="1" name=""/>
+        <p:cNvGrpSpPr/>
+        <p:nvPr/>
+      </p:nvGrpSpPr>
+      <p:grpSpPr>
+        <a:xfrm>
+          <a:off x="0" y="0"/>
+          <a:ext cx="0" cy="0"/>
+          <a:chOff x="0" y="0"/>
+          <a:chExt cx="0" cy="0"/>
+        </a:xfrm>
+      </p:grpSpPr>
+      <p:sp>
+        <p:nvSpPr>
+          <p:cNvPr id="2" name="Title 1">
+            <a:extLst>
+              <a:ext uri="{FF2B5EF4-FFF2-40B4-BE49-F238E27FC236}">
+                <a16:creationId xmlns:a16="http://schemas.microsoft.com/office/drawing/2014/main" id="{0095FF0F-6F27-4357-A6FB-F497AA071807}"/>
+              </a:ext>
+            </a:extLst>
+          </p:cNvPr>
+          <p:cNvSpPr>
+            <a:spLocks noGrp="1"/>
+          </p:cNvSpPr>
+          <p:nvPr>
+            <p:ph type="title"/>
+          </p:nvPr>
+        </p:nvSpPr>
+        <p:spPr/>
+        <p:txBody>
+          <a:bodyPr/>
+          <a:lstStyle/>
+          <a:p>
+            <a:r>
+              <a:rPr lang="en-US" dirty="0"/>
+              <a:t>What is Open Project ?</a:t>
+            </a:r>
+            <a:endParaRPr lang="en-GB" dirty="0"/>
+          </a:p>
+        </p:txBody>
+      </p:sp>
+      <p:sp>
+        <p:nvSpPr>
+          <p:cNvPr id="3" name="Content Placeholder 2">
+            <a:extLst>
+              <a:ext uri="{FF2B5EF4-FFF2-40B4-BE49-F238E27FC236}">
+                <a16:creationId xmlns:a16="http://schemas.microsoft.com/office/drawing/2014/main" id="{5B4CA8EE-8925-47A2-AA96-A2DAE54AE761}"/>
+              </a:ext>
+            </a:extLst>
+          </p:cNvPr>
+          <p:cNvSpPr>
+            <a:spLocks noGrp="1"/>
+          </p:cNvSpPr>
+          <p:nvPr>
+            <p:ph idx="1"/>
+          </p:nvPr>
+        </p:nvSpPr>
+        <p:spPr/>
+        <p:txBody>
+          <a:bodyPr/>
+          <a:lstStyle/>
+          <a:p>
+            <a:r>
+              <a:rPr lang="en-GB" dirty="0"/>
+              <a:t>An online open-source project management tool</a:t>
+            </a:r>
+          </a:p>
+          <a:p>
+            <a:r>
+              <a:rPr lang="en-GB" dirty="0"/>
+              <a:t>Fairly basic set of functionality</a:t>
+            </a:r>
+          </a:p>
+          <a:p>
+            <a:r>
+              <a:rPr lang="en-GB" dirty="0"/>
+              <a:t>Provides all you need to plan and track projects</a:t>
+            </a:r>
+          </a:p>
+          <a:p>
+            <a:endParaRPr lang="en-GB" dirty="0"/>
+          </a:p>
+          <a:p>
+            <a:r>
+              <a:rPr lang="en-GB" dirty="0"/>
+              <a:t>We have it installed on our development server</a:t>
+            </a:r>
+          </a:p>
+          <a:p>
+            <a:r>
+              <a:rPr lang="en-GB" dirty="0"/>
+              <a:t>Currently under “active development”</a:t>
+            </a:r>
+          </a:p>
+          <a:p>
+            <a:r>
+              <a:rPr lang="en-GB" dirty="0"/>
+              <a:t>However stable enough to be used for SPE</a:t>
+            </a:r>
+          </a:p>
+        </p:txBody>
+      </p:sp>
+    </p:spTree>
+    <p:extLst>
+      <p:ext uri="{BB962C8B-B14F-4D97-AF65-F5344CB8AC3E}">
+        <p14:creationId xmlns:p14="http://schemas.microsoft.com/office/powerpoint/2010/main" val="2242585200"/>
+      </p:ext>
+    </p:extLst>
+  </p:cSld>
+  <p:clrMapOvr>
+    <a:masterClrMapping/>
+  </p:clrMapOvr>
+</p:sld>
+</file>
+
+<file path=ppt/slides/slide20.xml><?xml version="1.0" encoding="utf-8"?>
+<p:sld xmlns:a="http://schemas.openxmlformats.org/drawingml/2006/main" xmlns:r="http://schemas.openxmlformats.org/officeDocument/2006/relationships" xmlns:p="http://schemas.openxmlformats.org/presentationml/2006/main">
+  <p:cSld>
+    <p:spTree>
+      <p:nvGrpSpPr>
+        <p:cNvPr id="1" name=""/>
+        <p:cNvGrpSpPr/>
+        <p:nvPr/>
+      </p:nvGrpSpPr>
+      <p:grpSpPr>
+        <a:xfrm>
+          <a:off x="0" y="0"/>
+          <a:ext cx="0" cy="0"/>
+          <a:chOff x="0" y="0"/>
+          <a:chExt cx="0" cy="0"/>
+        </a:xfrm>
+      </p:grpSpPr>
+      <p:sp>
+        <p:nvSpPr>
+          <p:cNvPr id="2" name="Title 1">
+            <a:extLst>
+              <a:ext uri="{FF2B5EF4-FFF2-40B4-BE49-F238E27FC236}">
+                <a16:creationId xmlns:a16="http://schemas.microsoft.com/office/drawing/2014/main" id="{A3503B53-D2A8-4783-9DFE-112AE5CC0D33}"/>
+              </a:ext>
+            </a:extLst>
+          </p:cNvPr>
+          <p:cNvSpPr>
+            <a:spLocks noGrp="1"/>
+          </p:cNvSpPr>
+          <p:nvPr>
+            <p:ph type="title"/>
+          </p:nvPr>
+        </p:nvSpPr>
+        <p:spPr/>
+        <p:txBody>
+          <a:bodyPr/>
+          <a:lstStyle/>
+          <a:p>
+            <a:r>
+              <a:rPr lang="en-GB" dirty="0"/>
+              <a:t>Essential data to continuously update</a:t>
+            </a:r>
+          </a:p>
+        </p:txBody>
+      </p:sp>
+      <p:sp>
+        <p:nvSpPr>
+          <p:cNvPr id="3" name="Content Placeholder 2">
+            <a:extLst>
+              <a:ext uri="{FF2B5EF4-FFF2-40B4-BE49-F238E27FC236}">
+                <a16:creationId xmlns:a16="http://schemas.microsoft.com/office/drawing/2014/main" id="{A4C1ED28-EF29-47AF-B864-F12C1741F34F}"/>
+              </a:ext>
+            </a:extLst>
+          </p:cNvPr>
+          <p:cNvSpPr>
+            <a:spLocks noGrp="1"/>
+          </p:cNvSpPr>
+          <p:nvPr>
+            <p:ph idx="1"/>
+          </p:nvPr>
+        </p:nvSpPr>
+        <p:spPr/>
+        <p:txBody>
+          <a:bodyPr>
+            <a:normAutofit/>
+          </a:bodyPr>
+          <a:lstStyle/>
+          <a:p>
+            <a:r>
+              <a:rPr lang="en-GB" dirty="0"/>
+              <a:t>WPs (how long they take, who is doing them)</a:t>
+            </a:r>
+          </a:p>
+          <a:p>
+            <a:r>
+              <a:rPr lang="en-GB" dirty="0"/>
+              <a:t>Meetings (their purpose and who attends them)</a:t>
+            </a:r>
+          </a:p>
+          <a:p>
+            <a:r>
+              <a:rPr lang="en-GB" dirty="0"/>
+              <a:t>Progress (percentage task completeness)</a:t>
+            </a:r>
+          </a:p>
+          <a:p>
+            <a:r>
+              <a:rPr lang="en-GB" dirty="0"/>
+              <a:t>Status (“New”, “In Progress”, “Closed” etc.)</a:t>
+            </a:r>
+          </a:p>
+          <a:p>
+            <a:r>
+              <a:rPr lang="en-GB" dirty="0"/>
+              <a:t>Releases (which WPs delivered in each release)</a:t>
+            </a:r>
+          </a:p>
+          <a:p>
+            <a:r>
+              <a:rPr lang="en-GB" dirty="0"/>
+              <a:t>Documents (everything hosted on Git)</a:t>
+            </a:r>
+          </a:p>
+        </p:txBody>
+      </p:sp>
+    </p:spTree>
+    <p:extLst>
+      <p:ext uri="{BB962C8B-B14F-4D97-AF65-F5344CB8AC3E}">
+        <p14:creationId xmlns:p14="http://schemas.microsoft.com/office/powerpoint/2010/main" val="3851105777"/>
+      </p:ext>
+    </p:extLst>
+  </p:cSld>
+  <p:clrMapOvr>
+    <a:masterClrMapping/>
+  </p:clrMapOvr>
+</p:sld>
+</file>
+
+<file path=ppt/slides/slide21.xml><?xml version="1.0" encoding="utf-8"?>
+<p:sld xmlns:a="http://schemas.openxmlformats.org/drawingml/2006/main" xmlns:r="http://schemas.openxmlformats.org/officeDocument/2006/relationships" xmlns:p="http://schemas.openxmlformats.org/presentationml/2006/main">
+  <p:cSld>
+    <p:spTree>
+      <p:nvGrpSpPr>
+        <p:cNvPr id="1" name=""/>
+        <p:cNvGrpSpPr/>
+        <p:nvPr/>
+      </p:nvGrpSpPr>
+      <p:grpSpPr>
+        <a:xfrm>
+          <a:off x="0" y="0"/>
+          <a:ext cx="0" cy="0"/>
+          <a:chOff x="0" y="0"/>
+          <a:chExt cx="0" cy="0"/>
+        </a:xfrm>
+      </p:grpSpPr>
+      <p:sp>
+        <p:nvSpPr>
+          <p:cNvPr id="2" name="Title 1">
+            <a:extLst>
+              <a:ext uri="{FF2B5EF4-FFF2-40B4-BE49-F238E27FC236}">
+                <a16:creationId xmlns:a16="http://schemas.microsoft.com/office/drawing/2014/main" id="{C85F2535-E76C-4629-B1EF-45A93985C486}"/>
+              </a:ext>
+            </a:extLst>
+          </p:cNvPr>
+          <p:cNvSpPr>
+            <a:spLocks noGrp="1"/>
+          </p:cNvSpPr>
+          <p:nvPr>
+            <p:ph type="title"/>
+          </p:nvPr>
+        </p:nvSpPr>
+        <p:spPr/>
+        <p:txBody>
+          <a:bodyPr/>
+          <a:lstStyle/>
+          <a:p>
+            <a:r>
+              <a:rPr lang="en-GB" dirty="0"/>
+              <a:t>Things not to worry too much about</a:t>
+            </a:r>
+          </a:p>
+        </p:txBody>
+      </p:sp>
+      <p:sp>
+        <p:nvSpPr>
+          <p:cNvPr id="3" name="Content Placeholder 2">
+            <a:extLst>
+              <a:ext uri="{FF2B5EF4-FFF2-40B4-BE49-F238E27FC236}">
+                <a16:creationId xmlns:a16="http://schemas.microsoft.com/office/drawing/2014/main" id="{23EE6D7C-DFF2-4380-80C0-71B952A482AE}"/>
+              </a:ext>
+            </a:extLst>
+          </p:cNvPr>
+          <p:cNvSpPr>
+            <a:spLocks noGrp="1"/>
+          </p:cNvSpPr>
+          <p:nvPr>
+            <p:ph idx="1"/>
+          </p:nvPr>
+        </p:nvSpPr>
+        <p:spPr/>
+        <p:txBody>
+          <a:bodyPr/>
+          <a:lstStyle/>
+          <a:p>
+            <a:r>
+              <a:rPr lang="en-GB" dirty="0"/>
+              <a:t>Costings and Budgets (there is no money anyway)</a:t>
+            </a:r>
+          </a:p>
+          <a:p>
+            <a:r>
+              <a:rPr lang="en-GB" dirty="0"/>
+              <a:t>Don’t feel you need to use all work package types</a:t>
+            </a:r>
+          </a:p>
+          <a:p>
+            <a:endParaRPr lang="en-GB" dirty="0"/>
+          </a:p>
+          <a:p>
+            <a:endParaRPr lang="en-GB" dirty="0"/>
+          </a:p>
+        </p:txBody>
+      </p:sp>
+    </p:spTree>
+    <p:extLst>
+      <p:ext uri="{BB962C8B-B14F-4D97-AF65-F5344CB8AC3E}">
+        <p14:creationId xmlns:p14="http://schemas.microsoft.com/office/powerpoint/2010/main" val="1528125622"/>
+      </p:ext>
+    </p:extLst>
+  </p:cSld>
+  <p:clrMapOvr>
+    <a:masterClrMapping/>
+  </p:clrMapOvr>
+</p:sld>
+</file>
+
+<file path=ppt/slides/slide22.xml><?xml version="1.0" encoding="utf-8"?>
+<p:sld xmlns:a="http://schemas.openxmlformats.org/drawingml/2006/main" xmlns:r="http://schemas.openxmlformats.org/officeDocument/2006/relationships" xmlns:p="http://schemas.openxmlformats.org/presentationml/2006/main">
+  <p:cSld>
+    <p:spTree>
+      <p:nvGrpSpPr>
+        <p:cNvPr id="1" name=""/>
+        <p:cNvGrpSpPr/>
+        <p:nvPr/>
+      </p:nvGrpSpPr>
+      <p:grpSpPr>
+        <a:xfrm>
+          <a:off x="0" y="0"/>
+          <a:ext cx="0" cy="0"/>
+          <a:chOff x="0" y="0"/>
+          <a:chExt cx="0" cy="0"/>
+        </a:xfrm>
+      </p:grpSpPr>
+      <p:sp>
+        <p:nvSpPr>
+          <p:cNvPr id="4" name="Title 3">
+            <a:extLst>
+              <a:ext uri="{FF2B5EF4-FFF2-40B4-BE49-F238E27FC236}">
+                <a16:creationId xmlns:a16="http://schemas.microsoft.com/office/drawing/2014/main" id="{7CDE2FF9-0E7A-43DC-A61F-BB8863025C54}"/>
+              </a:ext>
+            </a:extLst>
+          </p:cNvPr>
+          <p:cNvSpPr>
+            <a:spLocks noGrp="1"/>
+          </p:cNvSpPr>
+          <p:nvPr>
+            <p:ph type="title"/>
+          </p:nvPr>
+        </p:nvSpPr>
+        <p:spPr/>
+        <p:txBody>
+          <a:bodyPr/>
+          <a:lstStyle/>
+          <a:p>
+            <a:pPr algn="ctr"/>
+            <a:r>
+              <a:rPr lang="en-GB" dirty="0"/>
+              <a:t>The BIG payoff ?</a:t>
+            </a:r>
+            <a:br>
+              <a:rPr lang="en-GB" dirty="0"/>
+            </a:br>
+            <a:endParaRPr lang="en-GB" dirty="0"/>
+          </a:p>
+        </p:txBody>
+      </p:sp>
+    </p:spTree>
+    <p:extLst>
+      <p:ext uri="{BB962C8B-B14F-4D97-AF65-F5344CB8AC3E}">
+        <p14:creationId xmlns:p14="http://schemas.microsoft.com/office/powerpoint/2010/main" val="2568298180"/>
+      </p:ext>
+    </p:extLst>
+  </p:cSld>
+  <p:clrMapOvr>
+    <a:masterClrMapping/>
+  </p:clrMapOvr>
+</p:sld>
+</file>
+
+<file path=ppt/slides/slide23.xml><?xml version="1.0" encoding="utf-8"?>
+<p:sld xmlns:a="http://schemas.openxmlformats.org/drawingml/2006/main" xmlns:r="http://schemas.openxmlformats.org/officeDocument/2006/relationships" xmlns:p="http://schemas.openxmlformats.org/presentationml/2006/main">
+  <p:cSld>
+    <p:spTree>
+      <p:nvGrpSpPr>
+        <p:cNvPr id="1" name=""/>
+        <p:cNvGrpSpPr/>
+        <p:nvPr/>
+      </p:nvGrpSpPr>
+      <p:grpSpPr>
+        <a:xfrm>
+          <a:off x="0" y="0"/>
+          <a:ext cx="0" cy="0"/>
+          <a:chOff x="0" y="0"/>
+          <a:chExt cx="0" cy="0"/>
+        </a:xfrm>
+      </p:grpSpPr>
+      <p:sp>
+        <p:nvSpPr>
+          <p:cNvPr id="2" name="Title 1">
+            <a:extLst>
+              <a:ext uri="{FF2B5EF4-FFF2-40B4-BE49-F238E27FC236}">
+                <a16:creationId xmlns:a16="http://schemas.microsoft.com/office/drawing/2014/main" id="{28B4DDE3-84C6-4C3B-9755-3D6487B2A7E4}"/>
+              </a:ext>
+            </a:extLst>
+          </p:cNvPr>
+          <p:cNvSpPr>
+            <a:spLocks noGrp="1"/>
+          </p:cNvSpPr>
+          <p:nvPr>
+            <p:ph type="title"/>
+          </p:nvPr>
+        </p:nvSpPr>
+        <p:spPr/>
+        <p:txBody>
+          <a:bodyPr/>
+          <a:lstStyle/>
+          <a:p>
+            <a:r>
+              <a:rPr lang="en-GB" dirty="0"/>
+              <a:t>Monitoring</a:t>
+            </a:r>
+          </a:p>
+        </p:txBody>
+      </p:sp>
+      <p:sp>
+        <p:nvSpPr>
+          <p:cNvPr id="3" name="Content Placeholder 2">
+            <a:extLst>
+              <a:ext uri="{FF2B5EF4-FFF2-40B4-BE49-F238E27FC236}">
+                <a16:creationId xmlns:a16="http://schemas.microsoft.com/office/drawing/2014/main" id="{4588F19C-498A-4DB4-98A7-F96A3EA73515}"/>
+              </a:ext>
+            </a:extLst>
+          </p:cNvPr>
+          <p:cNvSpPr>
+            <a:spLocks noGrp="1"/>
+          </p:cNvSpPr>
+          <p:nvPr>
+            <p:ph idx="1"/>
+          </p:nvPr>
+        </p:nvSpPr>
+        <p:spPr/>
+        <p:txBody>
+          <a:bodyPr/>
+          <a:lstStyle/>
+          <a:p>
+            <a:r>
+              <a:rPr lang="en-GB" dirty="0"/>
+              <a:t>OP provides us with PROJECT TRANSPARENCY</a:t>
+            </a:r>
+          </a:p>
+          <a:p>
+            <a:r>
+              <a:rPr lang="en-GB" dirty="0"/>
+              <a:t>We can see WHAT you are up to and WHEN</a:t>
+            </a:r>
+          </a:p>
+          <a:p>
+            <a:r>
+              <a:rPr lang="en-GB" dirty="0"/>
+              <a:t>This has a number of “benefits”…</a:t>
+            </a:r>
+          </a:p>
+          <a:p>
+            <a:endParaRPr lang="en-GB" dirty="0"/>
+          </a:p>
+          <a:p>
+            <a:r>
+              <a:rPr lang="en-GB" dirty="0"/>
+              <a:t>We can monitor the patterns and flow of work</a:t>
+            </a:r>
+          </a:p>
+          <a:p>
+            <a:r>
+              <a:rPr lang="en-GB" dirty="0"/>
+              <a:t>We can spot problems early on</a:t>
+            </a:r>
+          </a:p>
+          <a:p>
+            <a:r>
+              <a:rPr lang="en-GB" dirty="0"/>
+              <a:t>We can “encourage” when work is falling behind</a:t>
+            </a:r>
+          </a:p>
+          <a:p>
+            <a:r>
+              <a:rPr lang="en-GB" dirty="0"/>
+              <a:t>We can tell if people aren’t pulling their weight</a:t>
+            </a:r>
+          </a:p>
+          <a:p>
+            <a:r>
+              <a:rPr lang="en-GB" dirty="0"/>
+              <a:t>We can mark teams on process, as well as product</a:t>
+            </a:r>
+          </a:p>
+        </p:txBody>
+      </p:sp>
+    </p:spTree>
+    <p:extLst>
+      <p:ext uri="{BB962C8B-B14F-4D97-AF65-F5344CB8AC3E}">
+        <p14:creationId xmlns:p14="http://schemas.microsoft.com/office/powerpoint/2010/main" val="1574101972"/>
+      </p:ext>
+    </p:extLst>
+  </p:cSld>
+  <p:clrMapOvr>
+    <a:masterClrMapping/>
+  </p:clrMapOvr>
+</p:sld>
+</file>
+
+<file path=ppt/slides/slide24.xml><?xml version="1.0" encoding="utf-8"?>
+<p:sld xmlns:a="http://schemas.openxmlformats.org/drawingml/2006/main" xmlns:r="http://schemas.openxmlformats.org/officeDocument/2006/relationships" xmlns:p="http://schemas.openxmlformats.org/presentationml/2006/main">
+  <p:cSld>
+    <p:spTree>
+      <p:nvGrpSpPr>
+        <p:cNvPr id="1" name=""/>
+        <p:cNvGrpSpPr/>
+        <p:nvPr/>
+      </p:nvGrpSpPr>
+      <p:grpSpPr>
+        <a:xfrm>
+          <a:off x="0" y="0"/>
+          <a:ext cx="0" cy="0"/>
+          <a:chOff x="0" y="0"/>
+          <a:chExt cx="0" cy="0"/>
+        </a:xfrm>
+      </p:grpSpPr>
+      <p:sp>
+        <p:nvSpPr>
+          <p:cNvPr id="2" name="Title 1">
+            <a:extLst>
+              <a:ext uri="{FF2B5EF4-FFF2-40B4-BE49-F238E27FC236}">
+                <a16:creationId xmlns:a16="http://schemas.microsoft.com/office/drawing/2014/main" id="{F35733BB-C782-4634-A539-8D44F26FC7A3}"/>
+              </a:ext>
+            </a:extLst>
+          </p:cNvPr>
+          <p:cNvSpPr>
+            <a:spLocks noGrp="1"/>
+          </p:cNvSpPr>
+          <p:nvPr>
+            <p:ph type="title"/>
+          </p:nvPr>
+        </p:nvSpPr>
+        <p:spPr/>
+        <p:txBody>
+          <a:bodyPr/>
+          <a:lstStyle/>
+          <a:p>
+            <a:r>
+              <a:rPr lang="en-GB" dirty="0"/>
+              <a:t>Specific things we will be looking for</a:t>
+            </a:r>
+          </a:p>
+        </p:txBody>
+      </p:sp>
+      <p:sp>
+        <p:nvSpPr>
+          <p:cNvPr id="3" name="Content Placeholder 2">
+            <a:extLst>
+              <a:ext uri="{FF2B5EF4-FFF2-40B4-BE49-F238E27FC236}">
+                <a16:creationId xmlns:a16="http://schemas.microsoft.com/office/drawing/2014/main" id="{9E1EE52C-534F-4676-84E9-980717139303}"/>
+              </a:ext>
+            </a:extLst>
+          </p:cNvPr>
+          <p:cNvSpPr>
+            <a:spLocks noGrp="1"/>
+          </p:cNvSpPr>
+          <p:nvPr>
+            <p:ph idx="1"/>
+          </p:nvPr>
+        </p:nvSpPr>
+        <p:spPr/>
+        <p:txBody>
+          <a:bodyPr/>
+          <a:lstStyle/>
+          <a:p>
+            <a:r>
+              <a:rPr lang="en-GB" dirty="0"/>
+              <a:t>Detailed and realistic project plans</a:t>
+            </a:r>
+          </a:p>
+          <a:p>
+            <a:r>
+              <a:rPr lang="en-GB" dirty="0"/>
+              <a:t>Team and Individual engagement with OP</a:t>
+            </a:r>
+          </a:p>
+          <a:p>
+            <a:r>
+              <a:rPr lang="en-GB" dirty="0"/>
+              <a:t>Individual contribution to work packages</a:t>
+            </a:r>
+          </a:p>
+          <a:p>
+            <a:r>
+              <a:rPr lang="en-GB" dirty="0"/>
+              <a:t>Individual attendance at project meetings</a:t>
+            </a:r>
+          </a:p>
+          <a:p>
+            <a:r>
+              <a:rPr lang="en-GB" dirty="0"/>
+              <a:t>Keeping to due-dates, milestones and deadlines</a:t>
+            </a:r>
+          </a:p>
+        </p:txBody>
+      </p:sp>
+    </p:spTree>
+    <p:extLst>
+      <p:ext uri="{BB962C8B-B14F-4D97-AF65-F5344CB8AC3E}">
+        <p14:creationId xmlns:p14="http://schemas.microsoft.com/office/powerpoint/2010/main" val="1530531459"/>
+      </p:ext>
+    </p:extLst>
+  </p:cSld>
+  <p:clrMapOvr>
+    <a:masterClrMapping/>
+  </p:clrMapOvr>
+</p:sld>
+</file>
+
+<file path=ppt/slides/slide25.xml><?xml version="1.0" encoding="utf-8"?>
+<p:sld xmlns:a="http://schemas.openxmlformats.org/drawingml/2006/main" xmlns:r="http://schemas.openxmlformats.org/officeDocument/2006/relationships" xmlns:p="http://schemas.openxmlformats.org/presentationml/2006/main">
+  <p:cSld>
+    <p:spTree>
+      <p:nvGrpSpPr>
+        <p:cNvPr id="1" name=""/>
+        <p:cNvGrpSpPr/>
+        <p:nvPr/>
+      </p:nvGrpSpPr>
+      <p:grpSpPr>
+        <a:xfrm>
+          <a:off x="0" y="0"/>
+          <a:ext cx="0" cy="0"/>
+          <a:chOff x="0" y="0"/>
+          <a:chExt cx="0" cy="0"/>
+        </a:xfrm>
+      </p:grpSpPr>
+      <p:sp>
+        <p:nvSpPr>
+          <p:cNvPr id="2" name="Title 1">
+            <a:extLst>
+              <a:ext uri="{FF2B5EF4-FFF2-40B4-BE49-F238E27FC236}">
+                <a16:creationId xmlns:a16="http://schemas.microsoft.com/office/drawing/2014/main" id="{A10943E5-00F9-44CE-A3EF-B6F2580361D8}"/>
+              </a:ext>
+            </a:extLst>
+          </p:cNvPr>
+          <p:cNvSpPr>
+            <a:spLocks noGrp="1"/>
+          </p:cNvSpPr>
+          <p:nvPr>
+            <p:ph type="title"/>
+          </p:nvPr>
+        </p:nvSpPr>
+        <p:spPr/>
+        <p:txBody>
+          <a:bodyPr/>
+          <a:lstStyle/>
+          <a:p>
+            <a:r>
+              <a:rPr lang="en-GB" dirty="0"/>
+              <a:t>Warning: Capture Data !</a:t>
+            </a:r>
+          </a:p>
+        </p:txBody>
+      </p:sp>
+      <p:sp>
+        <p:nvSpPr>
+          <p:cNvPr id="3" name="Content Placeholder 2">
+            <a:extLst>
+              <a:ext uri="{FF2B5EF4-FFF2-40B4-BE49-F238E27FC236}">
+                <a16:creationId xmlns:a16="http://schemas.microsoft.com/office/drawing/2014/main" id="{85D63A4F-810B-40EF-B5E0-815BAC478468}"/>
+              </a:ext>
+            </a:extLst>
+          </p:cNvPr>
+          <p:cNvSpPr>
+            <a:spLocks noGrp="1"/>
+          </p:cNvSpPr>
+          <p:nvPr>
+            <p:ph idx="1"/>
+          </p:nvPr>
+        </p:nvSpPr>
+        <p:spPr/>
+        <p:txBody>
+          <a:bodyPr>
+            <a:normAutofit/>
+          </a:bodyPr>
+          <a:lstStyle/>
+          <a:p>
+            <a:r>
+              <a:rPr lang="en-GB" dirty="0"/>
+              <a:t>You MUST use open-project to its full potential…</a:t>
+            </a:r>
+          </a:p>
+          <a:p>
+            <a:pPr lvl="0"/>
+            <a:r>
+              <a:rPr lang="en-GB" dirty="0"/>
+              <a:t>If there is work to be done, it must appear as a work package (with a realistic estimate of hours)</a:t>
+            </a:r>
+          </a:p>
+          <a:p>
+            <a:pPr lvl="0"/>
+            <a:r>
+              <a:rPr lang="en-GB" dirty="0"/>
+              <a:t>If you are doing that work, you must be recorded as the assignee</a:t>
+            </a:r>
+          </a:p>
+          <a:p>
+            <a:pPr lvl="0"/>
+            <a:r>
+              <a:rPr lang="en-GB" dirty="0"/>
+              <a:t>When work is progressing, you must update the progress % and status (so we can see !)</a:t>
+            </a:r>
+          </a:p>
+          <a:p>
+            <a:pPr lvl="0"/>
+            <a:r>
+              <a:rPr lang="en-GB" dirty="0"/>
+              <a:t>If there is a meeting, it must be entered</a:t>
+            </a:r>
+          </a:p>
+          <a:p>
+            <a:pPr lvl="0"/>
+            <a:r>
+              <a:rPr lang="en-GB" dirty="0"/>
+              <a:t>If someone missed a meeting, it must be recorded</a:t>
+            </a:r>
+          </a:p>
+        </p:txBody>
+      </p:sp>
+    </p:spTree>
+    <p:extLst>
+      <p:ext uri="{BB962C8B-B14F-4D97-AF65-F5344CB8AC3E}">
+        <p14:creationId xmlns:p14="http://schemas.microsoft.com/office/powerpoint/2010/main" val="722418536"/>
+      </p:ext>
+    </p:extLst>
+  </p:cSld>
+  <p:clrMapOvr>
+    <a:masterClrMapping/>
+  </p:clrMapOvr>
+</p:sld>
+</file>
+
+<file path=ppt/slides/slide26.xml><?xml version="1.0" encoding="utf-8"?>
+<p:sld xmlns:a="http://schemas.openxmlformats.org/drawingml/2006/main" xmlns:r="http://schemas.openxmlformats.org/officeDocument/2006/relationships" xmlns:p="http://schemas.openxmlformats.org/presentationml/2006/main">
+  <p:cSld>
+    <p:spTree>
+      <p:nvGrpSpPr>
+        <p:cNvPr id="1" name=""/>
+        <p:cNvGrpSpPr/>
+        <p:nvPr/>
+      </p:nvGrpSpPr>
+      <p:grpSpPr>
+        <a:xfrm>
+          <a:off x="0" y="0"/>
+          <a:ext cx="0" cy="0"/>
+          <a:chOff x="0" y="0"/>
+          <a:chExt cx="0" cy="0"/>
+        </a:xfrm>
+      </p:grpSpPr>
+      <p:sp>
+        <p:nvSpPr>
+          <p:cNvPr id="2" name="Title 1">
+            <a:extLst>
+              <a:ext uri="{FF2B5EF4-FFF2-40B4-BE49-F238E27FC236}">
+                <a16:creationId xmlns:a16="http://schemas.microsoft.com/office/drawing/2014/main" id="{1865A318-3592-45F2-A594-BA5036F16B26}"/>
+              </a:ext>
+            </a:extLst>
+          </p:cNvPr>
+          <p:cNvSpPr>
+            <a:spLocks noGrp="1"/>
+          </p:cNvSpPr>
+          <p:nvPr>
+            <p:ph type="title"/>
+          </p:nvPr>
+        </p:nvSpPr>
+        <p:spPr/>
+        <p:txBody>
+          <a:bodyPr/>
+          <a:lstStyle/>
+          <a:p>
+            <a:r>
+              <a:rPr lang="en-GB" dirty="0"/>
+              <a:t>Individual Assessment</a:t>
+            </a:r>
+          </a:p>
+        </p:txBody>
+      </p:sp>
+      <p:sp>
+        <p:nvSpPr>
+          <p:cNvPr id="3" name="Content Placeholder 2">
+            <a:extLst>
+              <a:ext uri="{FF2B5EF4-FFF2-40B4-BE49-F238E27FC236}">
+                <a16:creationId xmlns:a16="http://schemas.microsoft.com/office/drawing/2014/main" id="{676867AE-DAC9-469B-A916-4E86AABEA110}"/>
+              </a:ext>
+            </a:extLst>
+          </p:cNvPr>
+          <p:cNvSpPr>
+            <a:spLocks noGrp="1"/>
+          </p:cNvSpPr>
+          <p:nvPr>
+            <p:ph idx="1"/>
+          </p:nvPr>
+        </p:nvSpPr>
+        <p:spPr/>
+        <p:txBody>
+          <a:bodyPr>
+            <a:normAutofit/>
+          </a:bodyPr>
+          <a:lstStyle/>
+          <a:p>
+            <a:pPr marL="0" indent="0" algn="ctr">
+              <a:buNone/>
+            </a:pPr>
+            <a:r>
+              <a:rPr lang="en-GB" sz="2800" dirty="0"/>
+              <a:t>Recording information accurately is essential so that we can keep track of progress and identify “under engagement”.</a:t>
+            </a:r>
+          </a:p>
+          <a:p>
+            <a:pPr marL="0" indent="0" algn="ctr">
+              <a:buNone/>
+            </a:pPr>
+            <a:endParaRPr lang="en-GB" sz="2800" dirty="0"/>
+          </a:p>
+          <a:p>
+            <a:pPr marL="0" indent="0" algn="ctr">
+              <a:buNone/>
+            </a:pPr>
+            <a:r>
+              <a:rPr lang="en-GB" sz="2800" dirty="0"/>
+              <a:t>When we come to mark the projects at the end of the year, these issues will impact the individual grades students will be awarded.</a:t>
+            </a:r>
+          </a:p>
+        </p:txBody>
+      </p:sp>
+    </p:spTree>
+    <p:extLst>
+      <p:ext uri="{BB962C8B-B14F-4D97-AF65-F5344CB8AC3E}">
+        <p14:creationId xmlns:p14="http://schemas.microsoft.com/office/powerpoint/2010/main" val="2132855452"/>
+      </p:ext>
+    </p:extLst>
+  </p:cSld>
+  <p:clrMapOvr>
+    <a:masterClrMapping/>
+  </p:clrMapOvr>
+</p:sld>
+</file>
+
+<file path=ppt/slides/slide27.xml><?xml version="1.0" encoding="utf-8"?>
+<p:sld xmlns:a="http://schemas.openxmlformats.org/drawingml/2006/main" xmlns:r="http://schemas.openxmlformats.org/officeDocument/2006/relationships" xmlns:p="http://schemas.openxmlformats.org/presentationml/2006/main">
+  <p:cSld>
+    <p:spTree>
+      <p:nvGrpSpPr>
+        <p:cNvPr id="1" name=""/>
+        <p:cNvGrpSpPr/>
+        <p:nvPr/>
+      </p:nvGrpSpPr>
+      <p:grpSpPr>
+        <a:xfrm>
+          <a:off x="0" y="0"/>
+          <a:ext cx="0" cy="0"/>
+          <a:chOff x="0" y="0"/>
+          <a:chExt cx="0" cy="0"/>
+        </a:xfrm>
+      </p:grpSpPr>
+      <p:sp>
+        <p:nvSpPr>
+          <p:cNvPr id="2" name="Title 1">
+            <a:extLst>
+              <a:ext uri="{FF2B5EF4-FFF2-40B4-BE49-F238E27FC236}">
+                <a16:creationId xmlns:a16="http://schemas.microsoft.com/office/drawing/2014/main" id="{8C31094E-49AB-4594-BB34-42937658BA61}"/>
+              </a:ext>
+            </a:extLst>
+          </p:cNvPr>
+          <p:cNvSpPr>
+            <a:spLocks noGrp="1"/>
+          </p:cNvSpPr>
+          <p:nvPr>
+            <p:ph type="title"/>
+          </p:nvPr>
+        </p:nvSpPr>
+        <p:spPr/>
+        <p:txBody>
+          <a:bodyPr/>
+          <a:lstStyle/>
+          <a:p>
+            <a:r>
+              <a:rPr lang="en-GB" dirty="0"/>
+              <a:t>This is not a normal unit !</a:t>
+            </a:r>
+          </a:p>
+        </p:txBody>
+      </p:sp>
+      <p:sp>
+        <p:nvSpPr>
+          <p:cNvPr id="3" name="Content Placeholder 2">
+            <a:extLst>
+              <a:ext uri="{FF2B5EF4-FFF2-40B4-BE49-F238E27FC236}">
+                <a16:creationId xmlns:a16="http://schemas.microsoft.com/office/drawing/2014/main" id="{EB718C4B-6318-433D-B34B-B3400F49E898}"/>
+              </a:ext>
+            </a:extLst>
+          </p:cNvPr>
+          <p:cNvSpPr>
+            <a:spLocks noGrp="1"/>
+          </p:cNvSpPr>
+          <p:nvPr>
+            <p:ph idx="1"/>
+          </p:nvPr>
+        </p:nvSpPr>
+        <p:spPr/>
+        <p:txBody>
+          <a:bodyPr/>
+          <a:lstStyle/>
+          <a:p>
+            <a:r>
+              <a:rPr lang="en-GB" dirty="0"/>
+              <a:t>You can’t just attend passively</a:t>
+            </a:r>
+          </a:p>
+          <a:p>
+            <a:r>
+              <a:rPr lang="en-GB" dirty="0"/>
+              <a:t>Then work hard on assignment/exam at the end</a:t>
+            </a:r>
+          </a:p>
+          <a:p>
+            <a:endParaRPr lang="en-GB" dirty="0"/>
+          </a:p>
+          <a:p>
+            <a:r>
+              <a:rPr lang="en-GB" dirty="0"/>
+              <a:t>You need to proactivity engage and DO stuff</a:t>
+            </a:r>
+          </a:p>
+          <a:p>
+            <a:r>
+              <a:rPr lang="en-GB" dirty="0"/>
+              <a:t>Throughout the whole of the unit</a:t>
+            </a:r>
+          </a:p>
+          <a:p>
+            <a:r>
+              <a:rPr lang="en-GB" dirty="0"/>
+              <a:t>Fight for work – grab hold of tasks you excel at</a:t>
+            </a:r>
+          </a:p>
+          <a:p>
+            <a:endParaRPr lang="en-GB" dirty="0"/>
+          </a:p>
+          <a:p>
+            <a:r>
+              <a:rPr lang="en-GB" dirty="0"/>
+              <a:t>This may be an familiar behaviour for some</a:t>
+            </a:r>
+          </a:p>
+          <a:p>
+            <a:r>
+              <a:rPr lang="en-GB" dirty="0"/>
+              <a:t>Which is why we have introduced a prompt…</a:t>
+            </a:r>
+          </a:p>
+        </p:txBody>
+      </p:sp>
+    </p:spTree>
+    <p:extLst>
+      <p:ext uri="{BB962C8B-B14F-4D97-AF65-F5344CB8AC3E}">
+        <p14:creationId xmlns:p14="http://schemas.microsoft.com/office/powerpoint/2010/main" val="3568784488"/>
+      </p:ext>
+    </p:extLst>
+  </p:cSld>
+  <p:clrMapOvr>
+    <a:masterClrMapping/>
+  </p:clrMapOvr>
+</p:sld>
+</file>
+
+<file path=ppt/slides/slide28.xml><?xml version="1.0" encoding="utf-8"?>
+<p:sld xmlns:a="http://schemas.openxmlformats.org/drawingml/2006/main" xmlns:r="http://schemas.openxmlformats.org/officeDocument/2006/relationships" xmlns:p="http://schemas.openxmlformats.org/presentationml/2006/main">
+  <p:cSld>
+    <p:spTree>
+      <p:nvGrpSpPr>
+        <p:cNvPr id="1" name=""/>
+        <p:cNvGrpSpPr/>
+        <p:nvPr/>
+      </p:nvGrpSpPr>
+      <p:grpSpPr>
+        <a:xfrm>
+          <a:off x="0" y="0"/>
+          <a:ext cx="0" cy="0"/>
+          <a:chOff x="0" y="0"/>
+          <a:chExt cx="0" cy="0"/>
+        </a:xfrm>
+      </p:grpSpPr>
+      <p:sp>
+        <p:nvSpPr>
+          <p:cNvPr id="2" name="Title 1">
+            <a:extLst>
+              <a:ext uri="{FF2B5EF4-FFF2-40B4-BE49-F238E27FC236}">
+                <a16:creationId xmlns:a16="http://schemas.microsoft.com/office/drawing/2014/main" id="{9E2EF2F2-3657-49D9-8998-F97C4B651C15}"/>
+              </a:ext>
+            </a:extLst>
+          </p:cNvPr>
+          <p:cNvSpPr>
+            <a:spLocks noGrp="1"/>
+          </p:cNvSpPr>
+          <p:nvPr>
+            <p:ph type="title"/>
+          </p:nvPr>
+        </p:nvSpPr>
+        <p:spPr/>
+        <p:txBody>
+          <a:bodyPr/>
+          <a:lstStyle/>
+          <a:p>
+            <a:r>
+              <a:rPr lang="en-GB" dirty="0"/>
+              <a:t>Tracking your own progress</a:t>
+            </a:r>
+          </a:p>
+        </p:txBody>
+      </p:sp>
+      <p:sp>
+        <p:nvSpPr>
+          <p:cNvPr id="3" name="Content Placeholder 2">
+            <a:extLst>
+              <a:ext uri="{FF2B5EF4-FFF2-40B4-BE49-F238E27FC236}">
+                <a16:creationId xmlns:a16="http://schemas.microsoft.com/office/drawing/2014/main" id="{8355E7CE-38DF-42C5-A430-4012E1429EB4}"/>
+              </a:ext>
+            </a:extLst>
+          </p:cNvPr>
+          <p:cNvSpPr>
+            <a:spLocks noGrp="1"/>
+          </p:cNvSpPr>
+          <p:nvPr>
+            <p:ph idx="1"/>
+          </p:nvPr>
+        </p:nvSpPr>
+        <p:spPr/>
+        <p:txBody>
+          <a:bodyPr/>
+          <a:lstStyle/>
+          <a:p>
+            <a:r>
+              <a:rPr lang="en-GB" dirty="0"/>
+              <a:t>It can be hard to grasp how well you are doing</a:t>
+            </a:r>
+          </a:p>
+          <a:p>
+            <a:r>
+              <a:rPr lang="en-GB" dirty="0"/>
+              <a:t>Have to compare your contribution against others</a:t>
+            </a:r>
+          </a:p>
+          <a:p>
+            <a:r>
+              <a:rPr lang="en-GB" dirty="0"/>
+              <a:t>Difficult to do without an overview of all work</a:t>
+            </a:r>
+          </a:p>
+          <a:p>
+            <a:endParaRPr lang="en-GB" dirty="0"/>
+          </a:p>
+          <a:p>
+            <a:r>
+              <a:rPr lang="en-GB" dirty="0"/>
+              <a:t>This is where monitoring data comes in !</a:t>
+            </a:r>
+          </a:p>
+          <a:p>
+            <a:r>
+              <a:rPr lang="en-GB" dirty="0"/>
+              <a:t>We will provide weekly analytics reports to mentors</a:t>
+            </a:r>
+          </a:p>
+          <a:p>
+            <a:r>
+              <a:rPr lang="en-GB" dirty="0"/>
+              <a:t>Teams will discuss these in mentoring sessions</a:t>
+            </a:r>
+          </a:p>
+          <a:p>
+            <a:r>
+              <a:rPr lang="en-GB" dirty="0"/>
+              <a:t>Derive ratings for each individual’s contribution</a:t>
+            </a:r>
+          </a:p>
+          <a:p>
+            <a:r>
+              <a:rPr lang="en-GB" dirty="0"/>
+              <a:t>These will be recorded in OP as your “hourly rate”</a:t>
+            </a:r>
+          </a:p>
+          <a:p>
+            <a:r>
+              <a:rPr lang="en-GB" dirty="0"/>
+              <a:t>This allows you to compare yourself with all others !</a:t>
+            </a:r>
+          </a:p>
+        </p:txBody>
+      </p:sp>
+    </p:spTree>
+    <p:extLst>
+      <p:ext uri="{BB962C8B-B14F-4D97-AF65-F5344CB8AC3E}">
+        <p14:creationId xmlns:p14="http://schemas.microsoft.com/office/powerpoint/2010/main" val="2489213316"/>
+      </p:ext>
+    </p:extLst>
+  </p:cSld>
+  <p:clrMapOvr>
+    <a:masterClrMapping/>
+  </p:clrMapOvr>
 </p:sld>
 </file>
 
@@ -6460,16 +6756,15 @@
           </p:cNvPicPr>
           <p:nvPr/>
         </p:nvPicPr>
-        <p:blipFill>
+        <p:blipFill rotWithShape="1">
           <a:blip r:embed="rId2"/>
-          <a:stretch>
-            <a:fillRect/>
-          </a:stretch>
+          <a:srcRect t="13756"/>
+          <a:stretch/>
         </p:blipFill>
         <p:spPr>
           <a:xfrm>
-            <a:off x="1612983" y="174709"/>
-            <a:ext cx="5918033" cy="6525965"/>
+            <a:off x="1732528" y="1467556"/>
+            <a:ext cx="5668003" cy="5390444"/>
           </a:xfrm>
           <a:prstGeom prst="rect">
             <a:avLst/>
@@ -6490,8 +6785,8 @@
         </p:nvSpPr>
         <p:spPr>
           <a:xfrm>
-            <a:off x="3871198" y="5194518"/>
-            <a:ext cx="2823113" cy="1437523"/>
+            <a:off x="3859909" y="5407376"/>
+            <a:ext cx="2597335" cy="970845"/>
           </a:xfrm>
           <a:prstGeom prst="roundRect">
             <a:avLst/>
@@ -6528,6 +6823,43 @@
           </a:p>
         </p:txBody>
       </p:sp>
+      <p:sp>
+        <p:nvSpPr>
+          <p:cNvPr id="2" name="Title 1">
+            <a:extLst>
+              <a:ext uri="{FF2B5EF4-FFF2-40B4-BE49-F238E27FC236}">
+                <a16:creationId xmlns:a16="http://schemas.microsoft.com/office/drawing/2014/main" id="{AFFA485B-A8FC-487F-8E99-37FD2A97FA59}"/>
+              </a:ext>
+            </a:extLst>
+          </p:cNvPr>
+          <p:cNvSpPr>
+            <a:spLocks noGrp="1"/>
+          </p:cNvSpPr>
+          <p:nvPr>
+            <p:ph type="title"/>
+          </p:nvPr>
+        </p:nvSpPr>
+        <p:spPr>
+          <a:xfrm>
+            <a:off x="628650" y="353837"/>
+            <a:ext cx="7886700" cy="966963"/>
+          </a:xfrm>
+        </p:spPr>
+        <p:txBody>
+          <a:bodyPr/>
+          <a:lstStyle/>
+          <a:p>
+            <a:r>
+              <a:rPr lang="en-GB" dirty="0">
+                <a:solidFill>
+                  <a:schemeClr val="tx1"/>
+                </a:solidFill>
+              </a:rPr>
+              <a:t>Adding dependency relationships</a:t>
+            </a:r>
+          </a:p>
+        </p:txBody>
+      </p:sp>
     </p:spTree>
     <p:extLst>
       <p:ext uri="{BB962C8B-B14F-4D97-AF65-F5344CB8AC3E}">
@@ -6538,6 +6870,92 @@
   <p:clrMapOvr>
     <a:masterClrMapping/>
   </p:clrMapOvr>
+  <p:timing>
+    <p:tnLst>
+      <p:par>
+        <p:cTn id="1" dur="indefinite" restart="never" nodeType="tmRoot">
+          <p:childTnLst>
+            <p:seq concurrent="1" nextAc="seek">
+              <p:cTn id="2" dur="indefinite" nodeType="mainSeq">
+                <p:childTnLst>
+                  <p:par>
+                    <p:cTn id="3" fill="hold">
+                      <p:stCondLst>
+                        <p:cond delay="indefinite"/>
+                      </p:stCondLst>
+                      <p:childTnLst>
+                        <p:par>
+                          <p:cTn id="4" fill="hold">
+                            <p:stCondLst>
+                              <p:cond delay="0"/>
+                            </p:stCondLst>
+                            <p:childTnLst>
+                              <p:par>
+                                <p:cTn id="5" presetID="10" presetClass="entr" presetSubtype="0" fill="hold" grpId="0" nodeType="clickEffect">
+                                  <p:stCondLst>
+                                    <p:cond delay="0"/>
+                                  </p:stCondLst>
+                                  <p:childTnLst>
+                                    <p:set>
+                                      <p:cBhvr>
+                                        <p:cTn id="6" dur="1" fill="hold">
+                                          <p:stCondLst>
+                                            <p:cond delay="0"/>
+                                          </p:stCondLst>
+                                        </p:cTn>
+                                        <p:tgtEl>
+                                          <p:spTgt spid="7"/>
+                                        </p:tgtEl>
+                                        <p:attrNameLst>
+                                          <p:attrName>style.visibility</p:attrName>
+                                        </p:attrNameLst>
+                                      </p:cBhvr>
+                                      <p:to>
+                                        <p:strVal val="visible"/>
+                                      </p:to>
+                                    </p:set>
+                                    <p:animEffect transition="in" filter="fade">
+                                      <p:cBhvr>
+                                        <p:cTn id="7" dur="500"/>
+                                        <p:tgtEl>
+                                          <p:spTgt spid="7"/>
+                                        </p:tgtEl>
+                                      </p:cBhvr>
+                                    </p:animEffect>
+                                  </p:childTnLst>
+                                </p:cTn>
+                              </p:par>
+                            </p:childTnLst>
+                          </p:cTn>
+                        </p:par>
+                      </p:childTnLst>
+                    </p:cTn>
+                  </p:par>
+                </p:childTnLst>
+              </p:cTn>
+              <p:prevCondLst>
+                <p:cond evt="onPrev" delay="0">
+                  <p:tgtEl>
+                    <p:sldTgt/>
+                  </p:tgtEl>
+                </p:cond>
+              </p:prevCondLst>
+              <p:nextCondLst>
+                <p:cond evt="onNext" delay="0">
+                  <p:tgtEl>
+                    <p:sldTgt/>
+                  </p:tgtEl>
+                </p:cond>
+              </p:nextCondLst>
+            </p:seq>
+          </p:childTnLst>
+        </p:cTn>
+      </p:par>
+    </p:tnLst>
+    <p:bldLst>
+      <p:bldP spid="7" grpId="0" animBg="1"/>
+    </p:bldLst>
+  </p:timing>
 </p:sld>
 </file>
 

--- a/Lecture Slides/02 Open Project.pptx
+++ b/Lecture Slides/02 Open Project.pptx
@@ -13,26 +13,26 @@
     <p:sldId id="279" r:id="rId7"/>
     <p:sldId id="266" r:id="rId8"/>
     <p:sldId id="269" r:id="rId9"/>
-    <p:sldId id="275" r:id="rId10"/>
-    <p:sldId id="286" r:id="rId11"/>
-    <p:sldId id="283" r:id="rId12"/>
-    <p:sldId id="284" r:id="rId13"/>
-    <p:sldId id="267" r:id="rId14"/>
-    <p:sldId id="270" r:id="rId15"/>
-    <p:sldId id="276" r:id="rId16"/>
-    <p:sldId id="278" r:id="rId17"/>
-    <p:sldId id="268" r:id="rId18"/>
-    <p:sldId id="277" r:id="rId19"/>
-    <p:sldId id="271" r:id="rId20"/>
-    <p:sldId id="265" r:id="rId21"/>
-    <p:sldId id="264" r:id="rId22"/>
-    <p:sldId id="281" r:id="rId23"/>
-    <p:sldId id="262" r:id="rId24"/>
-    <p:sldId id="263" r:id="rId25"/>
-    <p:sldId id="272" r:id="rId26"/>
-    <p:sldId id="273" r:id="rId27"/>
-    <p:sldId id="282" r:id="rId28"/>
-    <p:sldId id="280" r:id="rId29"/>
+    <p:sldId id="283" r:id="rId10"/>
+    <p:sldId id="284" r:id="rId11"/>
+    <p:sldId id="267" r:id="rId12"/>
+    <p:sldId id="270" r:id="rId13"/>
+    <p:sldId id="276" r:id="rId14"/>
+    <p:sldId id="278" r:id="rId15"/>
+    <p:sldId id="268" r:id="rId16"/>
+    <p:sldId id="277" r:id="rId17"/>
+    <p:sldId id="271" r:id="rId18"/>
+    <p:sldId id="265" r:id="rId19"/>
+    <p:sldId id="264" r:id="rId20"/>
+    <p:sldId id="281" r:id="rId21"/>
+    <p:sldId id="262" r:id="rId22"/>
+    <p:sldId id="263" r:id="rId23"/>
+    <p:sldId id="272" r:id="rId24"/>
+    <p:sldId id="273" r:id="rId25"/>
+    <p:sldId id="280" r:id="rId26"/>
+    <p:sldId id="287" r:id="rId27"/>
+    <p:sldId id="275" r:id="rId28"/>
+    <p:sldId id="286" r:id="rId29"/>
   </p:sldIdLst>
   <p:sldSz cx="9144000" cy="6858000" type="screen4x3"/>
   <p:notesSz cx="7559675" cy="10691813"/>
@@ -268,7 +268,7 @@
           <a:p>
             <a:fld id="{5896A8B8-A7CB-914F-A9DE-93D0CA668D65}" type="datetimeFigureOut">
               <a:rPr lang="en-US" smtClean="0"/>
-              <a:t>10/1/2018</a:t>
+              <a:t>10/2/2018</a:t>
             </a:fld>
             <a:endParaRPr lang="en-US"/>
           </a:p>
@@ -431,7 +431,7 @@
           <a:p>
             <a:fld id="{5896A8B8-A7CB-914F-A9DE-93D0CA668D65}" type="datetimeFigureOut">
               <a:rPr lang="en-US" smtClean="0"/>
-              <a:t>10/1/2018</a:t>
+              <a:t>10/2/2018</a:t>
             </a:fld>
             <a:endParaRPr lang="en-US"/>
           </a:p>
@@ -604,7 +604,7 @@
           <a:p>
             <a:fld id="{5896A8B8-A7CB-914F-A9DE-93D0CA668D65}" type="datetimeFigureOut">
               <a:rPr lang="en-US" smtClean="0"/>
-              <a:t>10/1/2018</a:t>
+              <a:t>10/2/2018</a:t>
             </a:fld>
             <a:endParaRPr lang="en-US"/>
           </a:p>
@@ -815,7 +815,7 @@
           <a:p>
             <a:fld id="{5896A8B8-A7CB-914F-A9DE-93D0CA668D65}" type="datetimeFigureOut">
               <a:rPr lang="en-US" smtClean="0"/>
-              <a:t>10/1/2018</a:t>
+              <a:t>10/2/2018</a:t>
             </a:fld>
             <a:endParaRPr lang="en-US"/>
           </a:p>
@@ -1055,7 +1055,7 @@
           <a:p>
             <a:fld id="{5896A8B8-A7CB-914F-A9DE-93D0CA668D65}" type="datetimeFigureOut">
               <a:rPr lang="en-US" smtClean="0"/>
-              <a:t>10/1/2018</a:t>
+              <a:t>10/2/2018</a:t>
             </a:fld>
             <a:endParaRPr lang="en-US"/>
           </a:p>
@@ -1279,7 +1279,7 @@
           <a:p>
             <a:fld id="{5896A8B8-A7CB-914F-A9DE-93D0CA668D65}" type="datetimeFigureOut">
               <a:rPr lang="en-US" smtClean="0"/>
-              <a:t>10/1/2018</a:t>
+              <a:t>10/2/2018</a:t>
             </a:fld>
             <a:endParaRPr lang="en-US"/>
           </a:p>
@@ -1638,7 +1638,7 @@
           <a:p>
             <a:fld id="{5896A8B8-A7CB-914F-A9DE-93D0CA668D65}" type="datetimeFigureOut">
               <a:rPr lang="en-US" smtClean="0"/>
-              <a:t>10/1/2018</a:t>
+              <a:t>10/2/2018</a:t>
             </a:fld>
             <a:endParaRPr lang="en-US"/>
           </a:p>
@@ -1750,7 +1750,7 @@
           <a:p>
             <a:fld id="{5896A8B8-A7CB-914F-A9DE-93D0CA668D65}" type="datetimeFigureOut">
               <a:rPr lang="en-US" smtClean="0"/>
-              <a:t>10/1/2018</a:t>
+              <a:t>10/2/2018</a:t>
             </a:fld>
             <a:endParaRPr lang="en-US"/>
           </a:p>
@@ -1840,7 +1840,7 @@
           <a:p>
             <a:fld id="{5896A8B8-A7CB-914F-A9DE-93D0CA668D65}" type="datetimeFigureOut">
               <a:rPr lang="en-US" smtClean="0"/>
-              <a:t>10/1/2018</a:t>
+              <a:t>10/2/2018</a:t>
             </a:fld>
             <a:endParaRPr lang="en-US"/>
           </a:p>
@@ -2110,7 +2110,7 @@
           <a:p>
             <a:fld id="{5896A8B8-A7CB-914F-A9DE-93D0CA668D65}" type="datetimeFigureOut">
               <a:rPr lang="en-US" smtClean="0"/>
-              <a:t>10/1/2018</a:t>
+              <a:t>10/2/2018</a:t>
             </a:fld>
             <a:endParaRPr lang="en-US"/>
           </a:p>
@@ -2357,7 +2357,7 @@
           <a:p>
             <a:fld id="{5896A8B8-A7CB-914F-A9DE-93D0CA668D65}" type="datetimeFigureOut">
               <a:rPr lang="en-US" smtClean="0"/>
-              <a:t>10/1/2018</a:t>
+              <a:t>10/2/2018</a:t>
             </a:fld>
             <a:endParaRPr lang="en-US"/>
           </a:p>
@@ -2565,7 +2565,7 @@
             <a:fld id="{5896A8B8-A7CB-914F-A9DE-93D0CA668D65}" type="datetimeFigureOut">
               <a:rPr lang="en-US" smtClean="0"/>
               <a:pPr/>
-              <a:t>10/1/2018</a:t>
+              <a:t>10/2/2018</a:t>
             </a:fld>
             <a:endParaRPr lang="en-US"/>
           </a:p>
@@ -3111,6 +3111,2536 @@
 <file path=ppt/slides/slide10.xml><?xml version="1.0" encoding="utf-8"?>
 <p:sld xmlns:a="http://schemas.openxmlformats.org/drawingml/2006/main" xmlns:r="http://schemas.openxmlformats.org/officeDocument/2006/relationships" xmlns:p="http://schemas.openxmlformats.org/presentationml/2006/main">
   <p:cSld>
+    <p:spTree>
+      <p:nvGrpSpPr>
+        <p:cNvPr id="1" name=""/>
+        <p:cNvGrpSpPr/>
+        <p:nvPr/>
+      </p:nvGrpSpPr>
+      <p:grpSpPr>
+        <a:xfrm>
+          <a:off x="0" y="0"/>
+          <a:ext cx="0" cy="0"/>
+          <a:chOff x="0" y="0"/>
+          <a:chExt cx="0" cy="0"/>
+        </a:xfrm>
+      </p:grpSpPr>
+      <p:sp>
+        <p:nvSpPr>
+          <p:cNvPr id="9" name="Rectangle 8">
+            <a:extLst>
+              <a:ext uri="{FF2B5EF4-FFF2-40B4-BE49-F238E27FC236}">
+                <a16:creationId xmlns:a16="http://schemas.microsoft.com/office/drawing/2014/main" id="{F8FC36A5-E3F0-477D-8FCB-322F7C690CEA}"/>
+              </a:ext>
+            </a:extLst>
+          </p:cNvPr>
+          <p:cNvSpPr/>
+          <p:nvPr/>
+        </p:nvSpPr>
+        <p:spPr>
+          <a:xfrm>
+            <a:off x="0" y="0"/>
+            <a:ext cx="9144000" cy="6858000"/>
+          </a:xfrm>
+          <a:prstGeom prst="rect">
+            <a:avLst/>
+          </a:prstGeom>
+          <a:solidFill>
+            <a:srgbClr val="FFFFFF"/>
+          </a:solidFill>
+          <a:ln>
+            <a:noFill/>
+          </a:ln>
+        </p:spPr>
+        <p:style>
+          <a:lnRef idx="2">
+            <a:schemeClr val="accent1">
+              <a:shade val="50000"/>
+            </a:schemeClr>
+          </a:lnRef>
+          <a:fillRef idx="1">
+            <a:schemeClr val="accent1"/>
+          </a:fillRef>
+          <a:effectRef idx="0">
+            <a:schemeClr val="accent1"/>
+          </a:effectRef>
+          <a:fontRef idx="minor">
+            <a:schemeClr val="lt1"/>
+          </a:fontRef>
+        </p:style>
+        <p:txBody>
+          <a:bodyPr rtlCol="0" anchor="ctr"/>
+          <a:lstStyle/>
+          <a:p>
+            <a:pPr algn="ctr"/>
+            <a:endParaRPr lang="en-GB"/>
+          </a:p>
+        </p:txBody>
+      </p:sp>
+      <p:grpSp>
+        <p:nvGrpSpPr>
+          <p:cNvPr id="2" name="Group 1">
+            <a:extLst>
+              <a:ext uri="{FF2B5EF4-FFF2-40B4-BE49-F238E27FC236}">
+                <a16:creationId xmlns:a16="http://schemas.microsoft.com/office/drawing/2014/main" id="{D26461D4-BE28-4156-93F2-CB67E0998D73}"/>
+              </a:ext>
+            </a:extLst>
+          </p:cNvPr>
+          <p:cNvGrpSpPr/>
+          <p:nvPr/>
+        </p:nvGrpSpPr>
+        <p:grpSpPr>
+          <a:xfrm>
+            <a:off x="587022" y="-3879"/>
+            <a:ext cx="7969956" cy="6861879"/>
+            <a:chOff x="587022" y="-3879"/>
+            <a:chExt cx="7969956" cy="6861879"/>
+          </a:xfrm>
+        </p:grpSpPr>
+        <p:pic>
+          <p:nvPicPr>
+            <p:cNvPr id="6" name="Picture 5">
+              <a:extLst>
+                <a:ext uri="{FF2B5EF4-FFF2-40B4-BE49-F238E27FC236}">
+                  <a16:creationId xmlns:a16="http://schemas.microsoft.com/office/drawing/2014/main" id="{550EC95E-DE0B-48CC-8351-0C8C787B0097}"/>
+                </a:ext>
+              </a:extLst>
+            </p:cNvPr>
+            <p:cNvPicPr>
+              <a:picLocks noChangeAspect="1"/>
+            </p:cNvPicPr>
+            <p:nvPr/>
+          </p:nvPicPr>
+          <p:blipFill rotWithShape="1">
+            <a:blip r:embed="rId2">
+              <a:extLst>
+                <a:ext uri="{28A0092B-C50C-407E-A947-70E740481C1C}">
+                  <a14:useLocalDpi xmlns:a14="http://schemas.microsoft.com/office/drawing/2010/main" val="0"/>
+                </a:ext>
+              </a:extLst>
+            </a:blip>
+            <a:srcRect l="42819" t="2950" r="908"/>
+            <a:stretch/>
+          </p:blipFill>
+          <p:spPr>
+            <a:xfrm>
+              <a:off x="587022" y="-3879"/>
+              <a:ext cx="7969956" cy="6861879"/>
+            </a:xfrm>
+            <a:prstGeom prst="rect">
+              <a:avLst/>
+            </a:prstGeom>
+          </p:spPr>
+        </p:pic>
+        <p:pic>
+          <p:nvPicPr>
+            <p:cNvPr id="10" name="Picture 9">
+              <a:extLst>
+                <a:ext uri="{FF2B5EF4-FFF2-40B4-BE49-F238E27FC236}">
+                  <a16:creationId xmlns:a16="http://schemas.microsoft.com/office/drawing/2014/main" id="{3B7C6597-CAA5-4A7C-A1EC-D9C8083F5FAB}"/>
+                </a:ext>
+              </a:extLst>
+            </p:cNvPr>
+            <p:cNvPicPr>
+              <a:picLocks noChangeAspect="1"/>
+            </p:cNvPicPr>
+            <p:nvPr/>
+          </p:nvPicPr>
+          <p:blipFill rotWithShape="1">
+            <a:blip r:embed="rId2">
+              <a:extLst>
+                <a:ext uri="{28A0092B-C50C-407E-A947-70E740481C1C}">
+                  <a14:useLocalDpi xmlns:a14="http://schemas.microsoft.com/office/drawing/2010/main" val="0"/>
+                </a:ext>
+              </a:extLst>
+            </a:blip>
+            <a:srcRect l="53939" t="32883" r="45264" b="61529"/>
+            <a:stretch/>
+          </p:blipFill>
+          <p:spPr>
+            <a:xfrm>
+              <a:off x="2166937" y="2461088"/>
+              <a:ext cx="112890" cy="395111"/>
+            </a:xfrm>
+            <a:prstGeom prst="rect">
+              <a:avLst/>
+            </a:prstGeom>
+          </p:spPr>
+        </p:pic>
+      </p:grpSp>
+      <p:sp>
+        <p:nvSpPr>
+          <p:cNvPr id="3" name="Rectangle: Rounded Corners 2">
+            <a:extLst>
+              <a:ext uri="{FF2B5EF4-FFF2-40B4-BE49-F238E27FC236}">
+                <a16:creationId xmlns:a16="http://schemas.microsoft.com/office/drawing/2014/main" id="{FED85171-94B3-4DB4-AD62-C9A5D4912A5F}"/>
+              </a:ext>
+            </a:extLst>
+          </p:cNvPr>
+          <p:cNvSpPr/>
+          <p:nvPr/>
+        </p:nvSpPr>
+        <p:spPr>
+          <a:xfrm>
+            <a:off x="1207382" y="2359377"/>
+            <a:ext cx="1230489" cy="598311"/>
+          </a:xfrm>
+          <a:prstGeom prst="roundRect">
+            <a:avLst/>
+          </a:prstGeom>
+          <a:noFill/>
+          <a:ln w="76200">
+            <a:solidFill>
+              <a:srgbClr val="FF0000"/>
+            </a:solidFill>
+          </a:ln>
+        </p:spPr>
+        <p:style>
+          <a:lnRef idx="2">
+            <a:schemeClr val="accent1">
+              <a:shade val="50000"/>
+            </a:schemeClr>
+          </a:lnRef>
+          <a:fillRef idx="1">
+            <a:schemeClr val="accent1"/>
+          </a:fillRef>
+          <a:effectRef idx="0">
+            <a:schemeClr val="accent1"/>
+          </a:effectRef>
+          <a:fontRef idx="minor">
+            <a:schemeClr val="lt1"/>
+          </a:fontRef>
+        </p:style>
+        <p:txBody>
+          <a:bodyPr rtlCol="0" anchor="ctr"/>
+          <a:lstStyle/>
+          <a:p>
+            <a:pPr algn="ctr"/>
+            <a:endParaRPr lang="en-GB"/>
+          </a:p>
+        </p:txBody>
+      </p:sp>
+      <p:sp>
+        <p:nvSpPr>
+          <p:cNvPr id="11" name="Rectangle: Rounded Corners 10">
+            <a:extLst>
+              <a:ext uri="{FF2B5EF4-FFF2-40B4-BE49-F238E27FC236}">
+                <a16:creationId xmlns:a16="http://schemas.microsoft.com/office/drawing/2014/main" id="{CDA81A01-3F4F-4E00-A287-6DBF2D551446}"/>
+              </a:ext>
+            </a:extLst>
+          </p:cNvPr>
+          <p:cNvSpPr/>
+          <p:nvPr/>
+        </p:nvSpPr>
+        <p:spPr>
+          <a:xfrm>
+            <a:off x="3696582" y="1236133"/>
+            <a:ext cx="1230489" cy="598311"/>
+          </a:xfrm>
+          <a:prstGeom prst="roundRect">
+            <a:avLst/>
+          </a:prstGeom>
+          <a:noFill/>
+          <a:ln w="76200">
+            <a:solidFill>
+              <a:srgbClr val="FF0000"/>
+            </a:solidFill>
+          </a:ln>
+        </p:spPr>
+        <p:style>
+          <a:lnRef idx="2">
+            <a:schemeClr val="accent1">
+              <a:shade val="50000"/>
+            </a:schemeClr>
+          </a:lnRef>
+          <a:fillRef idx="1">
+            <a:schemeClr val="accent1"/>
+          </a:fillRef>
+          <a:effectRef idx="0">
+            <a:schemeClr val="accent1"/>
+          </a:effectRef>
+          <a:fontRef idx="minor">
+            <a:schemeClr val="lt1"/>
+          </a:fontRef>
+        </p:style>
+        <p:txBody>
+          <a:bodyPr rtlCol="0" anchor="ctr"/>
+          <a:lstStyle/>
+          <a:p>
+            <a:pPr algn="ctr"/>
+            <a:endParaRPr lang="en-GB"/>
+          </a:p>
+        </p:txBody>
+      </p:sp>
+    </p:spTree>
+    <p:extLst>
+      <p:ext uri="{BB962C8B-B14F-4D97-AF65-F5344CB8AC3E}">
+        <p14:creationId xmlns:p14="http://schemas.microsoft.com/office/powerpoint/2010/main" val="2930698846"/>
+      </p:ext>
+    </p:extLst>
+  </p:cSld>
+  <p:clrMapOvr>
+    <a:masterClrMapping/>
+  </p:clrMapOvr>
+  <p:timing>
+    <p:tnLst>
+      <p:par>
+        <p:cTn id="1" dur="indefinite" restart="never" nodeType="tmRoot">
+          <p:childTnLst>
+            <p:seq concurrent="1" nextAc="seek">
+              <p:cTn id="2" dur="indefinite" nodeType="mainSeq">
+                <p:childTnLst>
+                  <p:par>
+                    <p:cTn id="3" fill="hold">
+                      <p:stCondLst>
+                        <p:cond delay="indefinite"/>
+                      </p:stCondLst>
+                      <p:childTnLst>
+                        <p:par>
+                          <p:cTn id="4" fill="hold">
+                            <p:stCondLst>
+                              <p:cond delay="0"/>
+                            </p:stCondLst>
+                            <p:childTnLst>
+                              <p:par>
+                                <p:cTn id="5" presetID="10" presetClass="entr" presetSubtype="0" fill="hold" grpId="0" nodeType="clickEffect">
+                                  <p:stCondLst>
+                                    <p:cond delay="0"/>
+                                  </p:stCondLst>
+                                  <p:childTnLst>
+                                    <p:set>
+                                      <p:cBhvr>
+                                        <p:cTn id="6" dur="1" fill="hold">
+                                          <p:stCondLst>
+                                            <p:cond delay="0"/>
+                                          </p:stCondLst>
+                                        </p:cTn>
+                                        <p:tgtEl>
+                                          <p:spTgt spid="3"/>
+                                        </p:tgtEl>
+                                        <p:attrNameLst>
+                                          <p:attrName>style.visibility</p:attrName>
+                                        </p:attrNameLst>
+                                      </p:cBhvr>
+                                      <p:to>
+                                        <p:strVal val="visible"/>
+                                      </p:to>
+                                    </p:set>
+                                    <p:animEffect transition="in" filter="fade">
+                                      <p:cBhvr>
+                                        <p:cTn id="7" dur="500"/>
+                                        <p:tgtEl>
+                                          <p:spTgt spid="3"/>
+                                        </p:tgtEl>
+                                      </p:cBhvr>
+                                    </p:animEffect>
+                                  </p:childTnLst>
+                                </p:cTn>
+                              </p:par>
+                            </p:childTnLst>
+                          </p:cTn>
+                        </p:par>
+                      </p:childTnLst>
+                    </p:cTn>
+                  </p:par>
+                  <p:par>
+                    <p:cTn id="8" fill="hold">
+                      <p:stCondLst>
+                        <p:cond delay="indefinite"/>
+                      </p:stCondLst>
+                      <p:childTnLst>
+                        <p:par>
+                          <p:cTn id="9" fill="hold">
+                            <p:stCondLst>
+                              <p:cond delay="0"/>
+                            </p:stCondLst>
+                            <p:childTnLst>
+                              <p:par>
+                                <p:cTn id="10" presetID="10" presetClass="entr" presetSubtype="0" fill="hold" grpId="0" nodeType="clickEffect">
+                                  <p:stCondLst>
+                                    <p:cond delay="0"/>
+                                  </p:stCondLst>
+                                  <p:childTnLst>
+                                    <p:set>
+                                      <p:cBhvr>
+                                        <p:cTn id="11" dur="1" fill="hold">
+                                          <p:stCondLst>
+                                            <p:cond delay="0"/>
+                                          </p:stCondLst>
+                                        </p:cTn>
+                                        <p:tgtEl>
+                                          <p:spTgt spid="11"/>
+                                        </p:tgtEl>
+                                        <p:attrNameLst>
+                                          <p:attrName>style.visibility</p:attrName>
+                                        </p:attrNameLst>
+                                      </p:cBhvr>
+                                      <p:to>
+                                        <p:strVal val="visible"/>
+                                      </p:to>
+                                    </p:set>
+                                    <p:animEffect transition="in" filter="fade">
+                                      <p:cBhvr>
+                                        <p:cTn id="12" dur="500"/>
+                                        <p:tgtEl>
+                                          <p:spTgt spid="11"/>
+                                        </p:tgtEl>
+                                      </p:cBhvr>
+                                    </p:animEffect>
+                                  </p:childTnLst>
+                                </p:cTn>
+                              </p:par>
+                            </p:childTnLst>
+                          </p:cTn>
+                        </p:par>
+                      </p:childTnLst>
+                    </p:cTn>
+                  </p:par>
+                </p:childTnLst>
+              </p:cTn>
+              <p:prevCondLst>
+                <p:cond evt="onPrev" delay="0">
+                  <p:tgtEl>
+                    <p:sldTgt/>
+                  </p:tgtEl>
+                </p:cond>
+              </p:prevCondLst>
+              <p:nextCondLst>
+                <p:cond evt="onNext" delay="0">
+                  <p:tgtEl>
+                    <p:sldTgt/>
+                  </p:tgtEl>
+                </p:cond>
+              </p:nextCondLst>
+            </p:seq>
+          </p:childTnLst>
+        </p:cTn>
+      </p:par>
+    </p:tnLst>
+    <p:bldLst>
+      <p:bldP spid="3" grpId="0" animBg="1"/>
+      <p:bldP spid="11" grpId="0" animBg="1"/>
+    </p:bldLst>
+  </p:timing>
+</p:sld>
+</file>
+
+<file path=ppt/slides/slide11.xml><?xml version="1.0" encoding="utf-8"?>
+<p:sld xmlns:a="http://schemas.openxmlformats.org/drawingml/2006/main" xmlns:r="http://schemas.openxmlformats.org/officeDocument/2006/relationships" xmlns:p="http://schemas.openxmlformats.org/presentationml/2006/main">
+  <p:cSld>
+    <p:spTree>
+      <p:nvGrpSpPr>
+        <p:cNvPr id="1" name=""/>
+        <p:cNvGrpSpPr/>
+        <p:nvPr/>
+      </p:nvGrpSpPr>
+      <p:grpSpPr>
+        <a:xfrm>
+          <a:off x="0" y="0"/>
+          <a:ext cx="0" cy="0"/>
+          <a:chOff x="0" y="0"/>
+          <a:chExt cx="0" cy="0"/>
+        </a:xfrm>
+      </p:grpSpPr>
+      <p:sp>
+        <p:nvSpPr>
+          <p:cNvPr id="2" name="Title 1">
+            <a:extLst>
+              <a:ext uri="{FF2B5EF4-FFF2-40B4-BE49-F238E27FC236}">
+                <a16:creationId xmlns:a16="http://schemas.microsoft.com/office/drawing/2014/main" id="{7451973F-008B-4E81-8256-FE8684C4F4CD}"/>
+              </a:ext>
+            </a:extLst>
+          </p:cNvPr>
+          <p:cNvSpPr>
+            <a:spLocks noGrp="1"/>
+          </p:cNvSpPr>
+          <p:nvPr>
+            <p:ph type="title"/>
+          </p:nvPr>
+        </p:nvSpPr>
+        <p:spPr/>
+        <p:txBody>
+          <a:bodyPr/>
+          <a:lstStyle/>
+          <a:p>
+            <a:r>
+              <a:rPr lang="en-GB" dirty="0"/>
+              <a:t>Timeline Caution !</a:t>
+            </a:r>
+          </a:p>
+        </p:txBody>
+      </p:sp>
+      <p:sp>
+        <p:nvSpPr>
+          <p:cNvPr id="3" name="Content Placeholder 2">
+            <a:extLst>
+              <a:ext uri="{FF2B5EF4-FFF2-40B4-BE49-F238E27FC236}">
+                <a16:creationId xmlns:a16="http://schemas.microsoft.com/office/drawing/2014/main" id="{BC4D1F94-396E-4C69-A540-9959D1BEACBE}"/>
+              </a:ext>
+            </a:extLst>
+          </p:cNvPr>
+          <p:cNvSpPr>
+            <a:spLocks noGrp="1"/>
+          </p:cNvSpPr>
+          <p:nvPr>
+            <p:ph idx="1"/>
+          </p:nvPr>
+        </p:nvSpPr>
+        <p:spPr/>
+        <p:txBody>
+          <a:bodyPr/>
+          <a:lstStyle/>
+          <a:p>
+            <a:r>
+              <a:rPr lang="en-GB" dirty="0"/>
+              <a:t>Be careful when viewing the project timeline…</a:t>
+            </a:r>
+          </a:p>
+          <a:p>
+            <a:r>
+              <a:rPr lang="en-GB" dirty="0"/>
+              <a:t>It’s really easy to accidently drag activities around</a:t>
+            </a:r>
+          </a:p>
+          <a:p>
+            <a:r>
+              <a:rPr lang="en-GB" dirty="0"/>
+              <a:t>It’s wise to screenshot your timeline occasionally</a:t>
+            </a:r>
+          </a:p>
+          <a:p>
+            <a:pPr marL="0" indent="0">
+              <a:buNone/>
+            </a:pPr>
+            <a:r>
+              <a:rPr lang="en-GB" dirty="0"/>
+              <a:t>  (in case you mess it up, or something goes wrong)</a:t>
+            </a:r>
+          </a:p>
+          <a:p>
+            <a:endParaRPr lang="en-GB" dirty="0"/>
+          </a:p>
+        </p:txBody>
+      </p:sp>
+    </p:spTree>
+    <p:extLst>
+      <p:ext uri="{BB962C8B-B14F-4D97-AF65-F5344CB8AC3E}">
+        <p14:creationId xmlns:p14="http://schemas.microsoft.com/office/powerpoint/2010/main" val="3442110644"/>
+      </p:ext>
+    </p:extLst>
+  </p:cSld>
+  <p:clrMapOvr>
+    <a:masterClrMapping/>
+  </p:clrMapOvr>
+</p:sld>
+</file>
+
+<file path=ppt/slides/slide12.xml><?xml version="1.0" encoding="utf-8"?>
+<p:sld xmlns:a="http://schemas.openxmlformats.org/drawingml/2006/main" xmlns:r="http://schemas.openxmlformats.org/officeDocument/2006/relationships" xmlns:p="http://schemas.openxmlformats.org/presentationml/2006/main">
+  <p:cSld>
+    <p:spTree>
+      <p:nvGrpSpPr>
+        <p:cNvPr id="1" name=""/>
+        <p:cNvGrpSpPr/>
+        <p:nvPr/>
+      </p:nvGrpSpPr>
+      <p:grpSpPr>
+        <a:xfrm>
+          <a:off x="0" y="0"/>
+          <a:ext cx="0" cy="0"/>
+          <a:chOff x="0" y="0"/>
+          <a:chExt cx="0" cy="0"/>
+        </a:xfrm>
+      </p:grpSpPr>
+      <p:sp>
+        <p:nvSpPr>
+          <p:cNvPr id="2" name="Title 1">
+            <a:extLst>
+              <a:ext uri="{FF2B5EF4-FFF2-40B4-BE49-F238E27FC236}">
+                <a16:creationId xmlns:a16="http://schemas.microsoft.com/office/drawing/2014/main" id="{C298B2E8-9411-4B03-8BC9-D68C9E19A63A}"/>
+              </a:ext>
+            </a:extLst>
+          </p:cNvPr>
+          <p:cNvSpPr>
+            <a:spLocks noGrp="1"/>
+          </p:cNvSpPr>
+          <p:nvPr>
+            <p:ph type="title"/>
+          </p:nvPr>
+        </p:nvSpPr>
+        <p:spPr/>
+        <p:txBody>
+          <a:bodyPr/>
+          <a:lstStyle/>
+          <a:p>
+            <a:r>
+              <a:rPr lang="en-GB" dirty="0"/>
+              <a:t>Recording Meetings</a:t>
+            </a:r>
+          </a:p>
+        </p:txBody>
+      </p:sp>
+      <p:sp>
+        <p:nvSpPr>
+          <p:cNvPr id="3" name="Content Placeholder 2">
+            <a:extLst>
+              <a:ext uri="{FF2B5EF4-FFF2-40B4-BE49-F238E27FC236}">
+                <a16:creationId xmlns:a16="http://schemas.microsoft.com/office/drawing/2014/main" id="{2014EBEE-E562-4A1D-A222-5A73CAB546F9}"/>
+              </a:ext>
+            </a:extLst>
+          </p:cNvPr>
+          <p:cNvSpPr>
+            <a:spLocks noGrp="1"/>
+          </p:cNvSpPr>
+          <p:nvPr>
+            <p:ph idx="1"/>
+          </p:nvPr>
+        </p:nvSpPr>
+        <p:spPr/>
+        <p:txBody>
+          <a:bodyPr/>
+          <a:lstStyle/>
+          <a:p>
+            <a:pPr marL="0" indent="0">
+              <a:buNone/>
+            </a:pPr>
+            <a:r>
+              <a:rPr lang="en-GB" dirty="0"/>
+              <a:t>You should record all meetings (both internal group meetings and external client meetings)</a:t>
+            </a:r>
+          </a:p>
+          <a:p>
+            <a:pPr marL="0" indent="0">
+              <a:buNone/>
+            </a:pPr>
+            <a:r>
+              <a:rPr lang="en-GB" dirty="0"/>
+              <a:t>Be sure to capture the following information:</a:t>
+            </a:r>
+          </a:p>
+          <a:p>
+            <a:pPr marL="396000" lvl="0" indent="-252000"/>
+            <a:r>
+              <a:rPr lang="en-GB" dirty="0"/>
+              <a:t>Invitees – Who was supposed to attend meeting (from the development team)</a:t>
+            </a:r>
+          </a:p>
+          <a:p>
+            <a:pPr marL="396000" lvl="0" indent="-252000"/>
+            <a:r>
+              <a:rPr lang="en-GB" dirty="0"/>
+              <a:t>Attendees – Who actually attended meeting</a:t>
+            </a:r>
+          </a:p>
+          <a:p>
+            <a:pPr marL="396000" lvl="0" indent="-252000"/>
+            <a:r>
+              <a:rPr lang="en-GB" dirty="0"/>
+              <a:t>Agenda – A very brief overview of what the  meeting is intended to be about</a:t>
+            </a:r>
+          </a:p>
+          <a:p>
+            <a:pPr marL="396000" lvl="0" indent="-252000"/>
+            <a:r>
+              <a:rPr lang="en-GB" dirty="0"/>
+              <a:t>Minutes – Any major decisions or actions arising from the meeting (a bullet-point list is fine !)</a:t>
+            </a:r>
+          </a:p>
+        </p:txBody>
+      </p:sp>
+    </p:spTree>
+    <p:extLst>
+      <p:ext uri="{BB962C8B-B14F-4D97-AF65-F5344CB8AC3E}">
+        <p14:creationId xmlns:p14="http://schemas.microsoft.com/office/powerpoint/2010/main" val="3416618182"/>
+      </p:ext>
+    </p:extLst>
+  </p:cSld>
+  <p:clrMapOvr>
+    <a:masterClrMapping/>
+  </p:clrMapOvr>
+</p:sld>
+</file>
+
+<file path=ppt/slides/slide13.xml><?xml version="1.0" encoding="utf-8"?>
+<p:sld xmlns:a="http://schemas.openxmlformats.org/drawingml/2006/main" xmlns:r="http://schemas.openxmlformats.org/officeDocument/2006/relationships" xmlns:p="http://schemas.openxmlformats.org/presentationml/2006/main">
+  <p:cSld>
+    <p:spTree>
+      <p:nvGrpSpPr>
+        <p:cNvPr id="1" name=""/>
+        <p:cNvGrpSpPr/>
+        <p:nvPr/>
+      </p:nvGrpSpPr>
+      <p:grpSpPr>
+        <a:xfrm>
+          <a:off x="0" y="0"/>
+          <a:ext cx="0" cy="0"/>
+          <a:chOff x="0" y="0"/>
+          <a:chExt cx="0" cy="0"/>
+        </a:xfrm>
+      </p:grpSpPr>
+      <p:sp>
+        <p:nvSpPr>
+          <p:cNvPr id="2" name="Title 1">
+            <a:extLst>
+              <a:ext uri="{FF2B5EF4-FFF2-40B4-BE49-F238E27FC236}">
+                <a16:creationId xmlns:a16="http://schemas.microsoft.com/office/drawing/2014/main" id="{D0078592-9349-4E27-833F-43323C164ABD}"/>
+              </a:ext>
+            </a:extLst>
+          </p:cNvPr>
+          <p:cNvSpPr>
+            <a:spLocks noGrp="1"/>
+          </p:cNvSpPr>
+          <p:nvPr>
+            <p:ph type="title"/>
+          </p:nvPr>
+        </p:nvSpPr>
+        <p:spPr/>
+        <p:txBody>
+          <a:bodyPr/>
+          <a:lstStyle/>
+          <a:p>
+            <a:endParaRPr lang="en-GB"/>
+          </a:p>
+        </p:txBody>
+      </p:sp>
+      <p:pic>
+        <p:nvPicPr>
+          <p:cNvPr id="7" name="Content Placeholder 6">
+            <a:extLst>
+              <a:ext uri="{FF2B5EF4-FFF2-40B4-BE49-F238E27FC236}">
+                <a16:creationId xmlns:a16="http://schemas.microsoft.com/office/drawing/2014/main" id="{B7132E55-B684-4A9E-96BE-D29AE4434CF5}"/>
+              </a:ext>
+            </a:extLst>
+          </p:cNvPr>
+          <p:cNvPicPr>
+            <a:picLocks noGrp="1" noChangeAspect="1"/>
+          </p:cNvPicPr>
+          <p:nvPr>
+            <p:ph idx="1"/>
+          </p:nvPr>
+        </p:nvPicPr>
+        <p:blipFill rotWithShape="1">
+          <a:blip r:embed="rId2">
+            <a:extLst>
+              <a:ext uri="{28A0092B-C50C-407E-A947-70E740481C1C}">
+                <a14:useLocalDpi xmlns:a14="http://schemas.microsoft.com/office/drawing/2010/main" val="0"/>
+              </a:ext>
+            </a:extLst>
+          </a:blip>
+          <a:srcRect r="2869"/>
+          <a:stretch/>
+        </p:blipFill>
+        <p:spPr>
+          <a:xfrm>
+            <a:off x="-4110" y="0"/>
+            <a:ext cx="9148110" cy="6858000"/>
+          </a:xfrm>
+        </p:spPr>
+      </p:pic>
+    </p:spTree>
+    <p:extLst>
+      <p:ext uri="{BB962C8B-B14F-4D97-AF65-F5344CB8AC3E}">
+        <p14:creationId xmlns:p14="http://schemas.microsoft.com/office/powerpoint/2010/main" val="2746443898"/>
+      </p:ext>
+    </p:extLst>
+  </p:cSld>
+  <p:clrMapOvr>
+    <a:masterClrMapping/>
+  </p:clrMapOvr>
+</p:sld>
+</file>
+
+<file path=ppt/slides/slide14.xml><?xml version="1.0" encoding="utf-8"?>
+<p:sld xmlns:a="http://schemas.openxmlformats.org/drawingml/2006/main" xmlns:r="http://schemas.openxmlformats.org/officeDocument/2006/relationships" xmlns:p="http://schemas.openxmlformats.org/presentationml/2006/main">
+  <p:cSld>
+    <p:spTree>
+      <p:nvGrpSpPr>
+        <p:cNvPr id="1" name=""/>
+        <p:cNvGrpSpPr/>
+        <p:nvPr/>
+      </p:nvGrpSpPr>
+      <p:grpSpPr>
+        <a:xfrm>
+          <a:off x="0" y="0"/>
+          <a:ext cx="0" cy="0"/>
+          <a:chOff x="0" y="0"/>
+          <a:chExt cx="0" cy="0"/>
+        </a:xfrm>
+      </p:grpSpPr>
+      <p:sp>
+        <p:nvSpPr>
+          <p:cNvPr id="2" name="Title 1">
+            <a:extLst>
+              <a:ext uri="{FF2B5EF4-FFF2-40B4-BE49-F238E27FC236}">
+                <a16:creationId xmlns:a16="http://schemas.microsoft.com/office/drawing/2014/main" id="{41285EF1-563E-4545-98BB-68ED52AAD729}"/>
+              </a:ext>
+            </a:extLst>
+          </p:cNvPr>
+          <p:cNvSpPr>
+            <a:spLocks noGrp="1"/>
+          </p:cNvSpPr>
+          <p:nvPr>
+            <p:ph type="title"/>
+          </p:nvPr>
+        </p:nvSpPr>
+        <p:spPr/>
+        <p:txBody>
+          <a:bodyPr/>
+          <a:lstStyle/>
+          <a:p>
+            <a:r>
+              <a:rPr lang="en-GB" dirty="0"/>
+              <a:t>Work Repository</a:t>
+            </a:r>
+          </a:p>
+        </p:txBody>
+      </p:sp>
+      <p:sp>
+        <p:nvSpPr>
+          <p:cNvPr id="3" name="Content Placeholder 2">
+            <a:extLst>
+              <a:ext uri="{FF2B5EF4-FFF2-40B4-BE49-F238E27FC236}">
+                <a16:creationId xmlns:a16="http://schemas.microsoft.com/office/drawing/2014/main" id="{C5347BC3-1FC3-413D-B9BA-6B27208C0394}"/>
+              </a:ext>
+            </a:extLst>
+          </p:cNvPr>
+          <p:cNvSpPr>
+            <a:spLocks noGrp="1"/>
+          </p:cNvSpPr>
+          <p:nvPr>
+            <p:ph idx="1"/>
+          </p:nvPr>
+        </p:nvSpPr>
+        <p:spPr/>
+        <p:txBody>
+          <a:bodyPr/>
+          <a:lstStyle/>
+          <a:p>
+            <a:r>
+              <a:rPr lang="en-GB" dirty="0"/>
+              <a:t>Outputs (code &amp; docs) must be version controlled</a:t>
+            </a:r>
+          </a:p>
+          <a:p>
+            <a:r>
+              <a:rPr lang="en-GB" dirty="0"/>
+              <a:t>This will support sharing and group collaboration</a:t>
+            </a:r>
+          </a:p>
+          <a:p>
+            <a:r>
+              <a:rPr lang="en-GB" dirty="0"/>
+              <a:t>Dan and I will also be able to track progress !</a:t>
+            </a:r>
+          </a:p>
+          <a:p>
+            <a:endParaRPr lang="en-GB" dirty="0"/>
+          </a:p>
+          <a:p>
+            <a:r>
+              <a:rPr lang="en-GB" dirty="0"/>
+              <a:t>Documents should be written in “Mark Down”</a:t>
+            </a:r>
+          </a:p>
+          <a:p>
+            <a:r>
+              <a:rPr lang="en-GB" dirty="0"/>
+              <a:t>Use a different file for each section of the doc</a:t>
+            </a:r>
+          </a:p>
+          <a:p>
+            <a:r>
+              <a:rPr lang="en-GB" dirty="0"/>
+              <a:t>This will help collaboration and change tracking</a:t>
+            </a:r>
+          </a:p>
+          <a:p>
+            <a:endParaRPr lang="en-GB" dirty="0"/>
+          </a:p>
+          <a:p>
+            <a:r>
+              <a:rPr lang="en-GB" dirty="0"/>
+              <a:t>Your chosen repo must support GIT or Subversion</a:t>
+            </a:r>
+          </a:p>
+          <a:p>
+            <a:r>
+              <a:rPr lang="en-GB" dirty="0"/>
+              <a:t>This allows it to be registered within OP…</a:t>
+            </a:r>
+          </a:p>
+        </p:txBody>
+      </p:sp>
+    </p:spTree>
+    <p:extLst>
+      <p:ext uri="{BB962C8B-B14F-4D97-AF65-F5344CB8AC3E}">
+        <p14:creationId xmlns:p14="http://schemas.microsoft.com/office/powerpoint/2010/main" val="3613881702"/>
+      </p:ext>
+    </p:extLst>
+  </p:cSld>
+  <p:clrMapOvr>
+    <a:masterClrMapping/>
+  </p:clrMapOvr>
+</p:sld>
+</file>
+
+<file path=ppt/slides/slide15.xml><?xml version="1.0" encoding="utf-8"?>
+<p:sld xmlns:a="http://schemas.openxmlformats.org/drawingml/2006/main" xmlns:r="http://schemas.openxmlformats.org/officeDocument/2006/relationships" xmlns:p="http://schemas.openxmlformats.org/presentationml/2006/main">
+  <p:cSld>
+    <p:bg>
+      <p:bgPr>
+        <a:solidFill>
+          <a:schemeClr val="bg1"/>
+        </a:solidFill>
+        <a:effectLst/>
+      </p:bgPr>
+    </p:bg>
+    <p:spTree>
+      <p:nvGrpSpPr>
+        <p:cNvPr id="1" name=""/>
+        <p:cNvGrpSpPr/>
+        <p:nvPr/>
+      </p:nvGrpSpPr>
+      <p:grpSpPr>
+        <a:xfrm>
+          <a:off x="0" y="0"/>
+          <a:ext cx="0" cy="0"/>
+          <a:chOff x="0" y="0"/>
+          <a:chExt cx="0" cy="0"/>
+        </a:xfrm>
+      </p:grpSpPr>
+      <p:pic>
+        <p:nvPicPr>
+          <p:cNvPr id="2" name="Picture 1">
+            <a:extLst>
+              <a:ext uri="{FF2B5EF4-FFF2-40B4-BE49-F238E27FC236}">
+                <a16:creationId xmlns:a16="http://schemas.microsoft.com/office/drawing/2014/main" id="{4FEE0B04-C4A3-498E-AC25-EBA354062051}"/>
+              </a:ext>
+            </a:extLst>
+          </p:cNvPr>
+          <p:cNvPicPr>
+            <a:picLocks noChangeAspect="1"/>
+          </p:cNvPicPr>
+          <p:nvPr/>
+        </p:nvPicPr>
+        <p:blipFill>
+          <a:blip r:embed="rId2"/>
+          <a:stretch>
+            <a:fillRect/>
+          </a:stretch>
+        </p:blipFill>
+        <p:spPr>
+          <a:xfrm>
+            <a:off x="135996" y="328965"/>
+            <a:ext cx="8844542" cy="6004102"/>
+          </a:xfrm>
+          <a:prstGeom prst="rect">
+            <a:avLst/>
+          </a:prstGeom>
+        </p:spPr>
+      </p:pic>
+      <p:sp>
+        <p:nvSpPr>
+          <p:cNvPr id="3" name="TextBox 2">
+            <a:extLst>
+              <a:ext uri="{FF2B5EF4-FFF2-40B4-BE49-F238E27FC236}">
+                <a16:creationId xmlns:a16="http://schemas.microsoft.com/office/drawing/2014/main" id="{89B2F125-D08B-446A-85FA-2F5E7AD41554}"/>
+              </a:ext>
+            </a:extLst>
+          </p:cNvPr>
+          <p:cNvSpPr txBox="1"/>
+          <p:nvPr/>
+        </p:nvSpPr>
+        <p:spPr>
+          <a:xfrm>
+            <a:off x="4558267" y="3129801"/>
+            <a:ext cx="3379451" cy="830997"/>
+          </a:xfrm>
+          <a:prstGeom prst="rect">
+            <a:avLst/>
+          </a:prstGeom>
+          <a:noFill/>
+        </p:spPr>
+        <p:txBody>
+          <a:bodyPr wrap="none" rtlCol="0">
+            <a:spAutoFit/>
+          </a:bodyPr>
+          <a:lstStyle/>
+          <a:p>
+            <a:r>
+              <a:rPr lang="en-GB" sz="2400" dirty="0"/>
+              <a:t>Git for public repos</a:t>
+            </a:r>
+          </a:p>
+          <a:p>
+            <a:r>
+              <a:rPr lang="en-GB" sz="2400" dirty="0"/>
+              <a:t>Subversion for private</a:t>
+            </a:r>
+          </a:p>
+        </p:txBody>
+      </p:sp>
+    </p:spTree>
+    <p:extLst>
+      <p:ext uri="{BB962C8B-B14F-4D97-AF65-F5344CB8AC3E}">
+        <p14:creationId xmlns:p14="http://schemas.microsoft.com/office/powerpoint/2010/main" val="3720553757"/>
+      </p:ext>
+    </p:extLst>
+  </p:cSld>
+  <p:clrMapOvr>
+    <a:masterClrMapping/>
+  </p:clrMapOvr>
+</p:sld>
+</file>
+
+<file path=ppt/slides/slide16.xml><?xml version="1.0" encoding="utf-8"?>
+<p:sld xmlns:a="http://schemas.openxmlformats.org/drawingml/2006/main" xmlns:r="http://schemas.openxmlformats.org/officeDocument/2006/relationships" xmlns:p="http://schemas.openxmlformats.org/presentationml/2006/main">
+  <p:cSld>
+    <p:bg>
+      <p:bgPr>
+        <a:solidFill>
+          <a:schemeClr val="bg1"/>
+        </a:solidFill>
+        <a:effectLst/>
+      </p:bgPr>
+    </p:bg>
+    <p:spTree>
+      <p:nvGrpSpPr>
+        <p:cNvPr id="1" name=""/>
+        <p:cNvGrpSpPr/>
+        <p:nvPr/>
+      </p:nvGrpSpPr>
+      <p:grpSpPr>
+        <a:xfrm>
+          <a:off x="0" y="0"/>
+          <a:ext cx="0" cy="0"/>
+          <a:chOff x="0" y="0"/>
+          <a:chExt cx="0" cy="0"/>
+        </a:xfrm>
+      </p:grpSpPr>
+      <p:pic>
+        <p:nvPicPr>
+          <p:cNvPr id="4" name="Picture 3">
+            <a:extLst>
+              <a:ext uri="{FF2B5EF4-FFF2-40B4-BE49-F238E27FC236}">
+                <a16:creationId xmlns:a16="http://schemas.microsoft.com/office/drawing/2014/main" id="{EC136A67-13EB-41A7-B51E-093695C7D383}"/>
+              </a:ext>
+            </a:extLst>
+          </p:cNvPr>
+          <p:cNvPicPr>
+            <a:picLocks noChangeAspect="1"/>
+          </p:cNvPicPr>
+          <p:nvPr/>
+        </p:nvPicPr>
+        <p:blipFill>
+          <a:blip r:embed="rId2"/>
+          <a:stretch>
+            <a:fillRect/>
+          </a:stretch>
+        </p:blipFill>
+        <p:spPr>
+          <a:xfrm>
+            <a:off x="239321" y="1817104"/>
+            <a:ext cx="8658998" cy="3868914"/>
+          </a:xfrm>
+          <a:prstGeom prst="rect">
+            <a:avLst/>
+          </a:prstGeom>
+        </p:spPr>
+      </p:pic>
+      <p:sp>
+        <p:nvSpPr>
+          <p:cNvPr id="2" name="Title 1">
+            <a:extLst>
+              <a:ext uri="{FF2B5EF4-FFF2-40B4-BE49-F238E27FC236}">
+                <a16:creationId xmlns:a16="http://schemas.microsoft.com/office/drawing/2014/main" id="{91D07E6B-ACB0-4857-9C63-10BF07EE25E2}"/>
+              </a:ext>
+            </a:extLst>
+          </p:cNvPr>
+          <p:cNvSpPr>
+            <a:spLocks noGrp="1"/>
+          </p:cNvSpPr>
+          <p:nvPr>
+            <p:ph type="title"/>
+          </p:nvPr>
+        </p:nvSpPr>
+        <p:spPr/>
+        <p:txBody>
+          <a:bodyPr/>
+          <a:lstStyle/>
+          <a:p>
+            <a:r>
+              <a:rPr lang="en-GB" dirty="0">
+                <a:solidFill>
+                  <a:schemeClr val="tx1"/>
+                </a:solidFill>
+              </a:rPr>
+              <a:t>GIT to OP username mapping !!!</a:t>
+            </a:r>
+          </a:p>
+        </p:txBody>
+      </p:sp>
+    </p:spTree>
+    <p:extLst>
+      <p:ext uri="{BB962C8B-B14F-4D97-AF65-F5344CB8AC3E}">
+        <p14:creationId xmlns:p14="http://schemas.microsoft.com/office/powerpoint/2010/main" val="3810921265"/>
+      </p:ext>
+    </p:extLst>
+  </p:cSld>
+  <p:clrMapOvr>
+    <a:masterClrMapping/>
+  </p:clrMapOvr>
+</p:sld>
+</file>
+
+<file path=ppt/slides/slide17.xml><?xml version="1.0" encoding="utf-8"?>
+<p:sld xmlns:a="http://schemas.openxmlformats.org/drawingml/2006/main" xmlns:r="http://schemas.openxmlformats.org/officeDocument/2006/relationships" xmlns:p="http://schemas.openxmlformats.org/presentationml/2006/main">
+  <p:cSld>
+    <p:spTree>
+      <p:nvGrpSpPr>
+        <p:cNvPr id="1" name=""/>
+        <p:cNvGrpSpPr/>
+        <p:nvPr/>
+      </p:nvGrpSpPr>
+      <p:grpSpPr>
+        <a:xfrm>
+          <a:off x="0" y="0"/>
+          <a:ext cx="0" cy="0"/>
+          <a:chOff x="0" y="0"/>
+          <a:chExt cx="0" cy="0"/>
+        </a:xfrm>
+      </p:grpSpPr>
+      <p:sp>
+        <p:nvSpPr>
+          <p:cNvPr id="2" name="Title 1">
+            <a:extLst>
+              <a:ext uri="{FF2B5EF4-FFF2-40B4-BE49-F238E27FC236}">
+                <a16:creationId xmlns:a16="http://schemas.microsoft.com/office/drawing/2014/main" id="{A3503B53-D2A8-4783-9DFE-112AE5CC0D33}"/>
+              </a:ext>
+            </a:extLst>
+          </p:cNvPr>
+          <p:cNvSpPr>
+            <a:spLocks noGrp="1"/>
+          </p:cNvSpPr>
+          <p:nvPr>
+            <p:ph type="title"/>
+          </p:nvPr>
+        </p:nvSpPr>
+        <p:spPr/>
+        <p:txBody>
+          <a:bodyPr/>
+          <a:lstStyle/>
+          <a:p>
+            <a:r>
+              <a:rPr lang="en-GB" dirty="0"/>
+              <a:t>Change</a:t>
+            </a:r>
+          </a:p>
+        </p:txBody>
+      </p:sp>
+      <p:sp>
+        <p:nvSpPr>
+          <p:cNvPr id="3" name="Content Placeholder 2">
+            <a:extLst>
+              <a:ext uri="{FF2B5EF4-FFF2-40B4-BE49-F238E27FC236}">
+                <a16:creationId xmlns:a16="http://schemas.microsoft.com/office/drawing/2014/main" id="{A4C1ED28-EF29-47AF-B864-F12C1741F34F}"/>
+              </a:ext>
+            </a:extLst>
+          </p:cNvPr>
+          <p:cNvSpPr>
+            <a:spLocks noGrp="1"/>
+          </p:cNvSpPr>
+          <p:nvPr>
+            <p:ph idx="1"/>
+          </p:nvPr>
+        </p:nvSpPr>
+        <p:spPr/>
+        <p:txBody>
+          <a:bodyPr>
+            <a:normAutofit/>
+          </a:bodyPr>
+          <a:lstStyle/>
+          <a:p>
+            <a:r>
+              <a:rPr lang="en-GB" dirty="0"/>
+              <a:t>We don’t expect you to predict it all in week 1</a:t>
+            </a:r>
+          </a:p>
+          <a:p>
+            <a:r>
+              <a:rPr lang="en-GB" dirty="0"/>
+              <a:t>We do however expect you to update things in OP when they do become apparent</a:t>
+            </a:r>
+          </a:p>
+          <a:p>
+            <a:r>
+              <a:rPr lang="en-GB" dirty="0"/>
+              <a:t>Whole team should agree on significant changes</a:t>
+            </a:r>
+          </a:p>
+          <a:p>
+            <a:r>
+              <a:rPr lang="en-GB" dirty="0"/>
+              <a:t>Don’t just go in and hike up your effort hours !</a:t>
+            </a:r>
+          </a:p>
+        </p:txBody>
+      </p:sp>
+    </p:spTree>
+    <p:extLst>
+      <p:ext uri="{BB962C8B-B14F-4D97-AF65-F5344CB8AC3E}">
+        <p14:creationId xmlns:p14="http://schemas.microsoft.com/office/powerpoint/2010/main" val="3058422310"/>
+      </p:ext>
+    </p:extLst>
+  </p:cSld>
+  <p:clrMapOvr>
+    <a:masterClrMapping/>
+  </p:clrMapOvr>
+</p:sld>
+</file>
+
+<file path=ppt/slides/slide18.xml><?xml version="1.0" encoding="utf-8"?>
+<p:sld xmlns:a="http://schemas.openxmlformats.org/drawingml/2006/main" xmlns:r="http://schemas.openxmlformats.org/officeDocument/2006/relationships" xmlns:p="http://schemas.openxmlformats.org/presentationml/2006/main">
+  <p:cSld>
+    <p:spTree>
+      <p:nvGrpSpPr>
+        <p:cNvPr id="1" name=""/>
+        <p:cNvGrpSpPr/>
+        <p:nvPr/>
+      </p:nvGrpSpPr>
+      <p:grpSpPr>
+        <a:xfrm>
+          <a:off x="0" y="0"/>
+          <a:ext cx="0" cy="0"/>
+          <a:chOff x="0" y="0"/>
+          <a:chExt cx="0" cy="0"/>
+        </a:xfrm>
+      </p:grpSpPr>
+      <p:sp>
+        <p:nvSpPr>
+          <p:cNvPr id="2" name="Title 1">
+            <a:extLst>
+              <a:ext uri="{FF2B5EF4-FFF2-40B4-BE49-F238E27FC236}">
+                <a16:creationId xmlns:a16="http://schemas.microsoft.com/office/drawing/2014/main" id="{A3503B53-D2A8-4783-9DFE-112AE5CC0D33}"/>
+              </a:ext>
+            </a:extLst>
+          </p:cNvPr>
+          <p:cNvSpPr>
+            <a:spLocks noGrp="1"/>
+          </p:cNvSpPr>
+          <p:nvPr>
+            <p:ph type="title"/>
+          </p:nvPr>
+        </p:nvSpPr>
+        <p:spPr/>
+        <p:txBody>
+          <a:bodyPr/>
+          <a:lstStyle/>
+          <a:p>
+            <a:r>
+              <a:rPr lang="en-GB" dirty="0"/>
+              <a:t>Essential data to continuously update</a:t>
+            </a:r>
+          </a:p>
+        </p:txBody>
+      </p:sp>
+      <p:sp>
+        <p:nvSpPr>
+          <p:cNvPr id="3" name="Content Placeholder 2">
+            <a:extLst>
+              <a:ext uri="{FF2B5EF4-FFF2-40B4-BE49-F238E27FC236}">
+                <a16:creationId xmlns:a16="http://schemas.microsoft.com/office/drawing/2014/main" id="{A4C1ED28-EF29-47AF-B864-F12C1741F34F}"/>
+              </a:ext>
+            </a:extLst>
+          </p:cNvPr>
+          <p:cNvSpPr>
+            <a:spLocks noGrp="1"/>
+          </p:cNvSpPr>
+          <p:nvPr>
+            <p:ph idx="1"/>
+          </p:nvPr>
+        </p:nvSpPr>
+        <p:spPr/>
+        <p:txBody>
+          <a:bodyPr>
+            <a:normAutofit/>
+          </a:bodyPr>
+          <a:lstStyle/>
+          <a:p>
+            <a:r>
+              <a:rPr lang="en-GB" dirty="0"/>
+              <a:t>WPs (how long they take, who is doing them)</a:t>
+            </a:r>
+          </a:p>
+          <a:p>
+            <a:r>
+              <a:rPr lang="en-GB" dirty="0"/>
+              <a:t>Meetings (their purpose and who attends them)</a:t>
+            </a:r>
+          </a:p>
+          <a:p>
+            <a:r>
+              <a:rPr lang="en-GB" dirty="0"/>
+              <a:t>Progress (percentage task completeness)</a:t>
+            </a:r>
+          </a:p>
+          <a:p>
+            <a:r>
+              <a:rPr lang="en-GB" dirty="0"/>
+              <a:t>Status (“New”, “In Progress”, “Closed” etc.)</a:t>
+            </a:r>
+          </a:p>
+          <a:p>
+            <a:r>
+              <a:rPr lang="en-GB" dirty="0"/>
+              <a:t>Releases (which WPs delivered in each release)</a:t>
+            </a:r>
+          </a:p>
+          <a:p>
+            <a:r>
+              <a:rPr lang="en-GB" dirty="0"/>
+              <a:t>Documents (everything hosted on Git)</a:t>
+            </a:r>
+          </a:p>
+        </p:txBody>
+      </p:sp>
+    </p:spTree>
+    <p:extLst>
+      <p:ext uri="{BB962C8B-B14F-4D97-AF65-F5344CB8AC3E}">
+        <p14:creationId xmlns:p14="http://schemas.microsoft.com/office/powerpoint/2010/main" val="3851105777"/>
+      </p:ext>
+    </p:extLst>
+  </p:cSld>
+  <p:clrMapOvr>
+    <a:masterClrMapping/>
+  </p:clrMapOvr>
+</p:sld>
+</file>
+
+<file path=ppt/slides/slide19.xml><?xml version="1.0" encoding="utf-8"?>
+<p:sld xmlns:a="http://schemas.openxmlformats.org/drawingml/2006/main" xmlns:r="http://schemas.openxmlformats.org/officeDocument/2006/relationships" xmlns:p="http://schemas.openxmlformats.org/presentationml/2006/main">
+  <p:cSld>
+    <p:spTree>
+      <p:nvGrpSpPr>
+        <p:cNvPr id="1" name=""/>
+        <p:cNvGrpSpPr/>
+        <p:nvPr/>
+      </p:nvGrpSpPr>
+      <p:grpSpPr>
+        <a:xfrm>
+          <a:off x="0" y="0"/>
+          <a:ext cx="0" cy="0"/>
+          <a:chOff x="0" y="0"/>
+          <a:chExt cx="0" cy="0"/>
+        </a:xfrm>
+      </p:grpSpPr>
+      <p:sp>
+        <p:nvSpPr>
+          <p:cNvPr id="2" name="Title 1">
+            <a:extLst>
+              <a:ext uri="{FF2B5EF4-FFF2-40B4-BE49-F238E27FC236}">
+                <a16:creationId xmlns:a16="http://schemas.microsoft.com/office/drawing/2014/main" id="{C85F2535-E76C-4629-B1EF-45A93985C486}"/>
+              </a:ext>
+            </a:extLst>
+          </p:cNvPr>
+          <p:cNvSpPr>
+            <a:spLocks noGrp="1"/>
+          </p:cNvSpPr>
+          <p:nvPr>
+            <p:ph type="title"/>
+          </p:nvPr>
+        </p:nvSpPr>
+        <p:spPr/>
+        <p:txBody>
+          <a:bodyPr/>
+          <a:lstStyle/>
+          <a:p>
+            <a:r>
+              <a:rPr lang="en-GB" dirty="0"/>
+              <a:t>Things not to worry too much about</a:t>
+            </a:r>
+          </a:p>
+        </p:txBody>
+      </p:sp>
+      <p:sp>
+        <p:nvSpPr>
+          <p:cNvPr id="3" name="Content Placeholder 2">
+            <a:extLst>
+              <a:ext uri="{FF2B5EF4-FFF2-40B4-BE49-F238E27FC236}">
+                <a16:creationId xmlns:a16="http://schemas.microsoft.com/office/drawing/2014/main" id="{23EE6D7C-DFF2-4380-80C0-71B952A482AE}"/>
+              </a:ext>
+            </a:extLst>
+          </p:cNvPr>
+          <p:cNvSpPr>
+            <a:spLocks noGrp="1"/>
+          </p:cNvSpPr>
+          <p:nvPr>
+            <p:ph idx="1"/>
+          </p:nvPr>
+        </p:nvSpPr>
+        <p:spPr/>
+        <p:txBody>
+          <a:bodyPr/>
+          <a:lstStyle/>
+          <a:p>
+            <a:r>
+              <a:rPr lang="en-GB" dirty="0"/>
+              <a:t>Costings and Budgets (there is no money anyway)</a:t>
+            </a:r>
+          </a:p>
+          <a:p>
+            <a:r>
+              <a:rPr lang="en-GB" dirty="0"/>
+              <a:t>Don’t feel you need to use all work package types</a:t>
+            </a:r>
+          </a:p>
+          <a:p>
+            <a:endParaRPr lang="en-GB" dirty="0"/>
+          </a:p>
+          <a:p>
+            <a:endParaRPr lang="en-GB" dirty="0"/>
+          </a:p>
+        </p:txBody>
+      </p:sp>
+    </p:spTree>
+    <p:extLst>
+      <p:ext uri="{BB962C8B-B14F-4D97-AF65-F5344CB8AC3E}">
+        <p14:creationId xmlns:p14="http://schemas.microsoft.com/office/powerpoint/2010/main" val="1528125622"/>
+      </p:ext>
+    </p:extLst>
+  </p:cSld>
+  <p:clrMapOvr>
+    <a:masterClrMapping/>
+  </p:clrMapOvr>
+</p:sld>
+</file>
+
+<file path=ppt/slides/slide2.xml><?xml version="1.0" encoding="utf-8"?>
+<p:sld xmlns:a="http://schemas.openxmlformats.org/drawingml/2006/main" xmlns:r="http://schemas.openxmlformats.org/officeDocument/2006/relationships" xmlns:p="http://schemas.openxmlformats.org/presentationml/2006/main">
+  <p:cSld>
+    <p:spTree>
+      <p:nvGrpSpPr>
+        <p:cNvPr id="1" name=""/>
+        <p:cNvGrpSpPr/>
+        <p:nvPr/>
+      </p:nvGrpSpPr>
+      <p:grpSpPr>
+        <a:xfrm>
+          <a:off x="0" y="0"/>
+          <a:ext cx="0" cy="0"/>
+          <a:chOff x="0" y="0"/>
+          <a:chExt cx="0" cy="0"/>
+        </a:xfrm>
+      </p:grpSpPr>
+      <p:sp>
+        <p:nvSpPr>
+          <p:cNvPr id="2" name="Title 1">
+            <a:extLst>
+              <a:ext uri="{FF2B5EF4-FFF2-40B4-BE49-F238E27FC236}">
+                <a16:creationId xmlns:a16="http://schemas.microsoft.com/office/drawing/2014/main" id="{0095FF0F-6F27-4357-A6FB-F497AA071807}"/>
+              </a:ext>
+            </a:extLst>
+          </p:cNvPr>
+          <p:cNvSpPr>
+            <a:spLocks noGrp="1"/>
+          </p:cNvSpPr>
+          <p:nvPr>
+            <p:ph type="title"/>
+          </p:nvPr>
+        </p:nvSpPr>
+        <p:spPr/>
+        <p:txBody>
+          <a:bodyPr/>
+          <a:lstStyle/>
+          <a:p>
+            <a:r>
+              <a:rPr lang="en-US" dirty="0"/>
+              <a:t>What is Open Project ?</a:t>
+            </a:r>
+            <a:endParaRPr lang="en-GB" dirty="0"/>
+          </a:p>
+        </p:txBody>
+      </p:sp>
+      <p:sp>
+        <p:nvSpPr>
+          <p:cNvPr id="3" name="Content Placeholder 2">
+            <a:extLst>
+              <a:ext uri="{FF2B5EF4-FFF2-40B4-BE49-F238E27FC236}">
+                <a16:creationId xmlns:a16="http://schemas.microsoft.com/office/drawing/2014/main" id="{5B4CA8EE-8925-47A2-AA96-A2DAE54AE761}"/>
+              </a:ext>
+            </a:extLst>
+          </p:cNvPr>
+          <p:cNvSpPr>
+            <a:spLocks noGrp="1"/>
+          </p:cNvSpPr>
+          <p:nvPr>
+            <p:ph idx="1"/>
+          </p:nvPr>
+        </p:nvSpPr>
+        <p:spPr/>
+        <p:txBody>
+          <a:bodyPr/>
+          <a:lstStyle/>
+          <a:p>
+            <a:r>
+              <a:rPr lang="en-GB" dirty="0"/>
+              <a:t>An online open-source project management tool</a:t>
+            </a:r>
+          </a:p>
+          <a:p>
+            <a:r>
+              <a:rPr lang="en-GB" dirty="0"/>
+              <a:t>Fairly basic set of functionality</a:t>
+            </a:r>
+          </a:p>
+          <a:p>
+            <a:r>
+              <a:rPr lang="en-GB" dirty="0"/>
+              <a:t>Provides all you need to plan and track projects</a:t>
+            </a:r>
+          </a:p>
+          <a:p>
+            <a:endParaRPr lang="en-GB" dirty="0"/>
+          </a:p>
+          <a:p>
+            <a:r>
+              <a:rPr lang="en-GB" dirty="0"/>
+              <a:t>We have it installed on our development server</a:t>
+            </a:r>
+          </a:p>
+          <a:p>
+            <a:r>
+              <a:rPr lang="en-GB" dirty="0"/>
+              <a:t>Currently under “active development”</a:t>
+            </a:r>
+          </a:p>
+          <a:p>
+            <a:r>
+              <a:rPr lang="en-GB" dirty="0"/>
+              <a:t>However stable enough to be used for SPE</a:t>
+            </a:r>
+          </a:p>
+        </p:txBody>
+      </p:sp>
+    </p:spTree>
+    <p:extLst>
+      <p:ext uri="{BB962C8B-B14F-4D97-AF65-F5344CB8AC3E}">
+        <p14:creationId xmlns:p14="http://schemas.microsoft.com/office/powerpoint/2010/main" val="2242585200"/>
+      </p:ext>
+    </p:extLst>
+  </p:cSld>
+  <p:clrMapOvr>
+    <a:masterClrMapping/>
+  </p:clrMapOvr>
+</p:sld>
+</file>
+
+<file path=ppt/slides/slide20.xml><?xml version="1.0" encoding="utf-8"?>
+<p:sld xmlns:a="http://schemas.openxmlformats.org/drawingml/2006/main" xmlns:r="http://schemas.openxmlformats.org/officeDocument/2006/relationships" xmlns:p="http://schemas.openxmlformats.org/presentationml/2006/main">
+  <p:cSld>
+    <p:spTree>
+      <p:nvGrpSpPr>
+        <p:cNvPr id="1" name=""/>
+        <p:cNvGrpSpPr/>
+        <p:nvPr/>
+      </p:nvGrpSpPr>
+      <p:grpSpPr>
+        <a:xfrm>
+          <a:off x="0" y="0"/>
+          <a:ext cx="0" cy="0"/>
+          <a:chOff x="0" y="0"/>
+          <a:chExt cx="0" cy="0"/>
+        </a:xfrm>
+      </p:grpSpPr>
+      <p:sp>
+        <p:nvSpPr>
+          <p:cNvPr id="4" name="Title 3">
+            <a:extLst>
+              <a:ext uri="{FF2B5EF4-FFF2-40B4-BE49-F238E27FC236}">
+                <a16:creationId xmlns:a16="http://schemas.microsoft.com/office/drawing/2014/main" id="{7CDE2FF9-0E7A-43DC-A61F-BB8863025C54}"/>
+              </a:ext>
+            </a:extLst>
+          </p:cNvPr>
+          <p:cNvSpPr>
+            <a:spLocks noGrp="1"/>
+          </p:cNvSpPr>
+          <p:nvPr>
+            <p:ph type="title"/>
+          </p:nvPr>
+        </p:nvSpPr>
+        <p:spPr/>
+        <p:txBody>
+          <a:bodyPr/>
+          <a:lstStyle/>
+          <a:p>
+            <a:pPr algn="ctr"/>
+            <a:r>
+              <a:rPr lang="en-GB" dirty="0"/>
+              <a:t>The BIG </a:t>
+            </a:r>
+            <a:r>
+              <a:rPr lang="en-GB"/>
+              <a:t>payoff ?</a:t>
+            </a:r>
+            <a:br>
+              <a:rPr lang="en-GB"/>
+            </a:br>
+            <a:br>
+              <a:rPr lang="en-GB" dirty="0"/>
+            </a:br>
+            <a:endParaRPr lang="en-GB" dirty="0"/>
+          </a:p>
+        </p:txBody>
+      </p:sp>
+    </p:spTree>
+    <p:extLst>
+      <p:ext uri="{BB962C8B-B14F-4D97-AF65-F5344CB8AC3E}">
+        <p14:creationId xmlns:p14="http://schemas.microsoft.com/office/powerpoint/2010/main" val="2568298180"/>
+      </p:ext>
+    </p:extLst>
+  </p:cSld>
+  <p:clrMapOvr>
+    <a:masterClrMapping/>
+  </p:clrMapOvr>
+</p:sld>
+</file>
+
+<file path=ppt/slides/slide21.xml><?xml version="1.0" encoding="utf-8"?>
+<p:sld xmlns:a="http://schemas.openxmlformats.org/drawingml/2006/main" xmlns:r="http://schemas.openxmlformats.org/officeDocument/2006/relationships" xmlns:p="http://schemas.openxmlformats.org/presentationml/2006/main">
+  <p:cSld>
+    <p:spTree>
+      <p:nvGrpSpPr>
+        <p:cNvPr id="1" name=""/>
+        <p:cNvGrpSpPr/>
+        <p:nvPr/>
+      </p:nvGrpSpPr>
+      <p:grpSpPr>
+        <a:xfrm>
+          <a:off x="0" y="0"/>
+          <a:ext cx="0" cy="0"/>
+          <a:chOff x="0" y="0"/>
+          <a:chExt cx="0" cy="0"/>
+        </a:xfrm>
+      </p:grpSpPr>
+      <p:sp>
+        <p:nvSpPr>
+          <p:cNvPr id="2" name="Title 1">
+            <a:extLst>
+              <a:ext uri="{FF2B5EF4-FFF2-40B4-BE49-F238E27FC236}">
+                <a16:creationId xmlns:a16="http://schemas.microsoft.com/office/drawing/2014/main" id="{28B4DDE3-84C6-4C3B-9755-3D6487B2A7E4}"/>
+              </a:ext>
+            </a:extLst>
+          </p:cNvPr>
+          <p:cNvSpPr>
+            <a:spLocks noGrp="1"/>
+          </p:cNvSpPr>
+          <p:nvPr>
+            <p:ph type="title"/>
+          </p:nvPr>
+        </p:nvSpPr>
+        <p:spPr/>
+        <p:txBody>
+          <a:bodyPr/>
+          <a:lstStyle/>
+          <a:p>
+            <a:r>
+              <a:rPr lang="en-GB" dirty="0"/>
+              <a:t>Monitoring</a:t>
+            </a:r>
+          </a:p>
+        </p:txBody>
+      </p:sp>
+      <p:sp>
+        <p:nvSpPr>
+          <p:cNvPr id="3" name="Content Placeholder 2">
+            <a:extLst>
+              <a:ext uri="{FF2B5EF4-FFF2-40B4-BE49-F238E27FC236}">
+                <a16:creationId xmlns:a16="http://schemas.microsoft.com/office/drawing/2014/main" id="{4588F19C-498A-4DB4-98A7-F96A3EA73515}"/>
+              </a:ext>
+            </a:extLst>
+          </p:cNvPr>
+          <p:cNvSpPr>
+            <a:spLocks noGrp="1"/>
+          </p:cNvSpPr>
+          <p:nvPr>
+            <p:ph idx="1"/>
+          </p:nvPr>
+        </p:nvSpPr>
+        <p:spPr/>
+        <p:txBody>
+          <a:bodyPr/>
+          <a:lstStyle/>
+          <a:p>
+            <a:pPr marL="0" indent="0">
+              <a:buNone/>
+            </a:pPr>
+            <a:r>
+              <a:rPr lang="en-GB" dirty="0"/>
+              <a:t>OP provides us with PROJECT TRANSPARENCY</a:t>
+            </a:r>
+          </a:p>
+          <a:p>
+            <a:pPr marL="0" indent="0">
+              <a:buNone/>
+            </a:pPr>
+            <a:r>
+              <a:rPr lang="en-GB" dirty="0"/>
+              <a:t>We can see WHAT you are up to and WHEN</a:t>
+            </a:r>
+          </a:p>
+          <a:p>
+            <a:pPr marL="0" indent="0">
+              <a:buNone/>
+            </a:pPr>
+            <a:r>
+              <a:rPr lang="en-GB" dirty="0"/>
+              <a:t>This has a number of “benefits”…</a:t>
+            </a:r>
+          </a:p>
+          <a:p>
+            <a:endParaRPr lang="en-GB" dirty="0"/>
+          </a:p>
+          <a:p>
+            <a:r>
+              <a:rPr lang="en-GB" dirty="0"/>
+              <a:t>We can monitor the patterns and flow of work</a:t>
+            </a:r>
+          </a:p>
+          <a:p>
+            <a:r>
+              <a:rPr lang="en-GB" dirty="0"/>
+              <a:t>We can spot problems early on</a:t>
+            </a:r>
+          </a:p>
+          <a:p>
+            <a:r>
+              <a:rPr lang="en-GB" dirty="0"/>
+              <a:t>We can “encourage” when work is falling behind</a:t>
+            </a:r>
+          </a:p>
+          <a:p>
+            <a:r>
+              <a:rPr lang="en-GB" dirty="0"/>
+              <a:t>We can tell if people aren’t pulling their weight</a:t>
+            </a:r>
+          </a:p>
+          <a:p>
+            <a:r>
+              <a:rPr lang="en-GB" dirty="0"/>
+              <a:t>We can mark teams on process, as well as product</a:t>
+            </a:r>
+          </a:p>
+        </p:txBody>
+      </p:sp>
+    </p:spTree>
+    <p:extLst>
+      <p:ext uri="{BB962C8B-B14F-4D97-AF65-F5344CB8AC3E}">
+        <p14:creationId xmlns:p14="http://schemas.microsoft.com/office/powerpoint/2010/main" val="1574101972"/>
+      </p:ext>
+    </p:extLst>
+  </p:cSld>
+  <p:clrMapOvr>
+    <a:masterClrMapping/>
+  </p:clrMapOvr>
+</p:sld>
+</file>
+
+<file path=ppt/slides/slide22.xml><?xml version="1.0" encoding="utf-8"?>
+<p:sld xmlns:a="http://schemas.openxmlformats.org/drawingml/2006/main" xmlns:r="http://schemas.openxmlformats.org/officeDocument/2006/relationships" xmlns:p="http://schemas.openxmlformats.org/presentationml/2006/main">
+  <p:cSld>
+    <p:spTree>
+      <p:nvGrpSpPr>
+        <p:cNvPr id="1" name=""/>
+        <p:cNvGrpSpPr/>
+        <p:nvPr/>
+      </p:nvGrpSpPr>
+      <p:grpSpPr>
+        <a:xfrm>
+          <a:off x="0" y="0"/>
+          <a:ext cx="0" cy="0"/>
+          <a:chOff x="0" y="0"/>
+          <a:chExt cx="0" cy="0"/>
+        </a:xfrm>
+      </p:grpSpPr>
+      <p:sp>
+        <p:nvSpPr>
+          <p:cNvPr id="2" name="Title 1">
+            <a:extLst>
+              <a:ext uri="{FF2B5EF4-FFF2-40B4-BE49-F238E27FC236}">
+                <a16:creationId xmlns:a16="http://schemas.microsoft.com/office/drawing/2014/main" id="{F35733BB-C782-4634-A539-8D44F26FC7A3}"/>
+              </a:ext>
+            </a:extLst>
+          </p:cNvPr>
+          <p:cNvSpPr>
+            <a:spLocks noGrp="1"/>
+          </p:cNvSpPr>
+          <p:nvPr>
+            <p:ph type="title"/>
+          </p:nvPr>
+        </p:nvSpPr>
+        <p:spPr/>
+        <p:txBody>
+          <a:bodyPr/>
+          <a:lstStyle/>
+          <a:p>
+            <a:r>
+              <a:rPr lang="en-GB" dirty="0"/>
+              <a:t>Specific things we will be looking for</a:t>
+            </a:r>
+          </a:p>
+        </p:txBody>
+      </p:sp>
+      <p:sp>
+        <p:nvSpPr>
+          <p:cNvPr id="3" name="Content Placeholder 2">
+            <a:extLst>
+              <a:ext uri="{FF2B5EF4-FFF2-40B4-BE49-F238E27FC236}">
+                <a16:creationId xmlns:a16="http://schemas.microsoft.com/office/drawing/2014/main" id="{9E1EE52C-534F-4676-84E9-980717139303}"/>
+              </a:ext>
+            </a:extLst>
+          </p:cNvPr>
+          <p:cNvSpPr>
+            <a:spLocks noGrp="1"/>
+          </p:cNvSpPr>
+          <p:nvPr>
+            <p:ph idx="1"/>
+          </p:nvPr>
+        </p:nvSpPr>
+        <p:spPr/>
+        <p:txBody>
+          <a:bodyPr/>
+          <a:lstStyle/>
+          <a:p>
+            <a:r>
+              <a:rPr lang="en-GB" dirty="0"/>
+              <a:t>Detailed and realistic project plans</a:t>
+            </a:r>
+          </a:p>
+          <a:p>
+            <a:r>
+              <a:rPr lang="en-GB" dirty="0"/>
+              <a:t>Team and Individual engagement with OP</a:t>
+            </a:r>
+          </a:p>
+          <a:p>
+            <a:r>
+              <a:rPr lang="en-GB" dirty="0"/>
+              <a:t>Individual contribution to work packages</a:t>
+            </a:r>
+          </a:p>
+          <a:p>
+            <a:r>
+              <a:rPr lang="en-GB" dirty="0"/>
+              <a:t>Individual attendance at project meetings</a:t>
+            </a:r>
+          </a:p>
+          <a:p>
+            <a:r>
+              <a:rPr lang="en-GB" dirty="0"/>
+              <a:t>Keeping to due-dates, milestones and deadlines</a:t>
+            </a:r>
+          </a:p>
+        </p:txBody>
+      </p:sp>
+    </p:spTree>
+    <p:extLst>
+      <p:ext uri="{BB962C8B-B14F-4D97-AF65-F5344CB8AC3E}">
+        <p14:creationId xmlns:p14="http://schemas.microsoft.com/office/powerpoint/2010/main" val="1530531459"/>
+      </p:ext>
+    </p:extLst>
+  </p:cSld>
+  <p:clrMapOvr>
+    <a:masterClrMapping/>
+  </p:clrMapOvr>
+</p:sld>
+</file>
+
+<file path=ppt/slides/slide23.xml><?xml version="1.0" encoding="utf-8"?>
+<p:sld xmlns:a="http://schemas.openxmlformats.org/drawingml/2006/main" xmlns:r="http://schemas.openxmlformats.org/officeDocument/2006/relationships" xmlns:p="http://schemas.openxmlformats.org/presentationml/2006/main">
+  <p:cSld>
+    <p:spTree>
+      <p:nvGrpSpPr>
+        <p:cNvPr id="1" name=""/>
+        <p:cNvGrpSpPr/>
+        <p:nvPr/>
+      </p:nvGrpSpPr>
+      <p:grpSpPr>
+        <a:xfrm>
+          <a:off x="0" y="0"/>
+          <a:ext cx="0" cy="0"/>
+          <a:chOff x="0" y="0"/>
+          <a:chExt cx="0" cy="0"/>
+        </a:xfrm>
+      </p:grpSpPr>
+      <p:sp>
+        <p:nvSpPr>
+          <p:cNvPr id="2" name="Title 1">
+            <a:extLst>
+              <a:ext uri="{FF2B5EF4-FFF2-40B4-BE49-F238E27FC236}">
+                <a16:creationId xmlns:a16="http://schemas.microsoft.com/office/drawing/2014/main" id="{A10943E5-00F9-44CE-A3EF-B6F2580361D8}"/>
+              </a:ext>
+            </a:extLst>
+          </p:cNvPr>
+          <p:cNvSpPr>
+            <a:spLocks noGrp="1"/>
+          </p:cNvSpPr>
+          <p:nvPr>
+            <p:ph type="title"/>
+          </p:nvPr>
+        </p:nvSpPr>
+        <p:spPr/>
+        <p:txBody>
+          <a:bodyPr/>
+          <a:lstStyle/>
+          <a:p>
+            <a:r>
+              <a:rPr lang="en-GB" dirty="0"/>
+              <a:t>Warning: Capture Data !</a:t>
+            </a:r>
+          </a:p>
+        </p:txBody>
+      </p:sp>
+      <p:sp>
+        <p:nvSpPr>
+          <p:cNvPr id="3" name="Content Placeholder 2">
+            <a:extLst>
+              <a:ext uri="{FF2B5EF4-FFF2-40B4-BE49-F238E27FC236}">
+                <a16:creationId xmlns:a16="http://schemas.microsoft.com/office/drawing/2014/main" id="{85D63A4F-810B-40EF-B5E0-815BAC478468}"/>
+              </a:ext>
+            </a:extLst>
+          </p:cNvPr>
+          <p:cNvSpPr>
+            <a:spLocks noGrp="1"/>
+          </p:cNvSpPr>
+          <p:nvPr>
+            <p:ph idx="1"/>
+          </p:nvPr>
+        </p:nvSpPr>
+        <p:spPr/>
+        <p:txBody>
+          <a:bodyPr>
+            <a:normAutofit/>
+          </a:bodyPr>
+          <a:lstStyle/>
+          <a:p>
+            <a:r>
+              <a:rPr lang="en-GB" dirty="0"/>
+              <a:t>You MUST use open-project to its full potential…</a:t>
+            </a:r>
+          </a:p>
+          <a:p>
+            <a:pPr lvl="0"/>
+            <a:r>
+              <a:rPr lang="en-GB" dirty="0"/>
+              <a:t>If there is work to be done, it must appear as a work package (with a realistic estimate of hours)</a:t>
+            </a:r>
+          </a:p>
+          <a:p>
+            <a:pPr lvl="0"/>
+            <a:r>
+              <a:rPr lang="en-GB" dirty="0"/>
+              <a:t>If you are doing that work, you must be recorded as the assignee</a:t>
+            </a:r>
+          </a:p>
+          <a:p>
+            <a:pPr lvl="0"/>
+            <a:r>
+              <a:rPr lang="en-GB" dirty="0"/>
+              <a:t>When work is progressing, you must update the progress % and status (so we can see !)</a:t>
+            </a:r>
+          </a:p>
+          <a:p>
+            <a:pPr lvl="0"/>
+            <a:r>
+              <a:rPr lang="en-GB" dirty="0"/>
+              <a:t>If there is a meeting, it must be entered</a:t>
+            </a:r>
+          </a:p>
+          <a:p>
+            <a:pPr lvl="0"/>
+            <a:r>
+              <a:rPr lang="en-GB" dirty="0"/>
+              <a:t>If someone missed a meeting, it must be recorded</a:t>
+            </a:r>
+          </a:p>
+        </p:txBody>
+      </p:sp>
+    </p:spTree>
+    <p:extLst>
+      <p:ext uri="{BB962C8B-B14F-4D97-AF65-F5344CB8AC3E}">
+        <p14:creationId xmlns:p14="http://schemas.microsoft.com/office/powerpoint/2010/main" val="722418536"/>
+      </p:ext>
+    </p:extLst>
+  </p:cSld>
+  <p:clrMapOvr>
+    <a:masterClrMapping/>
+  </p:clrMapOvr>
+</p:sld>
+</file>
+
+<file path=ppt/slides/slide24.xml><?xml version="1.0" encoding="utf-8"?>
+<p:sld xmlns:a="http://schemas.openxmlformats.org/drawingml/2006/main" xmlns:r="http://schemas.openxmlformats.org/officeDocument/2006/relationships" xmlns:p="http://schemas.openxmlformats.org/presentationml/2006/main">
+  <p:cSld>
+    <p:spTree>
+      <p:nvGrpSpPr>
+        <p:cNvPr id="1" name=""/>
+        <p:cNvGrpSpPr/>
+        <p:nvPr/>
+      </p:nvGrpSpPr>
+      <p:grpSpPr>
+        <a:xfrm>
+          <a:off x="0" y="0"/>
+          <a:ext cx="0" cy="0"/>
+          <a:chOff x="0" y="0"/>
+          <a:chExt cx="0" cy="0"/>
+        </a:xfrm>
+      </p:grpSpPr>
+      <p:sp>
+        <p:nvSpPr>
+          <p:cNvPr id="2" name="Title 1">
+            <a:extLst>
+              <a:ext uri="{FF2B5EF4-FFF2-40B4-BE49-F238E27FC236}">
+                <a16:creationId xmlns:a16="http://schemas.microsoft.com/office/drawing/2014/main" id="{1865A318-3592-45F2-A594-BA5036F16B26}"/>
+              </a:ext>
+            </a:extLst>
+          </p:cNvPr>
+          <p:cNvSpPr>
+            <a:spLocks noGrp="1"/>
+          </p:cNvSpPr>
+          <p:nvPr>
+            <p:ph type="title"/>
+          </p:nvPr>
+        </p:nvSpPr>
+        <p:spPr/>
+        <p:txBody>
+          <a:bodyPr/>
+          <a:lstStyle/>
+          <a:p>
+            <a:r>
+              <a:rPr lang="en-GB" dirty="0"/>
+              <a:t>Individual Assessment</a:t>
+            </a:r>
+          </a:p>
+        </p:txBody>
+      </p:sp>
+      <p:sp>
+        <p:nvSpPr>
+          <p:cNvPr id="3" name="Content Placeholder 2">
+            <a:extLst>
+              <a:ext uri="{FF2B5EF4-FFF2-40B4-BE49-F238E27FC236}">
+                <a16:creationId xmlns:a16="http://schemas.microsoft.com/office/drawing/2014/main" id="{676867AE-DAC9-469B-A916-4E86AABEA110}"/>
+              </a:ext>
+            </a:extLst>
+          </p:cNvPr>
+          <p:cNvSpPr>
+            <a:spLocks noGrp="1"/>
+          </p:cNvSpPr>
+          <p:nvPr>
+            <p:ph idx="1"/>
+          </p:nvPr>
+        </p:nvSpPr>
+        <p:spPr/>
+        <p:txBody>
+          <a:bodyPr>
+            <a:normAutofit/>
+          </a:bodyPr>
+          <a:lstStyle/>
+          <a:p>
+            <a:pPr marL="0" indent="0" algn="ctr">
+              <a:buNone/>
+            </a:pPr>
+            <a:r>
+              <a:rPr lang="en-GB" sz="2800" dirty="0"/>
+              <a:t>Recording information accurately is essential so that we can keep track of progress and identify “under engagement”.</a:t>
+            </a:r>
+          </a:p>
+          <a:p>
+            <a:pPr marL="0" indent="0" algn="ctr">
+              <a:buNone/>
+            </a:pPr>
+            <a:endParaRPr lang="en-GB" sz="2800" dirty="0"/>
+          </a:p>
+          <a:p>
+            <a:pPr marL="0" indent="0" algn="ctr">
+              <a:buNone/>
+            </a:pPr>
+            <a:r>
+              <a:rPr lang="en-GB" sz="2800" dirty="0"/>
+              <a:t>When we come to mark the projects at the end of the year, these issues will impact the individual grades students will be awarded.</a:t>
+            </a:r>
+          </a:p>
+        </p:txBody>
+      </p:sp>
+    </p:spTree>
+    <p:extLst>
+      <p:ext uri="{BB962C8B-B14F-4D97-AF65-F5344CB8AC3E}">
+        <p14:creationId xmlns:p14="http://schemas.microsoft.com/office/powerpoint/2010/main" val="2132855452"/>
+      </p:ext>
+    </p:extLst>
+  </p:cSld>
+  <p:clrMapOvr>
+    <a:masterClrMapping/>
+  </p:clrMapOvr>
+</p:sld>
+</file>
+
+<file path=ppt/slides/slide25.xml><?xml version="1.0" encoding="utf-8"?>
+<p:sld xmlns:a="http://schemas.openxmlformats.org/drawingml/2006/main" xmlns:r="http://schemas.openxmlformats.org/officeDocument/2006/relationships" xmlns:p="http://schemas.openxmlformats.org/presentationml/2006/main">
+  <p:cSld>
+    <p:spTree>
+      <p:nvGrpSpPr>
+        <p:cNvPr id="1" name=""/>
+        <p:cNvGrpSpPr/>
+        <p:nvPr/>
+      </p:nvGrpSpPr>
+      <p:grpSpPr>
+        <a:xfrm>
+          <a:off x="0" y="0"/>
+          <a:ext cx="0" cy="0"/>
+          <a:chOff x="0" y="0"/>
+          <a:chExt cx="0" cy="0"/>
+        </a:xfrm>
+      </p:grpSpPr>
+      <p:sp>
+        <p:nvSpPr>
+          <p:cNvPr id="2" name="Title 1">
+            <a:extLst>
+              <a:ext uri="{FF2B5EF4-FFF2-40B4-BE49-F238E27FC236}">
+                <a16:creationId xmlns:a16="http://schemas.microsoft.com/office/drawing/2014/main" id="{9E2EF2F2-3657-49D9-8998-F97C4B651C15}"/>
+              </a:ext>
+            </a:extLst>
+          </p:cNvPr>
+          <p:cNvSpPr>
+            <a:spLocks noGrp="1"/>
+          </p:cNvSpPr>
+          <p:nvPr>
+            <p:ph type="title"/>
+          </p:nvPr>
+        </p:nvSpPr>
+        <p:spPr/>
+        <p:txBody>
+          <a:bodyPr/>
+          <a:lstStyle/>
+          <a:p>
+            <a:r>
+              <a:rPr lang="en-GB" dirty="0"/>
+              <a:t>Tracking your own progress</a:t>
+            </a:r>
+          </a:p>
+        </p:txBody>
+      </p:sp>
+      <p:sp>
+        <p:nvSpPr>
+          <p:cNvPr id="3" name="Content Placeholder 2">
+            <a:extLst>
+              <a:ext uri="{FF2B5EF4-FFF2-40B4-BE49-F238E27FC236}">
+                <a16:creationId xmlns:a16="http://schemas.microsoft.com/office/drawing/2014/main" id="{8355E7CE-38DF-42C5-A430-4012E1429EB4}"/>
+              </a:ext>
+            </a:extLst>
+          </p:cNvPr>
+          <p:cNvSpPr>
+            <a:spLocks noGrp="1"/>
+          </p:cNvSpPr>
+          <p:nvPr>
+            <p:ph idx="1"/>
+          </p:nvPr>
+        </p:nvSpPr>
+        <p:spPr/>
+        <p:txBody>
+          <a:bodyPr/>
+          <a:lstStyle/>
+          <a:p>
+            <a:r>
+              <a:rPr lang="en-GB" dirty="0"/>
+              <a:t>It can be hard to grasp how well you are doing</a:t>
+            </a:r>
+          </a:p>
+          <a:p>
+            <a:r>
+              <a:rPr lang="en-GB" dirty="0"/>
+              <a:t>How to compare your contribution against others</a:t>
+            </a:r>
+          </a:p>
+          <a:p>
+            <a:r>
+              <a:rPr lang="en-GB" dirty="0"/>
+              <a:t>Difficult to do without an overview of all work</a:t>
+            </a:r>
+          </a:p>
+          <a:p>
+            <a:endParaRPr lang="en-GB" dirty="0"/>
+          </a:p>
+          <a:p>
+            <a:r>
+              <a:rPr lang="en-GB" dirty="0"/>
+              <a:t>This is where the analytics data comes in !</a:t>
+            </a:r>
+          </a:p>
+          <a:p>
+            <a:r>
+              <a:rPr lang="en-GB" dirty="0"/>
+              <a:t>We will provide weekly reports to your mentors</a:t>
+            </a:r>
+          </a:p>
+          <a:p>
+            <a:r>
+              <a:rPr lang="en-GB" dirty="0"/>
+              <a:t>Teams will discuss these in mentoring sessions</a:t>
+            </a:r>
+          </a:p>
+          <a:p>
+            <a:r>
+              <a:rPr lang="en-GB" dirty="0"/>
+              <a:t>Derive ratings for each individual’s contribution</a:t>
+            </a:r>
+          </a:p>
+          <a:p>
+            <a:r>
+              <a:rPr lang="en-GB" dirty="0"/>
+              <a:t>These will be recorded in OP as your “hourly rate”</a:t>
+            </a:r>
+          </a:p>
+          <a:p>
+            <a:r>
+              <a:rPr lang="en-GB" dirty="0"/>
+              <a:t>This allows you to compare yourself with all others !</a:t>
+            </a:r>
+          </a:p>
+        </p:txBody>
+      </p:sp>
+    </p:spTree>
+    <p:extLst>
+      <p:ext uri="{BB962C8B-B14F-4D97-AF65-F5344CB8AC3E}">
+        <p14:creationId xmlns:p14="http://schemas.microsoft.com/office/powerpoint/2010/main" val="2489213316"/>
+      </p:ext>
+    </p:extLst>
+  </p:cSld>
+  <p:clrMapOvr>
+    <a:masterClrMapping/>
+  </p:clrMapOvr>
+</p:sld>
+</file>
+
+<file path=ppt/slides/slide26.xml><?xml version="1.0" encoding="utf-8"?>
+<p:sld xmlns:a="http://schemas.openxmlformats.org/drawingml/2006/main" xmlns:r="http://schemas.openxmlformats.org/officeDocument/2006/relationships" xmlns:p="http://schemas.openxmlformats.org/presentationml/2006/main">
+  <p:cSld>
+    <p:spTree>
+      <p:nvGrpSpPr>
+        <p:cNvPr id="1" name=""/>
+        <p:cNvGrpSpPr/>
+        <p:nvPr/>
+      </p:nvGrpSpPr>
+      <p:grpSpPr>
+        <a:xfrm>
+          <a:off x="0" y="0"/>
+          <a:ext cx="0" cy="0"/>
+          <a:chOff x="0" y="0"/>
+          <a:chExt cx="0" cy="0"/>
+        </a:xfrm>
+      </p:grpSpPr>
+      <p:sp>
+        <p:nvSpPr>
+          <p:cNvPr id="4" name="Title 3">
+            <a:extLst>
+              <a:ext uri="{FF2B5EF4-FFF2-40B4-BE49-F238E27FC236}">
+                <a16:creationId xmlns:a16="http://schemas.microsoft.com/office/drawing/2014/main" id="{D7257CFB-65EE-4C2E-BB97-2A84439E4208}"/>
+              </a:ext>
+            </a:extLst>
+          </p:cNvPr>
+          <p:cNvSpPr>
+            <a:spLocks noGrp="1"/>
+          </p:cNvSpPr>
+          <p:nvPr>
+            <p:ph type="title"/>
+          </p:nvPr>
+        </p:nvSpPr>
+        <p:spPr/>
+        <p:txBody>
+          <a:bodyPr>
+            <a:normAutofit/>
+          </a:bodyPr>
+          <a:lstStyle/>
+          <a:p>
+            <a:pPr algn="ctr"/>
+            <a:r>
+              <a:rPr lang="en-GB" sz="4000" dirty="0"/>
+              <a:t>Appendix A</a:t>
+            </a:r>
+            <a:br>
+              <a:rPr lang="en-GB" sz="4000" dirty="0"/>
+            </a:br>
+            <a:br>
+              <a:rPr lang="en-GB" sz="4000" dirty="0"/>
+            </a:br>
+            <a:r>
+              <a:rPr lang="en-GB" sz="4000" dirty="0"/>
+              <a:t>Adding Timeline Relationships</a:t>
+            </a:r>
+            <a:br>
+              <a:rPr lang="en-GB" sz="4000" dirty="0"/>
+            </a:br>
+            <a:endParaRPr lang="en-GB" sz="4000" dirty="0"/>
+          </a:p>
+        </p:txBody>
+      </p:sp>
+    </p:spTree>
+    <p:extLst>
+      <p:ext uri="{BB962C8B-B14F-4D97-AF65-F5344CB8AC3E}">
+        <p14:creationId xmlns:p14="http://schemas.microsoft.com/office/powerpoint/2010/main" val="4164877502"/>
+      </p:ext>
+    </p:extLst>
+  </p:cSld>
+  <p:clrMapOvr>
+    <a:masterClrMapping/>
+  </p:clrMapOvr>
+</p:sld>
+</file>
+
+<file path=ppt/slides/slide27.xml><?xml version="1.0" encoding="utf-8"?>
+<p:sld xmlns:a="http://schemas.openxmlformats.org/drawingml/2006/main" xmlns:r="http://schemas.openxmlformats.org/officeDocument/2006/relationships" xmlns:p="http://schemas.openxmlformats.org/presentationml/2006/main">
+  <p:cSld>
+    <p:bg>
+      <p:bgPr>
+        <a:solidFill>
+          <a:schemeClr val="bg1"/>
+        </a:solidFill>
+        <a:effectLst/>
+      </p:bgPr>
+    </p:bg>
+    <p:spTree>
+      <p:nvGrpSpPr>
+        <p:cNvPr id="1" name=""/>
+        <p:cNvGrpSpPr/>
+        <p:nvPr/>
+      </p:nvGrpSpPr>
+      <p:grpSpPr>
+        <a:xfrm>
+          <a:off x="0" y="0"/>
+          <a:ext cx="0" cy="0"/>
+          <a:chOff x="0" y="0"/>
+          <a:chExt cx="0" cy="0"/>
+        </a:xfrm>
+      </p:grpSpPr>
+      <p:pic>
+        <p:nvPicPr>
+          <p:cNvPr id="4" name="Picture 3">
+            <a:extLst>
+              <a:ext uri="{FF2B5EF4-FFF2-40B4-BE49-F238E27FC236}">
+                <a16:creationId xmlns:a16="http://schemas.microsoft.com/office/drawing/2014/main" id="{FD5761A2-A423-45F2-9BF5-F5CDE80D36DF}"/>
+              </a:ext>
+            </a:extLst>
+          </p:cNvPr>
+          <p:cNvPicPr>
+            <a:picLocks noChangeAspect="1"/>
+          </p:cNvPicPr>
+          <p:nvPr/>
+        </p:nvPicPr>
+        <p:blipFill rotWithShape="1">
+          <a:blip r:embed="rId2"/>
+          <a:srcRect t="13756"/>
+          <a:stretch/>
+        </p:blipFill>
+        <p:spPr>
+          <a:xfrm>
+            <a:off x="1732528" y="1467556"/>
+            <a:ext cx="5668003" cy="5390444"/>
+          </a:xfrm>
+          <a:prstGeom prst="rect">
+            <a:avLst/>
+          </a:prstGeom>
+        </p:spPr>
+      </p:pic>
+      <p:sp>
+        <p:nvSpPr>
+          <p:cNvPr id="7" name="Rectangle: Rounded Corners 6">
+            <a:extLst>
+              <a:ext uri="{FF2B5EF4-FFF2-40B4-BE49-F238E27FC236}">
+                <a16:creationId xmlns:a16="http://schemas.microsoft.com/office/drawing/2014/main" id="{490562E0-A00B-4C22-8271-523D619F9BAD}"/>
+              </a:ext>
+            </a:extLst>
+          </p:cNvPr>
+          <p:cNvSpPr/>
+          <p:nvPr/>
+        </p:nvSpPr>
+        <p:spPr>
+          <a:xfrm>
+            <a:off x="3859909" y="5407376"/>
+            <a:ext cx="2597335" cy="970845"/>
+          </a:xfrm>
+          <a:prstGeom prst="roundRect">
+            <a:avLst/>
+          </a:prstGeom>
+          <a:noFill/>
+          <a:ln w="76200">
+            <a:solidFill>
+              <a:srgbClr val="FF0000"/>
+            </a:solidFill>
+          </a:ln>
+        </p:spPr>
+        <p:style>
+          <a:lnRef idx="2">
+            <a:schemeClr val="accent1">
+              <a:shade val="50000"/>
+            </a:schemeClr>
+          </a:lnRef>
+          <a:fillRef idx="1">
+            <a:schemeClr val="accent1"/>
+          </a:fillRef>
+          <a:effectRef idx="0">
+            <a:schemeClr val="accent1"/>
+          </a:effectRef>
+          <a:fontRef idx="minor">
+            <a:schemeClr val="lt1"/>
+          </a:fontRef>
+        </p:style>
+        <p:txBody>
+          <a:bodyPr rtlCol="0" anchor="ctr"/>
+          <a:lstStyle/>
+          <a:p>
+            <a:pPr algn="ctr"/>
+            <a:endParaRPr lang="en-GB"/>
+          </a:p>
+        </p:txBody>
+      </p:sp>
+      <p:sp>
+        <p:nvSpPr>
+          <p:cNvPr id="2" name="Title 1">
+            <a:extLst>
+              <a:ext uri="{FF2B5EF4-FFF2-40B4-BE49-F238E27FC236}">
+                <a16:creationId xmlns:a16="http://schemas.microsoft.com/office/drawing/2014/main" id="{AFFA485B-A8FC-487F-8E99-37FD2A97FA59}"/>
+              </a:ext>
+            </a:extLst>
+          </p:cNvPr>
+          <p:cNvSpPr>
+            <a:spLocks noGrp="1"/>
+          </p:cNvSpPr>
+          <p:nvPr>
+            <p:ph type="title"/>
+          </p:nvPr>
+        </p:nvSpPr>
+        <p:spPr>
+          <a:xfrm>
+            <a:off x="628650" y="353837"/>
+            <a:ext cx="7886700" cy="966963"/>
+          </a:xfrm>
+        </p:spPr>
+        <p:txBody>
+          <a:bodyPr/>
+          <a:lstStyle/>
+          <a:p>
+            <a:r>
+              <a:rPr lang="en-GB" dirty="0">
+                <a:solidFill>
+                  <a:schemeClr val="tx1"/>
+                </a:solidFill>
+              </a:rPr>
+              <a:t>Adding dependency relationships</a:t>
+            </a:r>
+          </a:p>
+        </p:txBody>
+      </p:sp>
+    </p:spTree>
+    <p:extLst>
+      <p:ext uri="{BB962C8B-B14F-4D97-AF65-F5344CB8AC3E}">
+        <p14:creationId xmlns:p14="http://schemas.microsoft.com/office/powerpoint/2010/main" val="2604328462"/>
+      </p:ext>
+    </p:extLst>
+  </p:cSld>
+  <p:clrMapOvr>
+    <a:masterClrMapping/>
+  </p:clrMapOvr>
+  <p:timing>
+    <p:tnLst>
+      <p:par>
+        <p:cTn id="1" dur="indefinite" restart="never" nodeType="tmRoot">
+          <p:childTnLst>
+            <p:seq concurrent="1" nextAc="seek">
+              <p:cTn id="2" dur="indefinite" nodeType="mainSeq">
+                <p:childTnLst>
+                  <p:par>
+                    <p:cTn id="3" fill="hold">
+                      <p:stCondLst>
+                        <p:cond delay="indefinite"/>
+                      </p:stCondLst>
+                      <p:childTnLst>
+                        <p:par>
+                          <p:cTn id="4" fill="hold">
+                            <p:stCondLst>
+                              <p:cond delay="0"/>
+                            </p:stCondLst>
+                            <p:childTnLst>
+                              <p:par>
+                                <p:cTn id="5" presetID="10" presetClass="entr" presetSubtype="0" fill="hold" grpId="0" nodeType="clickEffect">
+                                  <p:stCondLst>
+                                    <p:cond delay="0"/>
+                                  </p:stCondLst>
+                                  <p:childTnLst>
+                                    <p:set>
+                                      <p:cBhvr>
+                                        <p:cTn id="6" dur="1" fill="hold">
+                                          <p:stCondLst>
+                                            <p:cond delay="0"/>
+                                          </p:stCondLst>
+                                        </p:cTn>
+                                        <p:tgtEl>
+                                          <p:spTgt spid="7"/>
+                                        </p:tgtEl>
+                                        <p:attrNameLst>
+                                          <p:attrName>style.visibility</p:attrName>
+                                        </p:attrNameLst>
+                                      </p:cBhvr>
+                                      <p:to>
+                                        <p:strVal val="visible"/>
+                                      </p:to>
+                                    </p:set>
+                                    <p:animEffect transition="in" filter="fade">
+                                      <p:cBhvr>
+                                        <p:cTn id="7" dur="500"/>
+                                        <p:tgtEl>
+                                          <p:spTgt spid="7"/>
+                                        </p:tgtEl>
+                                      </p:cBhvr>
+                                    </p:animEffect>
+                                  </p:childTnLst>
+                                </p:cTn>
+                              </p:par>
+                            </p:childTnLst>
+                          </p:cTn>
+                        </p:par>
+                      </p:childTnLst>
+                    </p:cTn>
+                  </p:par>
+                </p:childTnLst>
+              </p:cTn>
+              <p:prevCondLst>
+                <p:cond evt="onPrev" delay="0">
+                  <p:tgtEl>
+                    <p:sldTgt/>
+                  </p:tgtEl>
+                </p:cond>
+              </p:prevCondLst>
+              <p:nextCondLst>
+                <p:cond evt="onNext" delay="0">
+                  <p:tgtEl>
+                    <p:sldTgt/>
+                  </p:tgtEl>
+                </p:cond>
+              </p:nextCondLst>
+            </p:seq>
+          </p:childTnLst>
+        </p:cTn>
+      </p:par>
+    </p:tnLst>
+    <p:bldLst>
+      <p:bldP spid="7" grpId="0" animBg="1"/>
+    </p:bldLst>
+  </p:timing>
+</p:sld>
+</file>
+
+<file path=ppt/slides/slide28.xml><?xml version="1.0" encoding="utf-8"?>
+<p:sld xmlns:a="http://schemas.openxmlformats.org/drawingml/2006/main" xmlns:r="http://schemas.openxmlformats.org/officeDocument/2006/relationships" xmlns:p="http://schemas.openxmlformats.org/presentationml/2006/main">
+  <p:cSld>
     <p:bg>
       <p:bgPr>
         <a:solidFill>
@@ -3457,2484 +5987,6 @@
 </p:sld>
 </file>
 
-<file path=ppt/slides/slide11.xml><?xml version="1.0" encoding="utf-8"?>
-<p:sld xmlns:a="http://schemas.openxmlformats.org/drawingml/2006/main" xmlns:r="http://schemas.openxmlformats.org/officeDocument/2006/relationships" xmlns:p="http://schemas.openxmlformats.org/presentationml/2006/main">
-  <p:cSld>
-    <p:spTree>
-      <p:nvGrpSpPr>
-        <p:cNvPr id="1" name=""/>
-        <p:cNvGrpSpPr/>
-        <p:nvPr/>
-      </p:nvGrpSpPr>
-      <p:grpSpPr>
-        <a:xfrm>
-          <a:off x="0" y="0"/>
-          <a:ext cx="0" cy="0"/>
-          <a:chOff x="0" y="0"/>
-          <a:chExt cx="0" cy="0"/>
-        </a:xfrm>
-      </p:grpSpPr>
-      <p:sp>
-        <p:nvSpPr>
-          <p:cNvPr id="8" name="Rectangle 7">
-            <a:extLst>
-              <a:ext uri="{FF2B5EF4-FFF2-40B4-BE49-F238E27FC236}">
-                <a16:creationId xmlns:a16="http://schemas.microsoft.com/office/drawing/2014/main" id="{08E22B6B-5186-4A8E-826B-AF9C74C66616}"/>
-              </a:ext>
-            </a:extLst>
-          </p:cNvPr>
-          <p:cNvSpPr/>
-          <p:nvPr/>
-        </p:nvSpPr>
-        <p:spPr>
-          <a:xfrm>
-            <a:off x="0" y="0"/>
-            <a:ext cx="9144000" cy="6858000"/>
-          </a:xfrm>
-          <a:prstGeom prst="rect">
-            <a:avLst/>
-          </a:prstGeom>
-          <a:solidFill>
-            <a:srgbClr val="FFFFFF"/>
-          </a:solidFill>
-          <a:ln>
-            <a:noFill/>
-          </a:ln>
-        </p:spPr>
-        <p:style>
-          <a:lnRef idx="2">
-            <a:schemeClr val="accent1">
-              <a:shade val="50000"/>
-            </a:schemeClr>
-          </a:lnRef>
-          <a:fillRef idx="1">
-            <a:schemeClr val="accent1"/>
-          </a:fillRef>
-          <a:effectRef idx="0">
-            <a:schemeClr val="accent1"/>
-          </a:effectRef>
-          <a:fontRef idx="minor">
-            <a:schemeClr val="lt1"/>
-          </a:fontRef>
-        </p:style>
-        <p:txBody>
-          <a:bodyPr rtlCol="0" anchor="ctr"/>
-          <a:lstStyle/>
-          <a:p>
-            <a:pPr algn="ctr"/>
-            <a:endParaRPr lang="en-GB" dirty="0"/>
-          </a:p>
-        </p:txBody>
-      </p:sp>
-      <p:pic>
-        <p:nvPicPr>
-          <p:cNvPr id="5" name="Picture 4">
-            <a:extLst>
-              <a:ext uri="{FF2B5EF4-FFF2-40B4-BE49-F238E27FC236}">
-                <a16:creationId xmlns:a16="http://schemas.microsoft.com/office/drawing/2014/main" id="{F0008D37-2E5B-4A5D-98CC-1B84E881F206}"/>
-              </a:ext>
-            </a:extLst>
-          </p:cNvPr>
-          <p:cNvPicPr>
-            <a:picLocks noChangeAspect="1"/>
-          </p:cNvPicPr>
-          <p:nvPr/>
-        </p:nvPicPr>
-        <p:blipFill>
-          <a:blip r:embed="rId2">
-            <a:extLst>
-              <a:ext uri="{28A0092B-C50C-407E-A947-70E740481C1C}">
-                <a14:useLocalDpi xmlns:a14="http://schemas.microsoft.com/office/drawing/2010/main" val="0"/>
-              </a:ext>
-            </a:extLst>
-          </a:blip>
-          <a:stretch>
-            <a:fillRect/>
-          </a:stretch>
-        </p:blipFill>
-        <p:spPr>
-          <a:xfrm>
-            <a:off x="1361551" y="22578"/>
-            <a:ext cx="6354366" cy="3429000"/>
-          </a:xfrm>
-          <a:prstGeom prst="rect">
-            <a:avLst/>
-          </a:prstGeom>
-        </p:spPr>
-      </p:pic>
-      <p:pic>
-        <p:nvPicPr>
-          <p:cNvPr id="7" name="Picture 6">
-            <a:extLst>
-              <a:ext uri="{FF2B5EF4-FFF2-40B4-BE49-F238E27FC236}">
-                <a16:creationId xmlns:a16="http://schemas.microsoft.com/office/drawing/2014/main" id="{A1EEBA6E-F51D-4665-86C8-96E00045A6BC}"/>
-              </a:ext>
-            </a:extLst>
-          </p:cNvPr>
-          <p:cNvPicPr>
-            <a:picLocks noChangeAspect="1"/>
-          </p:cNvPicPr>
-          <p:nvPr/>
-        </p:nvPicPr>
-        <p:blipFill rotWithShape="1">
-          <a:blip r:embed="rId3">
-            <a:extLst>
-              <a:ext uri="{28A0092B-C50C-407E-A947-70E740481C1C}">
-                <a14:useLocalDpi xmlns:a14="http://schemas.microsoft.com/office/drawing/2010/main" val="0"/>
-              </a:ext>
-            </a:extLst>
-          </a:blip>
-          <a:srcRect l="6608" r="908"/>
-          <a:stretch/>
-        </p:blipFill>
-        <p:spPr>
-          <a:xfrm>
-            <a:off x="1361551" y="3409638"/>
-            <a:ext cx="6354366" cy="3430060"/>
-          </a:xfrm>
-          <a:prstGeom prst="rect">
-            <a:avLst/>
-          </a:prstGeom>
-        </p:spPr>
-      </p:pic>
-      <p:sp>
-        <p:nvSpPr>
-          <p:cNvPr id="2" name="TextBox 1">
-            <a:extLst>
-              <a:ext uri="{FF2B5EF4-FFF2-40B4-BE49-F238E27FC236}">
-                <a16:creationId xmlns:a16="http://schemas.microsoft.com/office/drawing/2014/main" id="{9CD1D17B-456B-43C3-A775-F322ED4C70D1}"/>
-              </a:ext>
-            </a:extLst>
-          </p:cNvPr>
-          <p:cNvSpPr txBox="1"/>
-          <p:nvPr/>
-        </p:nvSpPr>
-        <p:spPr>
-          <a:xfrm rot="16200000">
-            <a:off x="-2121385" y="3128412"/>
-            <a:ext cx="5585183" cy="646331"/>
-          </a:xfrm>
-          <a:prstGeom prst="rect">
-            <a:avLst/>
-          </a:prstGeom>
-          <a:noFill/>
-          <a:ln>
-            <a:noFill/>
-          </a:ln>
-        </p:spPr>
-        <p:txBody>
-          <a:bodyPr wrap="none" rtlCol="0">
-            <a:spAutoFit/>
-          </a:bodyPr>
-          <a:lstStyle/>
-          <a:p>
-            <a:r>
-              <a:rPr lang="en-GB" sz="3600" dirty="0"/>
-              <a:t>Building your own house</a:t>
-            </a:r>
-          </a:p>
-        </p:txBody>
-      </p:sp>
-    </p:spTree>
-    <p:extLst>
-      <p:ext uri="{BB962C8B-B14F-4D97-AF65-F5344CB8AC3E}">
-        <p14:creationId xmlns:p14="http://schemas.microsoft.com/office/powerpoint/2010/main" val="1502517465"/>
-      </p:ext>
-    </p:extLst>
-  </p:cSld>
-  <p:clrMapOvr>
-    <a:masterClrMapping/>
-  </p:clrMapOvr>
-</p:sld>
-</file>
-
-<file path=ppt/slides/slide12.xml><?xml version="1.0" encoding="utf-8"?>
-<p:sld xmlns:a="http://schemas.openxmlformats.org/drawingml/2006/main" xmlns:r="http://schemas.openxmlformats.org/officeDocument/2006/relationships" xmlns:p="http://schemas.openxmlformats.org/presentationml/2006/main">
-  <p:cSld>
-    <p:spTree>
-      <p:nvGrpSpPr>
-        <p:cNvPr id="1" name=""/>
-        <p:cNvGrpSpPr/>
-        <p:nvPr/>
-      </p:nvGrpSpPr>
-      <p:grpSpPr>
-        <a:xfrm>
-          <a:off x="0" y="0"/>
-          <a:ext cx="0" cy="0"/>
-          <a:chOff x="0" y="0"/>
-          <a:chExt cx="0" cy="0"/>
-        </a:xfrm>
-      </p:grpSpPr>
-      <p:sp>
-        <p:nvSpPr>
-          <p:cNvPr id="9" name="Rectangle 8">
-            <a:extLst>
-              <a:ext uri="{FF2B5EF4-FFF2-40B4-BE49-F238E27FC236}">
-                <a16:creationId xmlns:a16="http://schemas.microsoft.com/office/drawing/2014/main" id="{F8FC36A5-E3F0-477D-8FCB-322F7C690CEA}"/>
-              </a:ext>
-            </a:extLst>
-          </p:cNvPr>
-          <p:cNvSpPr/>
-          <p:nvPr/>
-        </p:nvSpPr>
-        <p:spPr>
-          <a:xfrm>
-            <a:off x="0" y="0"/>
-            <a:ext cx="9144000" cy="6858000"/>
-          </a:xfrm>
-          <a:prstGeom prst="rect">
-            <a:avLst/>
-          </a:prstGeom>
-          <a:solidFill>
-            <a:srgbClr val="FFFFFF"/>
-          </a:solidFill>
-          <a:ln>
-            <a:noFill/>
-          </a:ln>
-        </p:spPr>
-        <p:style>
-          <a:lnRef idx="2">
-            <a:schemeClr val="accent1">
-              <a:shade val="50000"/>
-            </a:schemeClr>
-          </a:lnRef>
-          <a:fillRef idx="1">
-            <a:schemeClr val="accent1"/>
-          </a:fillRef>
-          <a:effectRef idx="0">
-            <a:schemeClr val="accent1"/>
-          </a:effectRef>
-          <a:fontRef idx="minor">
-            <a:schemeClr val="lt1"/>
-          </a:fontRef>
-        </p:style>
-        <p:txBody>
-          <a:bodyPr rtlCol="0" anchor="ctr"/>
-          <a:lstStyle/>
-          <a:p>
-            <a:pPr algn="ctr"/>
-            <a:endParaRPr lang="en-GB"/>
-          </a:p>
-        </p:txBody>
-      </p:sp>
-      <p:grpSp>
-        <p:nvGrpSpPr>
-          <p:cNvPr id="2" name="Group 1">
-            <a:extLst>
-              <a:ext uri="{FF2B5EF4-FFF2-40B4-BE49-F238E27FC236}">
-                <a16:creationId xmlns:a16="http://schemas.microsoft.com/office/drawing/2014/main" id="{D26461D4-BE28-4156-93F2-CB67E0998D73}"/>
-              </a:ext>
-            </a:extLst>
-          </p:cNvPr>
-          <p:cNvGrpSpPr/>
-          <p:nvPr/>
-        </p:nvGrpSpPr>
-        <p:grpSpPr>
-          <a:xfrm>
-            <a:off x="587022" y="-3879"/>
-            <a:ext cx="7969956" cy="6861879"/>
-            <a:chOff x="587022" y="-3879"/>
-            <a:chExt cx="7969956" cy="6861879"/>
-          </a:xfrm>
-        </p:grpSpPr>
-        <p:pic>
-          <p:nvPicPr>
-            <p:cNvPr id="6" name="Picture 5">
-              <a:extLst>
-                <a:ext uri="{FF2B5EF4-FFF2-40B4-BE49-F238E27FC236}">
-                  <a16:creationId xmlns:a16="http://schemas.microsoft.com/office/drawing/2014/main" id="{550EC95E-DE0B-48CC-8351-0C8C787B0097}"/>
-                </a:ext>
-              </a:extLst>
-            </p:cNvPr>
-            <p:cNvPicPr>
-              <a:picLocks noChangeAspect="1"/>
-            </p:cNvPicPr>
-            <p:nvPr/>
-          </p:nvPicPr>
-          <p:blipFill rotWithShape="1">
-            <a:blip r:embed="rId2">
-              <a:extLst>
-                <a:ext uri="{28A0092B-C50C-407E-A947-70E740481C1C}">
-                  <a14:useLocalDpi xmlns:a14="http://schemas.microsoft.com/office/drawing/2010/main" val="0"/>
-                </a:ext>
-              </a:extLst>
-            </a:blip>
-            <a:srcRect l="42819" t="2950" r="908"/>
-            <a:stretch/>
-          </p:blipFill>
-          <p:spPr>
-            <a:xfrm>
-              <a:off x="587022" y="-3879"/>
-              <a:ext cx="7969956" cy="6861879"/>
-            </a:xfrm>
-            <a:prstGeom prst="rect">
-              <a:avLst/>
-            </a:prstGeom>
-          </p:spPr>
-        </p:pic>
-        <p:pic>
-          <p:nvPicPr>
-            <p:cNvPr id="10" name="Picture 9">
-              <a:extLst>
-                <a:ext uri="{FF2B5EF4-FFF2-40B4-BE49-F238E27FC236}">
-                  <a16:creationId xmlns:a16="http://schemas.microsoft.com/office/drawing/2014/main" id="{3B7C6597-CAA5-4A7C-A1EC-D9C8083F5FAB}"/>
-                </a:ext>
-              </a:extLst>
-            </p:cNvPr>
-            <p:cNvPicPr>
-              <a:picLocks noChangeAspect="1"/>
-            </p:cNvPicPr>
-            <p:nvPr/>
-          </p:nvPicPr>
-          <p:blipFill rotWithShape="1">
-            <a:blip r:embed="rId2">
-              <a:extLst>
-                <a:ext uri="{28A0092B-C50C-407E-A947-70E740481C1C}">
-                  <a14:useLocalDpi xmlns:a14="http://schemas.microsoft.com/office/drawing/2010/main" val="0"/>
-                </a:ext>
-              </a:extLst>
-            </a:blip>
-            <a:srcRect l="53939" t="32883" r="45264" b="61529"/>
-            <a:stretch/>
-          </p:blipFill>
-          <p:spPr>
-            <a:xfrm>
-              <a:off x="2166937" y="2461088"/>
-              <a:ext cx="112890" cy="395111"/>
-            </a:xfrm>
-            <a:prstGeom prst="rect">
-              <a:avLst/>
-            </a:prstGeom>
-          </p:spPr>
-        </p:pic>
-      </p:grpSp>
-      <p:sp>
-        <p:nvSpPr>
-          <p:cNvPr id="3" name="Rectangle: Rounded Corners 2">
-            <a:extLst>
-              <a:ext uri="{FF2B5EF4-FFF2-40B4-BE49-F238E27FC236}">
-                <a16:creationId xmlns:a16="http://schemas.microsoft.com/office/drawing/2014/main" id="{FED85171-94B3-4DB4-AD62-C9A5D4912A5F}"/>
-              </a:ext>
-            </a:extLst>
-          </p:cNvPr>
-          <p:cNvSpPr/>
-          <p:nvPr/>
-        </p:nvSpPr>
-        <p:spPr>
-          <a:xfrm>
-            <a:off x="1207382" y="2359377"/>
-            <a:ext cx="1230489" cy="598311"/>
-          </a:xfrm>
-          <a:prstGeom prst="roundRect">
-            <a:avLst/>
-          </a:prstGeom>
-          <a:noFill/>
-          <a:ln w="76200">
-            <a:solidFill>
-              <a:srgbClr val="FF0000"/>
-            </a:solidFill>
-          </a:ln>
-        </p:spPr>
-        <p:style>
-          <a:lnRef idx="2">
-            <a:schemeClr val="accent1">
-              <a:shade val="50000"/>
-            </a:schemeClr>
-          </a:lnRef>
-          <a:fillRef idx="1">
-            <a:schemeClr val="accent1"/>
-          </a:fillRef>
-          <a:effectRef idx="0">
-            <a:schemeClr val="accent1"/>
-          </a:effectRef>
-          <a:fontRef idx="minor">
-            <a:schemeClr val="lt1"/>
-          </a:fontRef>
-        </p:style>
-        <p:txBody>
-          <a:bodyPr rtlCol="0" anchor="ctr"/>
-          <a:lstStyle/>
-          <a:p>
-            <a:pPr algn="ctr"/>
-            <a:endParaRPr lang="en-GB"/>
-          </a:p>
-        </p:txBody>
-      </p:sp>
-      <p:sp>
-        <p:nvSpPr>
-          <p:cNvPr id="11" name="Rectangle: Rounded Corners 10">
-            <a:extLst>
-              <a:ext uri="{FF2B5EF4-FFF2-40B4-BE49-F238E27FC236}">
-                <a16:creationId xmlns:a16="http://schemas.microsoft.com/office/drawing/2014/main" id="{CDA81A01-3F4F-4E00-A287-6DBF2D551446}"/>
-              </a:ext>
-            </a:extLst>
-          </p:cNvPr>
-          <p:cNvSpPr/>
-          <p:nvPr/>
-        </p:nvSpPr>
-        <p:spPr>
-          <a:xfrm>
-            <a:off x="3696582" y="1236133"/>
-            <a:ext cx="1230489" cy="598311"/>
-          </a:xfrm>
-          <a:prstGeom prst="roundRect">
-            <a:avLst/>
-          </a:prstGeom>
-          <a:noFill/>
-          <a:ln w="76200">
-            <a:solidFill>
-              <a:srgbClr val="FF0000"/>
-            </a:solidFill>
-          </a:ln>
-        </p:spPr>
-        <p:style>
-          <a:lnRef idx="2">
-            <a:schemeClr val="accent1">
-              <a:shade val="50000"/>
-            </a:schemeClr>
-          </a:lnRef>
-          <a:fillRef idx="1">
-            <a:schemeClr val="accent1"/>
-          </a:fillRef>
-          <a:effectRef idx="0">
-            <a:schemeClr val="accent1"/>
-          </a:effectRef>
-          <a:fontRef idx="minor">
-            <a:schemeClr val="lt1"/>
-          </a:fontRef>
-        </p:style>
-        <p:txBody>
-          <a:bodyPr rtlCol="0" anchor="ctr"/>
-          <a:lstStyle/>
-          <a:p>
-            <a:pPr algn="ctr"/>
-            <a:endParaRPr lang="en-GB"/>
-          </a:p>
-        </p:txBody>
-      </p:sp>
-    </p:spTree>
-    <p:extLst>
-      <p:ext uri="{BB962C8B-B14F-4D97-AF65-F5344CB8AC3E}">
-        <p14:creationId xmlns:p14="http://schemas.microsoft.com/office/powerpoint/2010/main" val="2930698846"/>
-      </p:ext>
-    </p:extLst>
-  </p:cSld>
-  <p:clrMapOvr>
-    <a:masterClrMapping/>
-  </p:clrMapOvr>
-  <p:timing>
-    <p:tnLst>
-      <p:par>
-        <p:cTn id="1" dur="indefinite" restart="never" nodeType="tmRoot">
-          <p:childTnLst>
-            <p:seq concurrent="1" nextAc="seek">
-              <p:cTn id="2" dur="indefinite" nodeType="mainSeq">
-                <p:childTnLst>
-                  <p:par>
-                    <p:cTn id="3" fill="hold">
-                      <p:stCondLst>
-                        <p:cond delay="indefinite"/>
-                      </p:stCondLst>
-                      <p:childTnLst>
-                        <p:par>
-                          <p:cTn id="4" fill="hold">
-                            <p:stCondLst>
-                              <p:cond delay="0"/>
-                            </p:stCondLst>
-                            <p:childTnLst>
-                              <p:par>
-                                <p:cTn id="5" presetID="10" presetClass="entr" presetSubtype="0" fill="hold" grpId="0" nodeType="clickEffect">
-                                  <p:stCondLst>
-                                    <p:cond delay="0"/>
-                                  </p:stCondLst>
-                                  <p:childTnLst>
-                                    <p:set>
-                                      <p:cBhvr>
-                                        <p:cTn id="6" dur="1" fill="hold">
-                                          <p:stCondLst>
-                                            <p:cond delay="0"/>
-                                          </p:stCondLst>
-                                        </p:cTn>
-                                        <p:tgtEl>
-                                          <p:spTgt spid="3"/>
-                                        </p:tgtEl>
-                                        <p:attrNameLst>
-                                          <p:attrName>style.visibility</p:attrName>
-                                        </p:attrNameLst>
-                                      </p:cBhvr>
-                                      <p:to>
-                                        <p:strVal val="visible"/>
-                                      </p:to>
-                                    </p:set>
-                                    <p:animEffect transition="in" filter="fade">
-                                      <p:cBhvr>
-                                        <p:cTn id="7" dur="500"/>
-                                        <p:tgtEl>
-                                          <p:spTgt spid="3"/>
-                                        </p:tgtEl>
-                                      </p:cBhvr>
-                                    </p:animEffect>
-                                  </p:childTnLst>
-                                </p:cTn>
-                              </p:par>
-                            </p:childTnLst>
-                          </p:cTn>
-                        </p:par>
-                      </p:childTnLst>
-                    </p:cTn>
-                  </p:par>
-                  <p:par>
-                    <p:cTn id="8" fill="hold">
-                      <p:stCondLst>
-                        <p:cond delay="indefinite"/>
-                      </p:stCondLst>
-                      <p:childTnLst>
-                        <p:par>
-                          <p:cTn id="9" fill="hold">
-                            <p:stCondLst>
-                              <p:cond delay="0"/>
-                            </p:stCondLst>
-                            <p:childTnLst>
-                              <p:par>
-                                <p:cTn id="10" presetID="10" presetClass="entr" presetSubtype="0" fill="hold" grpId="0" nodeType="clickEffect">
-                                  <p:stCondLst>
-                                    <p:cond delay="0"/>
-                                  </p:stCondLst>
-                                  <p:childTnLst>
-                                    <p:set>
-                                      <p:cBhvr>
-                                        <p:cTn id="11" dur="1" fill="hold">
-                                          <p:stCondLst>
-                                            <p:cond delay="0"/>
-                                          </p:stCondLst>
-                                        </p:cTn>
-                                        <p:tgtEl>
-                                          <p:spTgt spid="11"/>
-                                        </p:tgtEl>
-                                        <p:attrNameLst>
-                                          <p:attrName>style.visibility</p:attrName>
-                                        </p:attrNameLst>
-                                      </p:cBhvr>
-                                      <p:to>
-                                        <p:strVal val="visible"/>
-                                      </p:to>
-                                    </p:set>
-                                    <p:animEffect transition="in" filter="fade">
-                                      <p:cBhvr>
-                                        <p:cTn id="12" dur="500"/>
-                                        <p:tgtEl>
-                                          <p:spTgt spid="11"/>
-                                        </p:tgtEl>
-                                      </p:cBhvr>
-                                    </p:animEffect>
-                                  </p:childTnLst>
-                                </p:cTn>
-                              </p:par>
-                            </p:childTnLst>
-                          </p:cTn>
-                        </p:par>
-                      </p:childTnLst>
-                    </p:cTn>
-                  </p:par>
-                </p:childTnLst>
-              </p:cTn>
-              <p:prevCondLst>
-                <p:cond evt="onPrev" delay="0">
-                  <p:tgtEl>
-                    <p:sldTgt/>
-                  </p:tgtEl>
-                </p:cond>
-              </p:prevCondLst>
-              <p:nextCondLst>
-                <p:cond evt="onNext" delay="0">
-                  <p:tgtEl>
-                    <p:sldTgt/>
-                  </p:tgtEl>
-                </p:cond>
-              </p:nextCondLst>
-            </p:seq>
-          </p:childTnLst>
-        </p:cTn>
-      </p:par>
-    </p:tnLst>
-    <p:bldLst>
-      <p:bldP spid="3" grpId="0" animBg="1"/>
-      <p:bldP spid="11" grpId="0" animBg="1"/>
-    </p:bldLst>
-  </p:timing>
-</p:sld>
-</file>
-
-<file path=ppt/slides/slide13.xml><?xml version="1.0" encoding="utf-8"?>
-<p:sld xmlns:a="http://schemas.openxmlformats.org/drawingml/2006/main" xmlns:r="http://schemas.openxmlformats.org/officeDocument/2006/relationships" xmlns:p="http://schemas.openxmlformats.org/presentationml/2006/main">
-  <p:cSld>
-    <p:spTree>
-      <p:nvGrpSpPr>
-        <p:cNvPr id="1" name=""/>
-        <p:cNvGrpSpPr/>
-        <p:nvPr/>
-      </p:nvGrpSpPr>
-      <p:grpSpPr>
-        <a:xfrm>
-          <a:off x="0" y="0"/>
-          <a:ext cx="0" cy="0"/>
-          <a:chOff x="0" y="0"/>
-          <a:chExt cx="0" cy="0"/>
-        </a:xfrm>
-      </p:grpSpPr>
-      <p:sp>
-        <p:nvSpPr>
-          <p:cNvPr id="2" name="Title 1">
-            <a:extLst>
-              <a:ext uri="{FF2B5EF4-FFF2-40B4-BE49-F238E27FC236}">
-                <a16:creationId xmlns:a16="http://schemas.microsoft.com/office/drawing/2014/main" id="{7451973F-008B-4E81-8256-FE8684C4F4CD}"/>
-              </a:ext>
-            </a:extLst>
-          </p:cNvPr>
-          <p:cNvSpPr>
-            <a:spLocks noGrp="1"/>
-          </p:cNvSpPr>
-          <p:nvPr>
-            <p:ph type="title"/>
-          </p:nvPr>
-        </p:nvSpPr>
-        <p:spPr/>
-        <p:txBody>
-          <a:bodyPr/>
-          <a:lstStyle/>
-          <a:p>
-            <a:r>
-              <a:rPr lang="en-GB" dirty="0"/>
-              <a:t>Timeline Caution !</a:t>
-            </a:r>
-          </a:p>
-        </p:txBody>
-      </p:sp>
-      <p:sp>
-        <p:nvSpPr>
-          <p:cNvPr id="3" name="Content Placeholder 2">
-            <a:extLst>
-              <a:ext uri="{FF2B5EF4-FFF2-40B4-BE49-F238E27FC236}">
-                <a16:creationId xmlns:a16="http://schemas.microsoft.com/office/drawing/2014/main" id="{BC4D1F94-396E-4C69-A540-9959D1BEACBE}"/>
-              </a:ext>
-            </a:extLst>
-          </p:cNvPr>
-          <p:cNvSpPr>
-            <a:spLocks noGrp="1"/>
-          </p:cNvSpPr>
-          <p:nvPr>
-            <p:ph idx="1"/>
-          </p:nvPr>
-        </p:nvSpPr>
-        <p:spPr/>
-        <p:txBody>
-          <a:bodyPr/>
-          <a:lstStyle/>
-          <a:p>
-            <a:r>
-              <a:rPr lang="en-GB" dirty="0"/>
-              <a:t>Be careful when viewing the project timeline…</a:t>
-            </a:r>
-          </a:p>
-          <a:p>
-            <a:r>
-              <a:rPr lang="en-GB" dirty="0"/>
-              <a:t>It’s really easy to accidently drag activities around</a:t>
-            </a:r>
-          </a:p>
-          <a:p>
-            <a:r>
-              <a:rPr lang="en-GB" dirty="0"/>
-              <a:t>It’s wise to screenshot your timeline occasionally</a:t>
-            </a:r>
-          </a:p>
-          <a:p>
-            <a:pPr marL="0" indent="0">
-              <a:buNone/>
-            </a:pPr>
-            <a:r>
-              <a:rPr lang="en-GB" dirty="0"/>
-              <a:t>  (in case you mess it up, or something goes wrong)</a:t>
-            </a:r>
-          </a:p>
-          <a:p>
-            <a:endParaRPr lang="en-GB" dirty="0"/>
-          </a:p>
-        </p:txBody>
-      </p:sp>
-    </p:spTree>
-    <p:extLst>
-      <p:ext uri="{BB962C8B-B14F-4D97-AF65-F5344CB8AC3E}">
-        <p14:creationId xmlns:p14="http://schemas.microsoft.com/office/powerpoint/2010/main" val="3442110644"/>
-      </p:ext>
-    </p:extLst>
-  </p:cSld>
-  <p:clrMapOvr>
-    <a:masterClrMapping/>
-  </p:clrMapOvr>
-</p:sld>
-</file>
-
-<file path=ppt/slides/slide14.xml><?xml version="1.0" encoding="utf-8"?>
-<p:sld xmlns:a="http://schemas.openxmlformats.org/drawingml/2006/main" xmlns:r="http://schemas.openxmlformats.org/officeDocument/2006/relationships" xmlns:p="http://schemas.openxmlformats.org/presentationml/2006/main">
-  <p:cSld>
-    <p:spTree>
-      <p:nvGrpSpPr>
-        <p:cNvPr id="1" name=""/>
-        <p:cNvGrpSpPr/>
-        <p:nvPr/>
-      </p:nvGrpSpPr>
-      <p:grpSpPr>
-        <a:xfrm>
-          <a:off x="0" y="0"/>
-          <a:ext cx="0" cy="0"/>
-          <a:chOff x="0" y="0"/>
-          <a:chExt cx="0" cy="0"/>
-        </a:xfrm>
-      </p:grpSpPr>
-      <p:sp>
-        <p:nvSpPr>
-          <p:cNvPr id="2" name="Title 1">
-            <a:extLst>
-              <a:ext uri="{FF2B5EF4-FFF2-40B4-BE49-F238E27FC236}">
-                <a16:creationId xmlns:a16="http://schemas.microsoft.com/office/drawing/2014/main" id="{C298B2E8-9411-4B03-8BC9-D68C9E19A63A}"/>
-              </a:ext>
-            </a:extLst>
-          </p:cNvPr>
-          <p:cNvSpPr>
-            <a:spLocks noGrp="1"/>
-          </p:cNvSpPr>
-          <p:nvPr>
-            <p:ph type="title"/>
-          </p:nvPr>
-        </p:nvSpPr>
-        <p:spPr/>
-        <p:txBody>
-          <a:bodyPr/>
-          <a:lstStyle/>
-          <a:p>
-            <a:r>
-              <a:rPr lang="en-GB" dirty="0"/>
-              <a:t>Recording Meetings</a:t>
-            </a:r>
-          </a:p>
-        </p:txBody>
-      </p:sp>
-      <p:sp>
-        <p:nvSpPr>
-          <p:cNvPr id="3" name="Content Placeholder 2">
-            <a:extLst>
-              <a:ext uri="{FF2B5EF4-FFF2-40B4-BE49-F238E27FC236}">
-                <a16:creationId xmlns:a16="http://schemas.microsoft.com/office/drawing/2014/main" id="{2014EBEE-E562-4A1D-A222-5A73CAB546F9}"/>
-              </a:ext>
-            </a:extLst>
-          </p:cNvPr>
-          <p:cNvSpPr>
-            <a:spLocks noGrp="1"/>
-          </p:cNvSpPr>
-          <p:nvPr>
-            <p:ph idx="1"/>
-          </p:nvPr>
-        </p:nvSpPr>
-        <p:spPr/>
-        <p:txBody>
-          <a:bodyPr/>
-          <a:lstStyle/>
-          <a:p>
-            <a:r>
-              <a:rPr lang="en-GB" dirty="0"/>
-              <a:t>You should record all meetings (both internal group meetings and external client meetings).</a:t>
-            </a:r>
-          </a:p>
-          <a:p>
-            <a:r>
-              <a:rPr lang="en-GB" dirty="0"/>
-              <a:t>Be sure to capture the following information:</a:t>
-            </a:r>
-          </a:p>
-          <a:p>
-            <a:pPr lvl="0"/>
-            <a:r>
-              <a:rPr lang="en-GB" dirty="0"/>
-              <a:t>Invitees – Who was supposed to attend meeting (from the development team)</a:t>
-            </a:r>
-          </a:p>
-          <a:p>
-            <a:pPr lvl="0"/>
-            <a:r>
-              <a:rPr lang="en-GB" dirty="0"/>
-              <a:t>Attendees – Who did actually attend the meeting</a:t>
-            </a:r>
-          </a:p>
-          <a:p>
-            <a:pPr lvl="0"/>
-            <a:r>
-              <a:rPr lang="en-GB" dirty="0"/>
-              <a:t>Agenda – A very brief overview of what the meeting is intended to be about</a:t>
-            </a:r>
-          </a:p>
-          <a:p>
-            <a:pPr lvl="0"/>
-            <a:r>
-              <a:rPr lang="en-GB" dirty="0"/>
-              <a:t>Minutes – Any major decisions or actions arising from the meeting (a bullet-point list is fine !)</a:t>
-            </a:r>
-          </a:p>
-        </p:txBody>
-      </p:sp>
-    </p:spTree>
-    <p:extLst>
-      <p:ext uri="{BB962C8B-B14F-4D97-AF65-F5344CB8AC3E}">
-        <p14:creationId xmlns:p14="http://schemas.microsoft.com/office/powerpoint/2010/main" val="3416618182"/>
-      </p:ext>
-    </p:extLst>
-  </p:cSld>
-  <p:clrMapOvr>
-    <a:masterClrMapping/>
-  </p:clrMapOvr>
-</p:sld>
-</file>
-
-<file path=ppt/slides/slide15.xml><?xml version="1.0" encoding="utf-8"?>
-<p:sld xmlns:a="http://schemas.openxmlformats.org/drawingml/2006/main" xmlns:r="http://schemas.openxmlformats.org/officeDocument/2006/relationships" xmlns:p="http://schemas.openxmlformats.org/presentationml/2006/main">
-  <p:cSld>
-    <p:spTree>
-      <p:nvGrpSpPr>
-        <p:cNvPr id="1" name=""/>
-        <p:cNvGrpSpPr/>
-        <p:nvPr/>
-      </p:nvGrpSpPr>
-      <p:grpSpPr>
-        <a:xfrm>
-          <a:off x="0" y="0"/>
-          <a:ext cx="0" cy="0"/>
-          <a:chOff x="0" y="0"/>
-          <a:chExt cx="0" cy="0"/>
-        </a:xfrm>
-      </p:grpSpPr>
-      <p:sp>
-        <p:nvSpPr>
-          <p:cNvPr id="2" name="Title 1">
-            <a:extLst>
-              <a:ext uri="{FF2B5EF4-FFF2-40B4-BE49-F238E27FC236}">
-                <a16:creationId xmlns:a16="http://schemas.microsoft.com/office/drawing/2014/main" id="{D0078592-9349-4E27-833F-43323C164ABD}"/>
-              </a:ext>
-            </a:extLst>
-          </p:cNvPr>
-          <p:cNvSpPr>
-            <a:spLocks noGrp="1"/>
-          </p:cNvSpPr>
-          <p:nvPr>
-            <p:ph type="title"/>
-          </p:nvPr>
-        </p:nvSpPr>
-        <p:spPr/>
-        <p:txBody>
-          <a:bodyPr/>
-          <a:lstStyle/>
-          <a:p>
-            <a:endParaRPr lang="en-GB"/>
-          </a:p>
-        </p:txBody>
-      </p:sp>
-      <p:pic>
-        <p:nvPicPr>
-          <p:cNvPr id="7" name="Content Placeholder 6">
-            <a:extLst>
-              <a:ext uri="{FF2B5EF4-FFF2-40B4-BE49-F238E27FC236}">
-                <a16:creationId xmlns:a16="http://schemas.microsoft.com/office/drawing/2014/main" id="{B7132E55-B684-4A9E-96BE-D29AE4434CF5}"/>
-              </a:ext>
-            </a:extLst>
-          </p:cNvPr>
-          <p:cNvPicPr>
-            <a:picLocks noGrp="1" noChangeAspect="1"/>
-          </p:cNvPicPr>
-          <p:nvPr>
-            <p:ph idx="1"/>
-          </p:nvPr>
-        </p:nvPicPr>
-        <p:blipFill rotWithShape="1">
-          <a:blip r:embed="rId2">
-            <a:extLst>
-              <a:ext uri="{28A0092B-C50C-407E-A947-70E740481C1C}">
-                <a14:useLocalDpi xmlns:a14="http://schemas.microsoft.com/office/drawing/2010/main" val="0"/>
-              </a:ext>
-            </a:extLst>
-          </a:blip>
-          <a:srcRect r="2869"/>
-          <a:stretch/>
-        </p:blipFill>
-        <p:spPr>
-          <a:xfrm>
-            <a:off x="-4110" y="0"/>
-            <a:ext cx="9148110" cy="6858000"/>
-          </a:xfrm>
-        </p:spPr>
-      </p:pic>
-    </p:spTree>
-    <p:extLst>
-      <p:ext uri="{BB962C8B-B14F-4D97-AF65-F5344CB8AC3E}">
-        <p14:creationId xmlns:p14="http://schemas.microsoft.com/office/powerpoint/2010/main" val="2746443898"/>
-      </p:ext>
-    </p:extLst>
-  </p:cSld>
-  <p:clrMapOvr>
-    <a:masterClrMapping/>
-  </p:clrMapOvr>
-</p:sld>
-</file>
-
-<file path=ppt/slides/slide16.xml><?xml version="1.0" encoding="utf-8"?>
-<p:sld xmlns:a="http://schemas.openxmlformats.org/drawingml/2006/main" xmlns:r="http://schemas.openxmlformats.org/officeDocument/2006/relationships" xmlns:p="http://schemas.openxmlformats.org/presentationml/2006/main">
-  <p:cSld>
-    <p:spTree>
-      <p:nvGrpSpPr>
-        <p:cNvPr id="1" name=""/>
-        <p:cNvGrpSpPr/>
-        <p:nvPr/>
-      </p:nvGrpSpPr>
-      <p:grpSpPr>
-        <a:xfrm>
-          <a:off x="0" y="0"/>
-          <a:ext cx="0" cy="0"/>
-          <a:chOff x="0" y="0"/>
-          <a:chExt cx="0" cy="0"/>
-        </a:xfrm>
-      </p:grpSpPr>
-      <p:sp>
-        <p:nvSpPr>
-          <p:cNvPr id="2" name="Title 1">
-            <a:extLst>
-              <a:ext uri="{FF2B5EF4-FFF2-40B4-BE49-F238E27FC236}">
-                <a16:creationId xmlns:a16="http://schemas.microsoft.com/office/drawing/2014/main" id="{41285EF1-563E-4545-98BB-68ED52AAD729}"/>
-              </a:ext>
-            </a:extLst>
-          </p:cNvPr>
-          <p:cNvSpPr>
-            <a:spLocks noGrp="1"/>
-          </p:cNvSpPr>
-          <p:nvPr>
-            <p:ph type="title"/>
-          </p:nvPr>
-        </p:nvSpPr>
-        <p:spPr/>
-        <p:txBody>
-          <a:bodyPr/>
-          <a:lstStyle/>
-          <a:p>
-            <a:r>
-              <a:rPr lang="en-GB" dirty="0"/>
-              <a:t>Work Repository</a:t>
-            </a:r>
-          </a:p>
-        </p:txBody>
-      </p:sp>
-      <p:sp>
-        <p:nvSpPr>
-          <p:cNvPr id="3" name="Content Placeholder 2">
-            <a:extLst>
-              <a:ext uri="{FF2B5EF4-FFF2-40B4-BE49-F238E27FC236}">
-                <a16:creationId xmlns:a16="http://schemas.microsoft.com/office/drawing/2014/main" id="{C5347BC3-1FC3-413D-B9BA-6B27208C0394}"/>
-              </a:ext>
-            </a:extLst>
-          </p:cNvPr>
-          <p:cNvSpPr>
-            <a:spLocks noGrp="1"/>
-          </p:cNvSpPr>
-          <p:nvPr>
-            <p:ph idx="1"/>
-          </p:nvPr>
-        </p:nvSpPr>
-        <p:spPr/>
-        <p:txBody>
-          <a:bodyPr/>
-          <a:lstStyle/>
-          <a:p>
-            <a:r>
-              <a:rPr lang="en-GB" dirty="0"/>
-              <a:t>Outputs (code &amp; docs) must be version controlled</a:t>
-            </a:r>
-          </a:p>
-          <a:p>
-            <a:r>
-              <a:rPr lang="en-GB" dirty="0"/>
-              <a:t>This will support sharing and group collaboration</a:t>
-            </a:r>
-          </a:p>
-          <a:p>
-            <a:r>
-              <a:rPr lang="en-GB" dirty="0"/>
-              <a:t>Dan and I will also be able to track progress !</a:t>
-            </a:r>
-          </a:p>
-          <a:p>
-            <a:endParaRPr lang="en-GB" dirty="0"/>
-          </a:p>
-          <a:p>
-            <a:r>
-              <a:rPr lang="en-GB" dirty="0"/>
-              <a:t>Documents should be written in “Mark Down”</a:t>
-            </a:r>
-          </a:p>
-          <a:p>
-            <a:r>
-              <a:rPr lang="en-GB" dirty="0"/>
-              <a:t>Use a different file for each section of the doc</a:t>
-            </a:r>
-          </a:p>
-          <a:p>
-            <a:r>
-              <a:rPr lang="en-GB" dirty="0"/>
-              <a:t>This will help collaboration and change tracking</a:t>
-            </a:r>
-          </a:p>
-          <a:p>
-            <a:endParaRPr lang="en-GB" dirty="0"/>
-          </a:p>
-          <a:p>
-            <a:r>
-              <a:rPr lang="en-GB" dirty="0"/>
-              <a:t>Your chosen repo must support GIT or Subversion</a:t>
-            </a:r>
-          </a:p>
-          <a:p>
-            <a:r>
-              <a:rPr lang="en-GB" dirty="0"/>
-              <a:t>This allows it to be registered within OP…</a:t>
-            </a:r>
-          </a:p>
-        </p:txBody>
-      </p:sp>
-    </p:spTree>
-    <p:extLst>
-      <p:ext uri="{BB962C8B-B14F-4D97-AF65-F5344CB8AC3E}">
-        <p14:creationId xmlns:p14="http://schemas.microsoft.com/office/powerpoint/2010/main" val="3613881702"/>
-      </p:ext>
-    </p:extLst>
-  </p:cSld>
-  <p:clrMapOvr>
-    <a:masterClrMapping/>
-  </p:clrMapOvr>
-</p:sld>
-</file>
-
-<file path=ppt/slides/slide17.xml><?xml version="1.0" encoding="utf-8"?>
-<p:sld xmlns:a="http://schemas.openxmlformats.org/drawingml/2006/main" xmlns:r="http://schemas.openxmlformats.org/officeDocument/2006/relationships" xmlns:p="http://schemas.openxmlformats.org/presentationml/2006/main">
-  <p:cSld>
-    <p:bg>
-      <p:bgPr>
-        <a:solidFill>
-          <a:schemeClr val="bg1"/>
-        </a:solidFill>
-        <a:effectLst/>
-      </p:bgPr>
-    </p:bg>
-    <p:spTree>
-      <p:nvGrpSpPr>
-        <p:cNvPr id="1" name=""/>
-        <p:cNvGrpSpPr/>
-        <p:nvPr/>
-      </p:nvGrpSpPr>
-      <p:grpSpPr>
-        <a:xfrm>
-          <a:off x="0" y="0"/>
-          <a:ext cx="0" cy="0"/>
-          <a:chOff x="0" y="0"/>
-          <a:chExt cx="0" cy="0"/>
-        </a:xfrm>
-      </p:grpSpPr>
-      <p:pic>
-        <p:nvPicPr>
-          <p:cNvPr id="2" name="Picture 1">
-            <a:extLst>
-              <a:ext uri="{FF2B5EF4-FFF2-40B4-BE49-F238E27FC236}">
-                <a16:creationId xmlns:a16="http://schemas.microsoft.com/office/drawing/2014/main" id="{4FEE0B04-C4A3-498E-AC25-EBA354062051}"/>
-              </a:ext>
-            </a:extLst>
-          </p:cNvPr>
-          <p:cNvPicPr>
-            <a:picLocks noChangeAspect="1"/>
-          </p:cNvPicPr>
-          <p:nvPr/>
-        </p:nvPicPr>
-        <p:blipFill>
-          <a:blip r:embed="rId2"/>
-          <a:stretch>
-            <a:fillRect/>
-          </a:stretch>
-        </p:blipFill>
-        <p:spPr>
-          <a:xfrm>
-            <a:off x="135996" y="328965"/>
-            <a:ext cx="8844542" cy="6004102"/>
-          </a:xfrm>
-          <a:prstGeom prst="rect">
-            <a:avLst/>
-          </a:prstGeom>
-        </p:spPr>
-      </p:pic>
-      <p:sp>
-        <p:nvSpPr>
-          <p:cNvPr id="3" name="TextBox 2">
-            <a:extLst>
-              <a:ext uri="{FF2B5EF4-FFF2-40B4-BE49-F238E27FC236}">
-                <a16:creationId xmlns:a16="http://schemas.microsoft.com/office/drawing/2014/main" id="{89B2F125-D08B-446A-85FA-2F5E7AD41554}"/>
-              </a:ext>
-            </a:extLst>
-          </p:cNvPr>
-          <p:cNvSpPr txBox="1"/>
-          <p:nvPr/>
-        </p:nvSpPr>
-        <p:spPr>
-          <a:xfrm>
-            <a:off x="4558267" y="3129801"/>
-            <a:ext cx="3379451" cy="830997"/>
-          </a:xfrm>
-          <a:prstGeom prst="rect">
-            <a:avLst/>
-          </a:prstGeom>
-          <a:noFill/>
-        </p:spPr>
-        <p:txBody>
-          <a:bodyPr wrap="none" rtlCol="0">
-            <a:spAutoFit/>
-          </a:bodyPr>
-          <a:lstStyle/>
-          <a:p>
-            <a:r>
-              <a:rPr lang="en-GB" sz="2400" dirty="0"/>
-              <a:t>Git for public repos</a:t>
-            </a:r>
-          </a:p>
-          <a:p>
-            <a:r>
-              <a:rPr lang="en-GB" sz="2400" dirty="0"/>
-              <a:t>Subversion for private</a:t>
-            </a:r>
-          </a:p>
-        </p:txBody>
-      </p:sp>
-    </p:spTree>
-    <p:extLst>
-      <p:ext uri="{BB962C8B-B14F-4D97-AF65-F5344CB8AC3E}">
-        <p14:creationId xmlns:p14="http://schemas.microsoft.com/office/powerpoint/2010/main" val="3720553757"/>
-      </p:ext>
-    </p:extLst>
-  </p:cSld>
-  <p:clrMapOvr>
-    <a:masterClrMapping/>
-  </p:clrMapOvr>
-</p:sld>
-</file>
-
-<file path=ppt/slides/slide18.xml><?xml version="1.0" encoding="utf-8"?>
-<p:sld xmlns:a="http://schemas.openxmlformats.org/drawingml/2006/main" xmlns:r="http://schemas.openxmlformats.org/officeDocument/2006/relationships" xmlns:p="http://schemas.openxmlformats.org/presentationml/2006/main">
-  <p:cSld>
-    <p:bg>
-      <p:bgPr>
-        <a:solidFill>
-          <a:schemeClr val="bg1"/>
-        </a:solidFill>
-        <a:effectLst/>
-      </p:bgPr>
-    </p:bg>
-    <p:spTree>
-      <p:nvGrpSpPr>
-        <p:cNvPr id="1" name=""/>
-        <p:cNvGrpSpPr/>
-        <p:nvPr/>
-      </p:nvGrpSpPr>
-      <p:grpSpPr>
-        <a:xfrm>
-          <a:off x="0" y="0"/>
-          <a:ext cx="0" cy="0"/>
-          <a:chOff x="0" y="0"/>
-          <a:chExt cx="0" cy="0"/>
-        </a:xfrm>
-      </p:grpSpPr>
-      <p:pic>
-        <p:nvPicPr>
-          <p:cNvPr id="4" name="Picture 3">
-            <a:extLst>
-              <a:ext uri="{FF2B5EF4-FFF2-40B4-BE49-F238E27FC236}">
-                <a16:creationId xmlns:a16="http://schemas.microsoft.com/office/drawing/2014/main" id="{EC136A67-13EB-41A7-B51E-093695C7D383}"/>
-              </a:ext>
-            </a:extLst>
-          </p:cNvPr>
-          <p:cNvPicPr>
-            <a:picLocks noChangeAspect="1"/>
-          </p:cNvPicPr>
-          <p:nvPr/>
-        </p:nvPicPr>
-        <p:blipFill>
-          <a:blip r:embed="rId2"/>
-          <a:stretch>
-            <a:fillRect/>
-          </a:stretch>
-        </p:blipFill>
-        <p:spPr>
-          <a:xfrm>
-            <a:off x="283281" y="770819"/>
-            <a:ext cx="8658998" cy="3868914"/>
-          </a:xfrm>
-          <a:prstGeom prst="rect">
-            <a:avLst/>
-          </a:prstGeom>
-        </p:spPr>
-      </p:pic>
-    </p:spTree>
-    <p:extLst>
-      <p:ext uri="{BB962C8B-B14F-4D97-AF65-F5344CB8AC3E}">
-        <p14:creationId xmlns:p14="http://schemas.microsoft.com/office/powerpoint/2010/main" val="3810921265"/>
-      </p:ext>
-    </p:extLst>
-  </p:cSld>
-  <p:clrMapOvr>
-    <a:masterClrMapping/>
-  </p:clrMapOvr>
-</p:sld>
-</file>
-
-<file path=ppt/slides/slide19.xml><?xml version="1.0" encoding="utf-8"?>
-<p:sld xmlns:a="http://schemas.openxmlformats.org/drawingml/2006/main" xmlns:r="http://schemas.openxmlformats.org/officeDocument/2006/relationships" xmlns:p="http://schemas.openxmlformats.org/presentationml/2006/main">
-  <p:cSld>
-    <p:spTree>
-      <p:nvGrpSpPr>
-        <p:cNvPr id="1" name=""/>
-        <p:cNvGrpSpPr/>
-        <p:nvPr/>
-      </p:nvGrpSpPr>
-      <p:grpSpPr>
-        <a:xfrm>
-          <a:off x="0" y="0"/>
-          <a:ext cx="0" cy="0"/>
-          <a:chOff x="0" y="0"/>
-          <a:chExt cx="0" cy="0"/>
-        </a:xfrm>
-      </p:grpSpPr>
-      <p:sp>
-        <p:nvSpPr>
-          <p:cNvPr id="2" name="Title 1">
-            <a:extLst>
-              <a:ext uri="{FF2B5EF4-FFF2-40B4-BE49-F238E27FC236}">
-                <a16:creationId xmlns:a16="http://schemas.microsoft.com/office/drawing/2014/main" id="{A3503B53-D2A8-4783-9DFE-112AE5CC0D33}"/>
-              </a:ext>
-            </a:extLst>
-          </p:cNvPr>
-          <p:cNvSpPr>
-            <a:spLocks noGrp="1"/>
-          </p:cNvSpPr>
-          <p:nvPr>
-            <p:ph type="title"/>
-          </p:nvPr>
-        </p:nvSpPr>
-        <p:spPr/>
-        <p:txBody>
-          <a:bodyPr/>
-          <a:lstStyle/>
-          <a:p>
-            <a:r>
-              <a:rPr lang="en-GB" dirty="0"/>
-              <a:t>Change</a:t>
-            </a:r>
-          </a:p>
-        </p:txBody>
-      </p:sp>
-      <p:sp>
-        <p:nvSpPr>
-          <p:cNvPr id="3" name="Content Placeholder 2">
-            <a:extLst>
-              <a:ext uri="{FF2B5EF4-FFF2-40B4-BE49-F238E27FC236}">
-                <a16:creationId xmlns:a16="http://schemas.microsoft.com/office/drawing/2014/main" id="{A4C1ED28-EF29-47AF-B864-F12C1741F34F}"/>
-              </a:ext>
-            </a:extLst>
-          </p:cNvPr>
-          <p:cNvSpPr>
-            <a:spLocks noGrp="1"/>
-          </p:cNvSpPr>
-          <p:nvPr>
-            <p:ph idx="1"/>
-          </p:nvPr>
-        </p:nvSpPr>
-        <p:spPr/>
-        <p:txBody>
-          <a:bodyPr>
-            <a:normAutofit/>
-          </a:bodyPr>
-          <a:lstStyle/>
-          <a:p>
-            <a:r>
-              <a:rPr lang="en-GB" dirty="0"/>
-              <a:t>We don’t expect you to predict it all in week 1</a:t>
-            </a:r>
-          </a:p>
-          <a:p>
-            <a:r>
-              <a:rPr lang="en-GB" dirty="0"/>
-              <a:t>We do however expect you to update things in OP when they do become apparent</a:t>
-            </a:r>
-          </a:p>
-          <a:p>
-            <a:r>
-              <a:rPr lang="en-GB" dirty="0"/>
-              <a:t>Whole team should agree on significant changes</a:t>
-            </a:r>
-          </a:p>
-          <a:p>
-            <a:r>
-              <a:rPr lang="en-GB" dirty="0"/>
-              <a:t>Don’t just go in and hike up your effort hours !</a:t>
-            </a:r>
-          </a:p>
-        </p:txBody>
-      </p:sp>
-    </p:spTree>
-    <p:extLst>
-      <p:ext uri="{BB962C8B-B14F-4D97-AF65-F5344CB8AC3E}">
-        <p14:creationId xmlns:p14="http://schemas.microsoft.com/office/powerpoint/2010/main" val="3058422310"/>
-      </p:ext>
-    </p:extLst>
-  </p:cSld>
-  <p:clrMapOvr>
-    <a:masterClrMapping/>
-  </p:clrMapOvr>
-</p:sld>
-</file>
-
-<file path=ppt/slides/slide2.xml><?xml version="1.0" encoding="utf-8"?>
-<p:sld xmlns:a="http://schemas.openxmlformats.org/drawingml/2006/main" xmlns:r="http://schemas.openxmlformats.org/officeDocument/2006/relationships" xmlns:p="http://schemas.openxmlformats.org/presentationml/2006/main">
-  <p:cSld>
-    <p:spTree>
-      <p:nvGrpSpPr>
-        <p:cNvPr id="1" name=""/>
-        <p:cNvGrpSpPr/>
-        <p:nvPr/>
-      </p:nvGrpSpPr>
-      <p:grpSpPr>
-        <a:xfrm>
-          <a:off x="0" y="0"/>
-          <a:ext cx="0" cy="0"/>
-          <a:chOff x="0" y="0"/>
-          <a:chExt cx="0" cy="0"/>
-        </a:xfrm>
-      </p:grpSpPr>
-      <p:sp>
-        <p:nvSpPr>
-          <p:cNvPr id="2" name="Title 1">
-            <a:extLst>
-              <a:ext uri="{FF2B5EF4-FFF2-40B4-BE49-F238E27FC236}">
-                <a16:creationId xmlns:a16="http://schemas.microsoft.com/office/drawing/2014/main" id="{0095FF0F-6F27-4357-A6FB-F497AA071807}"/>
-              </a:ext>
-            </a:extLst>
-          </p:cNvPr>
-          <p:cNvSpPr>
-            <a:spLocks noGrp="1"/>
-          </p:cNvSpPr>
-          <p:nvPr>
-            <p:ph type="title"/>
-          </p:nvPr>
-        </p:nvSpPr>
-        <p:spPr/>
-        <p:txBody>
-          <a:bodyPr/>
-          <a:lstStyle/>
-          <a:p>
-            <a:r>
-              <a:rPr lang="en-US" dirty="0"/>
-              <a:t>What is Open Project ?</a:t>
-            </a:r>
-            <a:endParaRPr lang="en-GB" dirty="0"/>
-          </a:p>
-        </p:txBody>
-      </p:sp>
-      <p:sp>
-        <p:nvSpPr>
-          <p:cNvPr id="3" name="Content Placeholder 2">
-            <a:extLst>
-              <a:ext uri="{FF2B5EF4-FFF2-40B4-BE49-F238E27FC236}">
-                <a16:creationId xmlns:a16="http://schemas.microsoft.com/office/drawing/2014/main" id="{5B4CA8EE-8925-47A2-AA96-A2DAE54AE761}"/>
-              </a:ext>
-            </a:extLst>
-          </p:cNvPr>
-          <p:cNvSpPr>
-            <a:spLocks noGrp="1"/>
-          </p:cNvSpPr>
-          <p:nvPr>
-            <p:ph idx="1"/>
-          </p:nvPr>
-        </p:nvSpPr>
-        <p:spPr/>
-        <p:txBody>
-          <a:bodyPr/>
-          <a:lstStyle/>
-          <a:p>
-            <a:r>
-              <a:rPr lang="en-GB" dirty="0"/>
-              <a:t>An online open-source project management tool</a:t>
-            </a:r>
-          </a:p>
-          <a:p>
-            <a:r>
-              <a:rPr lang="en-GB" dirty="0"/>
-              <a:t>Fairly basic set of functionality</a:t>
-            </a:r>
-          </a:p>
-          <a:p>
-            <a:r>
-              <a:rPr lang="en-GB" dirty="0"/>
-              <a:t>Provides all you need to plan and track projects</a:t>
-            </a:r>
-          </a:p>
-          <a:p>
-            <a:endParaRPr lang="en-GB" dirty="0"/>
-          </a:p>
-          <a:p>
-            <a:r>
-              <a:rPr lang="en-GB" dirty="0"/>
-              <a:t>We have it installed on our development server</a:t>
-            </a:r>
-          </a:p>
-          <a:p>
-            <a:r>
-              <a:rPr lang="en-GB" dirty="0"/>
-              <a:t>Currently under “active development”</a:t>
-            </a:r>
-          </a:p>
-          <a:p>
-            <a:r>
-              <a:rPr lang="en-GB" dirty="0"/>
-              <a:t>However stable enough to be used for SPE</a:t>
-            </a:r>
-          </a:p>
-        </p:txBody>
-      </p:sp>
-    </p:spTree>
-    <p:extLst>
-      <p:ext uri="{BB962C8B-B14F-4D97-AF65-F5344CB8AC3E}">
-        <p14:creationId xmlns:p14="http://schemas.microsoft.com/office/powerpoint/2010/main" val="2242585200"/>
-      </p:ext>
-    </p:extLst>
-  </p:cSld>
-  <p:clrMapOvr>
-    <a:masterClrMapping/>
-  </p:clrMapOvr>
-</p:sld>
-</file>
-
-<file path=ppt/slides/slide20.xml><?xml version="1.0" encoding="utf-8"?>
-<p:sld xmlns:a="http://schemas.openxmlformats.org/drawingml/2006/main" xmlns:r="http://schemas.openxmlformats.org/officeDocument/2006/relationships" xmlns:p="http://schemas.openxmlformats.org/presentationml/2006/main">
-  <p:cSld>
-    <p:spTree>
-      <p:nvGrpSpPr>
-        <p:cNvPr id="1" name=""/>
-        <p:cNvGrpSpPr/>
-        <p:nvPr/>
-      </p:nvGrpSpPr>
-      <p:grpSpPr>
-        <a:xfrm>
-          <a:off x="0" y="0"/>
-          <a:ext cx="0" cy="0"/>
-          <a:chOff x="0" y="0"/>
-          <a:chExt cx="0" cy="0"/>
-        </a:xfrm>
-      </p:grpSpPr>
-      <p:sp>
-        <p:nvSpPr>
-          <p:cNvPr id="2" name="Title 1">
-            <a:extLst>
-              <a:ext uri="{FF2B5EF4-FFF2-40B4-BE49-F238E27FC236}">
-                <a16:creationId xmlns:a16="http://schemas.microsoft.com/office/drawing/2014/main" id="{A3503B53-D2A8-4783-9DFE-112AE5CC0D33}"/>
-              </a:ext>
-            </a:extLst>
-          </p:cNvPr>
-          <p:cNvSpPr>
-            <a:spLocks noGrp="1"/>
-          </p:cNvSpPr>
-          <p:nvPr>
-            <p:ph type="title"/>
-          </p:nvPr>
-        </p:nvSpPr>
-        <p:spPr/>
-        <p:txBody>
-          <a:bodyPr/>
-          <a:lstStyle/>
-          <a:p>
-            <a:r>
-              <a:rPr lang="en-GB" dirty="0"/>
-              <a:t>Essential data to continuously update</a:t>
-            </a:r>
-          </a:p>
-        </p:txBody>
-      </p:sp>
-      <p:sp>
-        <p:nvSpPr>
-          <p:cNvPr id="3" name="Content Placeholder 2">
-            <a:extLst>
-              <a:ext uri="{FF2B5EF4-FFF2-40B4-BE49-F238E27FC236}">
-                <a16:creationId xmlns:a16="http://schemas.microsoft.com/office/drawing/2014/main" id="{A4C1ED28-EF29-47AF-B864-F12C1741F34F}"/>
-              </a:ext>
-            </a:extLst>
-          </p:cNvPr>
-          <p:cNvSpPr>
-            <a:spLocks noGrp="1"/>
-          </p:cNvSpPr>
-          <p:nvPr>
-            <p:ph idx="1"/>
-          </p:nvPr>
-        </p:nvSpPr>
-        <p:spPr/>
-        <p:txBody>
-          <a:bodyPr>
-            <a:normAutofit/>
-          </a:bodyPr>
-          <a:lstStyle/>
-          <a:p>
-            <a:r>
-              <a:rPr lang="en-GB" dirty="0"/>
-              <a:t>WPs (how long they take, who is doing them)</a:t>
-            </a:r>
-          </a:p>
-          <a:p>
-            <a:r>
-              <a:rPr lang="en-GB" dirty="0"/>
-              <a:t>Meetings (their purpose and who attends them)</a:t>
-            </a:r>
-          </a:p>
-          <a:p>
-            <a:r>
-              <a:rPr lang="en-GB" dirty="0"/>
-              <a:t>Progress (percentage task completeness)</a:t>
-            </a:r>
-          </a:p>
-          <a:p>
-            <a:r>
-              <a:rPr lang="en-GB" dirty="0"/>
-              <a:t>Status (“New”, “In Progress”, “Closed” etc.)</a:t>
-            </a:r>
-          </a:p>
-          <a:p>
-            <a:r>
-              <a:rPr lang="en-GB" dirty="0"/>
-              <a:t>Releases (which WPs delivered in each release)</a:t>
-            </a:r>
-          </a:p>
-          <a:p>
-            <a:r>
-              <a:rPr lang="en-GB" dirty="0"/>
-              <a:t>Documents (everything hosted on Git)</a:t>
-            </a:r>
-          </a:p>
-        </p:txBody>
-      </p:sp>
-    </p:spTree>
-    <p:extLst>
-      <p:ext uri="{BB962C8B-B14F-4D97-AF65-F5344CB8AC3E}">
-        <p14:creationId xmlns:p14="http://schemas.microsoft.com/office/powerpoint/2010/main" val="3851105777"/>
-      </p:ext>
-    </p:extLst>
-  </p:cSld>
-  <p:clrMapOvr>
-    <a:masterClrMapping/>
-  </p:clrMapOvr>
-</p:sld>
-</file>
-
-<file path=ppt/slides/slide21.xml><?xml version="1.0" encoding="utf-8"?>
-<p:sld xmlns:a="http://schemas.openxmlformats.org/drawingml/2006/main" xmlns:r="http://schemas.openxmlformats.org/officeDocument/2006/relationships" xmlns:p="http://schemas.openxmlformats.org/presentationml/2006/main">
-  <p:cSld>
-    <p:spTree>
-      <p:nvGrpSpPr>
-        <p:cNvPr id="1" name=""/>
-        <p:cNvGrpSpPr/>
-        <p:nvPr/>
-      </p:nvGrpSpPr>
-      <p:grpSpPr>
-        <a:xfrm>
-          <a:off x="0" y="0"/>
-          <a:ext cx="0" cy="0"/>
-          <a:chOff x="0" y="0"/>
-          <a:chExt cx="0" cy="0"/>
-        </a:xfrm>
-      </p:grpSpPr>
-      <p:sp>
-        <p:nvSpPr>
-          <p:cNvPr id="2" name="Title 1">
-            <a:extLst>
-              <a:ext uri="{FF2B5EF4-FFF2-40B4-BE49-F238E27FC236}">
-                <a16:creationId xmlns:a16="http://schemas.microsoft.com/office/drawing/2014/main" id="{C85F2535-E76C-4629-B1EF-45A93985C486}"/>
-              </a:ext>
-            </a:extLst>
-          </p:cNvPr>
-          <p:cNvSpPr>
-            <a:spLocks noGrp="1"/>
-          </p:cNvSpPr>
-          <p:nvPr>
-            <p:ph type="title"/>
-          </p:nvPr>
-        </p:nvSpPr>
-        <p:spPr/>
-        <p:txBody>
-          <a:bodyPr/>
-          <a:lstStyle/>
-          <a:p>
-            <a:r>
-              <a:rPr lang="en-GB" dirty="0"/>
-              <a:t>Things not to worry too much about</a:t>
-            </a:r>
-          </a:p>
-        </p:txBody>
-      </p:sp>
-      <p:sp>
-        <p:nvSpPr>
-          <p:cNvPr id="3" name="Content Placeholder 2">
-            <a:extLst>
-              <a:ext uri="{FF2B5EF4-FFF2-40B4-BE49-F238E27FC236}">
-                <a16:creationId xmlns:a16="http://schemas.microsoft.com/office/drawing/2014/main" id="{23EE6D7C-DFF2-4380-80C0-71B952A482AE}"/>
-              </a:ext>
-            </a:extLst>
-          </p:cNvPr>
-          <p:cNvSpPr>
-            <a:spLocks noGrp="1"/>
-          </p:cNvSpPr>
-          <p:nvPr>
-            <p:ph idx="1"/>
-          </p:nvPr>
-        </p:nvSpPr>
-        <p:spPr/>
-        <p:txBody>
-          <a:bodyPr/>
-          <a:lstStyle/>
-          <a:p>
-            <a:r>
-              <a:rPr lang="en-GB" dirty="0"/>
-              <a:t>Costings and Budgets (there is no money anyway)</a:t>
-            </a:r>
-          </a:p>
-          <a:p>
-            <a:r>
-              <a:rPr lang="en-GB" dirty="0"/>
-              <a:t>Don’t feel you need to use all work package types</a:t>
-            </a:r>
-          </a:p>
-          <a:p>
-            <a:endParaRPr lang="en-GB" dirty="0"/>
-          </a:p>
-          <a:p>
-            <a:endParaRPr lang="en-GB" dirty="0"/>
-          </a:p>
-        </p:txBody>
-      </p:sp>
-    </p:spTree>
-    <p:extLst>
-      <p:ext uri="{BB962C8B-B14F-4D97-AF65-F5344CB8AC3E}">
-        <p14:creationId xmlns:p14="http://schemas.microsoft.com/office/powerpoint/2010/main" val="1528125622"/>
-      </p:ext>
-    </p:extLst>
-  </p:cSld>
-  <p:clrMapOvr>
-    <a:masterClrMapping/>
-  </p:clrMapOvr>
-</p:sld>
-</file>
-
-<file path=ppt/slides/slide22.xml><?xml version="1.0" encoding="utf-8"?>
-<p:sld xmlns:a="http://schemas.openxmlformats.org/drawingml/2006/main" xmlns:r="http://schemas.openxmlformats.org/officeDocument/2006/relationships" xmlns:p="http://schemas.openxmlformats.org/presentationml/2006/main">
-  <p:cSld>
-    <p:spTree>
-      <p:nvGrpSpPr>
-        <p:cNvPr id="1" name=""/>
-        <p:cNvGrpSpPr/>
-        <p:nvPr/>
-      </p:nvGrpSpPr>
-      <p:grpSpPr>
-        <a:xfrm>
-          <a:off x="0" y="0"/>
-          <a:ext cx="0" cy="0"/>
-          <a:chOff x="0" y="0"/>
-          <a:chExt cx="0" cy="0"/>
-        </a:xfrm>
-      </p:grpSpPr>
-      <p:sp>
-        <p:nvSpPr>
-          <p:cNvPr id="4" name="Title 3">
-            <a:extLst>
-              <a:ext uri="{FF2B5EF4-FFF2-40B4-BE49-F238E27FC236}">
-                <a16:creationId xmlns:a16="http://schemas.microsoft.com/office/drawing/2014/main" id="{7CDE2FF9-0E7A-43DC-A61F-BB8863025C54}"/>
-              </a:ext>
-            </a:extLst>
-          </p:cNvPr>
-          <p:cNvSpPr>
-            <a:spLocks noGrp="1"/>
-          </p:cNvSpPr>
-          <p:nvPr>
-            <p:ph type="title"/>
-          </p:nvPr>
-        </p:nvSpPr>
-        <p:spPr/>
-        <p:txBody>
-          <a:bodyPr/>
-          <a:lstStyle/>
-          <a:p>
-            <a:pPr algn="ctr"/>
-            <a:r>
-              <a:rPr lang="en-GB" dirty="0"/>
-              <a:t>The BIG payoff ?</a:t>
-            </a:r>
-            <a:br>
-              <a:rPr lang="en-GB" dirty="0"/>
-            </a:br>
-            <a:endParaRPr lang="en-GB" dirty="0"/>
-          </a:p>
-        </p:txBody>
-      </p:sp>
-    </p:spTree>
-    <p:extLst>
-      <p:ext uri="{BB962C8B-B14F-4D97-AF65-F5344CB8AC3E}">
-        <p14:creationId xmlns:p14="http://schemas.microsoft.com/office/powerpoint/2010/main" val="2568298180"/>
-      </p:ext>
-    </p:extLst>
-  </p:cSld>
-  <p:clrMapOvr>
-    <a:masterClrMapping/>
-  </p:clrMapOvr>
-</p:sld>
-</file>
-
-<file path=ppt/slides/slide23.xml><?xml version="1.0" encoding="utf-8"?>
-<p:sld xmlns:a="http://schemas.openxmlformats.org/drawingml/2006/main" xmlns:r="http://schemas.openxmlformats.org/officeDocument/2006/relationships" xmlns:p="http://schemas.openxmlformats.org/presentationml/2006/main">
-  <p:cSld>
-    <p:spTree>
-      <p:nvGrpSpPr>
-        <p:cNvPr id="1" name=""/>
-        <p:cNvGrpSpPr/>
-        <p:nvPr/>
-      </p:nvGrpSpPr>
-      <p:grpSpPr>
-        <a:xfrm>
-          <a:off x="0" y="0"/>
-          <a:ext cx="0" cy="0"/>
-          <a:chOff x="0" y="0"/>
-          <a:chExt cx="0" cy="0"/>
-        </a:xfrm>
-      </p:grpSpPr>
-      <p:sp>
-        <p:nvSpPr>
-          <p:cNvPr id="2" name="Title 1">
-            <a:extLst>
-              <a:ext uri="{FF2B5EF4-FFF2-40B4-BE49-F238E27FC236}">
-                <a16:creationId xmlns:a16="http://schemas.microsoft.com/office/drawing/2014/main" id="{28B4DDE3-84C6-4C3B-9755-3D6487B2A7E4}"/>
-              </a:ext>
-            </a:extLst>
-          </p:cNvPr>
-          <p:cNvSpPr>
-            <a:spLocks noGrp="1"/>
-          </p:cNvSpPr>
-          <p:nvPr>
-            <p:ph type="title"/>
-          </p:nvPr>
-        </p:nvSpPr>
-        <p:spPr/>
-        <p:txBody>
-          <a:bodyPr/>
-          <a:lstStyle/>
-          <a:p>
-            <a:r>
-              <a:rPr lang="en-GB" dirty="0"/>
-              <a:t>Monitoring</a:t>
-            </a:r>
-          </a:p>
-        </p:txBody>
-      </p:sp>
-      <p:sp>
-        <p:nvSpPr>
-          <p:cNvPr id="3" name="Content Placeholder 2">
-            <a:extLst>
-              <a:ext uri="{FF2B5EF4-FFF2-40B4-BE49-F238E27FC236}">
-                <a16:creationId xmlns:a16="http://schemas.microsoft.com/office/drawing/2014/main" id="{4588F19C-498A-4DB4-98A7-F96A3EA73515}"/>
-              </a:ext>
-            </a:extLst>
-          </p:cNvPr>
-          <p:cNvSpPr>
-            <a:spLocks noGrp="1"/>
-          </p:cNvSpPr>
-          <p:nvPr>
-            <p:ph idx="1"/>
-          </p:nvPr>
-        </p:nvSpPr>
-        <p:spPr/>
-        <p:txBody>
-          <a:bodyPr/>
-          <a:lstStyle/>
-          <a:p>
-            <a:r>
-              <a:rPr lang="en-GB" dirty="0"/>
-              <a:t>OP provides us with PROJECT TRANSPARENCY</a:t>
-            </a:r>
-          </a:p>
-          <a:p>
-            <a:r>
-              <a:rPr lang="en-GB" dirty="0"/>
-              <a:t>We can see WHAT you are up to and WHEN</a:t>
-            </a:r>
-          </a:p>
-          <a:p>
-            <a:r>
-              <a:rPr lang="en-GB" dirty="0"/>
-              <a:t>This has a number of “benefits”…</a:t>
-            </a:r>
-          </a:p>
-          <a:p>
-            <a:endParaRPr lang="en-GB" dirty="0"/>
-          </a:p>
-          <a:p>
-            <a:r>
-              <a:rPr lang="en-GB" dirty="0"/>
-              <a:t>We can monitor the patterns and flow of work</a:t>
-            </a:r>
-          </a:p>
-          <a:p>
-            <a:r>
-              <a:rPr lang="en-GB" dirty="0"/>
-              <a:t>We can spot problems early on</a:t>
-            </a:r>
-          </a:p>
-          <a:p>
-            <a:r>
-              <a:rPr lang="en-GB" dirty="0"/>
-              <a:t>We can “encourage” when work is falling behind</a:t>
-            </a:r>
-          </a:p>
-          <a:p>
-            <a:r>
-              <a:rPr lang="en-GB" dirty="0"/>
-              <a:t>We can tell if people aren’t pulling their weight</a:t>
-            </a:r>
-          </a:p>
-          <a:p>
-            <a:r>
-              <a:rPr lang="en-GB" dirty="0"/>
-              <a:t>We can mark teams on process, as well as product</a:t>
-            </a:r>
-          </a:p>
-        </p:txBody>
-      </p:sp>
-    </p:spTree>
-    <p:extLst>
-      <p:ext uri="{BB962C8B-B14F-4D97-AF65-F5344CB8AC3E}">
-        <p14:creationId xmlns:p14="http://schemas.microsoft.com/office/powerpoint/2010/main" val="1574101972"/>
-      </p:ext>
-    </p:extLst>
-  </p:cSld>
-  <p:clrMapOvr>
-    <a:masterClrMapping/>
-  </p:clrMapOvr>
-</p:sld>
-</file>
-
-<file path=ppt/slides/slide24.xml><?xml version="1.0" encoding="utf-8"?>
-<p:sld xmlns:a="http://schemas.openxmlformats.org/drawingml/2006/main" xmlns:r="http://schemas.openxmlformats.org/officeDocument/2006/relationships" xmlns:p="http://schemas.openxmlformats.org/presentationml/2006/main">
-  <p:cSld>
-    <p:spTree>
-      <p:nvGrpSpPr>
-        <p:cNvPr id="1" name=""/>
-        <p:cNvGrpSpPr/>
-        <p:nvPr/>
-      </p:nvGrpSpPr>
-      <p:grpSpPr>
-        <a:xfrm>
-          <a:off x="0" y="0"/>
-          <a:ext cx="0" cy="0"/>
-          <a:chOff x="0" y="0"/>
-          <a:chExt cx="0" cy="0"/>
-        </a:xfrm>
-      </p:grpSpPr>
-      <p:sp>
-        <p:nvSpPr>
-          <p:cNvPr id="2" name="Title 1">
-            <a:extLst>
-              <a:ext uri="{FF2B5EF4-FFF2-40B4-BE49-F238E27FC236}">
-                <a16:creationId xmlns:a16="http://schemas.microsoft.com/office/drawing/2014/main" id="{F35733BB-C782-4634-A539-8D44F26FC7A3}"/>
-              </a:ext>
-            </a:extLst>
-          </p:cNvPr>
-          <p:cNvSpPr>
-            <a:spLocks noGrp="1"/>
-          </p:cNvSpPr>
-          <p:nvPr>
-            <p:ph type="title"/>
-          </p:nvPr>
-        </p:nvSpPr>
-        <p:spPr/>
-        <p:txBody>
-          <a:bodyPr/>
-          <a:lstStyle/>
-          <a:p>
-            <a:r>
-              <a:rPr lang="en-GB" dirty="0"/>
-              <a:t>Specific things we will be looking for</a:t>
-            </a:r>
-          </a:p>
-        </p:txBody>
-      </p:sp>
-      <p:sp>
-        <p:nvSpPr>
-          <p:cNvPr id="3" name="Content Placeholder 2">
-            <a:extLst>
-              <a:ext uri="{FF2B5EF4-FFF2-40B4-BE49-F238E27FC236}">
-                <a16:creationId xmlns:a16="http://schemas.microsoft.com/office/drawing/2014/main" id="{9E1EE52C-534F-4676-84E9-980717139303}"/>
-              </a:ext>
-            </a:extLst>
-          </p:cNvPr>
-          <p:cNvSpPr>
-            <a:spLocks noGrp="1"/>
-          </p:cNvSpPr>
-          <p:nvPr>
-            <p:ph idx="1"/>
-          </p:nvPr>
-        </p:nvSpPr>
-        <p:spPr/>
-        <p:txBody>
-          <a:bodyPr/>
-          <a:lstStyle/>
-          <a:p>
-            <a:r>
-              <a:rPr lang="en-GB" dirty="0"/>
-              <a:t>Detailed and realistic project plans</a:t>
-            </a:r>
-          </a:p>
-          <a:p>
-            <a:r>
-              <a:rPr lang="en-GB" dirty="0"/>
-              <a:t>Team and Individual engagement with OP</a:t>
-            </a:r>
-          </a:p>
-          <a:p>
-            <a:r>
-              <a:rPr lang="en-GB" dirty="0"/>
-              <a:t>Individual contribution to work packages</a:t>
-            </a:r>
-          </a:p>
-          <a:p>
-            <a:r>
-              <a:rPr lang="en-GB" dirty="0"/>
-              <a:t>Individual attendance at project meetings</a:t>
-            </a:r>
-          </a:p>
-          <a:p>
-            <a:r>
-              <a:rPr lang="en-GB" dirty="0"/>
-              <a:t>Keeping to due-dates, milestones and deadlines</a:t>
-            </a:r>
-          </a:p>
-        </p:txBody>
-      </p:sp>
-    </p:spTree>
-    <p:extLst>
-      <p:ext uri="{BB962C8B-B14F-4D97-AF65-F5344CB8AC3E}">
-        <p14:creationId xmlns:p14="http://schemas.microsoft.com/office/powerpoint/2010/main" val="1530531459"/>
-      </p:ext>
-    </p:extLst>
-  </p:cSld>
-  <p:clrMapOvr>
-    <a:masterClrMapping/>
-  </p:clrMapOvr>
-</p:sld>
-</file>
-
-<file path=ppt/slides/slide25.xml><?xml version="1.0" encoding="utf-8"?>
-<p:sld xmlns:a="http://schemas.openxmlformats.org/drawingml/2006/main" xmlns:r="http://schemas.openxmlformats.org/officeDocument/2006/relationships" xmlns:p="http://schemas.openxmlformats.org/presentationml/2006/main">
-  <p:cSld>
-    <p:spTree>
-      <p:nvGrpSpPr>
-        <p:cNvPr id="1" name=""/>
-        <p:cNvGrpSpPr/>
-        <p:nvPr/>
-      </p:nvGrpSpPr>
-      <p:grpSpPr>
-        <a:xfrm>
-          <a:off x="0" y="0"/>
-          <a:ext cx="0" cy="0"/>
-          <a:chOff x="0" y="0"/>
-          <a:chExt cx="0" cy="0"/>
-        </a:xfrm>
-      </p:grpSpPr>
-      <p:sp>
-        <p:nvSpPr>
-          <p:cNvPr id="2" name="Title 1">
-            <a:extLst>
-              <a:ext uri="{FF2B5EF4-FFF2-40B4-BE49-F238E27FC236}">
-                <a16:creationId xmlns:a16="http://schemas.microsoft.com/office/drawing/2014/main" id="{A10943E5-00F9-44CE-A3EF-B6F2580361D8}"/>
-              </a:ext>
-            </a:extLst>
-          </p:cNvPr>
-          <p:cNvSpPr>
-            <a:spLocks noGrp="1"/>
-          </p:cNvSpPr>
-          <p:nvPr>
-            <p:ph type="title"/>
-          </p:nvPr>
-        </p:nvSpPr>
-        <p:spPr/>
-        <p:txBody>
-          <a:bodyPr/>
-          <a:lstStyle/>
-          <a:p>
-            <a:r>
-              <a:rPr lang="en-GB" dirty="0"/>
-              <a:t>Warning: Capture Data !</a:t>
-            </a:r>
-          </a:p>
-        </p:txBody>
-      </p:sp>
-      <p:sp>
-        <p:nvSpPr>
-          <p:cNvPr id="3" name="Content Placeholder 2">
-            <a:extLst>
-              <a:ext uri="{FF2B5EF4-FFF2-40B4-BE49-F238E27FC236}">
-                <a16:creationId xmlns:a16="http://schemas.microsoft.com/office/drawing/2014/main" id="{85D63A4F-810B-40EF-B5E0-815BAC478468}"/>
-              </a:ext>
-            </a:extLst>
-          </p:cNvPr>
-          <p:cNvSpPr>
-            <a:spLocks noGrp="1"/>
-          </p:cNvSpPr>
-          <p:nvPr>
-            <p:ph idx="1"/>
-          </p:nvPr>
-        </p:nvSpPr>
-        <p:spPr/>
-        <p:txBody>
-          <a:bodyPr>
-            <a:normAutofit/>
-          </a:bodyPr>
-          <a:lstStyle/>
-          <a:p>
-            <a:r>
-              <a:rPr lang="en-GB" dirty="0"/>
-              <a:t>You MUST use open-project to its full potential…</a:t>
-            </a:r>
-          </a:p>
-          <a:p>
-            <a:pPr lvl="0"/>
-            <a:r>
-              <a:rPr lang="en-GB" dirty="0"/>
-              <a:t>If there is work to be done, it must appear as a work package (with a realistic estimate of hours)</a:t>
-            </a:r>
-          </a:p>
-          <a:p>
-            <a:pPr lvl="0"/>
-            <a:r>
-              <a:rPr lang="en-GB" dirty="0"/>
-              <a:t>If you are doing that work, you must be recorded as the assignee</a:t>
-            </a:r>
-          </a:p>
-          <a:p>
-            <a:pPr lvl="0"/>
-            <a:r>
-              <a:rPr lang="en-GB" dirty="0"/>
-              <a:t>When work is progressing, you must update the progress % and status (so we can see !)</a:t>
-            </a:r>
-          </a:p>
-          <a:p>
-            <a:pPr lvl="0"/>
-            <a:r>
-              <a:rPr lang="en-GB" dirty="0"/>
-              <a:t>If there is a meeting, it must be entered</a:t>
-            </a:r>
-          </a:p>
-          <a:p>
-            <a:pPr lvl="0"/>
-            <a:r>
-              <a:rPr lang="en-GB" dirty="0"/>
-              <a:t>If someone missed a meeting, it must be recorded</a:t>
-            </a:r>
-          </a:p>
-        </p:txBody>
-      </p:sp>
-    </p:spTree>
-    <p:extLst>
-      <p:ext uri="{BB962C8B-B14F-4D97-AF65-F5344CB8AC3E}">
-        <p14:creationId xmlns:p14="http://schemas.microsoft.com/office/powerpoint/2010/main" val="722418536"/>
-      </p:ext>
-    </p:extLst>
-  </p:cSld>
-  <p:clrMapOvr>
-    <a:masterClrMapping/>
-  </p:clrMapOvr>
-</p:sld>
-</file>
-
-<file path=ppt/slides/slide26.xml><?xml version="1.0" encoding="utf-8"?>
-<p:sld xmlns:a="http://schemas.openxmlformats.org/drawingml/2006/main" xmlns:r="http://schemas.openxmlformats.org/officeDocument/2006/relationships" xmlns:p="http://schemas.openxmlformats.org/presentationml/2006/main">
-  <p:cSld>
-    <p:spTree>
-      <p:nvGrpSpPr>
-        <p:cNvPr id="1" name=""/>
-        <p:cNvGrpSpPr/>
-        <p:nvPr/>
-      </p:nvGrpSpPr>
-      <p:grpSpPr>
-        <a:xfrm>
-          <a:off x="0" y="0"/>
-          <a:ext cx="0" cy="0"/>
-          <a:chOff x="0" y="0"/>
-          <a:chExt cx="0" cy="0"/>
-        </a:xfrm>
-      </p:grpSpPr>
-      <p:sp>
-        <p:nvSpPr>
-          <p:cNvPr id="2" name="Title 1">
-            <a:extLst>
-              <a:ext uri="{FF2B5EF4-FFF2-40B4-BE49-F238E27FC236}">
-                <a16:creationId xmlns:a16="http://schemas.microsoft.com/office/drawing/2014/main" id="{1865A318-3592-45F2-A594-BA5036F16B26}"/>
-              </a:ext>
-            </a:extLst>
-          </p:cNvPr>
-          <p:cNvSpPr>
-            <a:spLocks noGrp="1"/>
-          </p:cNvSpPr>
-          <p:nvPr>
-            <p:ph type="title"/>
-          </p:nvPr>
-        </p:nvSpPr>
-        <p:spPr/>
-        <p:txBody>
-          <a:bodyPr/>
-          <a:lstStyle/>
-          <a:p>
-            <a:r>
-              <a:rPr lang="en-GB" dirty="0"/>
-              <a:t>Individual Assessment</a:t>
-            </a:r>
-          </a:p>
-        </p:txBody>
-      </p:sp>
-      <p:sp>
-        <p:nvSpPr>
-          <p:cNvPr id="3" name="Content Placeholder 2">
-            <a:extLst>
-              <a:ext uri="{FF2B5EF4-FFF2-40B4-BE49-F238E27FC236}">
-                <a16:creationId xmlns:a16="http://schemas.microsoft.com/office/drawing/2014/main" id="{676867AE-DAC9-469B-A916-4E86AABEA110}"/>
-              </a:ext>
-            </a:extLst>
-          </p:cNvPr>
-          <p:cNvSpPr>
-            <a:spLocks noGrp="1"/>
-          </p:cNvSpPr>
-          <p:nvPr>
-            <p:ph idx="1"/>
-          </p:nvPr>
-        </p:nvSpPr>
-        <p:spPr/>
-        <p:txBody>
-          <a:bodyPr>
-            <a:normAutofit/>
-          </a:bodyPr>
-          <a:lstStyle/>
-          <a:p>
-            <a:pPr marL="0" indent="0" algn="ctr">
-              <a:buNone/>
-            </a:pPr>
-            <a:r>
-              <a:rPr lang="en-GB" sz="2800" dirty="0"/>
-              <a:t>Recording information accurately is essential so that we can keep track of progress and identify “under engagement”.</a:t>
-            </a:r>
-          </a:p>
-          <a:p>
-            <a:pPr marL="0" indent="0" algn="ctr">
-              <a:buNone/>
-            </a:pPr>
-            <a:endParaRPr lang="en-GB" sz="2800" dirty="0"/>
-          </a:p>
-          <a:p>
-            <a:pPr marL="0" indent="0" algn="ctr">
-              <a:buNone/>
-            </a:pPr>
-            <a:r>
-              <a:rPr lang="en-GB" sz="2800" dirty="0"/>
-              <a:t>When we come to mark the projects at the end of the year, these issues will impact the individual grades students will be awarded.</a:t>
-            </a:r>
-          </a:p>
-        </p:txBody>
-      </p:sp>
-    </p:spTree>
-    <p:extLst>
-      <p:ext uri="{BB962C8B-B14F-4D97-AF65-F5344CB8AC3E}">
-        <p14:creationId xmlns:p14="http://schemas.microsoft.com/office/powerpoint/2010/main" val="2132855452"/>
-      </p:ext>
-    </p:extLst>
-  </p:cSld>
-  <p:clrMapOvr>
-    <a:masterClrMapping/>
-  </p:clrMapOvr>
-</p:sld>
-</file>
-
-<file path=ppt/slides/slide27.xml><?xml version="1.0" encoding="utf-8"?>
-<p:sld xmlns:a="http://schemas.openxmlformats.org/drawingml/2006/main" xmlns:r="http://schemas.openxmlformats.org/officeDocument/2006/relationships" xmlns:p="http://schemas.openxmlformats.org/presentationml/2006/main">
-  <p:cSld>
-    <p:spTree>
-      <p:nvGrpSpPr>
-        <p:cNvPr id="1" name=""/>
-        <p:cNvGrpSpPr/>
-        <p:nvPr/>
-      </p:nvGrpSpPr>
-      <p:grpSpPr>
-        <a:xfrm>
-          <a:off x="0" y="0"/>
-          <a:ext cx="0" cy="0"/>
-          <a:chOff x="0" y="0"/>
-          <a:chExt cx="0" cy="0"/>
-        </a:xfrm>
-      </p:grpSpPr>
-      <p:sp>
-        <p:nvSpPr>
-          <p:cNvPr id="2" name="Title 1">
-            <a:extLst>
-              <a:ext uri="{FF2B5EF4-FFF2-40B4-BE49-F238E27FC236}">
-                <a16:creationId xmlns:a16="http://schemas.microsoft.com/office/drawing/2014/main" id="{8C31094E-49AB-4594-BB34-42937658BA61}"/>
-              </a:ext>
-            </a:extLst>
-          </p:cNvPr>
-          <p:cNvSpPr>
-            <a:spLocks noGrp="1"/>
-          </p:cNvSpPr>
-          <p:nvPr>
-            <p:ph type="title"/>
-          </p:nvPr>
-        </p:nvSpPr>
-        <p:spPr/>
-        <p:txBody>
-          <a:bodyPr/>
-          <a:lstStyle/>
-          <a:p>
-            <a:r>
-              <a:rPr lang="en-GB" dirty="0"/>
-              <a:t>This is not a normal unit !</a:t>
-            </a:r>
-          </a:p>
-        </p:txBody>
-      </p:sp>
-      <p:sp>
-        <p:nvSpPr>
-          <p:cNvPr id="3" name="Content Placeholder 2">
-            <a:extLst>
-              <a:ext uri="{FF2B5EF4-FFF2-40B4-BE49-F238E27FC236}">
-                <a16:creationId xmlns:a16="http://schemas.microsoft.com/office/drawing/2014/main" id="{EB718C4B-6318-433D-B34B-B3400F49E898}"/>
-              </a:ext>
-            </a:extLst>
-          </p:cNvPr>
-          <p:cNvSpPr>
-            <a:spLocks noGrp="1"/>
-          </p:cNvSpPr>
-          <p:nvPr>
-            <p:ph idx="1"/>
-          </p:nvPr>
-        </p:nvSpPr>
-        <p:spPr/>
-        <p:txBody>
-          <a:bodyPr/>
-          <a:lstStyle/>
-          <a:p>
-            <a:r>
-              <a:rPr lang="en-GB" dirty="0"/>
-              <a:t>You can’t just attend passively</a:t>
-            </a:r>
-          </a:p>
-          <a:p>
-            <a:r>
-              <a:rPr lang="en-GB" dirty="0"/>
-              <a:t>Then work hard on assignment/exam at the end</a:t>
-            </a:r>
-          </a:p>
-          <a:p>
-            <a:endParaRPr lang="en-GB" dirty="0"/>
-          </a:p>
-          <a:p>
-            <a:r>
-              <a:rPr lang="en-GB" dirty="0"/>
-              <a:t>You need to proactivity engage and DO stuff</a:t>
-            </a:r>
-          </a:p>
-          <a:p>
-            <a:r>
-              <a:rPr lang="en-GB" dirty="0"/>
-              <a:t>Throughout the whole of the unit</a:t>
-            </a:r>
-          </a:p>
-          <a:p>
-            <a:r>
-              <a:rPr lang="en-GB" dirty="0"/>
-              <a:t>Fight for work – grab hold of tasks you excel at</a:t>
-            </a:r>
-          </a:p>
-          <a:p>
-            <a:endParaRPr lang="en-GB" dirty="0"/>
-          </a:p>
-          <a:p>
-            <a:r>
-              <a:rPr lang="en-GB" dirty="0"/>
-              <a:t>This may be an familiar behaviour for some</a:t>
-            </a:r>
-          </a:p>
-          <a:p>
-            <a:r>
-              <a:rPr lang="en-GB" dirty="0"/>
-              <a:t>Which is why we have introduced a prompt…</a:t>
-            </a:r>
-          </a:p>
-        </p:txBody>
-      </p:sp>
-    </p:spTree>
-    <p:extLst>
-      <p:ext uri="{BB962C8B-B14F-4D97-AF65-F5344CB8AC3E}">
-        <p14:creationId xmlns:p14="http://schemas.microsoft.com/office/powerpoint/2010/main" val="3568784488"/>
-      </p:ext>
-    </p:extLst>
-  </p:cSld>
-  <p:clrMapOvr>
-    <a:masterClrMapping/>
-  </p:clrMapOvr>
-</p:sld>
-</file>
-
-<file path=ppt/slides/slide28.xml><?xml version="1.0" encoding="utf-8"?>
-<p:sld xmlns:a="http://schemas.openxmlformats.org/drawingml/2006/main" xmlns:r="http://schemas.openxmlformats.org/officeDocument/2006/relationships" xmlns:p="http://schemas.openxmlformats.org/presentationml/2006/main">
-  <p:cSld>
-    <p:spTree>
-      <p:nvGrpSpPr>
-        <p:cNvPr id="1" name=""/>
-        <p:cNvGrpSpPr/>
-        <p:nvPr/>
-      </p:nvGrpSpPr>
-      <p:grpSpPr>
-        <a:xfrm>
-          <a:off x="0" y="0"/>
-          <a:ext cx="0" cy="0"/>
-          <a:chOff x="0" y="0"/>
-          <a:chExt cx="0" cy="0"/>
-        </a:xfrm>
-      </p:grpSpPr>
-      <p:sp>
-        <p:nvSpPr>
-          <p:cNvPr id="2" name="Title 1">
-            <a:extLst>
-              <a:ext uri="{FF2B5EF4-FFF2-40B4-BE49-F238E27FC236}">
-                <a16:creationId xmlns:a16="http://schemas.microsoft.com/office/drawing/2014/main" id="{9E2EF2F2-3657-49D9-8998-F97C4B651C15}"/>
-              </a:ext>
-            </a:extLst>
-          </p:cNvPr>
-          <p:cNvSpPr>
-            <a:spLocks noGrp="1"/>
-          </p:cNvSpPr>
-          <p:nvPr>
-            <p:ph type="title"/>
-          </p:nvPr>
-        </p:nvSpPr>
-        <p:spPr/>
-        <p:txBody>
-          <a:bodyPr/>
-          <a:lstStyle/>
-          <a:p>
-            <a:r>
-              <a:rPr lang="en-GB" dirty="0"/>
-              <a:t>Tracking your own progress</a:t>
-            </a:r>
-          </a:p>
-        </p:txBody>
-      </p:sp>
-      <p:sp>
-        <p:nvSpPr>
-          <p:cNvPr id="3" name="Content Placeholder 2">
-            <a:extLst>
-              <a:ext uri="{FF2B5EF4-FFF2-40B4-BE49-F238E27FC236}">
-                <a16:creationId xmlns:a16="http://schemas.microsoft.com/office/drawing/2014/main" id="{8355E7CE-38DF-42C5-A430-4012E1429EB4}"/>
-              </a:ext>
-            </a:extLst>
-          </p:cNvPr>
-          <p:cNvSpPr>
-            <a:spLocks noGrp="1"/>
-          </p:cNvSpPr>
-          <p:nvPr>
-            <p:ph idx="1"/>
-          </p:nvPr>
-        </p:nvSpPr>
-        <p:spPr/>
-        <p:txBody>
-          <a:bodyPr/>
-          <a:lstStyle/>
-          <a:p>
-            <a:r>
-              <a:rPr lang="en-GB" dirty="0"/>
-              <a:t>It can be hard to grasp how well you are doing</a:t>
-            </a:r>
-          </a:p>
-          <a:p>
-            <a:r>
-              <a:rPr lang="en-GB" dirty="0"/>
-              <a:t>Have to compare your contribution against others</a:t>
-            </a:r>
-          </a:p>
-          <a:p>
-            <a:r>
-              <a:rPr lang="en-GB" dirty="0"/>
-              <a:t>Difficult to do without an overview of all work</a:t>
-            </a:r>
-          </a:p>
-          <a:p>
-            <a:endParaRPr lang="en-GB" dirty="0"/>
-          </a:p>
-          <a:p>
-            <a:r>
-              <a:rPr lang="en-GB" dirty="0"/>
-              <a:t>This is where monitoring data comes in !</a:t>
-            </a:r>
-          </a:p>
-          <a:p>
-            <a:r>
-              <a:rPr lang="en-GB" dirty="0"/>
-              <a:t>We will provide weekly analytics reports to mentors</a:t>
-            </a:r>
-          </a:p>
-          <a:p>
-            <a:r>
-              <a:rPr lang="en-GB" dirty="0"/>
-              <a:t>Teams will discuss these in mentoring sessions</a:t>
-            </a:r>
-          </a:p>
-          <a:p>
-            <a:r>
-              <a:rPr lang="en-GB" dirty="0"/>
-              <a:t>Derive ratings for each individual’s contribution</a:t>
-            </a:r>
-          </a:p>
-          <a:p>
-            <a:r>
-              <a:rPr lang="en-GB" dirty="0"/>
-              <a:t>These will be recorded in OP as your “hourly rate”</a:t>
-            </a:r>
-          </a:p>
-          <a:p>
-            <a:r>
-              <a:rPr lang="en-GB" dirty="0"/>
-              <a:t>This allows you to compare yourself with all others !</a:t>
-            </a:r>
-          </a:p>
-        </p:txBody>
-      </p:sp>
-    </p:spTree>
-    <p:extLst>
-      <p:ext uri="{BB962C8B-B14F-4D97-AF65-F5344CB8AC3E}">
-        <p14:creationId xmlns:p14="http://schemas.microsoft.com/office/powerpoint/2010/main" val="2489213316"/>
-      </p:ext>
-    </p:extLst>
-  </p:cSld>
-  <p:clrMapOvr>
-    <a:masterClrMapping/>
-  </p:clrMapOvr>
-</p:sld>
-</file>
-
 <file path=ppt/slides/slide3.xml><?xml version="1.0" encoding="utf-8"?>
 <p:sld xmlns:a="http://schemas.openxmlformats.org/drawingml/2006/main" xmlns:r="http://schemas.openxmlformats.org/officeDocument/2006/relationships" xmlns:p="http://schemas.openxmlformats.org/presentationml/2006/main">
   <p:cSld>
@@ -6161,7 +6213,7 @@
             </a:pPr>
             <a:r>
               <a:rPr lang="en-GB" dirty="0"/>
-              <a:t>https://test.openproject.spe-hub.net</a:t>
+              <a:t>https://openproject.spe-hub.net</a:t>
             </a:r>
           </a:p>
           <a:p>
@@ -6180,6 +6232,15 @@
             <a:r>
               <a:rPr lang="en-GB" dirty="0"/>
               <a:t>You will be sent an invite to join OP</a:t>
+            </a:r>
+          </a:p>
+          <a:p>
+            <a:pPr marL="0" indent="0">
+              <a:buNone/>
+            </a:pPr>
+            <a:r>
+              <a:rPr lang="en-GB" dirty="0"/>
+              <a:t>  (might want to check your spam folder !)</a:t>
             </a:r>
           </a:p>
           <a:p>
@@ -6285,25 +6346,25 @@
           <a:p>
             <a:r>
               <a:rPr lang="en-GB" dirty="0"/>
+              <a:t>Schedule work packages (start and end dates)</a:t>
+            </a:r>
+          </a:p>
+          <a:p>
+            <a:r>
+              <a:rPr lang="en-GB" dirty="0"/>
+              <a:t>Add work package dependencies</a:t>
+            </a:r>
+          </a:p>
+          <a:p>
+            <a:r>
+              <a:rPr lang="en-GB" dirty="0"/>
+              <a:t>Create an activity timeline</a:t>
+            </a:r>
+          </a:p>
+          <a:p>
+            <a:r>
+              <a:rPr lang="en-GB" dirty="0"/>
               <a:t>Estimate effort required (in hours)</a:t>
-            </a:r>
-          </a:p>
-          <a:p>
-            <a:r>
-              <a:rPr lang="en-GB" dirty="0"/>
-              <a:t>Schedule work packages (start and end dates)</a:t>
-            </a:r>
-          </a:p>
-          <a:p>
-            <a:r>
-              <a:rPr lang="en-GB" dirty="0"/>
-              <a:t>Create an activity timeline</a:t>
-            </a:r>
-          </a:p>
-          <a:p>
-            <a:r>
-              <a:rPr lang="en-GB" dirty="0"/>
-              <a:t>Add work package dependencies</a:t>
             </a:r>
           </a:p>
           <a:p>
@@ -6437,7 +6498,7 @@
           <a:p>
             <a:r>
               <a:rPr lang="en-GB" dirty="0"/>
-              <a:t>Milestone: Key waypoint in development (e.g. frontend and DB connected, app runs on phone)</a:t>
+              <a:t>Milestone: Key waypoint in development (e.g. “frontend / DB connected”, “app runs on phone”)</a:t>
             </a:r>
           </a:p>
           <a:p>
@@ -6659,7 +6720,7 @@
         </p:blipFill>
         <p:spPr>
           <a:xfrm>
-            <a:off x="0" y="1676926"/>
+            <a:off x="0" y="1562630"/>
             <a:ext cx="9119478" cy="4565827"/>
           </a:xfrm>
           <a:prstGeom prst="rect">
@@ -6699,7 +6760,7 @@
                   <a:schemeClr val="tx1"/>
                 </a:solidFill>
               </a:rPr>
-              <a:t>Activity Timeline (Gantt chart)</a:t>
+              <a:t>Activity Timeline (Like a Gantt chart)</a:t>
             </a:r>
           </a:p>
         </p:txBody>
@@ -6720,14 +6781,6 @@
 <file path=ppt/slides/slide9.xml><?xml version="1.0" encoding="utf-8"?>
 <p:sld xmlns:a="http://schemas.openxmlformats.org/drawingml/2006/main" xmlns:r="http://schemas.openxmlformats.org/officeDocument/2006/relationships" xmlns:p="http://schemas.openxmlformats.org/presentationml/2006/main">
   <p:cSld>
-    <p:bg>
-      <p:bgPr>
-        <a:solidFill>
-          <a:schemeClr val="bg1"/>
-        </a:solidFill>
-        <a:effectLst/>
-      </p:bgPr>
-    </p:bg>
     <p:spTree>
       <p:nvGrpSpPr>
         <p:cNvPr id="1" name=""/>
@@ -6742,41 +6795,12 @@
           <a:chExt cx="0" cy="0"/>
         </a:xfrm>
       </p:grpSpPr>
-      <p:pic>
-        <p:nvPicPr>
-          <p:cNvPr id="4" name="Picture 3">
+      <p:sp>
+        <p:nvSpPr>
+          <p:cNvPr id="8" name="Rectangle 7">
             <a:extLst>
               <a:ext uri="{FF2B5EF4-FFF2-40B4-BE49-F238E27FC236}">
-                <a16:creationId xmlns:a16="http://schemas.microsoft.com/office/drawing/2014/main" id="{FD5761A2-A423-45F2-9BF5-F5CDE80D36DF}"/>
-              </a:ext>
-            </a:extLst>
-          </p:cNvPr>
-          <p:cNvPicPr>
-            <a:picLocks noChangeAspect="1"/>
-          </p:cNvPicPr>
-          <p:nvPr/>
-        </p:nvPicPr>
-        <p:blipFill rotWithShape="1">
-          <a:blip r:embed="rId2"/>
-          <a:srcRect t="13756"/>
-          <a:stretch/>
-        </p:blipFill>
-        <p:spPr>
-          <a:xfrm>
-            <a:off x="1732528" y="1467556"/>
-            <a:ext cx="5668003" cy="5390444"/>
-          </a:xfrm>
-          <a:prstGeom prst="rect">
-            <a:avLst/>
-          </a:prstGeom>
-        </p:spPr>
-      </p:pic>
-      <p:sp>
-        <p:nvSpPr>
-          <p:cNvPr id="7" name="Rectangle: Rounded Corners 6">
-            <a:extLst>
-              <a:ext uri="{FF2B5EF4-FFF2-40B4-BE49-F238E27FC236}">
-                <a16:creationId xmlns:a16="http://schemas.microsoft.com/office/drawing/2014/main" id="{490562E0-A00B-4C22-8271-523D619F9BAD}"/>
+                <a16:creationId xmlns:a16="http://schemas.microsoft.com/office/drawing/2014/main" id="{08E22B6B-5186-4A8E-826B-AF9C74C66616}"/>
               </a:ext>
             </a:extLst>
           </p:cNvPr>
@@ -6785,17 +6809,17 @@
         </p:nvSpPr>
         <p:spPr>
           <a:xfrm>
-            <a:off x="3859909" y="5407376"/>
-            <a:ext cx="2597335" cy="970845"/>
+            <a:off x="0" y="0"/>
+            <a:ext cx="9144000" cy="6858000"/>
           </a:xfrm>
-          <a:prstGeom prst="roundRect">
+          <a:prstGeom prst="rect">
             <a:avLst/>
           </a:prstGeom>
-          <a:noFill/>
-          <a:ln w="76200">
-            <a:solidFill>
-              <a:srgbClr val="FF0000"/>
-            </a:solidFill>
+          <a:solidFill>
+            <a:srgbClr val="FFFFFF"/>
+          </a:solidFill>
+          <a:ln>
+            <a:noFill/>
           </a:ln>
         </p:spPr>
         <p:style>
@@ -6819,43 +6843,115 @@
           <a:lstStyle/>
           <a:p>
             <a:pPr algn="ctr"/>
-            <a:endParaRPr lang="en-GB"/>
-          </a:p>
-        </p:txBody>
-      </p:sp>
-      <p:sp>
-        <p:nvSpPr>
-          <p:cNvPr id="2" name="Title 1">
+            <a:endParaRPr lang="en-GB" dirty="0"/>
+          </a:p>
+        </p:txBody>
+      </p:sp>
+      <p:pic>
+        <p:nvPicPr>
+          <p:cNvPr id="5" name="Picture 4">
             <a:extLst>
               <a:ext uri="{FF2B5EF4-FFF2-40B4-BE49-F238E27FC236}">
-                <a16:creationId xmlns:a16="http://schemas.microsoft.com/office/drawing/2014/main" id="{AFFA485B-A8FC-487F-8E99-37FD2A97FA59}"/>
+                <a16:creationId xmlns:a16="http://schemas.microsoft.com/office/drawing/2014/main" id="{F0008D37-2E5B-4A5D-98CC-1B84E881F206}"/>
               </a:ext>
             </a:extLst>
           </p:cNvPr>
-          <p:cNvSpPr>
-            <a:spLocks noGrp="1"/>
-          </p:cNvSpPr>
-          <p:nvPr>
-            <p:ph type="title"/>
-          </p:nvPr>
-        </p:nvSpPr>
+          <p:cNvPicPr>
+            <a:picLocks noChangeAspect="1"/>
+          </p:cNvPicPr>
+          <p:nvPr/>
+        </p:nvPicPr>
+        <p:blipFill>
+          <a:blip r:embed="rId2">
+            <a:extLst>
+              <a:ext uri="{28A0092B-C50C-407E-A947-70E740481C1C}">
+                <a14:useLocalDpi xmlns:a14="http://schemas.microsoft.com/office/drawing/2010/main" val="0"/>
+              </a:ext>
+            </a:extLst>
+          </a:blip>
+          <a:stretch>
+            <a:fillRect/>
+          </a:stretch>
+        </p:blipFill>
         <p:spPr>
           <a:xfrm>
-            <a:off x="628650" y="353837"/>
-            <a:ext cx="7886700" cy="966963"/>
+            <a:off x="1361551" y="22578"/>
+            <a:ext cx="6354366" cy="3429000"/>
           </a:xfrm>
+          <a:prstGeom prst="rect">
+            <a:avLst/>
+          </a:prstGeom>
         </p:spPr>
-        <p:txBody>
-          <a:bodyPr/>
-          <a:lstStyle/>
-          <a:p>
-            <a:r>
-              <a:rPr lang="en-GB" dirty="0">
-                <a:solidFill>
-                  <a:schemeClr val="tx1"/>
-                </a:solidFill>
-              </a:rPr>
-              <a:t>Adding dependency relationships</a:t>
+      </p:pic>
+      <p:pic>
+        <p:nvPicPr>
+          <p:cNvPr id="7" name="Picture 6">
+            <a:extLst>
+              <a:ext uri="{FF2B5EF4-FFF2-40B4-BE49-F238E27FC236}">
+                <a16:creationId xmlns:a16="http://schemas.microsoft.com/office/drawing/2014/main" id="{A1EEBA6E-F51D-4665-86C8-96E00045A6BC}"/>
+              </a:ext>
+            </a:extLst>
+          </p:cNvPr>
+          <p:cNvPicPr>
+            <a:picLocks noChangeAspect="1"/>
+          </p:cNvPicPr>
+          <p:nvPr/>
+        </p:nvPicPr>
+        <p:blipFill rotWithShape="1">
+          <a:blip r:embed="rId3">
+            <a:extLst>
+              <a:ext uri="{28A0092B-C50C-407E-A947-70E740481C1C}">
+                <a14:useLocalDpi xmlns:a14="http://schemas.microsoft.com/office/drawing/2010/main" val="0"/>
+              </a:ext>
+            </a:extLst>
+          </a:blip>
+          <a:srcRect l="6608" r="908"/>
+          <a:stretch/>
+        </p:blipFill>
+        <p:spPr>
+          <a:xfrm>
+            <a:off x="1361551" y="3409638"/>
+            <a:ext cx="6354366" cy="3430060"/>
+          </a:xfrm>
+          <a:prstGeom prst="rect">
+            <a:avLst/>
+          </a:prstGeom>
+        </p:spPr>
+      </p:pic>
+      <p:sp>
+        <p:nvSpPr>
+          <p:cNvPr id="2" name="TextBox 1">
+            <a:extLst>
+              <a:ext uri="{FF2B5EF4-FFF2-40B4-BE49-F238E27FC236}">
+                <a16:creationId xmlns:a16="http://schemas.microsoft.com/office/drawing/2014/main" id="{9CD1D17B-456B-43C3-A775-F322ED4C70D1}"/>
+              </a:ext>
+            </a:extLst>
+          </p:cNvPr>
+          <p:cNvSpPr txBox="1"/>
+          <p:nvPr/>
+        </p:nvSpPr>
+        <p:spPr>
+          <a:xfrm rot="16200000">
+            <a:off x="-2121385" y="3128412"/>
+            <a:ext cx="5585183" cy="646331"/>
+          </a:xfrm>
+          <a:prstGeom prst="rect">
+            <a:avLst/>
+          </a:prstGeom>
+          <a:noFill/>
+          <a:ln>
+            <a:noFill/>
+          </a:ln>
+        </p:spPr>
+        <p:txBody>
+          <a:bodyPr wrap="none" rtlCol="0">
+            <a:spAutoFit/>
+          </a:bodyPr>
+          <a:lstStyle/>
+          <a:p>
+            <a:r>
+              <a:rPr lang="en-GB" sz="3600" dirty="0"/>
+              <a:t>Building your own house</a:t>
             </a:r>
           </a:p>
         </p:txBody>
@@ -6863,99 +6959,13 @@
     </p:spTree>
     <p:extLst>
       <p:ext uri="{BB962C8B-B14F-4D97-AF65-F5344CB8AC3E}">
-        <p14:creationId xmlns:p14="http://schemas.microsoft.com/office/powerpoint/2010/main" val="2604328462"/>
+        <p14:creationId xmlns:p14="http://schemas.microsoft.com/office/powerpoint/2010/main" val="1502517465"/>
       </p:ext>
     </p:extLst>
   </p:cSld>
   <p:clrMapOvr>
     <a:masterClrMapping/>
   </p:clrMapOvr>
-  <p:timing>
-    <p:tnLst>
-      <p:par>
-        <p:cTn id="1" dur="indefinite" restart="never" nodeType="tmRoot">
-          <p:childTnLst>
-            <p:seq concurrent="1" nextAc="seek">
-              <p:cTn id="2" dur="indefinite" nodeType="mainSeq">
-                <p:childTnLst>
-                  <p:par>
-                    <p:cTn id="3" fill="hold">
-                      <p:stCondLst>
-                        <p:cond delay="indefinite"/>
-                      </p:stCondLst>
-                      <p:childTnLst>
-                        <p:par>
-                          <p:cTn id="4" fill="hold">
-                            <p:stCondLst>
-                              <p:cond delay="0"/>
-                            </p:stCondLst>
-                            <p:childTnLst>
-                              <p:par>
-                                <p:cTn id="5" presetID="10" presetClass="entr" presetSubtype="0" fill="hold" grpId="0" nodeType="clickEffect">
-                                  <p:stCondLst>
-                                    <p:cond delay="0"/>
-                                  </p:stCondLst>
-                                  <p:childTnLst>
-                                    <p:set>
-                                      <p:cBhvr>
-                                        <p:cTn id="6" dur="1" fill="hold">
-                                          <p:stCondLst>
-                                            <p:cond delay="0"/>
-                                          </p:stCondLst>
-                                        </p:cTn>
-                                        <p:tgtEl>
-                                          <p:spTgt spid="7"/>
-                                        </p:tgtEl>
-                                        <p:attrNameLst>
-                                          <p:attrName>style.visibility</p:attrName>
-                                        </p:attrNameLst>
-                                      </p:cBhvr>
-                                      <p:to>
-                                        <p:strVal val="visible"/>
-                                      </p:to>
-                                    </p:set>
-                                    <p:animEffect transition="in" filter="fade">
-                                      <p:cBhvr>
-                                        <p:cTn id="7" dur="500"/>
-                                        <p:tgtEl>
-                                          <p:spTgt spid="7"/>
-                                        </p:tgtEl>
-                                      </p:cBhvr>
-                                    </p:animEffect>
-                                  </p:childTnLst>
-                                </p:cTn>
-                              </p:par>
-                            </p:childTnLst>
-                          </p:cTn>
-                        </p:par>
-                      </p:childTnLst>
-                    </p:cTn>
-                  </p:par>
-                </p:childTnLst>
-              </p:cTn>
-              <p:prevCondLst>
-                <p:cond evt="onPrev" delay="0">
-                  <p:tgtEl>
-                    <p:sldTgt/>
-                  </p:tgtEl>
-                </p:cond>
-              </p:prevCondLst>
-              <p:nextCondLst>
-                <p:cond evt="onNext" delay="0">
-                  <p:tgtEl>
-                    <p:sldTgt/>
-                  </p:tgtEl>
-                </p:cond>
-              </p:nextCondLst>
-            </p:seq>
-          </p:childTnLst>
-        </p:cTn>
-      </p:par>
-    </p:tnLst>
-    <p:bldLst>
-      <p:bldP spid="7" grpId="0" animBg="1"/>
-    </p:bldLst>
-  </p:timing>
 </p:sld>
 </file>
 

--- a/Lecture Slides/02 Open Project.pptx
+++ b/Lecture Slides/02 Open Project.pptx
@@ -268,7 +268,7 @@
           <a:p>
             <a:fld id="{5896A8B8-A7CB-914F-A9DE-93D0CA668D65}" type="datetimeFigureOut">
               <a:rPr lang="en-US" smtClean="0"/>
-              <a:t>10/2/2018</a:t>
+              <a:t>10/3/2018</a:t>
             </a:fld>
             <a:endParaRPr lang="en-US"/>
           </a:p>
@@ -431,7 +431,7 @@
           <a:p>
             <a:fld id="{5896A8B8-A7CB-914F-A9DE-93D0CA668D65}" type="datetimeFigureOut">
               <a:rPr lang="en-US" smtClean="0"/>
-              <a:t>10/2/2018</a:t>
+              <a:t>10/3/2018</a:t>
             </a:fld>
             <a:endParaRPr lang="en-US"/>
           </a:p>
@@ -604,7 +604,7 @@
           <a:p>
             <a:fld id="{5896A8B8-A7CB-914F-A9DE-93D0CA668D65}" type="datetimeFigureOut">
               <a:rPr lang="en-US" smtClean="0"/>
-              <a:t>10/2/2018</a:t>
+              <a:t>10/3/2018</a:t>
             </a:fld>
             <a:endParaRPr lang="en-US"/>
           </a:p>
@@ -815,7 +815,7 @@
           <a:p>
             <a:fld id="{5896A8B8-A7CB-914F-A9DE-93D0CA668D65}" type="datetimeFigureOut">
               <a:rPr lang="en-US" smtClean="0"/>
-              <a:t>10/2/2018</a:t>
+              <a:t>10/3/2018</a:t>
             </a:fld>
             <a:endParaRPr lang="en-US"/>
           </a:p>
@@ -1055,7 +1055,7 @@
           <a:p>
             <a:fld id="{5896A8B8-A7CB-914F-A9DE-93D0CA668D65}" type="datetimeFigureOut">
               <a:rPr lang="en-US" smtClean="0"/>
-              <a:t>10/2/2018</a:t>
+              <a:t>10/3/2018</a:t>
             </a:fld>
             <a:endParaRPr lang="en-US"/>
           </a:p>
@@ -1279,7 +1279,7 @@
           <a:p>
             <a:fld id="{5896A8B8-A7CB-914F-A9DE-93D0CA668D65}" type="datetimeFigureOut">
               <a:rPr lang="en-US" smtClean="0"/>
-              <a:t>10/2/2018</a:t>
+              <a:t>10/3/2018</a:t>
             </a:fld>
             <a:endParaRPr lang="en-US"/>
           </a:p>
@@ -1638,7 +1638,7 @@
           <a:p>
             <a:fld id="{5896A8B8-A7CB-914F-A9DE-93D0CA668D65}" type="datetimeFigureOut">
               <a:rPr lang="en-US" smtClean="0"/>
-              <a:t>10/2/2018</a:t>
+              <a:t>10/3/2018</a:t>
             </a:fld>
             <a:endParaRPr lang="en-US"/>
           </a:p>
@@ -1750,7 +1750,7 @@
           <a:p>
             <a:fld id="{5896A8B8-A7CB-914F-A9DE-93D0CA668D65}" type="datetimeFigureOut">
               <a:rPr lang="en-US" smtClean="0"/>
-              <a:t>10/2/2018</a:t>
+              <a:t>10/3/2018</a:t>
             </a:fld>
             <a:endParaRPr lang="en-US"/>
           </a:p>
@@ -1840,7 +1840,7 @@
           <a:p>
             <a:fld id="{5896A8B8-A7CB-914F-A9DE-93D0CA668D65}" type="datetimeFigureOut">
               <a:rPr lang="en-US" smtClean="0"/>
-              <a:t>10/2/2018</a:t>
+              <a:t>10/3/2018</a:t>
             </a:fld>
             <a:endParaRPr lang="en-US"/>
           </a:p>
@@ -2110,7 +2110,7 @@
           <a:p>
             <a:fld id="{5896A8B8-A7CB-914F-A9DE-93D0CA668D65}" type="datetimeFigureOut">
               <a:rPr lang="en-US" smtClean="0"/>
-              <a:t>10/2/2018</a:t>
+              <a:t>10/3/2018</a:t>
             </a:fld>
             <a:endParaRPr lang="en-US"/>
           </a:p>
@@ -2357,7 +2357,7 @@
           <a:p>
             <a:fld id="{5896A8B8-A7CB-914F-A9DE-93D0CA668D65}" type="datetimeFigureOut">
               <a:rPr lang="en-US" smtClean="0"/>
-              <a:t>10/2/2018</a:t>
+              <a:t>10/3/2018</a:t>
             </a:fld>
             <a:endParaRPr lang="en-US"/>
           </a:p>
@@ -2565,7 +2565,7 @@
             <a:fld id="{5896A8B8-A7CB-914F-A9DE-93D0CA668D65}" type="datetimeFigureOut">
               <a:rPr lang="en-US" smtClean="0"/>
               <a:pPr/>
-              <a:t>10/2/2018</a:t>
+              <a:t>10/3/2018</a:t>
             </a:fld>
             <a:endParaRPr lang="en-US"/>
           </a:p>
@@ -4175,7 +4175,7 @@
                   <a:schemeClr val="tx1"/>
                 </a:solidFill>
               </a:rPr>
-              <a:t>GIT to OP username mapping !!!</a:t>
+              <a:t>Repo to OP username mapping !!!</a:t>
             </a:r>
           </a:p>
         </p:txBody>
@@ -4281,7 +4281,7 @@
           <a:p>
             <a:r>
               <a:rPr lang="en-GB" dirty="0"/>
-              <a:t>Don’t just go in and hike up your effort hours !</a:t>
+              <a:t>E.g. Don’t just go in and hike up your effort hours !</a:t>
             </a:r>
           </a:p>
         </p:txBody>
@@ -4485,7 +4485,7 @@
           <a:p>
             <a:r>
               <a:rPr lang="en-GB" dirty="0"/>
-              <a:t>Costings and Budgets (there is no money anyway)</a:t>
+              <a:t>Budgets (there is no money anyway)</a:t>
             </a:r>
           </a:p>
           <a:p>
@@ -4605,13 +4605,19 @@
           <a:p>
             <a:r>
               <a:rPr lang="en-GB" dirty="0"/>
-              <a:t>We have it installed on our development server</a:t>
+              <a:t>We have it installed on the SPE server</a:t>
             </a:r>
           </a:p>
           <a:p>
             <a:r>
               <a:rPr lang="en-GB" dirty="0"/>
               <a:t>Currently under “active development”</a:t>
+            </a:r>
+          </a:p>
+          <a:p>
+            <a:r>
+              <a:rPr lang="en-GB" dirty="0"/>
+              <a:t>Warning: May Contain Kittens !</a:t>
             </a:r>
           </a:p>
           <a:p>
@@ -5039,7 +5045,7 @@
             <a:pPr lvl="0"/>
             <a:r>
               <a:rPr lang="en-GB" dirty="0"/>
-              <a:t>If you are doing that work, you must be recorded as the assignee</a:t>
+              <a:t>If you are doing some work, you must be recorded as the assignee</a:t>
             </a:r>
           </a:p>
           <a:p>
@@ -6328,7 +6334,7 @@
         <p:spPr/>
         <p:txBody>
           <a:bodyPr>
-            <a:normAutofit/>
+            <a:normAutofit lnSpcReduction="10000"/>
           </a:bodyPr>
           <a:lstStyle/>
           <a:p>
@@ -6340,43 +6346,55 @@
           <a:p>
             <a:r>
               <a:rPr lang="en-GB" dirty="0"/>
+              <a:t>Change your project name to something useful</a:t>
+            </a:r>
+          </a:p>
+          <a:p>
+            <a:r>
+              <a:rPr lang="en-GB" dirty="0"/>
+              <a:t>Create a Git repository &amp; link it to you OP project</a:t>
+            </a:r>
+          </a:p>
+          <a:p>
+            <a:endParaRPr lang="en-GB" dirty="0"/>
+          </a:p>
+          <a:p>
+            <a:r>
+              <a:rPr lang="en-GB" dirty="0"/>
               <a:t>Create work packages (Phase/Task/Milestone)</a:t>
             </a:r>
           </a:p>
           <a:p>
             <a:r>
               <a:rPr lang="en-GB" dirty="0"/>
+              <a:t>Add work package dependencies</a:t>
+            </a:r>
+          </a:p>
+          <a:p>
+            <a:r>
+              <a:rPr lang="en-GB" dirty="0"/>
+              <a:t>Create an activity timeline</a:t>
+            </a:r>
+          </a:p>
+          <a:p>
+            <a:r>
+              <a:rPr lang="en-GB" dirty="0"/>
               <a:t>Schedule work packages (start and end dates)</a:t>
             </a:r>
           </a:p>
           <a:p>
-            <a:r>
-              <a:rPr lang="en-GB" dirty="0"/>
-              <a:t>Add work package dependencies</a:t>
-            </a:r>
-          </a:p>
-          <a:p>
-            <a:r>
-              <a:rPr lang="en-GB" dirty="0"/>
-              <a:t>Create an activity timeline</a:t>
-            </a:r>
-          </a:p>
-          <a:p>
-            <a:r>
-              <a:rPr lang="en-GB" dirty="0"/>
-              <a:t>Estimate effort required (in hours)</a:t>
+            <a:endParaRPr lang="en-GB" dirty="0"/>
+          </a:p>
+          <a:p>
+            <a:r>
+              <a:rPr lang="en-GB" dirty="0"/>
+              <a:t>Estimate effort required (in hours) for each WP</a:t>
             </a:r>
           </a:p>
           <a:p>
             <a:r>
               <a:rPr lang="en-GB" dirty="0"/>
               <a:t>Allocate team members to work packages</a:t>
-            </a:r>
-          </a:p>
-          <a:p>
-            <a:r>
-              <a:rPr lang="en-GB" dirty="0"/>
-              <a:t>Create a Git repository &amp; link it to you OP project</a:t>
             </a:r>
           </a:p>
         </p:txBody>
@@ -6434,7 +6452,7 @@
           <a:p>
             <a:r>
               <a:rPr lang="en-GB" dirty="0"/>
-              <a:t>Work Packages</a:t>
+              <a:t>More About Work Packages</a:t>
             </a:r>
           </a:p>
         </p:txBody>
@@ -6761,6 +6779,42 @@
                 </a:solidFill>
               </a:rPr>
               <a:t>Activity Timeline (Like a Gantt chart)</a:t>
+            </a:r>
+          </a:p>
+        </p:txBody>
+      </p:sp>
+      <p:sp>
+        <p:nvSpPr>
+          <p:cNvPr id="2" name="TextBox 1">
+            <a:extLst>
+              <a:ext uri="{FF2B5EF4-FFF2-40B4-BE49-F238E27FC236}">
+                <a16:creationId xmlns:a16="http://schemas.microsoft.com/office/drawing/2014/main" id="{ACAC98E4-06A5-41F8-9DAF-CF6D0BE65A5B}"/>
+              </a:ext>
+            </a:extLst>
+          </p:cNvPr>
+          <p:cNvSpPr txBox="1"/>
+          <p:nvPr/>
+        </p:nvSpPr>
+        <p:spPr>
+          <a:xfrm>
+            <a:off x="938826" y="6262041"/>
+            <a:ext cx="7493973" cy="461665"/>
+          </a:xfrm>
+          <a:prstGeom prst="rect">
+            <a:avLst/>
+          </a:prstGeom>
+          <a:noFill/>
+        </p:spPr>
+        <p:txBody>
+          <a:bodyPr wrap="square" rtlCol="0">
+            <a:spAutoFit/>
+          </a:bodyPr>
+          <a:lstStyle/>
+          <a:p>
+            <a:pPr algn="ctr"/>
+            <a:r>
+              <a:rPr lang="en-GB" sz="2400" dirty="0"/>
+              <a:t>See additional guide to creating activity timelines</a:t>
             </a:r>
           </a:p>
         </p:txBody>

--- a/Lecture Slides/02 Open Project.pptx
+++ b/Lecture Slides/02 Open Project.pptx
@@ -4617,13 +4617,21 @@
           <a:p>
             <a:r>
               <a:rPr lang="en-GB" dirty="0"/>
-              <a:t>Warning: May Contain Kittens !</a:t>
-            </a:r>
-          </a:p>
-          <a:p>
-            <a:r>
-              <a:rPr lang="en-GB" dirty="0"/>
-              <a:t>However stable enough to be used for SPE</a:t>
+              <a:t>Probably doesn’t contain too may kittens !</a:t>
+            </a:r>
+          </a:p>
+          <a:p>
+            <a:r>
+              <a:rPr lang="en-GB" dirty="0"/>
+              <a:t>Stable enough </a:t>
+            </a:r>
+            <a:r>
+              <a:rPr lang="en-GB"/>
+              <a:t>to safely be </a:t>
+            </a:r>
+            <a:r>
+              <a:rPr lang="en-GB" dirty="0"/>
+              <a:t>used for SPE</a:t>
             </a:r>
           </a:p>
         </p:txBody>

--- a/Lecture Slides/02 Open Project.pptx
+++ b/Lecture Slides/02 Open Project.pptx
@@ -6218,23 +6218,8 @@
           <a:p>
             <a:r>
               <a:rPr lang="en-GB" dirty="0"/>
-              <a:t>You can access Open Project at this URL:</a:t>
-            </a:r>
-          </a:p>
-          <a:p>
-            <a:pPr marL="0" indent="0" algn="ctr">
-              <a:buNone/>
-            </a:pPr>
-            <a:r>
-              <a:rPr lang="en-GB" dirty="0"/>
-              <a:t>https://openproject.spe-hub.net</a:t>
-            </a:r>
-          </a:p>
-          <a:p>
-            <a:pPr marL="0" indent="0" algn="ctr">
-              <a:buNone/>
-            </a:pPr>
-            <a:endParaRPr lang="en-GB" sz="1000" dirty="0"/>
+              <a:t>We have set up an Open Project instance</a:t>
+            </a:r>
           </a:p>
           <a:p>
             <a:r>
@@ -6348,6 +6333,12 @@
           <a:p>
             <a:r>
               <a:rPr lang="en-GB" dirty="0"/>
+              <a:t>Enter in your First name and Surname</a:t>
+            </a:r>
+          </a:p>
+          <a:p>
+            <a:r>
+              <a:rPr lang="en-GB" dirty="0"/>
               <a:t>Fill out project description</a:t>
             </a:r>
           </a:p>
@@ -6375,13 +6366,7 @@
           <a:p>
             <a:r>
               <a:rPr lang="en-GB" dirty="0"/>
-              <a:t>Add work package dependencies</a:t>
-            </a:r>
-          </a:p>
-          <a:p>
-            <a:r>
-              <a:rPr lang="en-GB" dirty="0"/>
-              <a:t>Create an activity timeline</a:t>
+              <a:t>Create an activity timeline with WP dependencies</a:t>
             </a:r>
           </a:p>
           <a:p>
@@ -6504,27 +6489,31 @@
             </a:r>
           </a:p>
           <a:p>
-            <a:r>
-              <a:rPr lang="en-GB" dirty="0"/>
-              <a:t>Phase: Stage of project (e.g. domain investigation, initial design, MVP, release iteration, evaluation)</a:t>
-            </a:r>
-          </a:p>
-          <a:p>
+            <a:pPr marL="324000" indent="-216000"/>
+            <a:r>
+              <a:rPr lang="en-GB" dirty="0"/>
+              <a:t>Phase: Stage of project (e.g. domain exploration, initial design, MVP, release iteration, evaluation)</a:t>
+            </a:r>
+          </a:p>
+          <a:p>
+            <a:pPr marL="324000" indent="-216000"/>
             <a:r>
               <a:rPr lang="en-GB" dirty="0"/>
               <a:t>Task: Bundle of dev work (e.g. “write config file reader”, “test wireframes”, “create timeline”)</a:t>
             </a:r>
           </a:p>
           <a:p>
+            <a:pPr marL="324000" indent="-216000"/>
             <a:r>
               <a:rPr lang="en-GB" dirty="0"/>
               <a:t>Feature: Atomic fragment of functionality (e.g. “add user function”, “backup database script”)</a:t>
             </a:r>
           </a:p>
           <a:p>
-            <a:r>
-              <a:rPr lang="en-GB" dirty="0"/>
-              <a:t>Milestone: Key waypoint in development (e.g. “frontend / DB connected”, “app runs on phone”)</a:t>
+            <a:pPr marL="324000" indent="-216000"/>
+            <a:r>
+              <a:rPr lang="en-GB" dirty="0"/>
+              <a:t>Milestone: Key waypoint in development (e.g. “frontend/DB connected”, “app runs on device”)</a:t>
             </a:r>
           </a:p>
           <a:p>

--- a/Lecture Slides/02 Open Project.pptx
+++ b/Lecture Slides/02 Open Project.pptx
@@ -8,28 +8,28 @@
     <p:sldId id="256" r:id="rId2"/>
     <p:sldId id="259" r:id="rId3"/>
     <p:sldId id="258" r:id="rId4"/>
-    <p:sldId id="260" r:id="rId5"/>
-    <p:sldId id="261" r:id="rId6"/>
-    <p:sldId id="279" r:id="rId7"/>
-    <p:sldId id="266" r:id="rId8"/>
-    <p:sldId id="269" r:id="rId9"/>
-    <p:sldId id="283" r:id="rId10"/>
-    <p:sldId id="284" r:id="rId11"/>
-    <p:sldId id="267" r:id="rId12"/>
-    <p:sldId id="270" r:id="rId13"/>
-    <p:sldId id="276" r:id="rId14"/>
-    <p:sldId id="278" r:id="rId15"/>
-    <p:sldId id="268" r:id="rId16"/>
-    <p:sldId id="277" r:id="rId17"/>
-    <p:sldId id="271" r:id="rId18"/>
-    <p:sldId id="265" r:id="rId19"/>
-    <p:sldId id="264" r:id="rId20"/>
-    <p:sldId id="281" r:id="rId21"/>
-    <p:sldId id="262" r:id="rId22"/>
-    <p:sldId id="263" r:id="rId23"/>
-    <p:sldId id="272" r:id="rId24"/>
-    <p:sldId id="273" r:id="rId25"/>
-    <p:sldId id="280" r:id="rId26"/>
+    <p:sldId id="261" r:id="rId5"/>
+    <p:sldId id="279" r:id="rId6"/>
+    <p:sldId id="266" r:id="rId7"/>
+    <p:sldId id="269" r:id="rId8"/>
+    <p:sldId id="283" r:id="rId9"/>
+    <p:sldId id="284" r:id="rId10"/>
+    <p:sldId id="267" r:id="rId11"/>
+    <p:sldId id="270" r:id="rId12"/>
+    <p:sldId id="276" r:id="rId13"/>
+    <p:sldId id="278" r:id="rId14"/>
+    <p:sldId id="268" r:id="rId15"/>
+    <p:sldId id="277" r:id="rId16"/>
+    <p:sldId id="271" r:id="rId17"/>
+    <p:sldId id="265" r:id="rId18"/>
+    <p:sldId id="264" r:id="rId19"/>
+    <p:sldId id="281" r:id="rId20"/>
+    <p:sldId id="262" r:id="rId21"/>
+    <p:sldId id="263" r:id="rId22"/>
+    <p:sldId id="272" r:id="rId23"/>
+    <p:sldId id="273" r:id="rId24"/>
+    <p:sldId id="280" r:id="rId25"/>
+    <p:sldId id="260" r:id="rId26"/>
     <p:sldId id="287" r:id="rId27"/>
     <p:sldId id="275" r:id="rId28"/>
     <p:sldId id="286" r:id="rId29"/>
@@ -268,7 +268,7 @@
           <a:p>
             <a:fld id="{5896A8B8-A7CB-914F-A9DE-93D0CA668D65}" type="datetimeFigureOut">
               <a:rPr lang="en-US" smtClean="0"/>
-              <a:t>10/3/2018</a:t>
+              <a:t>10/4/2018</a:t>
             </a:fld>
             <a:endParaRPr lang="en-US"/>
           </a:p>
@@ -431,7 +431,7 @@
           <a:p>
             <a:fld id="{5896A8B8-A7CB-914F-A9DE-93D0CA668D65}" type="datetimeFigureOut">
               <a:rPr lang="en-US" smtClean="0"/>
-              <a:t>10/3/2018</a:t>
+              <a:t>10/4/2018</a:t>
             </a:fld>
             <a:endParaRPr lang="en-US"/>
           </a:p>
@@ -604,7 +604,7 @@
           <a:p>
             <a:fld id="{5896A8B8-A7CB-914F-A9DE-93D0CA668D65}" type="datetimeFigureOut">
               <a:rPr lang="en-US" smtClean="0"/>
-              <a:t>10/3/2018</a:t>
+              <a:t>10/4/2018</a:t>
             </a:fld>
             <a:endParaRPr lang="en-US"/>
           </a:p>
@@ -815,7 +815,7 @@
           <a:p>
             <a:fld id="{5896A8B8-A7CB-914F-A9DE-93D0CA668D65}" type="datetimeFigureOut">
               <a:rPr lang="en-US" smtClean="0"/>
-              <a:t>10/3/2018</a:t>
+              <a:t>10/4/2018</a:t>
             </a:fld>
             <a:endParaRPr lang="en-US"/>
           </a:p>
@@ -1055,7 +1055,7 @@
           <a:p>
             <a:fld id="{5896A8B8-A7CB-914F-A9DE-93D0CA668D65}" type="datetimeFigureOut">
               <a:rPr lang="en-US" smtClean="0"/>
-              <a:t>10/3/2018</a:t>
+              <a:t>10/4/2018</a:t>
             </a:fld>
             <a:endParaRPr lang="en-US"/>
           </a:p>
@@ -1279,7 +1279,7 @@
           <a:p>
             <a:fld id="{5896A8B8-A7CB-914F-A9DE-93D0CA668D65}" type="datetimeFigureOut">
               <a:rPr lang="en-US" smtClean="0"/>
-              <a:t>10/3/2018</a:t>
+              <a:t>10/4/2018</a:t>
             </a:fld>
             <a:endParaRPr lang="en-US"/>
           </a:p>
@@ -1638,7 +1638,7 @@
           <a:p>
             <a:fld id="{5896A8B8-A7CB-914F-A9DE-93D0CA668D65}" type="datetimeFigureOut">
               <a:rPr lang="en-US" smtClean="0"/>
-              <a:t>10/3/2018</a:t>
+              <a:t>10/4/2018</a:t>
             </a:fld>
             <a:endParaRPr lang="en-US"/>
           </a:p>
@@ -1750,7 +1750,7 @@
           <a:p>
             <a:fld id="{5896A8B8-A7CB-914F-A9DE-93D0CA668D65}" type="datetimeFigureOut">
               <a:rPr lang="en-US" smtClean="0"/>
-              <a:t>10/3/2018</a:t>
+              <a:t>10/4/2018</a:t>
             </a:fld>
             <a:endParaRPr lang="en-US"/>
           </a:p>
@@ -1840,7 +1840,7 @@
           <a:p>
             <a:fld id="{5896A8B8-A7CB-914F-A9DE-93D0CA668D65}" type="datetimeFigureOut">
               <a:rPr lang="en-US" smtClean="0"/>
-              <a:t>10/3/2018</a:t>
+              <a:t>10/4/2018</a:t>
             </a:fld>
             <a:endParaRPr lang="en-US"/>
           </a:p>
@@ -2110,7 +2110,7 @@
           <a:p>
             <a:fld id="{5896A8B8-A7CB-914F-A9DE-93D0CA668D65}" type="datetimeFigureOut">
               <a:rPr lang="en-US" smtClean="0"/>
-              <a:t>10/3/2018</a:t>
+              <a:t>10/4/2018</a:t>
             </a:fld>
             <a:endParaRPr lang="en-US"/>
           </a:p>
@@ -2357,7 +2357,7 @@
           <a:p>
             <a:fld id="{5896A8B8-A7CB-914F-A9DE-93D0CA668D65}" type="datetimeFigureOut">
               <a:rPr lang="en-US" smtClean="0"/>
-              <a:t>10/3/2018</a:t>
+              <a:t>10/4/2018</a:t>
             </a:fld>
             <a:endParaRPr lang="en-US"/>
           </a:p>
@@ -2565,7 +2565,7 @@
             <a:fld id="{5896A8B8-A7CB-914F-A9DE-93D0CA668D65}" type="datetimeFigureOut">
               <a:rPr lang="en-US" smtClean="0"/>
               <a:pPr/>
-              <a:t>10/3/2018</a:t>
+              <a:t>10/4/2018</a:t>
             </a:fld>
             <a:endParaRPr lang="en-US"/>
           </a:p>
@@ -3127,401 +3127,94 @@
       </p:grpSpPr>
       <p:sp>
         <p:nvSpPr>
-          <p:cNvPr id="9" name="Rectangle 8">
+          <p:cNvPr id="2" name="Title 1">
             <a:extLst>
               <a:ext uri="{FF2B5EF4-FFF2-40B4-BE49-F238E27FC236}">
-                <a16:creationId xmlns:a16="http://schemas.microsoft.com/office/drawing/2014/main" id="{F8FC36A5-E3F0-477D-8FCB-322F7C690CEA}"/>
+                <a16:creationId xmlns:a16="http://schemas.microsoft.com/office/drawing/2014/main" id="{7451973F-008B-4E81-8256-FE8684C4F4CD}"/>
               </a:ext>
             </a:extLst>
           </p:cNvPr>
-          <p:cNvSpPr/>
-          <p:nvPr/>
-        </p:nvSpPr>
-        <p:spPr>
-          <a:xfrm>
-            <a:off x="0" y="0"/>
-            <a:ext cx="9144000" cy="6858000"/>
-          </a:xfrm>
-          <a:prstGeom prst="rect">
-            <a:avLst/>
-          </a:prstGeom>
-          <a:solidFill>
-            <a:srgbClr val="FFFFFF"/>
-          </a:solidFill>
-          <a:ln>
-            <a:noFill/>
-          </a:ln>
-        </p:spPr>
-        <p:style>
-          <a:lnRef idx="2">
-            <a:schemeClr val="accent1">
-              <a:shade val="50000"/>
-            </a:schemeClr>
-          </a:lnRef>
-          <a:fillRef idx="1">
-            <a:schemeClr val="accent1"/>
-          </a:fillRef>
-          <a:effectRef idx="0">
-            <a:schemeClr val="accent1"/>
-          </a:effectRef>
-          <a:fontRef idx="minor">
-            <a:schemeClr val="lt1"/>
-          </a:fontRef>
-        </p:style>
-        <p:txBody>
-          <a:bodyPr rtlCol="0" anchor="ctr"/>
-          <a:lstStyle/>
-          <a:p>
-            <a:pPr algn="ctr"/>
-            <a:endParaRPr lang="en-GB"/>
-          </a:p>
-        </p:txBody>
-      </p:sp>
-      <p:grpSp>
-        <p:nvGrpSpPr>
-          <p:cNvPr id="2" name="Group 1">
+          <p:cNvSpPr>
+            <a:spLocks noGrp="1"/>
+          </p:cNvSpPr>
+          <p:nvPr>
+            <p:ph type="title"/>
+          </p:nvPr>
+        </p:nvSpPr>
+        <p:spPr/>
+        <p:txBody>
+          <a:bodyPr/>
+          <a:lstStyle/>
+          <a:p>
+            <a:r>
+              <a:rPr lang="en-GB" dirty="0"/>
+              <a:t>Timeline Caution !</a:t>
+            </a:r>
+          </a:p>
+        </p:txBody>
+      </p:sp>
+      <p:sp>
+        <p:nvSpPr>
+          <p:cNvPr id="3" name="Content Placeholder 2">
             <a:extLst>
               <a:ext uri="{FF2B5EF4-FFF2-40B4-BE49-F238E27FC236}">
-                <a16:creationId xmlns:a16="http://schemas.microsoft.com/office/drawing/2014/main" id="{D26461D4-BE28-4156-93F2-CB67E0998D73}"/>
+                <a16:creationId xmlns:a16="http://schemas.microsoft.com/office/drawing/2014/main" id="{BC4D1F94-396E-4C69-A540-9959D1BEACBE}"/>
               </a:ext>
             </a:extLst>
           </p:cNvPr>
-          <p:cNvGrpSpPr/>
-          <p:nvPr/>
-        </p:nvGrpSpPr>
-        <p:grpSpPr>
-          <a:xfrm>
-            <a:off x="587022" y="-3879"/>
-            <a:ext cx="7969956" cy="6861879"/>
-            <a:chOff x="587022" y="-3879"/>
-            <a:chExt cx="7969956" cy="6861879"/>
-          </a:xfrm>
-        </p:grpSpPr>
-        <p:pic>
-          <p:nvPicPr>
-            <p:cNvPr id="6" name="Picture 5">
-              <a:extLst>
-                <a:ext uri="{FF2B5EF4-FFF2-40B4-BE49-F238E27FC236}">
-                  <a16:creationId xmlns:a16="http://schemas.microsoft.com/office/drawing/2014/main" id="{550EC95E-DE0B-48CC-8351-0C8C787B0097}"/>
-                </a:ext>
-              </a:extLst>
-            </p:cNvPr>
-            <p:cNvPicPr>
-              <a:picLocks noChangeAspect="1"/>
-            </p:cNvPicPr>
-            <p:nvPr/>
-          </p:nvPicPr>
-          <p:blipFill rotWithShape="1">
-            <a:blip r:embed="rId2">
-              <a:extLst>
-                <a:ext uri="{28A0092B-C50C-407E-A947-70E740481C1C}">
-                  <a14:useLocalDpi xmlns:a14="http://schemas.microsoft.com/office/drawing/2010/main" val="0"/>
-                </a:ext>
-              </a:extLst>
-            </a:blip>
-            <a:srcRect l="42819" t="2950" r="908"/>
-            <a:stretch/>
-          </p:blipFill>
-          <p:spPr>
-            <a:xfrm>
-              <a:off x="587022" y="-3879"/>
-              <a:ext cx="7969956" cy="6861879"/>
-            </a:xfrm>
-            <a:prstGeom prst="rect">
-              <a:avLst/>
-            </a:prstGeom>
-          </p:spPr>
-        </p:pic>
-        <p:pic>
-          <p:nvPicPr>
-            <p:cNvPr id="10" name="Picture 9">
-              <a:extLst>
-                <a:ext uri="{FF2B5EF4-FFF2-40B4-BE49-F238E27FC236}">
-                  <a16:creationId xmlns:a16="http://schemas.microsoft.com/office/drawing/2014/main" id="{3B7C6597-CAA5-4A7C-A1EC-D9C8083F5FAB}"/>
-                </a:ext>
-              </a:extLst>
-            </p:cNvPr>
-            <p:cNvPicPr>
-              <a:picLocks noChangeAspect="1"/>
-            </p:cNvPicPr>
-            <p:nvPr/>
-          </p:nvPicPr>
-          <p:blipFill rotWithShape="1">
-            <a:blip r:embed="rId2">
-              <a:extLst>
-                <a:ext uri="{28A0092B-C50C-407E-A947-70E740481C1C}">
-                  <a14:useLocalDpi xmlns:a14="http://schemas.microsoft.com/office/drawing/2010/main" val="0"/>
-                </a:ext>
-              </a:extLst>
-            </a:blip>
-            <a:srcRect l="53939" t="32883" r="45264" b="61529"/>
-            <a:stretch/>
-          </p:blipFill>
-          <p:spPr>
-            <a:xfrm>
-              <a:off x="2166937" y="2461088"/>
-              <a:ext cx="112890" cy="395111"/>
-            </a:xfrm>
-            <a:prstGeom prst="rect">
-              <a:avLst/>
-            </a:prstGeom>
-          </p:spPr>
-        </p:pic>
-      </p:grpSp>
-      <p:sp>
-        <p:nvSpPr>
-          <p:cNvPr id="3" name="Rectangle: Rounded Corners 2">
-            <a:extLst>
-              <a:ext uri="{FF2B5EF4-FFF2-40B4-BE49-F238E27FC236}">
-                <a16:creationId xmlns:a16="http://schemas.microsoft.com/office/drawing/2014/main" id="{FED85171-94B3-4DB4-AD62-C9A5D4912A5F}"/>
-              </a:ext>
-            </a:extLst>
-          </p:cNvPr>
-          <p:cNvSpPr/>
-          <p:nvPr/>
-        </p:nvSpPr>
-        <p:spPr>
-          <a:xfrm>
-            <a:off x="1207382" y="2359377"/>
-            <a:ext cx="1230489" cy="598311"/>
-          </a:xfrm>
-          <a:prstGeom prst="roundRect">
-            <a:avLst/>
-          </a:prstGeom>
-          <a:noFill/>
-          <a:ln w="76200">
-            <a:solidFill>
-              <a:srgbClr val="FF0000"/>
-            </a:solidFill>
-          </a:ln>
-        </p:spPr>
-        <p:style>
-          <a:lnRef idx="2">
-            <a:schemeClr val="accent1">
-              <a:shade val="50000"/>
-            </a:schemeClr>
-          </a:lnRef>
-          <a:fillRef idx="1">
-            <a:schemeClr val="accent1"/>
-          </a:fillRef>
-          <a:effectRef idx="0">
-            <a:schemeClr val="accent1"/>
-          </a:effectRef>
-          <a:fontRef idx="minor">
-            <a:schemeClr val="lt1"/>
-          </a:fontRef>
-        </p:style>
-        <p:txBody>
-          <a:bodyPr rtlCol="0" anchor="ctr"/>
-          <a:lstStyle/>
-          <a:p>
-            <a:pPr algn="ctr"/>
-            <a:endParaRPr lang="en-GB"/>
-          </a:p>
-        </p:txBody>
-      </p:sp>
-      <p:sp>
-        <p:nvSpPr>
-          <p:cNvPr id="11" name="Rectangle: Rounded Corners 10">
-            <a:extLst>
-              <a:ext uri="{FF2B5EF4-FFF2-40B4-BE49-F238E27FC236}">
-                <a16:creationId xmlns:a16="http://schemas.microsoft.com/office/drawing/2014/main" id="{CDA81A01-3F4F-4E00-A287-6DBF2D551446}"/>
-              </a:ext>
-            </a:extLst>
-          </p:cNvPr>
-          <p:cNvSpPr/>
-          <p:nvPr/>
-        </p:nvSpPr>
-        <p:spPr>
-          <a:xfrm>
-            <a:off x="3696582" y="1236133"/>
-            <a:ext cx="1230489" cy="598311"/>
-          </a:xfrm>
-          <a:prstGeom prst="roundRect">
-            <a:avLst/>
-          </a:prstGeom>
-          <a:noFill/>
-          <a:ln w="76200">
-            <a:solidFill>
-              <a:srgbClr val="FF0000"/>
-            </a:solidFill>
-          </a:ln>
-        </p:spPr>
-        <p:style>
-          <a:lnRef idx="2">
-            <a:schemeClr val="accent1">
-              <a:shade val="50000"/>
-            </a:schemeClr>
-          </a:lnRef>
-          <a:fillRef idx="1">
-            <a:schemeClr val="accent1"/>
-          </a:fillRef>
-          <a:effectRef idx="0">
-            <a:schemeClr val="accent1"/>
-          </a:effectRef>
-          <a:fontRef idx="minor">
-            <a:schemeClr val="lt1"/>
-          </a:fontRef>
-        </p:style>
-        <p:txBody>
-          <a:bodyPr rtlCol="0" anchor="ctr"/>
-          <a:lstStyle/>
-          <a:p>
-            <a:pPr algn="ctr"/>
-            <a:endParaRPr lang="en-GB"/>
+          <p:cNvSpPr>
+            <a:spLocks noGrp="1"/>
+          </p:cNvSpPr>
+          <p:nvPr>
+            <p:ph idx="1"/>
+          </p:nvPr>
+        </p:nvSpPr>
+        <p:spPr/>
+        <p:txBody>
+          <a:bodyPr/>
+          <a:lstStyle/>
+          <a:p>
+            <a:r>
+              <a:rPr lang="en-GB" dirty="0"/>
+              <a:t>Be careful when viewing the project timeline…</a:t>
+            </a:r>
+          </a:p>
+          <a:p>
+            <a:r>
+              <a:rPr lang="en-GB" dirty="0"/>
+              <a:t>It’s really easy to accidently drag activities around</a:t>
+            </a:r>
+          </a:p>
+          <a:p>
+            <a:r>
+              <a:rPr lang="en-GB" dirty="0"/>
+              <a:t>It’s wise to screenshot your timeline occasionally</a:t>
+            </a:r>
+          </a:p>
+          <a:p>
+            <a:pPr marL="0" indent="0">
+              <a:buNone/>
+            </a:pPr>
+            <a:r>
+              <a:rPr lang="en-GB" dirty="0"/>
+              <a:t>  (in case you mess it up, or something goes wrong)</a:t>
+            </a:r>
+          </a:p>
+          <a:p>
+            <a:endParaRPr lang="en-GB" dirty="0"/>
           </a:p>
         </p:txBody>
       </p:sp>
     </p:spTree>
     <p:extLst>
       <p:ext uri="{BB962C8B-B14F-4D97-AF65-F5344CB8AC3E}">
-        <p14:creationId xmlns:p14="http://schemas.microsoft.com/office/powerpoint/2010/main" val="2930698846"/>
+        <p14:creationId xmlns:p14="http://schemas.microsoft.com/office/powerpoint/2010/main" val="3442110644"/>
       </p:ext>
     </p:extLst>
   </p:cSld>
   <p:clrMapOvr>
     <a:masterClrMapping/>
   </p:clrMapOvr>
-  <p:timing>
-    <p:tnLst>
-      <p:par>
-        <p:cTn id="1" dur="indefinite" restart="never" nodeType="tmRoot">
-          <p:childTnLst>
-            <p:seq concurrent="1" nextAc="seek">
-              <p:cTn id="2" dur="indefinite" nodeType="mainSeq">
-                <p:childTnLst>
-                  <p:par>
-                    <p:cTn id="3" fill="hold">
-                      <p:stCondLst>
-                        <p:cond delay="indefinite"/>
-                      </p:stCondLst>
-                      <p:childTnLst>
-                        <p:par>
-                          <p:cTn id="4" fill="hold">
-                            <p:stCondLst>
-                              <p:cond delay="0"/>
-                            </p:stCondLst>
-                            <p:childTnLst>
-                              <p:par>
-                                <p:cTn id="5" presetID="10" presetClass="entr" presetSubtype="0" fill="hold" grpId="0" nodeType="clickEffect">
-                                  <p:stCondLst>
-                                    <p:cond delay="0"/>
-                                  </p:stCondLst>
-                                  <p:childTnLst>
-                                    <p:set>
-                                      <p:cBhvr>
-                                        <p:cTn id="6" dur="1" fill="hold">
-                                          <p:stCondLst>
-                                            <p:cond delay="0"/>
-                                          </p:stCondLst>
-                                        </p:cTn>
-                                        <p:tgtEl>
-                                          <p:spTgt spid="3"/>
-                                        </p:tgtEl>
-                                        <p:attrNameLst>
-                                          <p:attrName>style.visibility</p:attrName>
-                                        </p:attrNameLst>
-                                      </p:cBhvr>
-                                      <p:to>
-                                        <p:strVal val="visible"/>
-                                      </p:to>
-                                    </p:set>
-                                    <p:animEffect transition="in" filter="fade">
-                                      <p:cBhvr>
-                                        <p:cTn id="7" dur="500"/>
-                                        <p:tgtEl>
-                                          <p:spTgt spid="3"/>
-                                        </p:tgtEl>
-                                      </p:cBhvr>
-                                    </p:animEffect>
-                                  </p:childTnLst>
-                                </p:cTn>
-                              </p:par>
-                            </p:childTnLst>
-                          </p:cTn>
-                        </p:par>
-                      </p:childTnLst>
-                    </p:cTn>
-                  </p:par>
-                  <p:par>
-                    <p:cTn id="8" fill="hold">
-                      <p:stCondLst>
-                        <p:cond delay="indefinite"/>
-                      </p:stCondLst>
-                      <p:childTnLst>
-                        <p:par>
-                          <p:cTn id="9" fill="hold">
-                            <p:stCondLst>
-                              <p:cond delay="0"/>
-                            </p:stCondLst>
-                            <p:childTnLst>
-                              <p:par>
-                                <p:cTn id="10" presetID="10" presetClass="entr" presetSubtype="0" fill="hold" grpId="0" nodeType="clickEffect">
-                                  <p:stCondLst>
-                                    <p:cond delay="0"/>
-                                  </p:stCondLst>
-                                  <p:childTnLst>
-                                    <p:set>
-                                      <p:cBhvr>
-                                        <p:cTn id="11" dur="1" fill="hold">
-                                          <p:stCondLst>
-                                            <p:cond delay="0"/>
-                                          </p:stCondLst>
-                                        </p:cTn>
-                                        <p:tgtEl>
-                                          <p:spTgt spid="11"/>
-                                        </p:tgtEl>
-                                        <p:attrNameLst>
-                                          <p:attrName>style.visibility</p:attrName>
-                                        </p:attrNameLst>
-                                      </p:cBhvr>
-                                      <p:to>
-                                        <p:strVal val="visible"/>
-                                      </p:to>
-                                    </p:set>
-                                    <p:animEffect transition="in" filter="fade">
-                                      <p:cBhvr>
-                                        <p:cTn id="12" dur="500"/>
-                                        <p:tgtEl>
-                                          <p:spTgt spid="11"/>
-                                        </p:tgtEl>
-                                      </p:cBhvr>
-                                    </p:animEffect>
-                                  </p:childTnLst>
-                                </p:cTn>
-                              </p:par>
-                            </p:childTnLst>
-                          </p:cTn>
-                        </p:par>
-                      </p:childTnLst>
-                    </p:cTn>
-                  </p:par>
-                </p:childTnLst>
-              </p:cTn>
-              <p:prevCondLst>
-                <p:cond evt="onPrev" delay="0">
-                  <p:tgtEl>
-                    <p:sldTgt/>
-                  </p:tgtEl>
-                </p:cond>
-              </p:prevCondLst>
-              <p:nextCondLst>
-                <p:cond evt="onNext" delay="0">
-                  <p:tgtEl>
-                    <p:sldTgt/>
-                  </p:tgtEl>
-                </p:cond>
-              </p:nextCondLst>
-            </p:seq>
-          </p:childTnLst>
-        </p:cTn>
-      </p:par>
-    </p:tnLst>
-    <p:bldLst>
-      <p:bldP spid="3" grpId="0" animBg="1"/>
-      <p:bldP spid="11" grpId="0" animBg="1"/>
-    </p:bldLst>
-  </p:timing>
 </p:sld>
 </file>
 
@@ -3547,116 +3240,6 @@
           <p:cNvPr id="2" name="Title 1">
             <a:extLst>
               <a:ext uri="{FF2B5EF4-FFF2-40B4-BE49-F238E27FC236}">
-                <a16:creationId xmlns:a16="http://schemas.microsoft.com/office/drawing/2014/main" id="{7451973F-008B-4E81-8256-FE8684C4F4CD}"/>
-              </a:ext>
-            </a:extLst>
-          </p:cNvPr>
-          <p:cNvSpPr>
-            <a:spLocks noGrp="1"/>
-          </p:cNvSpPr>
-          <p:nvPr>
-            <p:ph type="title"/>
-          </p:nvPr>
-        </p:nvSpPr>
-        <p:spPr/>
-        <p:txBody>
-          <a:bodyPr/>
-          <a:lstStyle/>
-          <a:p>
-            <a:r>
-              <a:rPr lang="en-GB" dirty="0"/>
-              <a:t>Timeline Caution !</a:t>
-            </a:r>
-          </a:p>
-        </p:txBody>
-      </p:sp>
-      <p:sp>
-        <p:nvSpPr>
-          <p:cNvPr id="3" name="Content Placeholder 2">
-            <a:extLst>
-              <a:ext uri="{FF2B5EF4-FFF2-40B4-BE49-F238E27FC236}">
-                <a16:creationId xmlns:a16="http://schemas.microsoft.com/office/drawing/2014/main" id="{BC4D1F94-396E-4C69-A540-9959D1BEACBE}"/>
-              </a:ext>
-            </a:extLst>
-          </p:cNvPr>
-          <p:cNvSpPr>
-            <a:spLocks noGrp="1"/>
-          </p:cNvSpPr>
-          <p:nvPr>
-            <p:ph idx="1"/>
-          </p:nvPr>
-        </p:nvSpPr>
-        <p:spPr/>
-        <p:txBody>
-          <a:bodyPr/>
-          <a:lstStyle/>
-          <a:p>
-            <a:r>
-              <a:rPr lang="en-GB" dirty="0"/>
-              <a:t>Be careful when viewing the project timeline…</a:t>
-            </a:r>
-          </a:p>
-          <a:p>
-            <a:r>
-              <a:rPr lang="en-GB" dirty="0"/>
-              <a:t>It’s really easy to accidently drag activities around</a:t>
-            </a:r>
-          </a:p>
-          <a:p>
-            <a:r>
-              <a:rPr lang="en-GB" dirty="0"/>
-              <a:t>It’s wise to screenshot your timeline occasionally</a:t>
-            </a:r>
-          </a:p>
-          <a:p>
-            <a:pPr marL="0" indent="0">
-              <a:buNone/>
-            </a:pPr>
-            <a:r>
-              <a:rPr lang="en-GB" dirty="0"/>
-              <a:t>  (in case you mess it up, or something goes wrong)</a:t>
-            </a:r>
-          </a:p>
-          <a:p>
-            <a:endParaRPr lang="en-GB" dirty="0"/>
-          </a:p>
-        </p:txBody>
-      </p:sp>
-    </p:spTree>
-    <p:extLst>
-      <p:ext uri="{BB962C8B-B14F-4D97-AF65-F5344CB8AC3E}">
-        <p14:creationId xmlns:p14="http://schemas.microsoft.com/office/powerpoint/2010/main" val="3442110644"/>
-      </p:ext>
-    </p:extLst>
-  </p:cSld>
-  <p:clrMapOvr>
-    <a:masterClrMapping/>
-  </p:clrMapOvr>
-</p:sld>
-</file>
-
-<file path=ppt/slides/slide12.xml><?xml version="1.0" encoding="utf-8"?>
-<p:sld xmlns:a="http://schemas.openxmlformats.org/drawingml/2006/main" xmlns:r="http://schemas.openxmlformats.org/officeDocument/2006/relationships" xmlns:p="http://schemas.openxmlformats.org/presentationml/2006/main">
-  <p:cSld>
-    <p:spTree>
-      <p:nvGrpSpPr>
-        <p:cNvPr id="1" name=""/>
-        <p:cNvGrpSpPr/>
-        <p:nvPr/>
-      </p:nvGrpSpPr>
-      <p:grpSpPr>
-        <a:xfrm>
-          <a:off x="0" y="0"/>
-          <a:ext cx="0" cy="0"/>
-          <a:chOff x="0" y="0"/>
-          <a:chExt cx="0" cy="0"/>
-        </a:xfrm>
-      </p:grpSpPr>
-      <p:sp>
-        <p:nvSpPr>
-          <p:cNvPr id="2" name="Title 1">
-            <a:extLst>
-              <a:ext uri="{FF2B5EF4-FFF2-40B4-BE49-F238E27FC236}">
                 <a16:creationId xmlns:a16="http://schemas.microsoft.com/office/drawing/2014/main" id="{C298B2E8-9411-4B03-8BC9-D68C9E19A63A}"/>
               </a:ext>
             </a:extLst>
@@ -3761,7 +3344,7 @@
 </p:sld>
 </file>
 
-<file path=ppt/slides/slide13.xml><?xml version="1.0" encoding="utf-8"?>
+<file path=ppt/slides/slide12.xml><?xml version="1.0" encoding="utf-8"?>
 <p:sld xmlns:a="http://schemas.openxmlformats.org/drawingml/2006/main" xmlns:r="http://schemas.openxmlformats.org/officeDocument/2006/relationships" xmlns:p="http://schemas.openxmlformats.org/presentationml/2006/main">
   <p:cSld>
     <p:spTree>
@@ -3850,7 +3433,7 @@
 </p:sld>
 </file>
 
-<file path=ppt/slides/slide14.xml><?xml version="1.0" encoding="utf-8"?>
+<file path=ppt/slides/slide13.xml><?xml version="1.0" encoding="utf-8"?>
 <p:sld xmlns:a="http://schemas.openxmlformats.org/drawingml/2006/main" xmlns:r="http://schemas.openxmlformats.org/officeDocument/2006/relationships" xmlns:p="http://schemas.openxmlformats.org/presentationml/2006/main">
   <p:cSld>
     <p:spTree>
@@ -3984,7 +3567,7 @@
 </p:sld>
 </file>
 
-<file path=ppt/slides/slide15.xml><?xml version="1.0" encoding="utf-8"?>
+<file path=ppt/slides/slide14.xml><?xml version="1.0" encoding="utf-8"?>
 <p:sld xmlns:a="http://schemas.openxmlformats.org/drawingml/2006/main" xmlns:r="http://schemas.openxmlformats.org/officeDocument/2006/relationships" xmlns:p="http://schemas.openxmlformats.org/presentationml/2006/main">
   <p:cSld>
     <p:bg>
@@ -4093,7 +3676,7 @@
 </p:sld>
 </file>
 
-<file path=ppt/slides/slide16.xml><?xml version="1.0" encoding="utf-8"?>
+<file path=ppt/slides/slide15.xml><?xml version="1.0" encoding="utf-8"?>
 <p:sld xmlns:a="http://schemas.openxmlformats.org/drawingml/2006/main" xmlns:r="http://schemas.openxmlformats.org/officeDocument/2006/relationships" xmlns:p="http://schemas.openxmlformats.org/presentationml/2006/main">
   <p:cSld>
     <p:bg>
@@ -4193,6 +3776,112 @@
 </p:sld>
 </file>
 
+<file path=ppt/slides/slide16.xml><?xml version="1.0" encoding="utf-8"?>
+<p:sld xmlns:a="http://schemas.openxmlformats.org/drawingml/2006/main" xmlns:r="http://schemas.openxmlformats.org/officeDocument/2006/relationships" xmlns:p="http://schemas.openxmlformats.org/presentationml/2006/main">
+  <p:cSld>
+    <p:spTree>
+      <p:nvGrpSpPr>
+        <p:cNvPr id="1" name=""/>
+        <p:cNvGrpSpPr/>
+        <p:nvPr/>
+      </p:nvGrpSpPr>
+      <p:grpSpPr>
+        <a:xfrm>
+          <a:off x="0" y="0"/>
+          <a:ext cx="0" cy="0"/>
+          <a:chOff x="0" y="0"/>
+          <a:chExt cx="0" cy="0"/>
+        </a:xfrm>
+      </p:grpSpPr>
+      <p:sp>
+        <p:nvSpPr>
+          <p:cNvPr id="2" name="Title 1">
+            <a:extLst>
+              <a:ext uri="{FF2B5EF4-FFF2-40B4-BE49-F238E27FC236}">
+                <a16:creationId xmlns:a16="http://schemas.microsoft.com/office/drawing/2014/main" id="{A3503B53-D2A8-4783-9DFE-112AE5CC0D33}"/>
+              </a:ext>
+            </a:extLst>
+          </p:cNvPr>
+          <p:cNvSpPr>
+            <a:spLocks noGrp="1"/>
+          </p:cNvSpPr>
+          <p:nvPr>
+            <p:ph type="title"/>
+          </p:nvPr>
+        </p:nvSpPr>
+        <p:spPr/>
+        <p:txBody>
+          <a:bodyPr/>
+          <a:lstStyle/>
+          <a:p>
+            <a:r>
+              <a:rPr lang="en-GB" dirty="0"/>
+              <a:t>Change</a:t>
+            </a:r>
+          </a:p>
+        </p:txBody>
+      </p:sp>
+      <p:sp>
+        <p:nvSpPr>
+          <p:cNvPr id="3" name="Content Placeholder 2">
+            <a:extLst>
+              <a:ext uri="{FF2B5EF4-FFF2-40B4-BE49-F238E27FC236}">
+                <a16:creationId xmlns:a16="http://schemas.microsoft.com/office/drawing/2014/main" id="{A4C1ED28-EF29-47AF-B864-F12C1741F34F}"/>
+              </a:ext>
+            </a:extLst>
+          </p:cNvPr>
+          <p:cNvSpPr>
+            <a:spLocks noGrp="1"/>
+          </p:cNvSpPr>
+          <p:nvPr>
+            <p:ph idx="1"/>
+          </p:nvPr>
+        </p:nvSpPr>
+        <p:spPr/>
+        <p:txBody>
+          <a:bodyPr>
+            <a:normAutofit/>
+          </a:bodyPr>
+          <a:lstStyle/>
+          <a:p>
+            <a:r>
+              <a:rPr lang="en-GB" dirty="0"/>
+              <a:t>We don’t expect you to predict it all in week 1</a:t>
+            </a:r>
+          </a:p>
+          <a:p>
+            <a:r>
+              <a:rPr lang="en-GB" dirty="0"/>
+              <a:t>We do however expect you to update things in OP when they do become apparent</a:t>
+            </a:r>
+          </a:p>
+          <a:p>
+            <a:r>
+              <a:rPr lang="en-GB" dirty="0"/>
+              <a:t>Whole team should agree on significant changes</a:t>
+            </a:r>
+          </a:p>
+          <a:p>
+            <a:r>
+              <a:rPr lang="en-GB" dirty="0"/>
+              <a:t>E.g. Don’t just go in and hike up your effort hours !</a:t>
+            </a:r>
+          </a:p>
+        </p:txBody>
+      </p:sp>
+    </p:spTree>
+    <p:extLst>
+      <p:ext uri="{BB962C8B-B14F-4D97-AF65-F5344CB8AC3E}">
+        <p14:creationId xmlns:p14="http://schemas.microsoft.com/office/powerpoint/2010/main" val="3058422310"/>
+      </p:ext>
+    </p:extLst>
+  </p:cSld>
+  <p:clrMapOvr>
+    <a:masterClrMapping/>
+  </p:clrMapOvr>
+</p:sld>
+</file>
+
 <file path=ppt/slides/slide17.xml><?xml version="1.0" encoding="utf-8"?>
 <p:sld xmlns:a="http://schemas.openxmlformats.org/drawingml/2006/main" xmlns:r="http://schemas.openxmlformats.org/officeDocument/2006/relationships" xmlns:p="http://schemas.openxmlformats.org/presentationml/2006/main">
   <p:cSld>
@@ -4233,7 +3922,7 @@
           <a:p>
             <a:r>
               <a:rPr lang="en-GB" dirty="0"/>
-              <a:t>Change</a:t>
+              <a:t>Essential data to continuously update</a:t>
             </a:r>
           </a:p>
         </p:txBody>
@@ -4263,25 +3952,37 @@
           <a:p>
             <a:r>
               <a:rPr lang="en-GB" dirty="0"/>
-              <a:t>We don’t expect you to predict it all in week 1</a:t>
-            </a:r>
-          </a:p>
-          <a:p>
-            <a:r>
-              <a:rPr lang="en-GB" dirty="0"/>
-              <a:t>We do however expect you to update things in OP when they do become apparent</a:t>
-            </a:r>
-          </a:p>
-          <a:p>
-            <a:r>
-              <a:rPr lang="en-GB" dirty="0"/>
-              <a:t>Whole team should agree on significant changes</a:t>
-            </a:r>
-          </a:p>
-          <a:p>
-            <a:r>
-              <a:rPr lang="en-GB" dirty="0"/>
-              <a:t>E.g. Don’t just go in and hike up your effort hours !</a:t>
+              <a:t>WPs (how long they take, who is doing them)</a:t>
+            </a:r>
+          </a:p>
+          <a:p>
+            <a:r>
+              <a:rPr lang="en-GB" dirty="0"/>
+              <a:t>Meetings (their purpose and who attends them)</a:t>
+            </a:r>
+          </a:p>
+          <a:p>
+            <a:r>
+              <a:rPr lang="en-GB" dirty="0"/>
+              <a:t>Progress (percentage task completeness)</a:t>
+            </a:r>
+          </a:p>
+          <a:p>
+            <a:r>
+              <a:rPr lang="en-GB" dirty="0"/>
+              <a:t>Status (“New”, “In Progress”, “Closed” etc.)</a:t>
+            </a:r>
+          </a:p>
+          <a:p>
+            <a:r>
+              <a:rPr lang="en-GB" dirty="0"/>
+              <a:t>Releases (which WPs delivered in each release)</a:t>
+            </a:r>
+          </a:p>
+          <a:p>
+            <a:r>
+              <a:rPr lang="en-GB" dirty="0"/>
+              <a:t>Documents (everything hosted on Git)</a:t>
             </a:r>
           </a:p>
         </p:txBody>
@@ -4289,7 +3990,7 @@
     </p:spTree>
     <p:extLst>
       <p:ext uri="{BB962C8B-B14F-4D97-AF65-F5344CB8AC3E}">
-        <p14:creationId xmlns:p14="http://schemas.microsoft.com/office/powerpoint/2010/main" val="3058422310"/>
+        <p14:creationId xmlns:p14="http://schemas.microsoft.com/office/powerpoint/2010/main" val="3851105777"/>
       </p:ext>
     </p:extLst>
   </p:cSld>
@@ -4321,7 +4022,7 @@
           <p:cNvPr id="2" name="Title 1">
             <a:extLst>
               <a:ext uri="{FF2B5EF4-FFF2-40B4-BE49-F238E27FC236}">
-                <a16:creationId xmlns:a16="http://schemas.microsoft.com/office/drawing/2014/main" id="{A3503B53-D2A8-4783-9DFE-112AE5CC0D33}"/>
+                <a16:creationId xmlns:a16="http://schemas.microsoft.com/office/drawing/2014/main" id="{C85F2535-E76C-4629-B1EF-45A93985C486}"/>
               </a:ext>
             </a:extLst>
           </p:cNvPr>
@@ -4339,7 +4040,7 @@
           <a:p>
             <a:r>
               <a:rPr lang="en-GB" dirty="0"/>
-              <a:t>Essential data to continuously update</a:t>
+              <a:t>Things not to worry too much about</a:t>
             </a:r>
           </a:p>
         </p:txBody>
@@ -4349,7 +4050,7 @@
           <p:cNvPr id="3" name="Content Placeholder 2">
             <a:extLst>
               <a:ext uri="{FF2B5EF4-FFF2-40B4-BE49-F238E27FC236}">
-                <a16:creationId xmlns:a16="http://schemas.microsoft.com/office/drawing/2014/main" id="{A4C1ED28-EF29-47AF-B864-F12C1741F34F}"/>
+                <a16:creationId xmlns:a16="http://schemas.microsoft.com/office/drawing/2014/main" id="{23EE6D7C-DFF2-4380-80C0-71B952A482AE}"/>
               </a:ext>
             </a:extLst>
           </p:cNvPr>
@@ -4362,52 +4063,32 @@
         </p:nvSpPr>
         <p:spPr/>
         <p:txBody>
-          <a:bodyPr>
-            <a:normAutofit/>
-          </a:bodyPr>
-          <a:lstStyle/>
-          <a:p>
-            <a:r>
-              <a:rPr lang="en-GB" dirty="0"/>
-              <a:t>WPs (how long they take, who is doing them)</a:t>
-            </a:r>
-          </a:p>
-          <a:p>
-            <a:r>
-              <a:rPr lang="en-GB" dirty="0"/>
-              <a:t>Meetings (their purpose and who attends them)</a:t>
-            </a:r>
-          </a:p>
-          <a:p>
-            <a:r>
-              <a:rPr lang="en-GB" dirty="0"/>
-              <a:t>Progress (percentage task completeness)</a:t>
-            </a:r>
-          </a:p>
-          <a:p>
-            <a:r>
-              <a:rPr lang="en-GB" dirty="0"/>
-              <a:t>Status (“New”, “In Progress”, “Closed” etc.)</a:t>
-            </a:r>
-          </a:p>
-          <a:p>
-            <a:r>
-              <a:rPr lang="en-GB" dirty="0"/>
-              <a:t>Releases (which WPs delivered in each release)</a:t>
-            </a:r>
-          </a:p>
-          <a:p>
-            <a:r>
-              <a:rPr lang="en-GB" dirty="0"/>
-              <a:t>Documents (everything hosted on Git)</a:t>
-            </a:r>
+          <a:bodyPr/>
+          <a:lstStyle/>
+          <a:p>
+            <a:r>
+              <a:rPr lang="en-GB" dirty="0"/>
+              <a:t>Budgets (there is no money anyway)</a:t>
+            </a:r>
+          </a:p>
+          <a:p>
+            <a:r>
+              <a:rPr lang="en-GB" dirty="0"/>
+              <a:t>Don’t feel you need to use all work package types</a:t>
+            </a:r>
+          </a:p>
+          <a:p>
+            <a:endParaRPr lang="en-GB" dirty="0"/>
+          </a:p>
+          <a:p>
+            <a:endParaRPr lang="en-GB" dirty="0"/>
           </a:p>
         </p:txBody>
       </p:sp>
     </p:spTree>
     <p:extLst>
       <p:ext uri="{BB962C8B-B14F-4D97-AF65-F5344CB8AC3E}">
-        <p14:creationId xmlns:p14="http://schemas.microsoft.com/office/powerpoint/2010/main" val="3851105777"/>
+        <p14:creationId xmlns:p14="http://schemas.microsoft.com/office/powerpoint/2010/main" val="1528125622"/>
       </p:ext>
     </p:extLst>
   </p:cSld>
@@ -4436,10 +4117,10 @@
       </p:grpSpPr>
       <p:sp>
         <p:nvSpPr>
-          <p:cNvPr id="2" name="Title 1">
+          <p:cNvPr id="4" name="Title 3">
             <a:extLst>
               <a:ext uri="{FF2B5EF4-FFF2-40B4-BE49-F238E27FC236}">
-                <a16:creationId xmlns:a16="http://schemas.microsoft.com/office/drawing/2014/main" id="{C85F2535-E76C-4629-B1EF-45A93985C486}"/>
+                <a16:creationId xmlns:a16="http://schemas.microsoft.com/office/drawing/2014/main" id="{7CDE2FF9-0E7A-43DC-A61F-BB8863025C54}"/>
               </a:ext>
             </a:extLst>
           </p:cNvPr>
@@ -4455,49 +4136,21 @@
           <a:bodyPr/>
           <a:lstStyle/>
           <a:p>
-            <a:r>
-              <a:rPr lang="en-GB" dirty="0"/>
-              <a:t>Things not to worry too much about</a:t>
-            </a:r>
-          </a:p>
-        </p:txBody>
-      </p:sp>
-      <p:sp>
-        <p:nvSpPr>
-          <p:cNvPr id="3" name="Content Placeholder 2">
-            <a:extLst>
-              <a:ext uri="{FF2B5EF4-FFF2-40B4-BE49-F238E27FC236}">
-                <a16:creationId xmlns:a16="http://schemas.microsoft.com/office/drawing/2014/main" id="{23EE6D7C-DFF2-4380-80C0-71B952A482AE}"/>
-              </a:ext>
-            </a:extLst>
-          </p:cNvPr>
-          <p:cNvSpPr>
-            <a:spLocks noGrp="1"/>
-          </p:cNvSpPr>
-          <p:nvPr>
-            <p:ph idx="1"/>
-          </p:nvPr>
-        </p:nvSpPr>
-        <p:spPr/>
-        <p:txBody>
-          <a:bodyPr/>
-          <a:lstStyle/>
-          <a:p>
-            <a:r>
-              <a:rPr lang="en-GB" dirty="0"/>
-              <a:t>Budgets (there is no money anyway)</a:t>
-            </a:r>
-          </a:p>
-          <a:p>
-            <a:r>
-              <a:rPr lang="en-GB" dirty="0"/>
-              <a:t>Don’t feel you need to use all work package types</a:t>
-            </a:r>
-          </a:p>
-          <a:p>
-            <a:endParaRPr lang="en-GB" dirty="0"/>
-          </a:p>
-          <a:p>
+            <a:pPr algn="ctr"/>
+            <a:r>
+              <a:rPr lang="en-GB" dirty="0"/>
+              <a:t>The BIG </a:t>
+            </a:r>
+            <a:r>
+              <a:rPr lang="en-GB"/>
+              <a:t>payoff ?</a:t>
+            </a:r>
+            <a:br>
+              <a:rPr lang="en-GB"/>
+            </a:br>
+            <a:br>
+              <a:rPr lang="en-GB" dirty="0"/>
+            </a:br>
             <a:endParaRPr lang="en-GB" dirty="0"/>
           </a:p>
         </p:txBody>
@@ -4505,7 +4158,7 @@
     </p:spTree>
     <p:extLst>
       <p:ext uri="{BB962C8B-B14F-4D97-AF65-F5344CB8AC3E}">
-        <p14:creationId xmlns:p14="http://schemas.microsoft.com/office/powerpoint/2010/main" val="1528125622"/>
+        <p14:creationId xmlns:p14="http://schemas.microsoft.com/office/powerpoint/2010/main" val="2568298180"/>
       </p:ext>
     </p:extLst>
   </p:cSld>
@@ -4668,10 +4321,10 @@
       </p:grpSpPr>
       <p:sp>
         <p:nvSpPr>
-          <p:cNvPr id="4" name="Title 3">
+          <p:cNvPr id="2" name="Title 1">
             <a:extLst>
               <a:ext uri="{FF2B5EF4-FFF2-40B4-BE49-F238E27FC236}">
-                <a16:creationId xmlns:a16="http://schemas.microsoft.com/office/drawing/2014/main" id="{7CDE2FF9-0E7A-43DC-A61F-BB8863025C54}"/>
+                <a16:creationId xmlns:a16="http://schemas.microsoft.com/office/drawing/2014/main" id="{28B4DDE3-84C6-4C3B-9755-3D6487B2A7E4}"/>
               </a:ext>
             </a:extLst>
           </p:cNvPr>
@@ -4687,29 +4340,99 @@
           <a:bodyPr/>
           <a:lstStyle/>
           <a:p>
-            <a:pPr algn="ctr"/>
-            <a:r>
-              <a:rPr lang="en-GB" dirty="0"/>
-              <a:t>The BIG </a:t>
-            </a:r>
-            <a:r>
-              <a:rPr lang="en-GB"/>
-              <a:t>payoff ?</a:t>
-            </a:r>
-            <a:br>
-              <a:rPr lang="en-GB"/>
-            </a:br>
-            <a:br>
-              <a:rPr lang="en-GB" dirty="0"/>
-            </a:br>
+            <a:r>
+              <a:rPr lang="en-GB" dirty="0"/>
+              <a:t>Monitoring</a:t>
+            </a:r>
+          </a:p>
+        </p:txBody>
+      </p:sp>
+      <p:sp>
+        <p:nvSpPr>
+          <p:cNvPr id="3" name="Content Placeholder 2">
+            <a:extLst>
+              <a:ext uri="{FF2B5EF4-FFF2-40B4-BE49-F238E27FC236}">
+                <a16:creationId xmlns:a16="http://schemas.microsoft.com/office/drawing/2014/main" id="{4588F19C-498A-4DB4-98A7-F96A3EA73515}"/>
+              </a:ext>
+            </a:extLst>
+          </p:cNvPr>
+          <p:cNvSpPr>
+            <a:spLocks noGrp="1"/>
+          </p:cNvSpPr>
+          <p:nvPr>
+            <p:ph idx="1"/>
+          </p:nvPr>
+        </p:nvSpPr>
+        <p:spPr/>
+        <p:txBody>
+          <a:bodyPr/>
+          <a:lstStyle/>
+          <a:p>
+            <a:pPr marL="0" indent="0">
+              <a:buNone/>
+            </a:pPr>
+            <a:r>
+              <a:rPr lang="en-GB" dirty="0"/>
+              <a:t>OP provides us with PROJECT TRANSPARENCY</a:t>
+            </a:r>
+          </a:p>
+          <a:p>
+            <a:pPr marL="0" indent="0">
+              <a:buNone/>
+            </a:pPr>
+            <a:r>
+              <a:rPr lang="en-GB" dirty="0"/>
+              <a:t>We can see WHAT you are up to and WHEN</a:t>
+            </a:r>
+          </a:p>
+          <a:p>
+            <a:pPr marL="0" indent="0">
+              <a:buNone/>
+            </a:pPr>
+            <a:r>
+              <a:rPr lang="en-GB" dirty="0"/>
+              <a:t>This has a number of “benefits”…</a:t>
+            </a:r>
+          </a:p>
+          <a:p>
             <a:endParaRPr lang="en-GB" dirty="0"/>
+          </a:p>
+          <a:p>
+            <a:r>
+              <a:rPr lang="en-GB" dirty="0"/>
+              <a:t>We can monitor the patterns and flow of work</a:t>
+            </a:r>
+          </a:p>
+          <a:p>
+            <a:r>
+              <a:rPr lang="en-GB" dirty="0"/>
+              <a:t>We can spot problems early on</a:t>
+            </a:r>
+          </a:p>
+          <a:p>
+            <a:r>
+              <a:rPr lang="en-GB" dirty="0"/>
+              <a:t>We can “encourage” when work is falling behind</a:t>
+            </a:r>
+          </a:p>
+          <a:p>
+            <a:r>
+              <a:rPr lang="en-GB" dirty="0"/>
+              <a:t>We can tell if people aren’t pulling their weight</a:t>
+            </a:r>
+          </a:p>
+          <a:p>
+            <a:r>
+              <a:rPr lang="en-GB" dirty="0"/>
+              <a:t>We can mark teams on process, as well as product</a:t>
+            </a:r>
           </a:p>
         </p:txBody>
       </p:sp>
     </p:spTree>
     <p:extLst>
       <p:ext uri="{BB962C8B-B14F-4D97-AF65-F5344CB8AC3E}">
-        <p14:creationId xmlns:p14="http://schemas.microsoft.com/office/powerpoint/2010/main" val="2568298180"/>
+        <p14:creationId xmlns:p14="http://schemas.microsoft.com/office/powerpoint/2010/main" val="1574101972"/>
       </p:ext>
     </p:extLst>
   </p:cSld>
@@ -4741,7 +4464,7 @@
           <p:cNvPr id="2" name="Title 1">
             <a:extLst>
               <a:ext uri="{FF2B5EF4-FFF2-40B4-BE49-F238E27FC236}">
-                <a16:creationId xmlns:a16="http://schemas.microsoft.com/office/drawing/2014/main" id="{28B4DDE3-84C6-4C3B-9755-3D6487B2A7E4}"/>
+                <a16:creationId xmlns:a16="http://schemas.microsoft.com/office/drawing/2014/main" id="{F35733BB-C782-4634-A539-8D44F26FC7A3}"/>
               </a:ext>
             </a:extLst>
           </p:cNvPr>
@@ -4759,7 +4482,7 @@
           <a:p>
             <a:r>
               <a:rPr lang="en-GB" dirty="0"/>
-              <a:t>Monitoring</a:t>
+              <a:t>Specific things we will be looking for</a:t>
             </a:r>
           </a:p>
         </p:txBody>
@@ -4769,7 +4492,7 @@
           <p:cNvPr id="3" name="Content Placeholder 2">
             <a:extLst>
               <a:ext uri="{FF2B5EF4-FFF2-40B4-BE49-F238E27FC236}">
-                <a16:creationId xmlns:a16="http://schemas.microsoft.com/office/drawing/2014/main" id="{4588F19C-498A-4DB4-98A7-F96A3EA73515}"/>
+                <a16:creationId xmlns:a16="http://schemas.microsoft.com/office/drawing/2014/main" id="{9E1EE52C-534F-4676-84E9-980717139303}"/>
               </a:ext>
             </a:extLst>
           </p:cNvPr>
@@ -4785,63 +4508,33 @@
           <a:bodyPr/>
           <a:lstStyle/>
           <a:p>
-            <a:pPr marL="0" indent="0">
-              <a:buNone/>
-            </a:pPr>
-            <a:r>
-              <a:rPr lang="en-GB" dirty="0"/>
-              <a:t>OP provides us with PROJECT TRANSPARENCY</a:t>
-            </a:r>
-          </a:p>
-          <a:p>
-            <a:pPr marL="0" indent="0">
-              <a:buNone/>
-            </a:pPr>
-            <a:r>
-              <a:rPr lang="en-GB" dirty="0"/>
-              <a:t>We can see WHAT you are up to and WHEN</a:t>
-            </a:r>
-          </a:p>
-          <a:p>
-            <a:pPr marL="0" indent="0">
-              <a:buNone/>
-            </a:pPr>
-            <a:r>
-              <a:rPr lang="en-GB" dirty="0"/>
-              <a:t>This has a number of “benefits”…</a:t>
-            </a:r>
-          </a:p>
-          <a:p>
-            <a:endParaRPr lang="en-GB" dirty="0"/>
-          </a:p>
-          <a:p>
-            <a:r>
-              <a:rPr lang="en-GB" dirty="0"/>
-              <a:t>We can monitor the patterns and flow of work</a:t>
-            </a:r>
-          </a:p>
-          <a:p>
-            <a:r>
-              <a:rPr lang="en-GB" dirty="0"/>
-              <a:t>We can spot problems early on</a:t>
-            </a:r>
-          </a:p>
-          <a:p>
-            <a:r>
-              <a:rPr lang="en-GB" dirty="0"/>
-              <a:t>We can “encourage” when work is falling behind</a:t>
-            </a:r>
-          </a:p>
-          <a:p>
-            <a:r>
-              <a:rPr lang="en-GB" dirty="0"/>
-              <a:t>We can tell if people aren’t pulling their weight</a:t>
-            </a:r>
-          </a:p>
-          <a:p>
-            <a:r>
-              <a:rPr lang="en-GB" dirty="0"/>
-              <a:t>We can mark teams on process, as well as product</a:t>
+            <a:r>
+              <a:rPr lang="en-GB" dirty="0"/>
+              <a:t>Detailed and realistic project plans</a:t>
+            </a:r>
+          </a:p>
+          <a:p>
+            <a:r>
+              <a:rPr lang="en-GB" dirty="0"/>
+              <a:t>Team and Individual engagement with OP</a:t>
+            </a:r>
+          </a:p>
+          <a:p>
+            <a:r>
+              <a:rPr lang="en-GB" dirty="0"/>
+              <a:t>Individual contribution to work packages</a:t>
+            </a:r>
+          </a:p>
+          <a:p>
+            <a:r>
+              <a:rPr lang="en-GB" dirty="0"/>
+              <a:t>Individual attendance at project meetings</a:t>
+            </a:r>
+          </a:p>
+          <a:p>
+            <a:r>
+              <a:rPr lang="en-GB" dirty="0"/>
+              <a:t>Keeping to due-dates, milestones and deadlines</a:t>
             </a:r>
           </a:p>
         </p:txBody>
@@ -4849,7 +4542,7 @@
     </p:spTree>
     <p:extLst>
       <p:ext uri="{BB962C8B-B14F-4D97-AF65-F5344CB8AC3E}">
-        <p14:creationId xmlns:p14="http://schemas.microsoft.com/office/powerpoint/2010/main" val="1574101972"/>
+        <p14:creationId xmlns:p14="http://schemas.microsoft.com/office/powerpoint/2010/main" val="1530531459"/>
       </p:ext>
     </p:extLst>
   </p:cSld>
@@ -4881,7 +4574,7 @@
           <p:cNvPr id="2" name="Title 1">
             <a:extLst>
               <a:ext uri="{FF2B5EF4-FFF2-40B4-BE49-F238E27FC236}">
-                <a16:creationId xmlns:a16="http://schemas.microsoft.com/office/drawing/2014/main" id="{F35733BB-C782-4634-A539-8D44F26FC7A3}"/>
+                <a16:creationId xmlns:a16="http://schemas.microsoft.com/office/drawing/2014/main" id="{A10943E5-00F9-44CE-A3EF-B6F2580361D8}"/>
               </a:ext>
             </a:extLst>
           </p:cNvPr>
@@ -4899,7 +4592,7 @@
           <a:p>
             <a:r>
               <a:rPr lang="en-GB" dirty="0"/>
-              <a:t>Specific things we will be looking for</a:t>
+              <a:t>Warning: Capture Data !</a:t>
             </a:r>
           </a:p>
         </p:txBody>
@@ -4909,7 +4602,7 @@
           <p:cNvPr id="3" name="Content Placeholder 2">
             <a:extLst>
               <a:ext uri="{FF2B5EF4-FFF2-40B4-BE49-F238E27FC236}">
-                <a16:creationId xmlns:a16="http://schemas.microsoft.com/office/drawing/2014/main" id="{9E1EE52C-534F-4676-84E9-980717139303}"/>
+                <a16:creationId xmlns:a16="http://schemas.microsoft.com/office/drawing/2014/main" id="{85D63A4F-810B-40EF-B5E0-815BAC478468}"/>
               </a:ext>
             </a:extLst>
           </p:cNvPr>
@@ -4922,36 +4615,49 @@
         </p:nvSpPr>
         <p:spPr/>
         <p:txBody>
-          <a:bodyPr/>
-          <a:lstStyle/>
-          <a:p>
-            <a:r>
-              <a:rPr lang="en-GB" dirty="0"/>
-              <a:t>Detailed and realistic project plans</a:t>
-            </a:r>
-          </a:p>
-          <a:p>
-            <a:r>
-              <a:rPr lang="en-GB" dirty="0"/>
-              <a:t>Team and Individual engagement with OP</a:t>
-            </a:r>
-          </a:p>
-          <a:p>
-            <a:r>
-              <a:rPr lang="en-GB" dirty="0"/>
-              <a:t>Individual contribution to work packages</a:t>
-            </a:r>
-          </a:p>
-          <a:p>
-            <a:r>
-              <a:rPr lang="en-GB" dirty="0"/>
-              <a:t>Individual attendance at project meetings</a:t>
-            </a:r>
-          </a:p>
-          <a:p>
-            <a:r>
-              <a:rPr lang="en-GB" dirty="0"/>
-              <a:t>Keeping to due-dates, milestones and deadlines</a:t>
+          <a:bodyPr>
+            <a:normAutofit/>
+          </a:bodyPr>
+          <a:lstStyle/>
+          <a:p>
+            <a:r>
+              <a:rPr lang="en-GB" dirty="0"/>
+              <a:t>You MUST use open-project to its full potential…</a:t>
+            </a:r>
+          </a:p>
+          <a:p>
+            <a:pPr lvl="0"/>
+            <a:r>
+              <a:rPr lang="en-GB" dirty="0"/>
+              <a:t>If there is work to be done, it must appear as a work package (with a realistic estimate of hours)</a:t>
+            </a:r>
+          </a:p>
+          <a:p>
+            <a:pPr lvl="0"/>
+            <a:r>
+              <a:rPr lang="en-GB" dirty="0"/>
+              <a:t>If you are doing some work, you must be recorded as the assignee</a:t>
+            </a:r>
+          </a:p>
+          <a:p>
+            <a:pPr lvl="0"/>
+            <a:r>
+              <a:rPr lang="en-GB" dirty="0"/>
+              <a:t>When work is progressing, you must update the progress % and status (so we can see !)</a:t>
+            </a:r>
+          </a:p>
+          <a:p>
+            <a:pPr lvl="0"/>
+            <a:r>
+              <a:rPr lang="en-GB" dirty="0"/>
+              <a:t>If there is a meeting, it must be entered</a:t>
+            </a:r>
+          </a:p>
+          <a:p>
+            <a:pPr lvl="0"/>
+            <a:r>
+              <a:rPr lang="en-GB" dirty="0"/>
+              <a:t>If someone missed a meeting, it must be recorded</a:t>
             </a:r>
           </a:p>
         </p:txBody>
@@ -4959,7 +4665,7 @@
     </p:spTree>
     <p:extLst>
       <p:ext uri="{BB962C8B-B14F-4D97-AF65-F5344CB8AC3E}">
-        <p14:creationId xmlns:p14="http://schemas.microsoft.com/office/powerpoint/2010/main" val="1530531459"/>
+        <p14:creationId xmlns:p14="http://schemas.microsoft.com/office/powerpoint/2010/main" val="722418536"/>
       </p:ext>
     </p:extLst>
   </p:cSld>
@@ -4991,7 +4697,7 @@
           <p:cNvPr id="2" name="Title 1">
             <a:extLst>
               <a:ext uri="{FF2B5EF4-FFF2-40B4-BE49-F238E27FC236}">
-                <a16:creationId xmlns:a16="http://schemas.microsoft.com/office/drawing/2014/main" id="{A10943E5-00F9-44CE-A3EF-B6F2580361D8}"/>
+                <a16:creationId xmlns:a16="http://schemas.microsoft.com/office/drawing/2014/main" id="{1865A318-3592-45F2-A594-BA5036F16B26}"/>
               </a:ext>
             </a:extLst>
           </p:cNvPr>
@@ -5009,7 +4715,7 @@
           <a:p>
             <a:r>
               <a:rPr lang="en-GB" dirty="0"/>
-              <a:t>Warning: Capture Data !</a:t>
+              <a:t>Individual Assessment</a:t>
             </a:r>
           </a:p>
         </p:txBody>
@@ -5019,7 +4725,7 @@
           <p:cNvPr id="3" name="Content Placeholder 2">
             <a:extLst>
               <a:ext uri="{FF2B5EF4-FFF2-40B4-BE49-F238E27FC236}">
-                <a16:creationId xmlns:a16="http://schemas.microsoft.com/office/drawing/2014/main" id="{85D63A4F-810B-40EF-B5E0-815BAC478468}"/>
+                <a16:creationId xmlns:a16="http://schemas.microsoft.com/office/drawing/2014/main" id="{676867AE-DAC9-469B-A916-4E86AABEA110}"/>
               </a:ext>
             </a:extLst>
           </p:cNvPr>
@@ -5037,44 +4743,27 @@
           </a:bodyPr>
           <a:lstStyle/>
           <a:p>
-            <a:r>
-              <a:rPr lang="en-GB" dirty="0"/>
-              <a:t>You MUST use open-project to its full potential…</a:t>
-            </a:r>
-          </a:p>
-          <a:p>
-            <a:pPr lvl="0"/>
-            <a:r>
-              <a:rPr lang="en-GB" dirty="0"/>
-              <a:t>If there is work to be done, it must appear as a work package (with a realistic estimate of hours)</a:t>
-            </a:r>
-          </a:p>
-          <a:p>
-            <a:pPr lvl="0"/>
-            <a:r>
-              <a:rPr lang="en-GB" dirty="0"/>
-              <a:t>If you are doing some work, you must be recorded as the assignee</a:t>
-            </a:r>
-          </a:p>
-          <a:p>
-            <a:pPr lvl="0"/>
-            <a:r>
-              <a:rPr lang="en-GB" dirty="0"/>
-              <a:t>When work is progressing, you must update the progress % and status (so we can see !)</a:t>
-            </a:r>
-          </a:p>
-          <a:p>
-            <a:pPr lvl="0"/>
-            <a:r>
-              <a:rPr lang="en-GB" dirty="0"/>
-              <a:t>If there is a meeting, it must be entered</a:t>
-            </a:r>
-          </a:p>
-          <a:p>
-            <a:pPr lvl="0"/>
-            <a:r>
-              <a:rPr lang="en-GB" dirty="0"/>
-              <a:t>If someone missed a meeting, it must be recorded</a:t>
+            <a:pPr marL="0" indent="0" algn="ctr">
+              <a:buNone/>
+            </a:pPr>
+            <a:r>
+              <a:rPr lang="en-GB" sz="2800" dirty="0"/>
+              <a:t>Recording information accurately is essential so that we can keep track of progress and identify “under engagement”.</a:t>
+            </a:r>
+          </a:p>
+          <a:p>
+            <a:pPr marL="0" indent="0" algn="ctr">
+              <a:buNone/>
+            </a:pPr>
+            <a:endParaRPr lang="en-GB" sz="2800" dirty="0"/>
+          </a:p>
+          <a:p>
+            <a:pPr marL="0" indent="0" algn="ctr">
+              <a:buNone/>
+            </a:pPr>
+            <a:r>
+              <a:rPr lang="en-GB" sz="2800" dirty="0"/>
+              <a:t>When we come to mark the projects at the end of the year, these issues will impact the individual grades students will be awarded.</a:t>
             </a:r>
           </a:p>
         </p:txBody>
@@ -5082,7 +4771,7 @@
     </p:spTree>
     <p:extLst>
       <p:ext uri="{BB962C8B-B14F-4D97-AF65-F5344CB8AC3E}">
-        <p14:creationId xmlns:p14="http://schemas.microsoft.com/office/powerpoint/2010/main" val="722418536"/>
+        <p14:creationId xmlns:p14="http://schemas.microsoft.com/office/powerpoint/2010/main" val="2132855452"/>
       </p:ext>
     </p:extLst>
   </p:cSld>
@@ -5114,7 +4803,7 @@
           <p:cNvPr id="2" name="Title 1">
             <a:extLst>
               <a:ext uri="{FF2B5EF4-FFF2-40B4-BE49-F238E27FC236}">
-                <a16:creationId xmlns:a16="http://schemas.microsoft.com/office/drawing/2014/main" id="{1865A318-3592-45F2-A594-BA5036F16B26}"/>
+                <a16:creationId xmlns:a16="http://schemas.microsoft.com/office/drawing/2014/main" id="{9E2EF2F2-3657-49D9-8998-F97C4B651C15}"/>
               </a:ext>
             </a:extLst>
           </p:cNvPr>
@@ -5132,7 +4821,7 @@
           <a:p>
             <a:r>
               <a:rPr lang="en-GB" dirty="0"/>
-              <a:t>Individual Assessment</a:t>
+              <a:t>Tracking your own progress</a:t>
             </a:r>
           </a:p>
         </p:txBody>
@@ -5142,7 +4831,7 @@
           <p:cNvPr id="3" name="Content Placeholder 2">
             <a:extLst>
               <a:ext uri="{FF2B5EF4-FFF2-40B4-BE49-F238E27FC236}">
-                <a16:creationId xmlns:a16="http://schemas.microsoft.com/office/drawing/2014/main" id="{676867AE-DAC9-469B-A916-4E86AABEA110}"/>
+                <a16:creationId xmlns:a16="http://schemas.microsoft.com/office/drawing/2014/main" id="{8355E7CE-38DF-42C5-A430-4012E1429EB4}"/>
               </a:ext>
             </a:extLst>
           </p:cNvPr>
@@ -5155,32 +4844,63 @@
         </p:nvSpPr>
         <p:spPr/>
         <p:txBody>
-          <a:bodyPr>
-            <a:normAutofit/>
-          </a:bodyPr>
-          <a:lstStyle/>
-          <a:p>
-            <a:pPr marL="0" indent="0" algn="ctr">
-              <a:buNone/>
-            </a:pPr>
-            <a:r>
-              <a:rPr lang="en-GB" sz="2800" dirty="0"/>
-              <a:t>Recording information accurately is essential so that we can keep track of progress and identify “under engagement”.</a:t>
-            </a:r>
-          </a:p>
-          <a:p>
-            <a:pPr marL="0" indent="0" algn="ctr">
-              <a:buNone/>
-            </a:pPr>
-            <a:endParaRPr lang="en-GB" sz="2800" dirty="0"/>
-          </a:p>
-          <a:p>
-            <a:pPr marL="0" indent="0" algn="ctr">
-              <a:buNone/>
-            </a:pPr>
-            <a:r>
-              <a:rPr lang="en-GB" sz="2800" dirty="0"/>
-              <a:t>When we come to mark the projects at the end of the year, these issues will impact the individual grades students will be awarded.</a:t>
+          <a:bodyPr/>
+          <a:lstStyle/>
+          <a:p>
+            <a:r>
+              <a:rPr lang="en-GB" dirty="0"/>
+              <a:t>It can be hard to grasp how well you are doing</a:t>
+            </a:r>
+          </a:p>
+          <a:p>
+            <a:r>
+              <a:rPr lang="en-GB" dirty="0"/>
+              <a:t>How to compare your contribution against others</a:t>
+            </a:r>
+          </a:p>
+          <a:p>
+            <a:r>
+              <a:rPr lang="en-GB" dirty="0"/>
+              <a:t>Difficult to do without an overview of all work</a:t>
+            </a:r>
+          </a:p>
+          <a:p>
+            <a:endParaRPr lang="en-GB" dirty="0"/>
+          </a:p>
+          <a:p>
+            <a:r>
+              <a:rPr lang="en-GB" dirty="0"/>
+              <a:t>This is where the analytics data comes in !</a:t>
+            </a:r>
+          </a:p>
+          <a:p>
+            <a:r>
+              <a:rPr lang="en-GB" dirty="0"/>
+              <a:t>We will provide weekly reports to your mentors</a:t>
+            </a:r>
+          </a:p>
+          <a:p>
+            <a:r>
+              <a:rPr lang="en-GB" dirty="0"/>
+              <a:t>Teams will discuss these in mentoring sessions</a:t>
+            </a:r>
+          </a:p>
+          <a:p>
+            <a:r>
+              <a:rPr lang="en-GB" dirty="0"/>
+              <a:t>Derive ratings for each individual’s contribution</a:t>
+            </a:r>
+          </a:p>
+          <a:p>
+            <a:r>
+              <a:rPr lang="en-GB" dirty="0"/>
+              <a:t>These will be recorded in OP as your “hourly rate”</a:t>
+            </a:r>
+          </a:p>
+          <a:p>
+            <a:r>
+              <a:rPr lang="en-GB" dirty="0"/>
+              <a:t>This allows you to compare yourself with all others !</a:t>
             </a:r>
           </a:p>
         </p:txBody>
@@ -5188,7 +4908,7 @@
     </p:spTree>
     <p:extLst>
       <p:ext uri="{BB962C8B-B14F-4D97-AF65-F5344CB8AC3E}">
-        <p14:creationId xmlns:p14="http://schemas.microsoft.com/office/powerpoint/2010/main" val="2132855452"/>
+        <p14:creationId xmlns:p14="http://schemas.microsoft.com/office/powerpoint/2010/main" val="2489213316"/>
       </p:ext>
     </p:extLst>
   </p:cSld>
@@ -5220,7 +4940,7 @@
           <p:cNvPr id="2" name="Title 1">
             <a:extLst>
               <a:ext uri="{FF2B5EF4-FFF2-40B4-BE49-F238E27FC236}">
-                <a16:creationId xmlns:a16="http://schemas.microsoft.com/office/drawing/2014/main" id="{9E2EF2F2-3657-49D9-8998-F97C4B651C15}"/>
+                <a16:creationId xmlns:a16="http://schemas.microsoft.com/office/drawing/2014/main" id="{294B4F36-1F7D-4CDE-BF60-C41AAA4B4BE8}"/>
               </a:ext>
             </a:extLst>
           </p:cNvPr>
@@ -5238,7 +4958,7 @@
           <a:p>
             <a:r>
               <a:rPr lang="en-GB" dirty="0"/>
-              <a:t>Tracking your own progress</a:t>
+              <a:t>Open Project Setup</a:t>
             </a:r>
           </a:p>
         </p:txBody>
@@ -5248,7 +4968,7 @@
           <p:cNvPr id="3" name="Content Placeholder 2">
             <a:extLst>
               <a:ext uri="{FF2B5EF4-FFF2-40B4-BE49-F238E27FC236}">
-                <a16:creationId xmlns:a16="http://schemas.microsoft.com/office/drawing/2014/main" id="{8355E7CE-38DF-42C5-A430-4012E1429EB4}"/>
+                <a16:creationId xmlns:a16="http://schemas.microsoft.com/office/drawing/2014/main" id="{DD93525D-7607-4802-985F-B9E999BC48C7}"/>
               </a:ext>
             </a:extLst>
           </p:cNvPr>
@@ -5266,58 +4986,34 @@
           <a:p>
             <a:r>
               <a:rPr lang="en-GB" dirty="0"/>
-              <a:t>It can be hard to grasp how well you are doing</a:t>
-            </a:r>
-          </a:p>
-          <a:p>
-            <a:r>
-              <a:rPr lang="en-GB" dirty="0"/>
-              <a:t>How to compare your contribution against others</a:t>
-            </a:r>
-          </a:p>
-          <a:p>
-            <a:r>
-              <a:rPr lang="en-GB" dirty="0"/>
-              <a:t>Difficult to do without an overview of all work</a:t>
-            </a:r>
-          </a:p>
-          <a:p>
-            <a:endParaRPr lang="en-GB" dirty="0"/>
-          </a:p>
-          <a:p>
-            <a:r>
-              <a:rPr lang="en-GB" dirty="0"/>
-              <a:t>This is where the analytics data comes in !</a:t>
-            </a:r>
-          </a:p>
-          <a:p>
-            <a:r>
-              <a:rPr lang="en-GB" dirty="0"/>
-              <a:t>We will provide weekly reports to your mentors</a:t>
-            </a:r>
-          </a:p>
-          <a:p>
-            <a:r>
-              <a:rPr lang="en-GB" dirty="0"/>
-              <a:t>Teams will discuss these in mentoring sessions</a:t>
-            </a:r>
-          </a:p>
-          <a:p>
-            <a:r>
-              <a:rPr lang="en-GB" dirty="0"/>
-              <a:t>Derive ratings for each individual’s contribution</a:t>
-            </a:r>
-          </a:p>
-          <a:p>
-            <a:r>
-              <a:rPr lang="en-GB" dirty="0"/>
-              <a:t>These will be recorded in OP as your “hourly rate”</a:t>
-            </a:r>
-          </a:p>
-          <a:p>
-            <a:r>
-              <a:rPr lang="en-GB" dirty="0"/>
-              <a:t>This allows you to compare yourself with all others !</a:t>
+              <a:t>We have set up an Open Project instance</a:t>
+            </a:r>
+          </a:p>
+          <a:p>
+            <a:r>
+              <a:rPr lang="en-GB" dirty="0"/>
+              <a:t>Each team will have a project created for them</a:t>
+            </a:r>
+          </a:p>
+          <a:p>
+            <a:r>
+              <a:rPr lang="en-GB" dirty="0"/>
+              <a:t>You will be sent an invite to join OP</a:t>
+            </a:r>
+          </a:p>
+          <a:p>
+            <a:pPr marL="0" indent="0">
+              <a:buNone/>
+            </a:pPr>
+            <a:r>
+              <a:rPr lang="en-GB" dirty="0"/>
+              <a:t>  (might want to check your spam folder !)</a:t>
+            </a:r>
+          </a:p>
+          <a:p>
+            <a:r>
+              <a:rPr lang="en-GB" dirty="0"/>
+              <a:t>You should already be added to your project !</a:t>
             </a:r>
           </a:p>
         </p:txBody>
@@ -5325,7 +5021,7 @@
     </p:spTree>
     <p:extLst>
       <p:ext uri="{BB962C8B-B14F-4D97-AF65-F5344CB8AC3E}">
-        <p14:creationId xmlns:p14="http://schemas.microsoft.com/office/powerpoint/2010/main" val="2489213316"/>
+        <p14:creationId xmlns:p14="http://schemas.microsoft.com/office/powerpoint/2010/main" val="1096791449"/>
       </p:ext>
     </p:extLst>
   </p:cSld>
@@ -6172,7 +5868,7 @@
           <p:cNvPr id="2" name="Title 1">
             <a:extLst>
               <a:ext uri="{FF2B5EF4-FFF2-40B4-BE49-F238E27FC236}">
-                <a16:creationId xmlns:a16="http://schemas.microsoft.com/office/drawing/2014/main" id="{294B4F36-1F7D-4CDE-BF60-C41AAA4B4BE8}"/>
+                <a16:creationId xmlns:a16="http://schemas.microsoft.com/office/drawing/2014/main" id="{2A516A5C-927A-4B1E-AECE-3459DD4C6131}"/>
               </a:ext>
             </a:extLst>
           </p:cNvPr>
@@ -6190,7 +5886,7 @@
           <a:p>
             <a:r>
               <a:rPr lang="en-GB" dirty="0"/>
-              <a:t>Open Project Setup</a:t>
+              <a:t>“Getting started” within OP</a:t>
             </a:r>
           </a:p>
         </p:txBody>
@@ -6200,7 +5896,7 @@
           <p:cNvPr id="3" name="Content Placeholder 2">
             <a:extLst>
               <a:ext uri="{FF2B5EF4-FFF2-40B4-BE49-F238E27FC236}">
-                <a16:creationId xmlns:a16="http://schemas.microsoft.com/office/drawing/2014/main" id="{DD93525D-7607-4802-985F-B9E999BC48C7}"/>
+                <a16:creationId xmlns:a16="http://schemas.microsoft.com/office/drawing/2014/main" id="{7F960C54-C582-4332-AC9E-3E5779F355D9}"/>
               </a:ext>
             </a:extLst>
           </p:cNvPr>
@@ -6213,39 +5909,68 @@
         </p:nvSpPr>
         <p:spPr/>
         <p:txBody>
-          <a:bodyPr/>
-          <a:lstStyle/>
-          <a:p>
-            <a:r>
-              <a:rPr lang="en-GB" dirty="0"/>
-              <a:t>We have set up an Open Project instance</a:t>
-            </a:r>
-          </a:p>
-          <a:p>
-            <a:r>
-              <a:rPr lang="en-GB" dirty="0"/>
-              <a:t>Each team will have a project created for them</a:t>
-            </a:r>
-          </a:p>
-          <a:p>
-            <a:r>
-              <a:rPr lang="en-GB" dirty="0"/>
-              <a:t>You will be sent an invite to join OP</a:t>
-            </a:r>
-          </a:p>
-          <a:p>
-            <a:pPr marL="0" indent="0">
-              <a:buNone/>
-            </a:pPr>
-            <a:r>
-              <a:rPr lang="en-GB" dirty="0"/>
-              <a:t>  (might want to check your spam folder !)</a:t>
-            </a:r>
-          </a:p>
-          <a:p>
-            <a:r>
-              <a:rPr lang="en-GB" dirty="0"/>
-              <a:t>You should already be added to your project !</a:t>
+          <a:bodyPr>
+            <a:normAutofit lnSpcReduction="10000"/>
+          </a:bodyPr>
+          <a:lstStyle/>
+          <a:p>
+            <a:r>
+              <a:rPr lang="en-GB" dirty="0"/>
+              <a:t>Enter in your First name and Surname</a:t>
+            </a:r>
+          </a:p>
+          <a:p>
+            <a:r>
+              <a:rPr lang="en-GB" dirty="0"/>
+              <a:t>Fill out project description</a:t>
+            </a:r>
+          </a:p>
+          <a:p>
+            <a:r>
+              <a:rPr lang="en-GB" dirty="0"/>
+              <a:t>Change your project name to something useful</a:t>
+            </a:r>
+          </a:p>
+          <a:p>
+            <a:r>
+              <a:rPr lang="en-GB" dirty="0"/>
+              <a:t>Create a Git repository &amp; link it to your OP project</a:t>
+            </a:r>
+          </a:p>
+          <a:p>
+            <a:endParaRPr lang="en-GB" dirty="0"/>
+          </a:p>
+          <a:p>
+            <a:r>
+              <a:rPr lang="en-GB" dirty="0"/>
+              <a:t>Create work packages (Phase/Task/Milestone)</a:t>
+            </a:r>
+          </a:p>
+          <a:p>
+            <a:r>
+              <a:rPr lang="en-GB" dirty="0"/>
+              <a:t>Create an activity timeline with WP dependencies</a:t>
+            </a:r>
+          </a:p>
+          <a:p>
+            <a:r>
+              <a:rPr lang="en-GB" dirty="0"/>
+              <a:t>Schedule work packages (start and end dates)</a:t>
+            </a:r>
+          </a:p>
+          <a:p>
+            <a:endParaRPr lang="en-GB" dirty="0"/>
+          </a:p>
+          <a:p>
+            <a:r>
+              <a:rPr lang="en-GB" dirty="0"/>
+              <a:t>Estimate effort required (in hours) for each WP</a:t>
+            </a:r>
+          </a:p>
+          <a:p>
+            <a:r>
+              <a:rPr lang="en-GB" dirty="0"/>
+              <a:t>Allocate team members to work packages</a:t>
             </a:r>
           </a:p>
         </p:txBody>
@@ -6253,7 +5978,7 @@
     </p:spTree>
     <p:extLst>
       <p:ext uri="{BB962C8B-B14F-4D97-AF65-F5344CB8AC3E}">
-        <p14:creationId xmlns:p14="http://schemas.microsoft.com/office/powerpoint/2010/main" val="1096791449"/>
+        <p14:creationId xmlns:p14="http://schemas.microsoft.com/office/powerpoint/2010/main" val="2696586573"/>
       </p:ext>
     </p:extLst>
   </p:cSld>
@@ -6285,148 +6010,6 @@
           <p:cNvPr id="2" name="Title 1">
             <a:extLst>
               <a:ext uri="{FF2B5EF4-FFF2-40B4-BE49-F238E27FC236}">
-                <a16:creationId xmlns:a16="http://schemas.microsoft.com/office/drawing/2014/main" id="{2A516A5C-927A-4B1E-AECE-3459DD4C6131}"/>
-              </a:ext>
-            </a:extLst>
-          </p:cNvPr>
-          <p:cNvSpPr>
-            <a:spLocks noGrp="1"/>
-          </p:cNvSpPr>
-          <p:nvPr>
-            <p:ph type="title"/>
-          </p:nvPr>
-        </p:nvSpPr>
-        <p:spPr/>
-        <p:txBody>
-          <a:bodyPr/>
-          <a:lstStyle/>
-          <a:p>
-            <a:r>
-              <a:rPr lang="en-GB" dirty="0"/>
-              <a:t>“Getting started” within OP</a:t>
-            </a:r>
-          </a:p>
-        </p:txBody>
-      </p:sp>
-      <p:sp>
-        <p:nvSpPr>
-          <p:cNvPr id="3" name="Content Placeholder 2">
-            <a:extLst>
-              <a:ext uri="{FF2B5EF4-FFF2-40B4-BE49-F238E27FC236}">
-                <a16:creationId xmlns:a16="http://schemas.microsoft.com/office/drawing/2014/main" id="{7F960C54-C582-4332-AC9E-3E5779F355D9}"/>
-              </a:ext>
-            </a:extLst>
-          </p:cNvPr>
-          <p:cNvSpPr>
-            <a:spLocks noGrp="1"/>
-          </p:cNvSpPr>
-          <p:nvPr>
-            <p:ph idx="1"/>
-          </p:nvPr>
-        </p:nvSpPr>
-        <p:spPr/>
-        <p:txBody>
-          <a:bodyPr>
-            <a:normAutofit lnSpcReduction="10000"/>
-          </a:bodyPr>
-          <a:lstStyle/>
-          <a:p>
-            <a:r>
-              <a:rPr lang="en-GB" dirty="0"/>
-              <a:t>Enter in your First name and Surname</a:t>
-            </a:r>
-          </a:p>
-          <a:p>
-            <a:r>
-              <a:rPr lang="en-GB" dirty="0"/>
-              <a:t>Fill out project description</a:t>
-            </a:r>
-          </a:p>
-          <a:p>
-            <a:r>
-              <a:rPr lang="en-GB" dirty="0"/>
-              <a:t>Change your project name to something useful</a:t>
-            </a:r>
-          </a:p>
-          <a:p>
-            <a:r>
-              <a:rPr lang="en-GB" dirty="0"/>
-              <a:t>Create a Git repository &amp; link it to you OP project</a:t>
-            </a:r>
-          </a:p>
-          <a:p>
-            <a:endParaRPr lang="en-GB" dirty="0"/>
-          </a:p>
-          <a:p>
-            <a:r>
-              <a:rPr lang="en-GB" dirty="0"/>
-              <a:t>Create work packages (Phase/Task/Milestone)</a:t>
-            </a:r>
-          </a:p>
-          <a:p>
-            <a:r>
-              <a:rPr lang="en-GB" dirty="0"/>
-              <a:t>Create an activity timeline with WP dependencies</a:t>
-            </a:r>
-          </a:p>
-          <a:p>
-            <a:r>
-              <a:rPr lang="en-GB" dirty="0"/>
-              <a:t>Schedule work packages (start and end dates)</a:t>
-            </a:r>
-          </a:p>
-          <a:p>
-            <a:endParaRPr lang="en-GB" dirty="0"/>
-          </a:p>
-          <a:p>
-            <a:r>
-              <a:rPr lang="en-GB" dirty="0"/>
-              <a:t>Estimate effort required (in hours) for each WP</a:t>
-            </a:r>
-          </a:p>
-          <a:p>
-            <a:r>
-              <a:rPr lang="en-GB" dirty="0"/>
-              <a:t>Allocate team members to work packages</a:t>
-            </a:r>
-          </a:p>
-        </p:txBody>
-      </p:sp>
-    </p:spTree>
-    <p:extLst>
-      <p:ext uri="{BB962C8B-B14F-4D97-AF65-F5344CB8AC3E}">
-        <p14:creationId xmlns:p14="http://schemas.microsoft.com/office/powerpoint/2010/main" val="2696586573"/>
-      </p:ext>
-    </p:extLst>
-  </p:cSld>
-  <p:clrMapOvr>
-    <a:masterClrMapping/>
-  </p:clrMapOvr>
-</p:sld>
-</file>
-
-<file path=ppt/slides/slide6.xml><?xml version="1.0" encoding="utf-8"?>
-<p:sld xmlns:a="http://schemas.openxmlformats.org/drawingml/2006/main" xmlns:r="http://schemas.openxmlformats.org/officeDocument/2006/relationships" xmlns:p="http://schemas.openxmlformats.org/presentationml/2006/main">
-  <p:cSld>
-    <p:spTree>
-      <p:nvGrpSpPr>
-        <p:cNvPr id="1" name=""/>
-        <p:cNvGrpSpPr/>
-        <p:nvPr/>
-      </p:nvGrpSpPr>
-      <p:grpSpPr>
-        <a:xfrm>
-          <a:off x="0" y="0"/>
-          <a:ext cx="0" cy="0"/>
-          <a:chOff x="0" y="0"/>
-          <a:chExt cx="0" cy="0"/>
-        </a:xfrm>
-      </p:grpSpPr>
-      <p:sp>
-        <p:nvSpPr>
-          <p:cNvPr id="2" name="Title 1">
-            <a:extLst>
-              <a:ext uri="{FF2B5EF4-FFF2-40B4-BE49-F238E27FC236}">
                 <a16:creationId xmlns:a16="http://schemas.microsoft.com/office/drawing/2014/main" id="{EFA3EAB9-5C2C-4AD6-9F58-273958487BA6}"/>
               </a:ext>
             </a:extLst>
@@ -6534,7 +6117,7 @@
 </p:sld>
 </file>
 
-<file path=ppt/slides/slide7.xml><?xml version="1.0" encoding="utf-8"?>
+<file path=ppt/slides/slide6.xml><?xml version="1.0" encoding="utf-8"?>
 <p:sld xmlns:a="http://schemas.openxmlformats.org/drawingml/2006/main" xmlns:r="http://schemas.openxmlformats.org/officeDocument/2006/relationships" xmlns:p="http://schemas.openxmlformats.org/presentationml/2006/main">
   <p:cSld>
     <p:bg>
@@ -6688,7 +6271,7 @@
 </p:sld>
 </file>
 
-<file path=ppt/slides/slide8.xml><?xml version="1.0" encoding="utf-8"?>
+<file path=ppt/slides/slide7.xml><?xml version="1.0" encoding="utf-8"?>
 <p:sld xmlns:a="http://schemas.openxmlformats.org/drawingml/2006/main" xmlns:r="http://schemas.openxmlformats.org/officeDocument/2006/relationships" xmlns:p="http://schemas.openxmlformats.org/presentationml/2006/main">
   <p:cSld>
     <p:bg>
@@ -6829,7 +6412,7 @@
 </p:sld>
 </file>
 
-<file path=ppt/slides/slide9.xml><?xml version="1.0" encoding="utf-8"?>
+<file path=ppt/slides/slide8.xml><?xml version="1.0" encoding="utf-8"?>
 <p:sld xmlns:a="http://schemas.openxmlformats.org/drawingml/2006/main" xmlns:r="http://schemas.openxmlformats.org/officeDocument/2006/relationships" xmlns:p="http://schemas.openxmlformats.org/presentationml/2006/main">
   <p:cSld>
     <p:spTree>
@@ -7017,6 +6600,423 @@
   <p:clrMapOvr>
     <a:masterClrMapping/>
   </p:clrMapOvr>
+</p:sld>
+</file>
+
+<file path=ppt/slides/slide9.xml><?xml version="1.0" encoding="utf-8"?>
+<p:sld xmlns:a="http://schemas.openxmlformats.org/drawingml/2006/main" xmlns:r="http://schemas.openxmlformats.org/officeDocument/2006/relationships" xmlns:p="http://schemas.openxmlformats.org/presentationml/2006/main">
+  <p:cSld>
+    <p:spTree>
+      <p:nvGrpSpPr>
+        <p:cNvPr id="1" name=""/>
+        <p:cNvGrpSpPr/>
+        <p:nvPr/>
+      </p:nvGrpSpPr>
+      <p:grpSpPr>
+        <a:xfrm>
+          <a:off x="0" y="0"/>
+          <a:ext cx="0" cy="0"/>
+          <a:chOff x="0" y="0"/>
+          <a:chExt cx="0" cy="0"/>
+        </a:xfrm>
+      </p:grpSpPr>
+      <p:sp>
+        <p:nvSpPr>
+          <p:cNvPr id="9" name="Rectangle 8">
+            <a:extLst>
+              <a:ext uri="{FF2B5EF4-FFF2-40B4-BE49-F238E27FC236}">
+                <a16:creationId xmlns:a16="http://schemas.microsoft.com/office/drawing/2014/main" id="{F8FC36A5-E3F0-477D-8FCB-322F7C690CEA}"/>
+              </a:ext>
+            </a:extLst>
+          </p:cNvPr>
+          <p:cNvSpPr/>
+          <p:nvPr/>
+        </p:nvSpPr>
+        <p:spPr>
+          <a:xfrm>
+            <a:off x="0" y="0"/>
+            <a:ext cx="9144000" cy="6858000"/>
+          </a:xfrm>
+          <a:prstGeom prst="rect">
+            <a:avLst/>
+          </a:prstGeom>
+          <a:solidFill>
+            <a:srgbClr val="FFFFFF"/>
+          </a:solidFill>
+          <a:ln>
+            <a:noFill/>
+          </a:ln>
+        </p:spPr>
+        <p:style>
+          <a:lnRef idx="2">
+            <a:schemeClr val="accent1">
+              <a:shade val="50000"/>
+            </a:schemeClr>
+          </a:lnRef>
+          <a:fillRef idx="1">
+            <a:schemeClr val="accent1"/>
+          </a:fillRef>
+          <a:effectRef idx="0">
+            <a:schemeClr val="accent1"/>
+          </a:effectRef>
+          <a:fontRef idx="minor">
+            <a:schemeClr val="lt1"/>
+          </a:fontRef>
+        </p:style>
+        <p:txBody>
+          <a:bodyPr rtlCol="0" anchor="ctr"/>
+          <a:lstStyle/>
+          <a:p>
+            <a:pPr algn="ctr"/>
+            <a:endParaRPr lang="en-GB"/>
+          </a:p>
+        </p:txBody>
+      </p:sp>
+      <p:grpSp>
+        <p:nvGrpSpPr>
+          <p:cNvPr id="2" name="Group 1">
+            <a:extLst>
+              <a:ext uri="{FF2B5EF4-FFF2-40B4-BE49-F238E27FC236}">
+                <a16:creationId xmlns:a16="http://schemas.microsoft.com/office/drawing/2014/main" id="{D26461D4-BE28-4156-93F2-CB67E0998D73}"/>
+              </a:ext>
+            </a:extLst>
+          </p:cNvPr>
+          <p:cNvGrpSpPr/>
+          <p:nvPr/>
+        </p:nvGrpSpPr>
+        <p:grpSpPr>
+          <a:xfrm>
+            <a:off x="587022" y="-3879"/>
+            <a:ext cx="7969956" cy="6861879"/>
+            <a:chOff x="587022" y="-3879"/>
+            <a:chExt cx="7969956" cy="6861879"/>
+          </a:xfrm>
+        </p:grpSpPr>
+        <p:pic>
+          <p:nvPicPr>
+            <p:cNvPr id="6" name="Picture 5">
+              <a:extLst>
+                <a:ext uri="{FF2B5EF4-FFF2-40B4-BE49-F238E27FC236}">
+                  <a16:creationId xmlns:a16="http://schemas.microsoft.com/office/drawing/2014/main" id="{550EC95E-DE0B-48CC-8351-0C8C787B0097}"/>
+                </a:ext>
+              </a:extLst>
+            </p:cNvPr>
+            <p:cNvPicPr>
+              <a:picLocks noChangeAspect="1"/>
+            </p:cNvPicPr>
+            <p:nvPr/>
+          </p:nvPicPr>
+          <p:blipFill rotWithShape="1">
+            <a:blip r:embed="rId2">
+              <a:extLst>
+                <a:ext uri="{28A0092B-C50C-407E-A947-70E740481C1C}">
+                  <a14:useLocalDpi xmlns:a14="http://schemas.microsoft.com/office/drawing/2010/main" val="0"/>
+                </a:ext>
+              </a:extLst>
+            </a:blip>
+            <a:srcRect l="42819" t="2950" r="908"/>
+            <a:stretch/>
+          </p:blipFill>
+          <p:spPr>
+            <a:xfrm>
+              <a:off x="587022" y="-3879"/>
+              <a:ext cx="7969956" cy="6861879"/>
+            </a:xfrm>
+            <a:prstGeom prst="rect">
+              <a:avLst/>
+            </a:prstGeom>
+          </p:spPr>
+        </p:pic>
+        <p:pic>
+          <p:nvPicPr>
+            <p:cNvPr id="10" name="Picture 9">
+              <a:extLst>
+                <a:ext uri="{FF2B5EF4-FFF2-40B4-BE49-F238E27FC236}">
+                  <a16:creationId xmlns:a16="http://schemas.microsoft.com/office/drawing/2014/main" id="{3B7C6597-CAA5-4A7C-A1EC-D9C8083F5FAB}"/>
+                </a:ext>
+              </a:extLst>
+            </p:cNvPr>
+            <p:cNvPicPr>
+              <a:picLocks noChangeAspect="1"/>
+            </p:cNvPicPr>
+            <p:nvPr/>
+          </p:nvPicPr>
+          <p:blipFill rotWithShape="1">
+            <a:blip r:embed="rId2">
+              <a:extLst>
+                <a:ext uri="{28A0092B-C50C-407E-A947-70E740481C1C}">
+                  <a14:useLocalDpi xmlns:a14="http://schemas.microsoft.com/office/drawing/2010/main" val="0"/>
+                </a:ext>
+              </a:extLst>
+            </a:blip>
+            <a:srcRect l="53939" t="32883" r="45264" b="61529"/>
+            <a:stretch/>
+          </p:blipFill>
+          <p:spPr>
+            <a:xfrm>
+              <a:off x="2166937" y="2461088"/>
+              <a:ext cx="112890" cy="395111"/>
+            </a:xfrm>
+            <a:prstGeom prst="rect">
+              <a:avLst/>
+            </a:prstGeom>
+          </p:spPr>
+        </p:pic>
+      </p:grpSp>
+      <p:sp>
+        <p:nvSpPr>
+          <p:cNvPr id="3" name="Rectangle: Rounded Corners 2">
+            <a:extLst>
+              <a:ext uri="{FF2B5EF4-FFF2-40B4-BE49-F238E27FC236}">
+                <a16:creationId xmlns:a16="http://schemas.microsoft.com/office/drawing/2014/main" id="{FED85171-94B3-4DB4-AD62-C9A5D4912A5F}"/>
+              </a:ext>
+            </a:extLst>
+          </p:cNvPr>
+          <p:cNvSpPr/>
+          <p:nvPr/>
+        </p:nvSpPr>
+        <p:spPr>
+          <a:xfrm>
+            <a:off x="1207382" y="2359377"/>
+            <a:ext cx="1230489" cy="598311"/>
+          </a:xfrm>
+          <a:prstGeom prst="roundRect">
+            <a:avLst/>
+          </a:prstGeom>
+          <a:noFill/>
+          <a:ln w="76200">
+            <a:solidFill>
+              <a:srgbClr val="FF0000"/>
+            </a:solidFill>
+          </a:ln>
+        </p:spPr>
+        <p:style>
+          <a:lnRef idx="2">
+            <a:schemeClr val="accent1">
+              <a:shade val="50000"/>
+            </a:schemeClr>
+          </a:lnRef>
+          <a:fillRef idx="1">
+            <a:schemeClr val="accent1"/>
+          </a:fillRef>
+          <a:effectRef idx="0">
+            <a:schemeClr val="accent1"/>
+          </a:effectRef>
+          <a:fontRef idx="minor">
+            <a:schemeClr val="lt1"/>
+          </a:fontRef>
+        </p:style>
+        <p:txBody>
+          <a:bodyPr rtlCol="0" anchor="ctr"/>
+          <a:lstStyle/>
+          <a:p>
+            <a:pPr algn="ctr"/>
+            <a:endParaRPr lang="en-GB"/>
+          </a:p>
+        </p:txBody>
+      </p:sp>
+      <p:sp>
+        <p:nvSpPr>
+          <p:cNvPr id="11" name="Rectangle: Rounded Corners 10">
+            <a:extLst>
+              <a:ext uri="{FF2B5EF4-FFF2-40B4-BE49-F238E27FC236}">
+                <a16:creationId xmlns:a16="http://schemas.microsoft.com/office/drawing/2014/main" id="{CDA81A01-3F4F-4E00-A287-6DBF2D551446}"/>
+              </a:ext>
+            </a:extLst>
+          </p:cNvPr>
+          <p:cNvSpPr/>
+          <p:nvPr/>
+        </p:nvSpPr>
+        <p:spPr>
+          <a:xfrm>
+            <a:off x="3696582" y="1236133"/>
+            <a:ext cx="1230489" cy="598311"/>
+          </a:xfrm>
+          <a:prstGeom prst="roundRect">
+            <a:avLst/>
+          </a:prstGeom>
+          <a:noFill/>
+          <a:ln w="76200">
+            <a:solidFill>
+              <a:srgbClr val="FF0000"/>
+            </a:solidFill>
+          </a:ln>
+        </p:spPr>
+        <p:style>
+          <a:lnRef idx="2">
+            <a:schemeClr val="accent1">
+              <a:shade val="50000"/>
+            </a:schemeClr>
+          </a:lnRef>
+          <a:fillRef idx="1">
+            <a:schemeClr val="accent1"/>
+          </a:fillRef>
+          <a:effectRef idx="0">
+            <a:schemeClr val="accent1"/>
+          </a:effectRef>
+          <a:fontRef idx="minor">
+            <a:schemeClr val="lt1"/>
+          </a:fontRef>
+        </p:style>
+        <p:txBody>
+          <a:bodyPr rtlCol="0" anchor="ctr"/>
+          <a:lstStyle/>
+          <a:p>
+            <a:pPr algn="ctr"/>
+            <a:endParaRPr lang="en-GB"/>
+          </a:p>
+        </p:txBody>
+      </p:sp>
+    </p:spTree>
+    <p:extLst>
+      <p:ext uri="{BB962C8B-B14F-4D97-AF65-F5344CB8AC3E}">
+        <p14:creationId xmlns:p14="http://schemas.microsoft.com/office/powerpoint/2010/main" val="2930698846"/>
+      </p:ext>
+    </p:extLst>
+  </p:cSld>
+  <p:clrMapOvr>
+    <a:masterClrMapping/>
+  </p:clrMapOvr>
+  <p:timing>
+    <p:tnLst>
+      <p:par>
+        <p:cTn id="1" dur="indefinite" restart="never" nodeType="tmRoot">
+          <p:childTnLst>
+            <p:seq concurrent="1" nextAc="seek">
+              <p:cTn id="2" dur="indefinite" nodeType="mainSeq">
+                <p:childTnLst>
+                  <p:par>
+                    <p:cTn id="3" fill="hold">
+                      <p:stCondLst>
+                        <p:cond delay="indefinite"/>
+                      </p:stCondLst>
+                      <p:childTnLst>
+                        <p:par>
+                          <p:cTn id="4" fill="hold">
+                            <p:stCondLst>
+                              <p:cond delay="0"/>
+                            </p:stCondLst>
+                            <p:childTnLst>
+                              <p:par>
+                                <p:cTn id="5" presetID="10" presetClass="entr" presetSubtype="0" fill="hold" grpId="0" nodeType="clickEffect">
+                                  <p:stCondLst>
+                                    <p:cond delay="0"/>
+                                  </p:stCondLst>
+                                  <p:childTnLst>
+                                    <p:set>
+                                      <p:cBhvr>
+                                        <p:cTn id="6" dur="1" fill="hold">
+                                          <p:stCondLst>
+                                            <p:cond delay="0"/>
+                                          </p:stCondLst>
+                                        </p:cTn>
+                                        <p:tgtEl>
+                                          <p:spTgt spid="3"/>
+                                        </p:tgtEl>
+                                        <p:attrNameLst>
+                                          <p:attrName>style.visibility</p:attrName>
+                                        </p:attrNameLst>
+                                      </p:cBhvr>
+                                      <p:to>
+                                        <p:strVal val="visible"/>
+                                      </p:to>
+                                    </p:set>
+                                    <p:animEffect transition="in" filter="fade">
+                                      <p:cBhvr>
+                                        <p:cTn id="7" dur="500"/>
+                                        <p:tgtEl>
+                                          <p:spTgt spid="3"/>
+                                        </p:tgtEl>
+                                      </p:cBhvr>
+                                    </p:animEffect>
+                                  </p:childTnLst>
+                                </p:cTn>
+                              </p:par>
+                            </p:childTnLst>
+                          </p:cTn>
+                        </p:par>
+                      </p:childTnLst>
+                    </p:cTn>
+                  </p:par>
+                  <p:par>
+                    <p:cTn id="8" fill="hold">
+                      <p:stCondLst>
+                        <p:cond delay="indefinite"/>
+                      </p:stCondLst>
+                      <p:childTnLst>
+                        <p:par>
+                          <p:cTn id="9" fill="hold">
+                            <p:stCondLst>
+                              <p:cond delay="0"/>
+                            </p:stCondLst>
+                            <p:childTnLst>
+                              <p:par>
+                                <p:cTn id="10" presetID="10" presetClass="entr" presetSubtype="0" fill="hold" grpId="0" nodeType="clickEffect">
+                                  <p:stCondLst>
+                                    <p:cond delay="0"/>
+                                  </p:stCondLst>
+                                  <p:childTnLst>
+                                    <p:set>
+                                      <p:cBhvr>
+                                        <p:cTn id="11" dur="1" fill="hold">
+                                          <p:stCondLst>
+                                            <p:cond delay="0"/>
+                                          </p:stCondLst>
+                                        </p:cTn>
+                                        <p:tgtEl>
+                                          <p:spTgt spid="11"/>
+                                        </p:tgtEl>
+                                        <p:attrNameLst>
+                                          <p:attrName>style.visibility</p:attrName>
+                                        </p:attrNameLst>
+                                      </p:cBhvr>
+                                      <p:to>
+                                        <p:strVal val="visible"/>
+                                      </p:to>
+                                    </p:set>
+                                    <p:animEffect transition="in" filter="fade">
+                                      <p:cBhvr>
+                                        <p:cTn id="12" dur="500"/>
+                                        <p:tgtEl>
+                                          <p:spTgt spid="11"/>
+                                        </p:tgtEl>
+                                      </p:cBhvr>
+                                    </p:animEffect>
+                                  </p:childTnLst>
+                                </p:cTn>
+                              </p:par>
+                            </p:childTnLst>
+                          </p:cTn>
+                        </p:par>
+                      </p:childTnLst>
+                    </p:cTn>
+                  </p:par>
+                </p:childTnLst>
+              </p:cTn>
+              <p:prevCondLst>
+                <p:cond evt="onPrev" delay="0">
+                  <p:tgtEl>
+                    <p:sldTgt/>
+                  </p:tgtEl>
+                </p:cond>
+              </p:prevCondLst>
+              <p:nextCondLst>
+                <p:cond evt="onNext" delay="0">
+                  <p:tgtEl>
+                    <p:sldTgt/>
+                  </p:tgtEl>
+                </p:cond>
+              </p:nextCondLst>
+            </p:seq>
+          </p:childTnLst>
+        </p:cTn>
+      </p:par>
+    </p:tnLst>
+    <p:bldLst>
+      <p:bldP spid="3" grpId="0" animBg="1"/>
+      <p:bldP spid="11" grpId="0" animBg="1"/>
+    </p:bldLst>
+  </p:timing>
 </p:sld>
 </file>
 

--- a/Lecture Slides/02 Open Project.pptx
+++ b/Lecture Slides/02 Open Project.pptx
@@ -268,7 +268,7 @@
           <a:p>
             <a:fld id="{5896A8B8-A7CB-914F-A9DE-93D0CA668D65}" type="datetimeFigureOut">
               <a:rPr lang="en-US" smtClean="0"/>
-              <a:t>10/4/2018</a:t>
+              <a:t>10/9/2018</a:t>
             </a:fld>
             <a:endParaRPr lang="en-US"/>
           </a:p>
@@ -431,7 +431,7 @@
           <a:p>
             <a:fld id="{5896A8B8-A7CB-914F-A9DE-93D0CA668D65}" type="datetimeFigureOut">
               <a:rPr lang="en-US" smtClean="0"/>
-              <a:t>10/4/2018</a:t>
+              <a:t>10/9/2018</a:t>
             </a:fld>
             <a:endParaRPr lang="en-US"/>
           </a:p>
@@ -604,7 +604,7 @@
           <a:p>
             <a:fld id="{5896A8B8-A7CB-914F-A9DE-93D0CA668D65}" type="datetimeFigureOut">
               <a:rPr lang="en-US" smtClean="0"/>
-              <a:t>10/4/2018</a:t>
+              <a:t>10/9/2018</a:t>
             </a:fld>
             <a:endParaRPr lang="en-US"/>
           </a:p>
@@ -815,7 +815,7 @@
           <a:p>
             <a:fld id="{5896A8B8-A7CB-914F-A9DE-93D0CA668D65}" type="datetimeFigureOut">
               <a:rPr lang="en-US" smtClean="0"/>
-              <a:t>10/4/2018</a:t>
+              <a:t>10/9/2018</a:t>
             </a:fld>
             <a:endParaRPr lang="en-US"/>
           </a:p>
@@ -1055,7 +1055,7 @@
           <a:p>
             <a:fld id="{5896A8B8-A7CB-914F-A9DE-93D0CA668D65}" type="datetimeFigureOut">
               <a:rPr lang="en-US" smtClean="0"/>
-              <a:t>10/4/2018</a:t>
+              <a:t>10/9/2018</a:t>
             </a:fld>
             <a:endParaRPr lang="en-US"/>
           </a:p>
@@ -1279,7 +1279,7 @@
           <a:p>
             <a:fld id="{5896A8B8-A7CB-914F-A9DE-93D0CA668D65}" type="datetimeFigureOut">
               <a:rPr lang="en-US" smtClean="0"/>
-              <a:t>10/4/2018</a:t>
+              <a:t>10/9/2018</a:t>
             </a:fld>
             <a:endParaRPr lang="en-US"/>
           </a:p>
@@ -1638,7 +1638,7 @@
           <a:p>
             <a:fld id="{5896A8B8-A7CB-914F-A9DE-93D0CA668D65}" type="datetimeFigureOut">
               <a:rPr lang="en-US" smtClean="0"/>
-              <a:t>10/4/2018</a:t>
+              <a:t>10/9/2018</a:t>
             </a:fld>
             <a:endParaRPr lang="en-US"/>
           </a:p>
@@ -1750,7 +1750,7 @@
           <a:p>
             <a:fld id="{5896A8B8-A7CB-914F-A9DE-93D0CA668D65}" type="datetimeFigureOut">
               <a:rPr lang="en-US" smtClean="0"/>
-              <a:t>10/4/2018</a:t>
+              <a:t>10/9/2018</a:t>
             </a:fld>
             <a:endParaRPr lang="en-US"/>
           </a:p>
@@ -1840,7 +1840,7 @@
           <a:p>
             <a:fld id="{5896A8B8-A7CB-914F-A9DE-93D0CA668D65}" type="datetimeFigureOut">
               <a:rPr lang="en-US" smtClean="0"/>
-              <a:t>10/4/2018</a:t>
+              <a:t>10/9/2018</a:t>
             </a:fld>
             <a:endParaRPr lang="en-US"/>
           </a:p>
@@ -2110,7 +2110,7 @@
           <a:p>
             <a:fld id="{5896A8B8-A7CB-914F-A9DE-93D0CA668D65}" type="datetimeFigureOut">
               <a:rPr lang="en-US" smtClean="0"/>
-              <a:t>10/4/2018</a:t>
+              <a:t>10/9/2018</a:t>
             </a:fld>
             <a:endParaRPr lang="en-US"/>
           </a:p>
@@ -2357,7 +2357,7 @@
           <a:p>
             <a:fld id="{5896A8B8-A7CB-914F-A9DE-93D0CA668D65}" type="datetimeFigureOut">
               <a:rPr lang="en-US" smtClean="0"/>
-              <a:t>10/4/2018</a:t>
+              <a:t>10/9/2018</a:t>
             </a:fld>
             <a:endParaRPr lang="en-US"/>
           </a:p>
@@ -2565,7 +2565,7 @@
             <a:fld id="{5896A8B8-A7CB-914F-A9DE-93D0CA668D65}" type="datetimeFigureOut">
               <a:rPr lang="en-US" smtClean="0"/>
               <a:pPr/>
-              <a:t>10/4/2018</a:t>
+              <a:t>10/9/2018</a:t>
             </a:fld>
             <a:endParaRPr lang="en-US"/>
           </a:p>
@@ -4986,8 +4986,27 @@
           <a:p>
             <a:r>
               <a:rPr lang="en-GB" dirty="0"/>
-              <a:t>We have set up an Open Project instance</a:t>
-            </a:r>
+              <a:t>We have set up an Open Project instance:</a:t>
+            </a:r>
+          </a:p>
+          <a:p>
+            <a:pPr marL="0" indent="0" algn="ctr">
+              <a:buNone/>
+            </a:pPr>
+            <a:r>
+              <a:rPr lang="en-GB" dirty="0"/>
+              <a:t>https://openproject.spe-hub</a:t>
+            </a:r>
+            <a:r>
+              <a:rPr lang="en-GB"/>
+              <a:t>.net</a:t>
+            </a:r>
+          </a:p>
+          <a:p>
+            <a:pPr marL="0" indent="0" algn="ctr">
+              <a:buNone/>
+            </a:pPr>
+            <a:endParaRPr lang="en-GB" dirty="0"/>
           </a:p>
           <a:p>
             <a:r>
